--- a/src/docs/Simar overview.pptx
+++ b/src/docs/Simar overview.pptx
@@ -216,7 +216,7 @@
           <a:p>
             <a:fld id="{FCC0B684-8014-45B5-B9C4-47CA9572B093}" type="datetimeFigureOut">
               <a:rPr lang="en-NZ" smtClean="0"/>
-              <a:t>3/02/2012</a:t>
+              <a:t>13/02/2012</a:t>
             </a:fld>
             <a:endParaRPr lang="en-NZ"/>
           </a:p>
@@ -480,7 +480,7 @@
           <a:p>
             <a:fld id="{3ACCE87F-A4BF-4D9A-9320-ACD565033031}" type="datetimeFigureOut">
               <a:rPr lang="en-NZ" smtClean="0"/>
-              <a:t>3/02/2012</a:t>
+              <a:t>13/02/2012</a:t>
             </a:fld>
             <a:endParaRPr lang="en-NZ"/>
           </a:p>
@@ -645,7 +645,7 @@
           <a:p>
             <a:fld id="{3ACCE87F-A4BF-4D9A-9320-ACD565033031}" type="datetimeFigureOut">
               <a:rPr lang="en-NZ" smtClean="0"/>
-              <a:t>3/02/2012</a:t>
+              <a:t>13/02/2012</a:t>
             </a:fld>
             <a:endParaRPr lang="en-NZ"/>
           </a:p>
@@ -820,7 +820,7 @@
           <a:p>
             <a:fld id="{3ACCE87F-A4BF-4D9A-9320-ACD565033031}" type="datetimeFigureOut">
               <a:rPr lang="en-NZ" smtClean="0"/>
-              <a:t>3/02/2012</a:t>
+              <a:t>13/02/2012</a:t>
             </a:fld>
             <a:endParaRPr lang="en-NZ"/>
           </a:p>
@@ -985,7 +985,7 @@
           <a:p>
             <a:fld id="{3ACCE87F-A4BF-4D9A-9320-ACD565033031}" type="datetimeFigureOut">
               <a:rPr lang="en-NZ" smtClean="0"/>
-              <a:t>3/02/2012</a:t>
+              <a:t>13/02/2012</a:t>
             </a:fld>
             <a:endParaRPr lang="en-NZ"/>
           </a:p>
@@ -1226,7 +1226,7 @@
           <a:p>
             <a:fld id="{3ACCE87F-A4BF-4D9A-9320-ACD565033031}" type="datetimeFigureOut">
               <a:rPr lang="en-NZ" smtClean="0"/>
-              <a:t>3/02/2012</a:t>
+              <a:t>13/02/2012</a:t>
             </a:fld>
             <a:endParaRPr lang="en-NZ"/>
           </a:p>
@@ -1509,7 +1509,7 @@
           <a:p>
             <a:fld id="{3ACCE87F-A4BF-4D9A-9320-ACD565033031}" type="datetimeFigureOut">
               <a:rPr lang="en-NZ" smtClean="0"/>
-              <a:t>3/02/2012</a:t>
+              <a:t>13/02/2012</a:t>
             </a:fld>
             <a:endParaRPr lang="en-NZ"/>
           </a:p>
@@ -1926,7 +1926,7 @@
           <a:p>
             <a:fld id="{3ACCE87F-A4BF-4D9A-9320-ACD565033031}" type="datetimeFigureOut">
               <a:rPr lang="en-NZ" smtClean="0"/>
-              <a:t>3/02/2012</a:t>
+              <a:t>13/02/2012</a:t>
             </a:fld>
             <a:endParaRPr lang="en-NZ"/>
           </a:p>
@@ -2039,7 +2039,7 @@
           <a:p>
             <a:fld id="{3ACCE87F-A4BF-4D9A-9320-ACD565033031}" type="datetimeFigureOut">
               <a:rPr lang="en-NZ" smtClean="0"/>
-              <a:t>3/02/2012</a:t>
+              <a:t>13/02/2012</a:t>
             </a:fld>
             <a:endParaRPr lang="en-NZ"/>
           </a:p>
@@ -2129,7 +2129,7 @@
           <a:p>
             <a:fld id="{3ACCE87F-A4BF-4D9A-9320-ACD565033031}" type="datetimeFigureOut">
               <a:rPr lang="en-NZ" smtClean="0"/>
-              <a:t>3/02/2012</a:t>
+              <a:t>13/02/2012</a:t>
             </a:fld>
             <a:endParaRPr lang="en-NZ"/>
           </a:p>
@@ -2401,7 +2401,7 @@
           <a:p>
             <a:fld id="{3ACCE87F-A4BF-4D9A-9320-ACD565033031}" type="datetimeFigureOut">
               <a:rPr lang="en-NZ" smtClean="0"/>
-              <a:t>3/02/2012</a:t>
+              <a:t>13/02/2012</a:t>
             </a:fld>
             <a:endParaRPr lang="en-NZ"/>
           </a:p>
@@ -2649,7 +2649,7 @@
           <a:p>
             <a:fld id="{3ACCE87F-A4BF-4D9A-9320-ACD565033031}" type="datetimeFigureOut">
               <a:rPr lang="en-NZ" smtClean="0"/>
-              <a:t>3/02/2012</a:t>
+              <a:t>13/02/2012</a:t>
             </a:fld>
             <a:endParaRPr lang="en-NZ"/>
           </a:p>
@@ -2857,7 +2857,7 @@
           <a:p>
             <a:fld id="{3ACCE87F-A4BF-4D9A-9320-ACD565033031}" type="datetimeFigureOut">
               <a:rPr lang="en-NZ" smtClean="0"/>
-              <a:t>3/02/2012</a:t>
+              <a:t>13/02/2012</a:t>
             </a:fld>
             <a:endParaRPr lang="en-NZ"/>
           </a:p>
@@ -4708,11 +4708,7 @@
             </a:r>
             <a:r>
               <a:rPr lang="en-NZ" dirty="0" smtClean="0"/>
-              <a:t> variable is populated with initial values, as specified by the definition </a:t>
-            </a:r>
-            <a:r>
-              <a:rPr lang="en-NZ" dirty="0" smtClean="0"/>
-              <a:t>file.</a:t>
+              <a:t> variable is populated with initial values, as specified by the definition file.</a:t>
             </a:r>
           </a:p>
           <a:p>
@@ -4742,13 +4738,8 @@
             </a:r>
             <a:r>
               <a:rPr lang="en-NZ" dirty="0" smtClean="0"/>
-              <a:t> loaded from a base </a:t>
-            </a:r>
-            <a:r>
-              <a:rPr lang="en-NZ" dirty="0" smtClean="0"/>
-              <a:t>file</a:t>
-            </a:r>
-            <a:endParaRPr lang="en-NZ" dirty="0" smtClean="0"/>
+              <a:t> loaded from a base file</a:t>
+            </a:r>
           </a:p>
           <a:p>
             <a:r>
@@ -9476,7 +9467,7 @@
         <p:spPr/>
         <p:txBody>
           <a:bodyPr>
-            <a:normAutofit fontScale="77500" lnSpcReduction="20000"/>
+            <a:normAutofit fontScale="70000" lnSpcReduction="20000"/>
           </a:bodyPr>
           <a:lstStyle/>
           <a:p>
@@ -9504,17 +9495,83 @@
             </a:r>
             <a:r>
               <a:rPr lang="en-NZ" dirty="0"/>
-              <a:t>an outcome matrix and produces an aggregate value for each </a:t>
-            </a:r>
-            <a:r>
-              <a:rPr lang="en-NZ" dirty="0" smtClean="0"/>
+              <a:t>an outcome matrix and produces an aggregate value </a:t>
+            </a:r>
+            <a:r>
+              <a:rPr lang="en-NZ" b="1" dirty="0"/>
+              <a:t>for each </a:t>
+            </a:r>
+            <a:r>
+              <a:rPr lang="en-NZ" b="1" dirty="0" smtClean="0"/>
               <a:t>iteration</a:t>
             </a:r>
           </a:p>
           <a:p>
+            <a:pPr lvl="1">
+              <a:lnSpc>
+                <a:spcPct val="115000"/>
+              </a:lnSpc>
+              <a:spcAft>
+                <a:spcPts val="1000"/>
+              </a:spcAft>
+            </a:pPr>
+            <a:r>
+              <a:rPr lang="en-NZ" kern="1800" dirty="0">
+                <a:highlight>
+                  <a:srgbClr val="FFFF00"/>
+                </a:highlight>
+                <a:ea typeface="Times New Roman"/>
+                <a:cs typeface="Times New Roman"/>
+              </a:rPr>
+              <a:t>Some output results may not be required per iteration, rather only the final state is required. </a:t>
+            </a:r>
+            <a:r>
+              <a:rPr lang="en-NZ" kern="1800" smtClean="0">
+                <a:highlight>
+                  <a:srgbClr val="FFFF00"/>
+                </a:highlight>
+                <a:ea typeface="Times New Roman"/>
+                <a:cs typeface="Times New Roman"/>
+              </a:rPr>
+              <a:t>These </a:t>
+            </a:r>
+            <a:r>
+              <a:rPr lang="en-NZ" kern="1800" dirty="0">
+                <a:highlight>
+                  <a:srgbClr val="FFFF00"/>
+                </a:highlight>
+                <a:ea typeface="Times New Roman"/>
+                <a:cs typeface="Times New Roman"/>
+              </a:rPr>
+              <a:t>are not considered run </a:t>
+            </a:r>
+            <a:r>
+              <a:rPr lang="en-NZ" kern="1800" dirty="0" smtClean="0">
+                <a:highlight>
+                  <a:srgbClr val="FFFF00"/>
+                </a:highlight>
+                <a:ea typeface="Times New Roman"/>
+                <a:cs typeface="Times New Roman"/>
+              </a:rPr>
+              <a:t>stats.</a:t>
+            </a:r>
+          </a:p>
+          <a:p>
+            <a:pPr>
+              <a:lnSpc>
+                <a:spcPct val="115000"/>
+              </a:lnSpc>
+              <a:spcAft>
+                <a:spcPts val="1000"/>
+              </a:spcAft>
+            </a:pPr>
+            <a:r>
+              <a:rPr lang="en-NZ" dirty="0" smtClean="0"/>
+              <a:t>This </a:t>
+            </a:r>
             <a:r>
               <a:rPr lang="en-NZ" dirty="0"/>
-              <a:t>This aggregate value may </a:t>
+              <a:t>aggregate value may </a:t>
             </a:r>
             <a:r>
               <a:rPr lang="en-NZ" dirty="0" smtClean="0"/>
@@ -9874,11 +9931,7 @@
             </a:r>
             <a:r>
               <a:rPr lang="en-NZ" dirty="0" smtClean="0"/>
-              <a:t>ategorical variables can be modified before the simulation begins, or during the simulation for specific </a:t>
-            </a:r>
-            <a:r>
-              <a:rPr lang="en-NZ" dirty="0" smtClean="0"/>
-              <a:t>iterations</a:t>
+              <a:t>ategorical variables can be modified before the simulation begins, or during the simulation for specific iterations</a:t>
             </a:r>
           </a:p>
           <a:p>

--- a/src/docs/Simar overview.pptx
+++ b/src/docs/Simar overview.pptx
@@ -216,7 +216,7 @@
           <a:p>
             <a:fld id="{FCC0B684-8014-45B5-B9C4-47CA9572B093}" type="datetimeFigureOut">
               <a:rPr lang="en-NZ" smtClean="0"/>
-              <a:t>13/02/2012</a:t>
+              <a:t>20/02/2012</a:t>
             </a:fld>
             <a:endParaRPr lang="en-NZ"/>
           </a:p>
@@ -480,7 +480,7 @@
           <a:p>
             <a:fld id="{3ACCE87F-A4BF-4D9A-9320-ACD565033031}" type="datetimeFigureOut">
               <a:rPr lang="en-NZ" smtClean="0"/>
-              <a:t>13/02/2012</a:t>
+              <a:t>20/02/2012</a:t>
             </a:fld>
             <a:endParaRPr lang="en-NZ"/>
           </a:p>
@@ -645,7 +645,7 @@
           <a:p>
             <a:fld id="{3ACCE87F-A4BF-4D9A-9320-ACD565033031}" type="datetimeFigureOut">
               <a:rPr lang="en-NZ" smtClean="0"/>
-              <a:t>13/02/2012</a:t>
+              <a:t>20/02/2012</a:t>
             </a:fld>
             <a:endParaRPr lang="en-NZ"/>
           </a:p>
@@ -820,7 +820,7 @@
           <a:p>
             <a:fld id="{3ACCE87F-A4BF-4D9A-9320-ACD565033031}" type="datetimeFigureOut">
               <a:rPr lang="en-NZ" smtClean="0"/>
-              <a:t>13/02/2012</a:t>
+              <a:t>20/02/2012</a:t>
             </a:fld>
             <a:endParaRPr lang="en-NZ"/>
           </a:p>
@@ -985,7 +985,7 @@
           <a:p>
             <a:fld id="{3ACCE87F-A4BF-4D9A-9320-ACD565033031}" type="datetimeFigureOut">
               <a:rPr lang="en-NZ" smtClean="0"/>
-              <a:t>13/02/2012</a:t>
+              <a:t>20/02/2012</a:t>
             </a:fld>
             <a:endParaRPr lang="en-NZ"/>
           </a:p>
@@ -1226,7 +1226,7 @@
           <a:p>
             <a:fld id="{3ACCE87F-A4BF-4D9A-9320-ACD565033031}" type="datetimeFigureOut">
               <a:rPr lang="en-NZ" smtClean="0"/>
-              <a:t>13/02/2012</a:t>
+              <a:t>20/02/2012</a:t>
             </a:fld>
             <a:endParaRPr lang="en-NZ"/>
           </a:p>
@@ -1509,7 +1509,7 @@
           <a:p>
             <a:fld id="{3ACCE87F-A4BF-4D9A-9320-ACD565033031}" type="datetimeFigureOut">
               <a:rPr lang="en-NZ" smtClean="0"/>
-              <a:t>13/02/2012</a:t>
+              <a:t>20/02/2012</a:t>
             </a:fld>
             <a:endParaRPr lang="en-NZ"/>
           </a:p>
@@ -1926,7 +1926,7 @@
           <a:p>
             <a:fld id="{3ACCE87F-A4BF-4D9A-9320-ACD565033031}" type="datetimeFigureOut">
               <a:rPr lang="en-NZ" smtClean="0"/>
-              <a:t>13/02/2012</a:t>
+              <a:t>20/02/2012</a:t>
             </a:fld>
             <a:endParaRPr lang="en-NZ"/>
           </a:p>
@@ -2039,7 +2039,7 @@
           <a:p>
             <a:fld id="{3ACCE87F-A4BF-4D9A-9320-ACD565033031}" type="datetimeFigureOut">
               <a:rPr lang="en-NZ" smtClean="0"/>
-              <a:t>13/02/2012</a:t>
+              <a:t>20/02/2012</a:t>
             </a:fld>
             <a:endParaRPr lang="en-NZ"/>
           </a:p>
@@ -2129,7 +2129,7 @@
           <a:p>
             <a:fld id="{3ACCE87F-A4BF-4D9A-9320-ACD565033031}" type="datetimeFigureOut">
               <a:rPr lang="en-NZ" smtClean="0"/>
-              <a:t>13/02/2012</a:t>
+              <a:t>20/02/2012</a:t>
             </a:fld>
             <a:endParaRPr lang="en-NZ"/>
           </a:p>
@@ -2401,7 +2401,7 @@
           <a:p>
             <a:fld id="{3ACCE87F-A4BF-4D9A-9320-ACD565033031}" type="datetimeFigureOut">
               <a:rPr lang="en-NZ" smtClean="0"/>
-              <a:t>13/02/2012</a:t>
+              <a:t>20/02/2012</a:t>
             </a:fld>
             <a:endParaRPr lang="en-NZ"/>
           </a:p>
@@ -2649,7 +2649,7 @@
           <a:p>
             <a:fld id="{3ACCE87F-A4BF-4D9A-9320-ACD565033031}" type="datetimeFigureOut">
               <a:rPr lang="en-NZ" smtClean="0"/>
-              <a:t>13/02/2012</a:t>
+              <a:t>20/02/2012</a:t>
             </a:fld>
             <a:endParaRPr lang="en-NZ"/>
           </a:p>
@@ -2857,7 +2857,7 @@
           <a:p>
             <a:fld id="{3ACCE87F-A4BF-4D9A-9320-ACD565033031}" type="datetimeFigureOut">
               <a:rPr lang="en-NZ" smtClean="0"/>
-              <a:t>13/02/2012</a:t>
+              <a:t>20/02/2012</a:t>
             </a:fld>
             <a:endParaRPr lang="en-NZ"/>
           </a:p>
@@ -9858,8 +9858,13 @@
             <a:pPr lvl="1"/>
             <a:r>
               <a:rPr lang="en-NZ" dirty="0" smtClean="0"/>
-              <a:t>transformations can occur across multiple iterations and statistics can by generated from the results of each iteration</a:t>
-            </a:r>
+              <a:t>transformations can occur </a:t>
+            </a:r>
+            <a:r>
+              <a:rPr lang="en-NZ" dirty="0" smtClean="0"/>
+              <a:t>each iteration</a:t>
+            </a:r>
+            <a:endParaRPr lang="en-NZ" dirty="0" smtClean="0"/>
           </a:p>
           <a:p>
             <a:pPr lvl="1"/>
@@ -9882,14 +9887,18 @@
           <a:p>
             <a:pPr lvl="2"/>
             <a:r>
-              <a:rPr lang="en-NZ" dirty="0" smtClean="0"/>
-              <a:t>transformation probabilities specified in a file</a:t>
-            </a:r>
-          </a:p>
-          <a:p>
-            <a:r>
-              <a:rPr lang="en-NZ" dirty="0" smtClean="0"/>
-              <a:t>Generate descriptive statistics from the results of each iteration including frequencies, means, </a:t>
+              <a:rPr lang="en-NZ" dirty="0"/>
+              <a:t>transformations according to discrete probabilities specified in code or a file</a:t>
+            </a:r>
+          </a:p>
+          <a:p>
+            <a:r>
+              <a:rPr lang="en-NZ" dirty="0" smtClean="0"/>
+              <a:t>Generate and track descriptive </a:t>
+            </a:r>
+            <a:r>
+              <a:rPr lang="en-NZ" dirty="0" smtClean="0"/>
+              <a:t>statistics from the results of each iteration including frequencies, means, </a:t>
             </a:r>
             <a:r>
               <a:rPr lang="en-NZ" dirty="0" err="1" smtClean="0"/>
@@ -9903,7 +9912,23 @@
           <a:p>
             <a:r>
               <a:rPr lang="en-NZ" dirty="0" smtClean="0"/>
-              <a:t>Perform multiple runs of simulation and average descriptive statistics across multiple runs</a:t>
+              <a:t>Perform multiple </a:t>
+            </a:r>
+            <a:r>
+              <a:rPr lang="en-NZ" dirty="0" smtClean="0"/>
+              <a:t>simulation runs and </a:t>
+            </a:r>
+            <a:r>
+              <a:rPr lang="en-NZ" dirty="0" smtClean="0"/>
+              <a:t>average </a:t>
+            </a:r>
+            <a:r>
+              <a:rPr lang="en-NZ" dirty="0" smtClean="0"/>
+              <a:t>tracked descriptive </a:t>
+            </a:r>
+            <a:r>
+              <a:rPr lang="en-NZ" dirty="0" smtClean="0"/>
+              <a:t>statistics across multiple runs</a:t>
             </a:r>
           </a:p>
           <a:p>

--- a/src/docs/Simar overview.pptx
+++ b/src/docs/Simar overview.pptx
@@ -216,7 +216,7 @@
           <a:p>
             <a:fld id="{FCC0B684-8014-45B5-B9C4-47CA9572B093}" type="datetimeFigureOut">
               <a:rPr lang="en-NZ" smtClean="0"/>
-              <a:t>20/02/2012</a:t>
+              <a:t>23/02/2012</a:t>
             </a:fld>
             <a:endParaRPr lang="en-NZ"/>
           </a:p>
@@ -480,7 +480,7 @@
           <a:p>
             <a:fld id="{3ACCE87F-A4BF-4D9A-9320-ACD565033031}" type="datetimeFigureOut">
               <a:rPr lang="en-NZ" smtClean="0"/>
-              <a:t>20/02/2012</a:t>
+              <a:t>23/02/2012</a:t>
             </a:fld>
             <a:endParaRPr lang="en-NZ"/>
           </a:p>
@@ -645,7 +645,7 @@
           <a:p>
             <a:fld id="{3ACCE87F-A4BF-4D9A-9320-ACD565033031}" type="datetimeFigureOut">
               <a:rPr lang="en-NZ" smtClean="0"/>
-              <a:t>20/02/2012</a:t>
+              <a:t>23/02/2012</a:t>
             </a:fld>
             <a:endParaRPr lang="en-NZ"/>
           </a:p>
@@ -820,7 +820,7 @@
           <a:p>
             <a:fld id="{3ACCE87F-A4BF-4D9A-9320-ACD565033031}" type="datetimeFigureOut">
               <a:rPr lang="en-NZ" smtClean="0"/>
-              <a:t>20/02/2012</a:t>
+              <a:t>23/02/2012</a:t>
             </a:fld>
             <a:endParaRPr lang="en-NZ"/>
           </a:p>
@@ -985,7 +985,7 @@
           <a:p>
             <a:fld id="{3ACCE87F-A4BF-4D9A-9320-ACD565033031}" type="datetimeFigureOut">
               <a:rPr lang="en-NZ" smtClean="0"/>
-              <a:t>20/02/2012</a:t>
+              <a:t>23/02/2012</a:t>
             </a:fld>
             <a:endParaRPr lang="en-NZ"/>
           </a:p>
@@ -1226,7 +1226,7 @@
           <a:p>
             <a:fld id="{3ACCE87F-A4BF-4D9A-9320-ACD565033031}" type="datetimeFigureOut">
               <a:rPr lang="en-NZ" smtClean="0"/>
-              <a:t>20/02/2012</a:t>
+              <a:t>23/02/2012</a:t>
             </a:fld>
             <a:endParaRPr lang="en-NZ"/>
           </a:p>
@@ -1509,7 +1509,7 @@
           <a:p>
             <a:fld id="{3ACCE87F-A4BF-4D9A-9320-ACD565033031}" type="datetimeFigureOut">
               <a:rPr lang="en-NZ" smtClean="0"/>
-              <a:t>20/02/2012</a:t>
+              <a:t>23/02/2012</a:t>
             </a:fld>
             <a:endParaRPr lang="en-NZ"/>
           </a:p>
@@ -1926,7 +1926,7 @@
           <a:p>
             <a:fld id="{3ACCE87F-A4BF-4D9A-9320-ACD565033031}" type="datetimeFigureOut">
               <a:rPr lang="en-NZ" smtClean="0"/>
-              <a:t>20/02/2012</a:t>
+              <a:t>23/02/2012</a:t>
             </a:fld>
             <a:endParaRPr lang="en-NZ"/>
           </a:p>
@@ -2039,7 +2039,7 @@
           <a:p>
             <a:fld id="{3ACCE87F-A4BF-4D9A-9320-ACD565033031}" type="datetimeFigureOut">
               <a:rPr lang="en-NZ" smtClean="0"/>
-              <a:t>20/02/2012</a:t>
+              <a:t>23/02/2012</a:t>
             </a:fld>
             <a:endParaRPr lang="en-NZ"/>
           </a:p>
@@ -2129,7 +2129,7 @@
           <a:p>
             <a:fld id="{3ACCE87F-A4BF-4D9A-9320-ACD565033031}" type="datetimeFigureOut">
               <a:rPr lang="en-NZ" smtClean="0"/>
-              <a:t>20/02/2012</a:t>
+              <a:t>23/02/2012</a:t>
             </a:fld>
             <a:endParaRPr lang="en-NZ"/>
           </a:p>
@@ -2401,7 +2401,7 @@
           <a:p>
             <a:fld id="{3ACCE87F-A4BF-4D9A-9320-ACD565033031}" type="datetimeFigureOut">
               <a:rPr lang="en-NZ" smtClean="0"/>
-              <a:t>20/02/2012</a:t>
+              <a:t>23/02/2012</a:t>
             </a:fld>
             <a:endParaRPr lang="en-NZ"/>
           </a:p>
@@ -2649,7 +2649,7 @@
           <a:p>
             <a:fld id="{3ACCE87F-A4BF-4D9A-9320-ACD565033031}" type="datetimeFigureOut">
               <a:rPr lang="en-NZ" smtClean="0"/>
-              <a:t>20/02/2012</a:t>
+              <a:t>23/02/2012</a:t>
             </a:fld>
             <a:endParaRPr lang="en-NZ"/>
           </a:p>
@@ -2857,7 +2857,7 @@
           <a:p>
             <a:fld id="{3ACCE87F-A4BF-4D9A-9320-ACD565033031}" type="datetimeFigureOut">
               <a:rPr lang="en-NZ" smtClean="0"/>
-              <a:t>20/02/2012</a:t>
+              <a:t>23/02/2012</a:t>
             </a:fld>
             <a:endParaRPr lang="en-NZ"/>
           </a:p>
@@ -9845,7 +9845,7 @@
         <p:spPr/>
         <p:txBody>
           <a:bodyPr>
-            <a:normAutofit fontScale="62500" lnSpcReduction="20000"/>
+            <a:normAutofit fontScale="55000" lnSpcReduction="20000"/>
           </a:bodyPr>
           <a:lstStyle/>
           <a:p>
@@ -9858,13 +9858,8 @@
             <a:pPr lvl="1"/>
             <a:r>
               <a:rPr lang="en-NZ" dirty="0" smtClean="0"/>
-              <a:t>transformations can occur </a:t>
-            </a:r>
-            <a:r>
-              <a:rPr lang="en-NZ" dirty="0" smtClean="0"/>
-              <a:t>each iteration</a:t>
-            </a:r>
-            <a:endParaRPr lang="en-NZ" dirty="0" smtClean="0"/>
+              <a:t>transformations can occur each iteration</a:t>
+            </a:r>
           </a:p>
           <a:p>
             <a:pPr lvl="1"/>
@@ -9894,11 +9889,7 @@
           <a:p>
             <a:r>
               <a:rPr lang="en-NZ" dirty="0" smtClean="0"/>
-              <a:t>Generate and track descriptive </a:t>
-            </a:r>
-            <a:r>
-              <a:rPr lang="en-NZ" dirty="0" smtClean="0"/>
-              <a:t>statistics from the results of each iteration including frequencies, means, </a:t>
+              <a:t>Generate and track descriptive statistics from the results of each iteration including frequencies, means, </a:t>
             </a:r>
             <a:r>
               <a:rPr lang="en-NZ" dirty="0" err="1" smtClean="0"/>
@@ -9906,29 +9897,40 @@
             </a:r>
             <a:r>
               <a:rPr lang="en-NZ" dirty="0" smtClean="0"/>
-              <a:t>, and summaries</a:t>
-            </a:r>
-          </a:p>
-          <a:p>
-            <a:r>
-              <a:rPr lang="en-NZ" dirty="0" smtClean="0"/>
-              <a:t>Perform multiple </a:t>
-            </a:r>
-            <a:r>
-              <a:rPr lang="en-NZ" dirty="0" smtClean="0"/>
-              <a:t>simulation runs and </a:t>
-            </a:r>
-            <a:r>
-              <a:rPr lang="en-NZ" dirty="0" smtClean="0"/>
-              <a:t>average </a:t>
-            </a:r>
-            <a:r>
-              <a:rPr lang="en-NZ" dirty="0" smtClean="0"/>
-              <a:t>tracked descriptive </a:t>
-            </a:r>
-            <a:r>
-              <a:rPr lang="en-NZ" dirty="0" smtClean="0"/>
-              <a:t>statistics across multiple runs</a:t>
+              <a:t>, and </a:t>
+            </a:r>
+            <a:r>
+              <a:rPr lang="en-NZ" dirty="0" smtClean="0"/>
+              <a:t>summaries</a:t>
+            </a:r>
+          </a:p>
+          <a:p>
+            <a:pPr lvl="1"/>
+            <a:r>
+              <a:rPr lang="en-NZ" dirty="0" smtClean="0"/>
+              <a:t>Statistics can be generated for the whole population, or subsets</a:t>
+            </a:r>
+          </a:p>
+          <a:p>
+            <a:pPr lvl="1"/>
+            <a:r>
+              <a:rPr lang="en-NZ" dirty="0" smtClean="0"/>
+              <a:t>Statistics can be grouped by base variables (</a:t>
+            </a:r>
+            <a:r>
+              <a:rPr lang="en-NZ" dirty="0" err="1" smtClean="0"/>
+              <a:t>ie</a:t>
+            </a:r>
+            <a:r>
+              <a:rPr lang="en-NZ" dirty="0" smtClean="0"/>
+              <a:t>: variables that don’t change during the simulation)</a:t>
+            </a:r>
+            <a:endParaRPr lang="en-NZ" dirty="0" smtClean="0"/>
+          </a:p>
+          <a:p>
+            <a:r>
+              <a:rPr lang="en-NZ" dirty="0" smtClean="0"/>
+              <a:t>Perform multiple simulation runs and average tracked descriptive statistics across multiple runs</a:t>
             </a:r>
           </a:p>
           <a:p>

--- a/src/docs/Simar overview.pptx
+++ b/src/docs/Simar overview.pptx
@@ -216,7 +216,7 @@
           <a:p>
             <a:fld id="{FCC0B684-8014-45B5-B9C4-47CA9572B093}" type="datetimeFigureOut">
               <a:rPr lang="en-NZ" smtClean="0"/>
-              <a:t>23/02/2012</a:t>
+              <a:t>7/03/2012</a:t>
             </a:fld>
             <a:endParaRPr lang="en-NZ"/>
           </a:p>
@@ -480,7 +480,7 @@
           <a:p>
             <a:fld id="{3ACCE87F-A4BF-4D9A-9320-ACD565033031}" type="datetimeFigureOut">
               <a:rPr lang="en-NZ" smtClean="0"/>
-              <a:t>23/02/2012</a:t>
+              <a:t>7/03/2012</a:t>
             </a:fld>
             <a:endParaRPr lang="en-NZ"/>
           </a:p>
@@ -645,7 +645,7 @@
           <a:p>
             <a:fld id="{3ACCE87F-A4BF-4D9A-9320-ACD565033031}" type="datetimeFigureOut">
               <a:rPr lang="en-NZ" smtClean="0"/>
-              <a:t>23/02/2012</a:t>
+              <a:t>7/03/2012</a:t>
             </a:fld>
             <a:endParaRPr lang="en-NZ"/>
           </a:p>
@@ -820,7 +820,7 @@
           <a:p>
             <a:fld id="{3ACCE87F-A4BF-4D9A-9320-ACD565033031}" type="datetimeFigureOut">
               <a:rPr lang="en-NZ" smtClean="0"/>
-              <a:t>23/02/2012</a:t>
+              <a:t>7/03/2012</a:t>
             </a:fld>
             <a:endParaRPr lang="en-NZ"/>
           </a:p>
@@ -985,7 +985,7 @@
           <a:p>
             <a:fld id="{3ACCE87F-A4BF-4D9A-9320-ACD565033031}" type="datetimeFigureOut">
               <a:rPr lang="en-NZ" smtClean="0"/>
-              <a:t>23/02/2012</a:t>
+              <a:t>7/03/2012</a:t>
             </a:fld>
             <a:endParaRPr lang="en-NZ"/>
           </a:p>
@@ -1226,7 +1226,7 @@
           <a:p>
             <a:fld id="{3ACCE87F-A4BF-4D9A-9320-ACD565033031}" type="datetimeFigureOut">
               <a:rPr lang="en-NZ" smtClean="0"/>
-              <a:t>23/02/2012</a:t>
+              <a:t>7/03/2012</a:t>
             </a:fld>
             <a:endParaRPr lang="en-NZ"/>
           </a:p>
@@ -1509,7 +1509,7 @@
           <a:p>
             <a:fld id="{3ACCE87F-A4BF-4D9A-9320-ACD565033031}" type="datetimeFigureOut">
               <a:rPr lang="en-NZ" smtClean="0"/>
-              <a:t>23/02/2012</a:t>
+              <a:t>7/03/2012</a:t>
             </a:fld>
             <a:endParaRPr lang="en-NZ"/>
           </a:p>
@@ -1926,7 +1926,7 @@
           <a:p>
             <a:fld id="{3ACCE87F-A4BF-4D9A-9320-ACD565033031}" type="datetimeFigureOut">
               <a:rPr lang="en-NZ" smtClean="0"/>
-              <a:t>23/02/2012</a:t>
+              <a:t>7/03/2012</a:t>
             </a:fld>
             <a:endParaRPr lang="en-NZ"/>
           </a:p>
@@ -2039,7 +2039,7 @@
           <a:p>
             <a:fld id="{3ACCE87F-A4BF-4D9A-9320-ACD565033031}" type="datetimeFigureOut">
               <a:rPr lang="en-NZ" smtClean="0"/>
-              <a:t>23/02/2012</a:t>
+              <a:t>7/03/2012</a:t>
             </a:fld>
             <a:endParaRPr lang="en-NZ"/>
           </a:p>
@@ -2129,7 +2129,7 @@
           <a:p>
             <a:fld id="{3ACCE87F-A4BF-4D9A-9320-ACD565033031}" type="datetimeFigureOut">
               <a:rPr lang="en-NZ" smtClean="0"/>
-              <a:t>23/02/2012</a:t>
+              <a:t>7/03/2012</a:t>
             </a:fld>
             <a:endParaRPr lang="en-NZ"/>
           </a:p>
@@ -2401,7 +2401,7 @@
           <a:p>
             <a:fld id="{3ACCE87F-A4BF-4D9A-9320-ACD565033031}" type="datetimeFigureOut">
               <a:rPr lang="en-NZ" smtClean="0"/>
-              <a:t>23/02/2012</a:t>
+              <a:t>7/03/2012</a:t>
             </a:fld>
             <a:endParaRPr lang="en-NZ"/>
           </a:p>
@@ -2649,7 +2649,7 @@
           <a:p>
             <a:fld id="{3ACCE87F-A4BF-4D9A-9320-ACD565033031}" type="datetimeFigureOut">
               <a:rPr lang="en-NZ" smtClean="0"/>
-              <a:t>23/02/2012</a:t>
+              <a:t>7/03/2012</a:t>
             </a:fld>
             <a:endParaRPr lang="en-NZ"/>
           </a:p>
@@ -2857,7 +2857,7 @@
           <a:p>
             <a:fld id="{3ACCE87F-A4BF-4D9A-9320-ACD565033031}" type="datetimeFigureOut">
               <a:rPr lang="en-NZ" smtClean="0"/>
-              <a:t>23/02/2012</a:t>
+              <a:t>7/03/2012</a:t>
             </a:fld>
             <a:endParaRPr lang="en-NZ"/>
           </a:p>
@@ -3600,7 +3600,19 @@
             </a:r>
             <a:r>
               <a:rPr lang="en-NZ" dirty="0" smtClean="0"/>
-              <a:t>simulation and were all the work is done</a:t>
+              <a:t>simulation </a:t>
+            </a:r>
+            <a:r>
+              <a:rPr lang="en-NZ" smtClean="0"/>
+              <a:t>and </a:t>
+            </a:r>
+            <a:r>
+              <a:rPr lang="en-NZ" smtClean="0"/>
+              <a:t>where </a:t>
+            </a:r>
+            <a:r>
+              <a:rPr lang="en-NZ" dirty="0" smtClean="0"/>
+              <a:t>all the work is done</a:t>
             </a:r>
           </a:p>
           <a:p>
@@ -9897,11 +9909,7 @@
             </a:r>
             <a:r>
               <a:rPr lang="en-NZ" dirty="0" smtClean="0"/>
-              <a:t>, and </a:t>
-            </a:r>
-            <a:r>
-              <a:rPr lang="en-NZ" dirty="0" smtClean="0"/>
-              <a:t>summaries</a:t>
+              <a:t>, and summaries</a:t>
             </a:r>
           </a:p>
           <a:p>
@@ -9925,7 +9933,6 @@
               <a:rPr lang="en-NZ" dirty="0" smtClean="0"/>
               <a:t>: variables that don’t change during the simulation)</a:t>
             </a:r>
-            <a:endParaRPr lang="en-NZ" dirty="0" smtClean="0"/>
           </a:p>
           <a:p>
             <a:r>

--- a/src/docs/Simar overview.pptx
+++ b/src/docs/Simar overview.pptx
@@ -216,7 +216,7 @@
           <a:p>
             <a:fld id="{FCC0B684-8014-45B5-B9C4-47CA9572B093}" type="datetimeFigureOut">
               <a:rPr lang="en-NZ" smtClean="0"/>
-              <a:t>23/02/2012</a:t>
+              <a:t>8/03/2012</a:t>
             </a:fld>
             <a:endParaRPr lang="en-NZ"/>
           </a:p>
@@ -480,7 +480,7 @@
           <a:p>
             <a:fld id="{3ACCE87F-A4BF-4D9A-9320-ACD565033031}" type="datetimeFigureOut">
               <a:rPr lang="en-NZ" smtClean="0"/>
-              <a:t>23/02/2012</a:t>
+              <a:t>8/03/2012</a:t>
             </a:fld>
             <a:endParaRPr lang="en-NZ"/>
           </a:p>
@@ -645,7 +645,7 @@
           <a:p>
             <a:fld id="{3ACCE87F-A4BF-4D9A-9320-ACD565033031}" type="datetimeFigureOut">
               <a:rPr lang="en-NZ" smtClean="0"/>
-              <a:t>23/02/2012</a:t>
+              <a:t>8/03/2012</a:t>
             </a:fld>
             <a:endParaRPr lang="en-NZ"/>
           </a:p>
@@ -820,7 +820,7 @@
           <a:p>
             <a:fld id="{3ACCE87F-A4BF-4D9A-9320-ACD565033031}" type="datetimeFigureOut">
               <a:rPr lang="en-NZ" smtClean="0"/>
-              <a:t>23/02/2012</a:t>
+              <a:t>8/03/2012</a:t>
             </a:fld>
             <a:endParaRPr lang="en-NZ"/>
           </a:p>
@@ -985,7 +985,7 @@
           <a:p>
             <a:fld id="{3ACCE87F-A4BF-4D9A-9320-ACD565033031}" type="datetimeFigureOut">
               <a:rPr lang="en-NZ" smtClean="0"/>
-              <a:t>23/02/2012</a:t>
+              <a:t>8/03/2012</a:t>
             </a:fld>
             <a:endParaRPr lang="en-NZ"/>
           </a:p>
@@ -1226,7 +1226,7 @@
           <a:p>
             <a:fld id="{3ACCE87F-A4BF-4D9A-9320-ACD565033031}" type="datetimeFigureOut">
               <a:rPr lang="en-NZ" smtClean="0"/>
-              <a:t>23/02/2012</a:t>
+              <a:t>8/03/2012</a:t>
             </a:fld>
             <a:endParaRPr lang="en-NZ"/>
           </a:p>
@@ -1509,7 +1509,7 @@
           <a:p>
             <a:fld id="{3ACCE87F-A4BF-4D9A-9320-ACD565033031}" type="datetimeFigureOut">
               <a:rPr lang="en-NZ" smtClean="0"/>
-              <a:t>23/02/2012</a:t>
+              <a:t>8/03/2012</a:t>
             </a:fld>
             <a:endParaRPr lang="en-NZ"/>
           </a:p>
@@ -1926,7 +1926,7 @@
           <a:p>
             <a:fld id="{3ACCE87F-A4BF-4D9A-9320-ACD565033031}" type="datetimeFigureOut">
               <a:rPr lang="en-NZ" smtClean="0"/>
-              <a:t>23/02/2012</a:t>
+              <a:t>8/03/2012</a:t>
             </a:fld>
             <a:endParaRPr lang="en-NZ"/>
           </a:p>
@@ -2039,7 +2039,7 @@
           <a:p>
             <a:fld id="{3ACCE87F-A4BF-4D9A-9320-ACD565033031}" type="datetimeFigureOut">
               <a:rPr lang="en-NZ" smtClean="0"/>
-              <a:t>23/02/2012</a:t>
+              <a:t>8/03/2012</a:t>
             </a:fld>
             <a:endParaRPr lang="en-NZ"/>
           </a:p>
@@ -2129,7 +2129,7 @@
           <a:p>
             <a:fld id="{3ACCE87F-A4BF-4D9A-9320-ACD565033031}" type="datetimeFigureOut">
               <a:rPr lang="en-NZ" smtClean="0"/>
-              <a:t>23/02/2012</a:t>
+              <a:t>8/03/2012</a:t>
             </a:fld>
             <a:endParaRPr lang="en-NZ"/>
           </a:p>
@@ -2401,7 +2401,7 @@
           <a:p>
             <a:fld id="{3ACCE87F-A4BF-4D9A-9320-ACD565033031}" type="datetimeFigureOut">
               <a:rPr lang="en-NZ" smtClean="0"/>
-              <a:t>23/02/2012</a:t>
+              <a:t>8/03/2012</a:t>
             </a:fld>
             <a:endParaRPr lang="en-NZ"/>
           </a:p>
@@ -2649,7 +2649,7 @@
           <a:p>
             <a:fld id="{3ACCE87F-A4BF-4D9A-9320-ACD565033031}" type="datetimeFigureOut">
               <a:rPr lang="en-NZ" smtClean="0"/>
-              <a:t>23/02/2012</a:t>
+              <a:t>8/03/2012</a:t>
             </a:fld>
             <a:endParaRPr lang="en-NZ"/>
           </a:p>
@@ -2857,7 +2857,7 @@
           <a:p>
             <a:fld id="{3ACCE87F-A4BF-4D9A-9320-ACD565033031}" type="datetimeFigureOut">
               <a:rPr lang="en-NZ" smtClean="0"/>
-              <a:t>23/02/2012</a:t>
+              <a:t>8/03/2012</a:t>
             </a:fld>
             <a:endParaRPr lang="en-NZ"/>
           </a:p>
@@ -3600,7 +3600,15 @@
             </a:r>
             <a:r>
               <a:rPr lang="en-NZ" dirty="0" smtClean="0"/>
-              <a:t>simulation and were all the work is done</a:t>
+              <a:t>simulation and </a:t>
+            </a:r>
+            <a:r>
+              <a:rPr lang="en-NZ" dirty="0" smtClean="0"/>
+              <a:t>where </a:t>
+            </a:r>
+            <a:r>
+              <a:rPr lang="en-NZ" dirty="0" smtClean="0"/>
+              <a:t>all the work is done</a:t>
             </a:r>
           </a:p>
           <a:p>
@@ -3705,7 +3713,7 @@
         <p:spPr/>
         <p:txBody>
           <a:bodyPr>
-            <a:normAutofit fontScale="85000" lnSpcReduction="20000"/>
+            <a:normAutofit fontScale="85000" lnSpcReduction="10000"/>
           </a:bodyPr>
           <a:lstStyle/>
           <a:p>
@@ -3769,13 +3777,21 @@
             </a:r>
             <a:r>
               <a:rPr lang="en-NZ" dirty="0" smtClean="0"/>
-              <a:t>summaries for each outcome and iteration. Stores them with stats from previous runs.</a:t>
+              <a:t>summaries for </a:t>
+            </a:r>
+            <a:r>
+              <a:rPr lang="en-NZ" dirty="0" smtClean="0"/>
+              <a:t>any </a:t>
+            </a:r>
+            <a:r>
+              <a:rPr lang="en-NZ" dirty="0" smtClean="0"/>
+              <a:t>outcome and iteration. Stores them with stats from previous runs.</a:t>
             </a:r>
           </a:p>
           <a:p>
             <a:r>
               <a:rPr lang="en-NZ" dirty="0" err="1" smtClean="0"/>
-              <a:t>calcFinalStats</a:t>
+              <a:t>collateRunStats</a:t>
             </a:r>
             <a:endParaRPr lang="en-NZ" dirty="0" smtClean="0"/>
           </a:p>
@@ -3783,7 +3799,15 @@
             <a:pPr lvl="1"/>
             <a:r>
               <a:rPr lang="en-NZ" dirty="0" smtClean="0"/>
-              <a:t>calculates the mean of run stats over multiple iterations and prepares results for display by adding column names etc.</a:t>
+              <a:t>calculates the mean of run stats over multiple </a:t>
+            </a:r>
+            <a:r>
+              <a:rPr lang="en-NZ" dirty="0" smtClean="0"/>
+              <a:t>runs and </a:t>
+            </a:r>
+            <a:r>
+              <a:rPr lang="en-NZ" dirty="0" smtClean="0"/>
+              <a:t>prepares results for display by adding column names etc.</a:t>
             </a:r>
           </a:p>
           <a:p>
@@ -3871,7 +3895,7 @@
         <p:spPr/>
         <p:txBody>
           <a:bodyPr>
-            <a:normAutofit fontScale="92500" lnSpcReduction="20000"/>
+            <a:normAutofit fontScale="85000" lnSpcReduction="20000"/>
           </a:bodyPr>
           <a:lstStyle/>
           <a:p>
@@ -3918,9 +3942,10 @@
           </a:p>
           <a:p>
             <a:r>
-              <a:rPr lang="en-NZ" dirty="0" smtClean="0"/>
-              <a:t>runs</a:t>
-            </a:r>
+              <a:rPr lang="en-NZ" dirty="0" err="1" smtClean="0"/>
+              <a:t>runstats</a:t>
+            </a:r>
+            <a:endParaRPr lang="en-NZ" dirty="0" smtClean="0"/>
           </a:p>
           <a:p>
             <a:pPr lvl="1"/>
@@ -3935,42 +3960,84 @@
               </a:rPr>
               <a:t>appendRunStats</a:t>
             </a:r>
+            <a:endParaRPr lang="en-NZ" sz="2600" dirty="0" smtClean="0">
+              <a:latin typeface="Courier New" pitchFamily="49" charset="0"/>
+              <a:cs typeface="Courier New" pitchFamily="49" charset="0"/>
+            </a:endParaRPr>
+          </a:p>
+          <a:p>
+            <a:pPr lvl="1"/>
+            <a:r>
+              <a:rPr lang="en-NZ" dirty="0"/>
+              <a:t>a list of run </a:t>
+            </a:r>
+            <a:r>
+              <a:rPr lang="en-NZ" dirty="0" smtClean="0"/>
+              <a:t>stats. Each element contains </a:t>
+            </a:r>
+            <a:r>
+              <a:rPr lang="en-NZ" dirty="0" err="1" smtClean="0"/>
+              <a:t>runstats</a:t>
+            </a:r>
+            <a:r>
+              <a:rPr lang="en-NZ" dirty="0" smtClean="0"/>
+              <a:t> for all runs.</a:t>
+            </a:r>
             <a:endParaRPr lang="en-NZ" dirty="0" smtClean="0"/>
           </a:p>
           <a:p>
+            <a:r>
+              <a:rPr lang="en-NZ" dirty="0" err="1" smtClean="0"/>
+              <a:t>runstats.collated</a:t>
+            </a:r>
+            <a:endParaRPr lang="en-NZ" dirty="0" smtClean="0"/>
+          </a:p>
+          <a:p>
             <a:pPr lvl="1"/>
             <a:r>
-              <a:rPr lang="en-NZ" dirty="0" smtClean="0"/>
-              <a:t>Contains run stats for all runs</a:t>
-            </a:r>
-          </a:p>
-          <a:p>
-            <a:pPr lvl="1"/>
-            <a:r>
-              <a:rPr lang="en-NZ" dirty="0" smtClean="0"/>
-              <a:t>a list of run stats</a:t>
-            </a:r>
-          </a:p>
-          <a:p>
-            <a:r>
-              <a:rPr lang="en-NZ" smtClean="0"/>
-              <a:t>runs.averaged</a:t>
-            </a:r>
-            <a:endParaRPr lang="en-NZ" dirty="0" smtClean="0"/>
-          </a:p>
-          <a:p>
-            <a:pPr lvl="1"/>
-            <a:r>
-              <a:rPr lang="en-NZ" dirty="0" smtClean="0"/>
+              <a:rPr lang="en-NZ" dirty="0"/>
               <a:t>results of </a:t>
             </a:r>
             <a:r>
-              <a:rPr lang="en-NZ" sz="2600" dirty="0" err="1" smtClean="0">
+              <a:rPr lang="en-NZ" dirty="0" err="1">
                 <a:latin typeface="Courier New" pitchFamily="49" charset="0"/>
                 <a:cs typeface="Courier New" pitchFamily="49" charset="0"/>
               </a:rPr>
-              <a:t>calcFinalResults</a:t>
-            </a:r>
+              <a:t>collateRunStats</a:t>
+            </a:r>
+            <a:endParaRPr lang="en-NZ" dirty="0">
+              <a:latin typeface="Courier New" pitchFamily="49" charset="0"/>
+              <a:cs typeface="Courier New" pitchFamily="49" charset="0"/>
+            </a:endParaRPr>
+          </a:p>
+          <a:p>
+            <a:pPr lvl="1"/>
+            <a:r>
+              <a:rPr lang="en-NZ" dirty="0" smtClean="0"/>
+              <a:t>Each element contains </a:t>
+            </a:r>
+            <a:r>
+              <a:rPr lang="en-NZ" dirty="0" err="1" smtClean="0"/>
+              <a:t>runstats</a:t>
+            </a:r>
+            <a:r>
+              <a:rPr lang="en-NZ" dirty="0" smtClean="0"/>
+              <a:t> averaged across all runs</a:t>
+            </a:r>
+            <a:endParaRPr lang="en-NZ" sz="2600" dirty="0" smtClean="0">
+              <a:latin typeface="Courier New" pitchFamily="49" charset="0"/>
+              <a:cs typeface="Courier New" pitchFamily="49" charset="0"/>
+            </a:endParaRPr>
+          </a:p>
+          <a:p>
+            <a:pPr lvl="1"/>
+            <a:endParaRPr lang="en-NZ" sz="2600" dirty="0" smtClean="0">
+              <a:latin typeface="Courier New" pitchFamily="49" charset="0"/>
+              <a:cs typeface="Courier New" pitchFamily="49" charset="0"/>
+            </a:endParaRPr>
+          </a:p>
+          <a:p>
+            <a:pPr lvl="1"/>
             <a:endParaRPr lang="en-NZ" dirty="0" smtClean="0">
               <a:latin typeface="Courier New" pitchFamily="49" charset="0"/>
               <a:cs typeface="Courier New" pitchFamily="49" charset="0"/>
@@ -9483,100 +9550,42 @@
           <a:p>
             <a:r>
               <a:rPr lang="en-NZ" dirty="0" smtClean="0"/>
-              <a:t>A </a:t>
-            </a:r>
-            <a:r>
-              <a:rPr lang="en-NZ" dirty="0"/>
-              <a:t>run stat is essentially a function that </a:t>
-            </a:r>
-            <a:r>
-              <a:rPr lang="en-NZ" dirty="0" smtClean="0"/>
-              <a:t>takes </a:t>
-            </a:r>
-            <a:r>
-              <a:rPr lang="en-NZ" dirty="0"/>
-              <a:t>an outcome matrix and produces an aggregate value </a:t>
-            </a:r>
-            <a:r>
-              <a:rPr lang="en-NZ" b="1" dirty="0"/>
-              <a:t>for each </a:t>
-            </a:r>
-            <a:r>
-              <a:rPr lang="en-NZ" b="1" dirty="0" smtClean="0"/>
-              <a:t>iteration</a:t>
-            </a:r>
-          </a:p>
-          <a:p>
-            <a:pPr lvl="1">
-              <a:lnSpc>
-                <a:spcPct val="115000"/>
-              </a:lnSpc>
-              <a:spcAft>
-                <a:spcPts val="1000"/>
-              </a:spcAft>
-            </a:pPr>
-            <a:r>
-              <a:rPr lang="en-NZ" kern="1800" dirty="0">
-                <a:highlight>
-                  <a:srgbClr val="FFFF00"/>
-                </a:highlight>
-                <a:ea typeface="Times New Roman"/>
-                <a:cs typeface="Times New Roman"/>
-              </a:rPr>
-              <a:t>Some output results may not be required per iteration, rather only the final state is required. </a:t>
-            </a:r>
-            <a:r>
-              <a:rPr lang="en-NZ" kern="1800" smtClean="0">
-                <a:highlight>
-                  <a:srgbClr val="FFFF00"/>
-                </a:highlight>
-                <a:ea typeface="Times New Roman"/>
-                <a:cs typeface="Times New Roman"/>
-              </a:rPr>
-              <a:t>These </a:t>
-            </a:r>
-            <a:r>
-              <a:rPr lang="en-NZ" kern="1800" dirty="0">
-                <a:highlight>
-                  <a:srgbClr val="FFFF00"/>
-                </a:highlight>
-                <a:ea typeface="Times New Roman"/>
-                <a:cs typeface="Times New Roman"/>
-              </a:rPr>
-              <a:t>are not considered run </a:t>
-            </a:r>
-            <a:r>
-              <a:rPr lang="en-NZ" kern="1800" dirty="0" smtClean="0">
-                <a:highlight>
-                  <a:srgbClr val="FFFF00"/>
-                </a:highlight>
-                <a:ea typeface="Times New Roman"/>
-                <a:cs typeface="Times New Roman"/>
-              </a:rPr>
-              <a:t>stats.</a:t>
-            </a:r>
-          </a:p>
-          <a:p>
-            <a:pPr>
-              <a:lnSpc>
-                <a:spcPct val="115000"/>
-              </a:lnSpc>
-              <a:spcAft>
-                <a:spcPts val="1000"/>
-              </a:spcAft>
-            </a:pPr>
-            <a:r>
-              <a:rPr lang="en-NZ" dirty="0" smtClean="0"/>
-              <a:t>This </a:t>
-            </a:r>
-            <a:r>
-              <a:rPr lang="en-NZ" dirty="0"/>
-              <a:t>aggregate value may </a:t>
-            </a:r>
-            <a:r>
-              <a:rPr lang="en-NZ" dirty="0" smtClean="0"/>
-              <a:t>be</a:t>
-            </a:r>
+              <a:t>A run stat is any value from any outcome that you wish record and track across multiple runs</a:t>
+            </a:r>
+            <a:endParaRPr lang="en-NZ" dirty="0" smtClean="0"/>
+          </a:p>
+          <a:p>
+            <a:r>
+              <a:rPr lang="en-NZ" dirty="0" smtClean="0"/>
+              <a:t>Typically a run stat is an aggregate value calculated across each iteration (</a:t>
+            </a:r>
+            <a:r>
+              <a:rPr lang="en-NZ" dirty="0" err="1" smtClean="0"/>
+              <a:t>eg</a:t>
+            </a:r>
+            <a:r>
+              <a:rPr lang="en-NZ" dirty="0" smtClean="0"/>
+              <a:t>: a mean for </a:t>
+            </a:r>
+            <a:r>
+              <a:rPr lang="en-NZ" smtClean="0"/>
+              <a:t>each iteration) </a:t>
+            </a:r>
+            <a:r>
+              <a:rPr lang="en-NZ" dirty="0" smtClean="0"/>
+              <a:t>although it could be a result from a specific iteration</a:t>
+            </a:r>
+          </a:p>
+          <a:p>
+            <a:r>
+              <a:rPr lang="en-NZ" dirty="0" smtClean="0"/>
+              <a:t>Example of run stats </a:t>
+            </a:r>
+            <a:r>
+              <a:rPr lang="en-NZ" dirty="0" smtClean="0"/>
+              <a:t>include:</a:t>
+            </a:r>
+            <a:endParaRPr lang="en-NZ" dirty="0" smtClean="0"/>
           </a:p>
           <a:p>
             <a:pPr lvl="1"/>
@@ -9634,7 +9643,15 @@
           <a:p>
             <a:r>
               <a:rPr lang="en-NZ" dirty="0" smtClean="0"/>
-              <a:t>Run stats are available to produce</a:t>
+              <a:t>Run </a:t>
+            </a:r>
+            <a:r>
+              <a:rPr lang="en-NZ" dirty="0" smtClean="0"/>
+              <a:t>stat functions are </a:t>
+            </a:r>
+            <a:r>
+              <a:rPr lang="en-NZ" dirty="0" smtClean="0"/>
+              <a:t>available to produce</a:t>
             </a:r>
           </a:p>
           <a:p>
@@ -9713,7 +9730,7 @@
           <a:p>
             <a:r>
               <a:rPr lang="en-NZ" dirty="0" err="1" smtClean="0"/>
-              <a:t>calcFinalResults</a:t>
+              <a:t>collateRunStats</a:t>
             </a:r>
             <a:endParaRPr lang="en-NZ" dirty="0"/>
           </a:p>
@@ -9889,7 +9906,15 @@
           <a:p>
             <a:r>
               <a:rPr lang="en-NZ" dirty="0" smtClean="0"/>
-              <a:t>Generate and track descriptive statistics from the results of each iteration including frequencies, means, </a:t>
+              <a:t>Generate </a:t>
+            </a:r>
+            <a:r>
+              <a:rPr lang="en-NZ" dirty="0" smtClean="0"/>
+              <a:t>descriptive </a:t>
+            </a:r>
+            <a:r>
+              <a:rPr lang="en-NZ" dirty="0" smtClean="0"/>
+              <a:t>statistics from the results of each iteration including frequencies, means, </a:t>
             </a:r>
             <a:r>
               <a:rPr lang="en-NZ" dirty="0" err="1" smtClean="0"/>
@@ -9897,11 +9922,7 @@
             </a:r>
             <a:r>
               <a:rPr lang="en-NZ" dirty="0" smtClean="0"/>
-              <a:t>, and </a:t>
-            </a:r>
-            <a:r>
-              <a:rPr lang="en-NZ" dirty="0" smtClean="0"/>
-              <a:t>summaries</a:t>
+              <a:t>, and summaries</a:t>
             </a:r>
           </a:p>
           <a:p>
@@ -9925,7 +9946,6 @@
               <a:rPr lang="en-NZ" dirty="0" smtClean="0"/>
               <a:t>: variables that don’t change during the simulation)</a:t>
             </a:r>
-            <a:endParaRPr lang="en-NZ" dirty="0" smtClean="0"/>
           </a:p>
           <a:p>
             <a:r>

--- a/src/docs/Simar overview.pptx
+++ b/src/docs/Simar overview.pptx
@@ -5,7 +5,7 @@
     <p:sldMasterId id="2147483648" r:id="rId1"/>
   </p:sldMasterIdLst>
   <p:handoutMasterIdLst>
-    <p:handoutMasterId r:id="rId27"/>
+    <p:handoutMasterId r:id="rId29"/>
   </p:handoutMasterIdLst>
   <p:sldIdLst>
     <p:sldId id="256" r:id="rId2"/>
@@ -33,6 +33,8 @@
     <p:sldId id="257" r:id="rId24"/>
     <p:sldId id="282" r:id="rId25"/>
     <p:sldId id="283" r:id="rId26"/>
+    <p:sldId id="285" r:id="rId27"/>
+    <p:sldId id="286" r:id="rId28"/>
   </p:sldIdLst>
   <p:sldSz cx="9144000" cy="6858000" type="screen4x3"/>
   <p:notesSz cx="6797675" cy="9926638"/>
@@ -134,6 +136,5586 @@
 </p:presentation>
 </file>
 
+<file path=ppt/diagrams/colors1.xml><?xml version="1.0" encoding="utf-8"?>
+<dgm:colorsDef xmlns:dgm="http://schemas.openxmlformats.org/drawingml/2006/diagram" xmlns:a="http://schemas.openxmlformats.org/drawingml/2006/main" uniqueId="urn:microsoft.com/office/officeart/2005/8/colors/accent1_2">
+  <dgm:title val=""/>
+  <dgm:desc val=""/>
+  <dgm:catLst>
+    <dgm:cat type="accent1" pri="11200"/>
+  </dgm:catLst>
+  <dgm:styleLbl name="node0">
+    <dgm:fillClrLst meth="repeat">
+      <a:schemeClr val="accent1"/>
+    </dgm:fillClrLst>
+    <dgm:linClrLst meth="repeat">
+      <a:schemeClr val="lt1"/>
+    </dgm:linClrLst>
+    <dgm:effectClrLst/>
+    <dgm:txLinClrLst/>
+    <dgm:txFillClrLst/>
+    <dgm:txEffectClrLst/>
+  </dgm:styleLbl>
+  <dgm:styleLbl name="alignNode1">
+    <dgm:fillClrLst meth="repeat">
+      <a:schemeClr val="accent1"/>
+    </dgm:fillClrLst>
+    <dgm:linClrLst meth="repeat">
+      <a:schemeClr val="accent1"/>
+    </dgm:linClrLst>
+    <dgm:effectClrLst/>
+    <dgm:txLinClrLst/>
+    <dgm:txFillClrLst/>
+    <dgm:txEffectClrLst/>
+  </dgm:styleLbl>
+  <dgm:styleLbl name="node1">
+    <dgm:fillClrLst meth="repeat">
+      <a:schemeClr val="accent1"/>
+    </dgm:fillClrLst>
+    <dgm:linClrLst meth="repeat">
+      <a:schemeClr val="lt1"/>
+    </dgm:linClrLst>
+    <dgm:effectClrLst/>
+    <dgm:txLinClrLst/>
+    <dgm:txFillClrLst/>
+    <dgm:txEffectClrLst/>
+  </dgm:styleLbl>
+  <dgm:styleLbl name="lnNode1">
+    <dgm:fillClrLst meth="repeat">
+      <a:schemeClr val="accent1"/>
+    </dgm:fillClrLst>
+    <dgm:linClrLst meth="repeat">
+      <a:schemeClr val="lt1"/>
+    </dgm:linClrLst>
+    <dgm:effectClrLst/>
+    <dgm:txLinClrLst/>
+    <dgm:txFillClrLst/>
+    <dgm:txEffectClrLst/>
+  </dgm:styleLbl>
+  <dgm:styleLbl name="vennNode1">
+    <dgm:fillClrLst meth="repeat">
+      <a:schemeClr val="accent1">
+        <a:alpha val="50000"/>
+      </a:schemeClr>
+    </dgm:fillClrLst>
+    <dgm:linClrLst meth="repeat">
+      <a:schemeClr val="lt1"/>
+    </dgm:linClrLst>
+    <dgm:effectClrLst/>
+    <dgm:txLinClrLst/>
+    <dgm:txFillClrLst/>
+    <dgm:txEffectClrLst/>
+  </dgm:styleLbl>
+  <dgm:styleLbl name="node2">
+    <dgm:fillClrLst meth="repeat">
+      <a:schemeClr val="accent1"/>
+    </dgm:fillClrLst>
+    <dgm:linClrLst meth="repeat">
+      <a:schemeClr val="lt1"/>
+    </dgm:linClrLst>
+    <dgm:effectClrLst/>
+    <dgm:txLinClrLst/>
+    <dgm:txFillClrLst/>
+    <dgm:txEffectClrLst/>
+  </dgm:styleLbl>
+  <dgm:styleLbl name="node3">
+    <dgm:fillClrLst meth="repeat">
+      <a:schemeClr val="accent1"/>
+    </dgm:fillClrLst>
+    <dgm:linClrLst meth="repeat">
+      <a:schemeClr val="lt1"/>
+    </dgm:linClrLst>
+    <dgm:effectClrLst/>
+    <dgm:txLinClrLst/>
+    <dgm:txFillClrLst/>
+    <dgm:txEffectClrLst/>
+  </dgm:styleLbl>
+  <dgm:styleLbl name="node4">
+    <dgm:fillClrLst meth="repeat">
+      <a:schemeClr val="accent1"/>
+    </dgm:fillClrLst>
+    <dgm:linClrLst meth="repeat">
+      <a:schemeClr val="lt1"/>
+    </dgm:linClrLst>
+    <dgm:effectClrLst/>
+    <dgm:txLinClrLst/>
+    <dgm:txFillClrLst/>
+    <dgm:txEffectClrLst/>
+  </dgm:styleLbl>
+  <dgm:styleLbl name="fgImgPlace1">
+    <dgm:fillClrLst meth="repeat">
+      <a:schemeClr val="accent1">
+        <a:tint val="50000"/>
+      </a:schemeClr>
+    </dgm:fillClrLst>
+    <dgm:linClrLst meth="repeat">
+      <a:schemeClr val="lt1"/>
+    </dgm:linClrLst>
+    <dgm:effectClrLst/>
+    <dgm:txLinClrLst/>
+    <dgm:txFillClrLst meth="repeat">
+      <a:schemeClr val="lt1"/>
+    </dgm:txFillClrLst>
+    <dgm:txEffectClrLst/>
+  </dgm:styleLbl>
+  <dgm:styleLbl name="alignImgPlace1">
+    <dgm:fillClrLst meth="repeat">
+      <a:schemeClr val="accent1">
+        <a:tint val="50000"/>
+      </a:schemeClr>
+    </dgm:fillClrLst>
+    <dgm:linClrLst meth="repeat">
+      <a:schemeClr val="lt1"/>
+    </dgm:linClrLst>
+    <dgm:effectClrLst/>
+    <dgm:txLinClrLst/>
+    <dgm:txFillClrLst meth="repeat">
+      <a:schemeClr val="lt1"/>
+    </dgm:txFillClrLst>
+    <dgm:txEffectClrLst/>
+  </dgm:styleLbl>
+  <dgm:styleLbl name="bgImgPlace1">
+    <dgm:fillClrLst meth="repeat">
+      <a:schemeClr val="accent1">
+        <a:tint val="50000"/>
+      </a:schemeClr>
+    </dgm:fillClrLst>
+    <dgm:linClrLst meth="repeat">
+      <a:schemeClr val="lt1"/>
+    </dgm:linClrLst>
+    <dgm:effectClrLst/>
+    <dgm:txLinClrLst/>
+    <dgm:txFillClrLst meth="repeat">
+      <a:schemeClr val="lt1"/>
+    </dgm:txFillClrLst>
+    <dgm:txEffectClrLst/>
+  </dgm:styleLbl>
+  <dgm:styleLbl name="sibTrans2D1">
+    <dgm:fillClrLst meth="repeat">
+      <a:schemeClr val="accent1">
+        <a:tint val="60000"/>
+      </a:schemeClr>
+    </dgm:fillClrLst>
+    <dgm:linClrLst meth="repeat">
+      <a:schemeClr val="accent1">
+        <a:tint val="60000"/>
+      </a:schemeClr>
+    </dgm:linClrLst>
+    <dgm:effectClrLst/>
+    <dgm:txLinClrLst/>
+    <dgm:txFillClrLst/>
+    <dgm:txEffectClrLst/>
+  </dgm:styleLbl>
+  <dgm:styleLbl name="fgSibTrans2D1">
+    <dgm:fillClrLst meth="repeat">
+      <a:schemeClr val="accent1">
+        <a:tint val="60000"/>
+      </a:schemeClr>
+    </dgm:fillClrLst>
+    <dgm:linClrLst meth="repeat">
+      <a:schemeClr val="accent1">
+        <a:tint val="60000"/>
+      </a:schemeClr>
+    </dgm:linClrLst>
+    <dgm:effectClrLst/>
+    <dgm:txLinClrLst/>
+    <dgm:txFillClrLst/>
+    <dgm:txEffectClrLst/>
+  </dgm:styleLbl>
+  <dgm:styleLbl name="bgSibTrans2D1">
+    <dgm:fillClrLst meth="repeat">
+      <a:schemeClr val="accent1">
+        <a:tint val="60000"/>
+      </a:schemeClr>
+    </dgm:fillClrLst>
+    <dgm:linClrLst meth="repeat">
+      <a:schemeClr val="accent1">
+        <a:tint val="60000"/>
+      </a:schemeClr>
+    </dgm:linClrLst>
+    <dgm:effectClrLst/>
+    <dgm:txLinClrLst/>
+    <dgm:txFillClrLst/>
+    <dgm:txEffectClrLst/>
+  </dgm:styleLbl>
+  <dgm:styleLbl name="sibTrans1D1">
+    <dgm:fillClrLst meth="repeat">
+      <a:schemeClr val="accent1"/>
+    </dgm:fillClrLst>
+    <dgm:linClrLst meth="repeat">
+      <a:schemeClr val="accent1"/>
+    </dgm:linClrLst>
+    <dgm:effectClrLst/>
+    <dgm:txLinClrLst/>
+    <dgm:txFillClrLst meth="repeat">
+      <a:schemeClr val="tx1"/>
+    </dgm:txFillClrLst>
+    <dgm:txEffectClrLst/>
+  </dgm:styleLbl>
+  <dgm:styleLbl name="callout">
+    <dgm:fillClrLst meth="repeat">
+      <a:schemeClr val="accent1"/>
+    </dgm:fillClrLst>
+    <dgm:linClrLst meth="repeat">
+      <a:schemeClr val="accent1">
+        <a:tint val="50000"/>
+      </a:schemeClr>
+    </dgm:linClrLst>
+    <dgm:effectClrLst/>
+    <dgm:txLinClrLst/>
+    <dgm:txFillClrLst meth="repeat">
+      <a:schemeClr val="tx1"/>
+    </dgm:txFillClrLst>
+    <dgm:txEffectClrLst/>
+  </dgm:styleLbl>
+  <dgm:styleLbl name="asst0">
+    <dgm:fillClrLst meth="repeat">
+      <a:schemeClr val="accent1"/>
+    </dgm:fillClrLst>
+    <dgm:linClrLst meth="repeat">
+      <a:schemeClr val="lt1"/>
+    </dgm:linClrLst>
+    <dgm:effectClrLst/>
+    <dgm:txLinClrLst/>
+    <dgm:txFillClrLst/>
+    <dgm:txEffectClrLst/>
+  </dgm:styleLbl>
+  <dgm:styleLbl name="asst1">
+    <dgm:fillClrLst meth="repeat">
+      <a:schemeClr val="accent1"/>
+    </dgm:fillClrLst>
+    <dgm:linClrLst meth="repeat">
+      <a:schemeClr val="lt1"/>
+    </dgm:linClrLst>
+    <dgm:effectClrLst/>
+    <dgm:txLinClrLst/>
+    <dgm:txFillClrLst/>
+    <dgm:txEffectClrLst/>
+  </dgm:styleLbl>
+  <dgm:styleLbl name="asst2">
+    <dgm:fillClrLst meth="repeat">
+      <a:schemeClr val="accent1"/>
+    </dgm:fillClrLst>
+    <dgm:linClrLst meth="repeat">
+      <a:schemeClr val="lt1"/>
+    </dgm:linClrLst>
+    <dgm:effectClrLst/>
+    <dgm:txLinClrLst/>
+    <dgm:txFillClrLst/>
+    <dgm:txEffectClrLst/>
+  </dgm:styleLbl>
+  <dgm:styleLbl name="asst3">
+    <dgm:fillClrLst meth="repeat">
+      <a:schemeClr val="accent1"/>
+    </dgm:fillClrLst>
+    <dgm:linClrLst meth="repeat">
+      <a:schemeClr val="lt1"/>
+    </dgm:linClrLst>
+    <dgm:effectClrLst/>
+    <dgm:txLinClrLst/>
+    <dgm:txFillClrLst/>
+    <dgm:txEffectClrLst/>
+  </dgm:styleLbl>
+  <dgm:styleLbl name="asst4">
+    <dgm:fillClrLst meth="repeat">
+      <a:schemeClr val="accent1"/>
+    </dgm:fillClrLst>
+    <dgm:linClrLst meth="repeat">
+      <a:schemeClr val="lt1"/>
+    </dgm:linClrLst>
+    <dgm:effectClrLst/>
+    <dgm:txLinClrLst/>
+    <dgm:txFillClrLst/>
+    <dgm:txEffectClrLst/>
+  </dgm:styleLbl>
+  <dgm:styleLbl name="parChTrans2D1">
+    <dgm:fillClrLst meth="repeat">
+      <a:schemeClr val="accent1">
+        <a:tint val="60000"/>
+      </a:schemeClr>
+    </dgm:fillClrLst>
+    <dgm:linClrLst meth="repeat">
+      <a:schemeClr val="accent1">
+        <a:tint val="60000"/>
+      </a:schemeClr>
+    </dgm:linClrLst>
+    <dgm:effectClrLst/>
+    <dgm:txLinClrLst/>
+    <dgm:txFillClrLst meth="repeat">
+      <a:schemeClr val="lt1"/>
+    </dgm:txFillClrLst>
+    <dgm:txEffectClrLst/>
+  </dgm:styleLbl>
+  <dgm:styleLbl name="parChTrans2D2">
+    <dgm:fillClrLst meth="repeat">
+      <a:schemeClr val="accent1"/>
+    </dgm:fillClrLst>
+    <dgm:linClrLst meth="repeat">
+      <a:schemeClr val="accent1"/>
+    </dgm:linClrLst>
+    <dgm:effectClrLst/>
+    <dgm:txLinClrLst/>
+    <dgm:txFillClrLst meth="repeat">
+      <a:schemeClr val="lt1"/>
+    </dgm:txFillClrLst>
+    <dgm:txEffectClrLst/>
+  </dgm:styleLbl>
+  <dgm:styleLbl name="parChTrans2D3">
+    <dgm:fillClrLst meth="repeat">
+      <a:schemeClr val="accent1"/>
+    </dgm:fillClrLst>
+    <dgm:linClrLst meth="repeat">
+      <a:schemeClr val="accent1"/>
+    </dgm:linClrLst>
+    <dgm:effectClrLst/>
+    <dgm:txLinClrLst/>
+    <dgm:txFillClrLst meth="repeat">
+      <a:schemeClr val="lt1"/>
+    </dgm:txFillClrLst>
+    <dgm:txEffectClrLst/>
+  </dgm:styleLbl>
+  <dgm:styleLbl name="parChTrans2D4">
+    <dgm:fillClrLst meth="repeat">
+      <a:schemeClr val="accent1"/>
+    </dgm:fillClrLst>
+    <dgm:linClrLst meth="repeat">
+      <a:schemeClr val="accent1"/>
+    </dgm:linClrLst>
+    <dgm:effectClrLst/>
+    <dgm:txLinClrLst/>
+    <dgm:txFillClrLst meth="repeat">
+      <a:schemeClr val="lt1"/>
+    </dgm:txFillClrLst>
+    <dgm:txEffectClrLst/>
+  </dgm:styleLbl>
+  <dgm:styleLbl name="parChTrans1D1">
+    <dgm:fillClrLst meth="repeat">
+      <a:schemeClr val="accent1"/>
+    </dgm:fillClrLst>
+    <dgm:linClrLst meth="repeat">
+      <a:schemeClr val="accent1">
+        <a:shade val="60000"/>
+      </a:schemeClr>
+    </dgm:linClrLst>
+    <dgm:effectClrLst/>
+    <dgm:txLinClrLst/>
+    <dgm:txFillClrLst meth="repeat">
+      <a:schemeClr val="tx1"/>
+    </dgm:txFillClrLst>
+    <dgm:txEffectClrLst/>
+  </dgm:styleLbl>
+  <dgm:styleLbl name="parChTrans1D2">
+    <dgm:fillClrLst meth="repeat">
+      <a:schemeClr val="accent1"/>
+    </dgm:fillClrLst>
+    <dgm:linClrLst meth="repeat">
+      <a:schemeClr val="accent1">
+        <a:shade val="60000"/>
+      </a:schemeClr>
+    </dgm:linClrLst>
+    <dgm:effectClrLst/>
+    <dgm:txLinClrLst/>
+    <dgm:txFillClrLst meth="repeat">
+      <a:schemeClr val="tx1"/>
+    </dgm:txFillClrLst>
+    <dgm:txEffectClrLst/>
+  </dgm:styleLbl>
+  <dgm:styleLbl name="parChTrans1D3">
+    <dgm:fillClrLst meth="repeat">
+      <a:schemeClr val="accent1"/>
+    </dgm:fillClrLst>
+    <dgm:linClrLst meth="repeat">
+      <a:schemeClr val="accent1">
+        <a:shade val="80000"/>
+      </a:schemeClr>
+    </dgm:linClrLst>
+    <dgm:effectClrLst/>
+    <dgm:txLinClrLst/>
+    <dgm:txFillClrLst meth="repeat">
+      <a:schemeClr val="tx1"/>
+    </dgm:txFillClrLst>
+    <dgm:txEffectClrLst/>
+  </dgm:styleLbl>
+  <dgm:styleLbl name="parChTrans1D4">
+    <dgm:fillClrLst meth="repeat">
+      <a:schemeClr val="accent1"/>
+    </dgm:fillClrLst>
+    <dgm:linClrLst meth="repeat">
+      <a:schemeClr val="accent1">
+        <a:shade val="80000"/>
+      </a:schemeClr>
+    </dgm:linClrLst>
+    <dgm:effectClrLst/>
+    <dgm:txLinClrLst/>
+    <dgm:txFillClrLst meth="repeat">
+      <a:schemeClr val="tx1"/>
+    </dgm:txFillClrLst>
+    <dgm:txEffectClrLst/>
+  </dgm:styleLbl>
+  <dgm:styleLbl name="fgAcc1">
+    <dgm:fillClrLst meth="repeat">
+      <a:schemeClr val="lt1">
+        <a:alpha val="90000"/>
+      </a:schemeClr>
+    </dgm:fillClrLst>
+    <dgm:linClrLst meth="repeat">
+      <a:schemeClr val="accent1"/>
+    </dgm:linClrLst>
+    <dgm:effectClrLst/>
+    <dgm:txLinClrLst/>
+    <dgm:txFillClrLst meth="repeat">
+      <a:schemeClr val="dk1"/>
+    </dgm:txFillClrLst>
+    <dgm:txEffectClrLst/>
+  </dgm:styleLbl>
+  <dgm:styleLbl name="conFgAcc1">
+    <dgm:fillClrLst meth="repeat">
+      <a:schemeClr val="lt1">
+        <a:alpha val="90000"/>
+      </a:schemeClr>
+    </dgm:fillClrLst>
+    <dgm:linClrLst meth="repeat">
+      <a:schemeClr val="accent1"/>
+    </dgm:linClrLst>
+    <dgm:effectClrLst/>
+    <dgm:txLinClrLst/>
+    <dgm:txFillClrLst meth="repeat">
+      <a:schemeClr val="dk1"/>
+    </dgm:txFillClrLst>
+    <dgm:txEffectClrLst/>
+  </dgm:styleLbl>
+  <dgm:styleLbl name="alignAcc1">
+    <dgm:fillClrLst meth="repeat">
+      <a:schemeClr val="lt1">
+        <a:alpha val="90000"/>
+      </a:schemeClr>
+    </dgm:fillClrLst>
+    <dgm:linClrLst meth="repeat">
+      <a:schemeClr val="accent1"/>
+    </dgm:linClrLst>
+    <dgm:effectClrLst/>
+    <dgm:txLinClrLst/>
+    <dgm:txFillClrLst meth="repeat">
+      <a:schemeClr val="dk1"/>
+    </dgm:txFillClrLst>
+    <dgm:txEffectClrLst/>
+  </dgm:styleLbl>
+  <dgm:styleLbl name="trAlignAcc1">
+    <dgm:fillClrLst meth="repeat">
+      <a:schemeClr val="lt1">
+        <a:alpha val="40000"/>
+      </a:schemeClr>
+    </dgm:fillClrLst>
+    <dgm:linClrLst meth="repeat">
+      <a:schemeClr val="accent1"/>
+    </dgm:linClrLst>
+    <dgm:effectClrLst/>
+    <dgm:txLinClrLst/>
+    <dgm:txFillClrLst meth="repeat">
+      <a:schemeClr val="dk1"/>
+    </dgm:txFillClrLst>
+    <dgm:txEffectClrLst/>
+  </dgm:styleLbl>
+  <dgm:styleLbl name="bgAcc1">
+    <dgm:fillClrLst meth="repeat">
+      <a:schemeClr val="lt1">
+        <a:alpha val="90000"/>
+      </a:schemeClr>
+    </dgm:fillClrLst>
+    <dgm:linClrLst meth="repeat">
+      <a:schemeClr val="accent1"/>
+    </dgm:linClrLst>
+    <dgm:effectClrLst/>
+    <dgm:txLinClrLst/>
+    <dgm:txFillClrLst meth="repeat">
+      <a:schemeClr val="dk1"/>
+    </dgm:txFillClrLst>
+    <dgm:txEffectClrLst/>
+  </dgm:styleLbl>
+  <dgm:styleLbl name="solidFgAcc1">
+    <dgm:fillClrLst meth="repeat">
+      <a:schemeClr val="lt1"/>
+    </dgm:fillClrLst>
+    <dgm:linClrLst meth="repeat">
+      <a:schemeClr val="accent1"/>
+    </dgm:linClrLst>
+    <dgm:effectClrLst/>
+    <dgm:txLinClrLst/>
+    <dgm:txFillClrLst meth="repeat">
+      <a:schemeClr val="dk1"/>
+    </dgm:txFillClrLst>
+    <dgm:txEffectClrLst/>
+  </dgm:styleLbl>
+  <dgm:styleLbl name="solidAlignAcc1">
+    <dgm:fillClrLst meth="repeat">
+      <a:schemeClr val="lt1"/>
+    </dgm:fillClrLst>
+    <dgm:linClrLst meth="repeat">
+      <a:schemeClr val="accent1"/>
+    </dgm:linClrLst>
+    <dgm:effectClrLst/>
+    <dgm:txLinClrLst/>
+    <dgm:txFillClrLst meth="repeat">
+      <a:schemeClr val="dk1"/>
+    </dgm:txFillClrLst>
+    <dgm:txEffectClrLst/>
+  </dgm:styleLbl>
+  <dgm:styleLbl name="solidBgAcc1">
+    <dgm:fillClrLst meth="repeat">
+      <a:schemeClr val="lt1"/>
+    </dgm:fillClrLst>
+    <dgm:linClrLst meth="repeat">
+      <a:schemeClr val="accent1"/>
+    </dgm:linClrLst>
+    <dgm:effectClrLst/>
+    <dgm:txLinClrLst/>
+    <dgm:txFillClrLst meth="repeat">
+      <a:schemeClr val="dk1"/>
+    </dgm:txFillClrLst>
+    <dgm:txEffectClrLst/>
+  </dgm:styleLbl>
+  <dgm:styleLbl name="fgAccFollowNode1">
+    <dgm:fillClrLst meth="repeat">
+      <a:schemeClr val="accent1">
+        <a:alpha val="90000"/>
+        <a:tint val="40000"/>
+      </a:schemeClr>
+    </dgm:fillClrLst>
+    <dgm:linClrLst meth="repeat">
+      <a:schemeClr val="accent1">
+        <a:alpha val="90000"/>
+        <a:tint val="40000"/>
+      </a:schemeClr>
+    </dgm:linClrLst>
+    <dgm:effectClrLst/>
+    <dgm:txLinClrLst/>
+    <dgm:txFillClrLst meth="repeat">
+      <a:schemeClr val="dk1"/>
+    </dgm:txFillClrLst>
+    <dgm:txEffectClrLst/>
+  </dgm:styleLbl>
+  <dgm:styleLbl name="alignAccFollowNode1">
+    <dgm:fillClrLst meth="repeat">
+      <a:schemeClr val="accent1">
+        <a:alpha val="90000"/>
+        <a:tint val="40000"/>
+      </a:schemeClr>
+    </dgm:fillClrLst>
+    <dgm:linClrLst meth="repeat">
+      <a:schemeClr val="accent1">
+        <a:alpha val="90000"/>
+        <a:tint val="40000"/>
+      </a:schemeClr>
+    </dgm:linClrLst>
+    <dgm:effectClrLst/>
+    <dgm:txLinClrLst/>
+    <dgm:txFillClrLst meth="repeat">
+      <a:schemeClr val="dk1"/>
+    </dgm:txFillClrLst>
+    <dgm:txEffectClrLst/>
+  </dgm:styleLbl>
+  <dgm:styleLbl name="bgAccFollowNode1">
+    <dgm:fillClrLst meth="repeat">
+      <a:schemeClr val="accent1">
+        <a:alpha val="90000"/>
+        <a:tint val="40000"/>
+      </a:schemeClr>
+    </dgm:fillClrLst>
+    <dgm:linClrLst meth="repeat">
+      <a:schemeClr val="accent1">
+        <a:alpha val="90000"/>
+        <a:tint val="40000"/>
+      </a:schemeClr>
+    </dgm:linClrLst>
+    <dgm:effectClrLst/>
+    <dgm:txLinClrLst/>
+    <dgm:txFillClrLst meth="repeat">
+      <a:schemeClr val="dk1"/>
+    </dgm:txFillClrLst>
+    <dgm:txEffectClrLst/>
+  </dgm:styleLbl>
+  <dgm:styleLbl name="fgAcc0">
+    <dgm:fillClrLst meth="repeat">
+      <a:schemeClr val="lt1">
+        <a:alpha val="90000"/>
+      </a:schemeClr>
+    </dgm:fillClrLst>
+    <dgm:linClrLst meth="repeat">
+      <a:schemeClr val="accent1"/>
+    </dgm:linClrLst>
+    <dgm:effectClrLst/>
+    <dgm:txLinClrLst/>
+    <dgm:txFillClrLst meth="repeat">
+      <a:schemeClr val="dk1"/>
+    </dgm:txFillClrLst>
+    <dgm:txEffectClrLst/>
+  </dgm:styleLbl>
+  <dgm:styleLbl name="fgAcc2">
+    <dgm:fillClrLst meth="repeat">
+      <a:schemeClr val="lt1">
+        <a:alpha val="90000"/>
+      </a:schemeClr>
+    </dgm:fillClrLst>
+    <dgm:linClrLst meth="repeat">
+      <a:schemeClr val="accent1"/>
+    </dgm:linClrLst>
+    <dgm:effectClrLst/>
+    <dgm:txLinClrLst/>
+    <dgm:txFillClrLst meth="repeat">
+      <a:schemeClr val="dk1"/>
+    </dgm:txFillClrLst>
+    <dgm:txEffectClrLst/>
+  </dgm:styleLbl>
+  <dgm:styleLbl name="fgAcc3">
+    <dgm:fillClrLst meth="repeat">
+      <a:schemeClr val="lt1">
+        <a:alpha val="90000"/>
+      </a:schemeClr>
+    </dgm:fillClrLst>
+    <dgm:linClrLst meth="repeat">
+      <a:schemeClr val="accent1"/>
+    </dgm:linClrLst>
+    <dgm:effectClrLst/>
+    <dgm:txLinClrLst/>
+    <dgm:txFillClrLst meth="repeat">
+      <a:schemeClr val="dk1"/>
+    </dgm:txFillClrLst>
+    <dgm:txEffectClrLst/>
+  </dgm:styleLbl>
+  <dgm:styleLbl name="fgAcc4">
+    <dgm:fillClrLst meth="repeat">
+      <a:schemeClr val="lt1">
+        <a:alpha val="90000"/>
+      </a:schemeClr>
+    </dgm:fillClrLst>
+    <dgm:linClrLst meth="repeat">
+      <a:schemeClr val="accent1"/>
+    </dgm:linClrLst>
+    <dgm:effectClrLst/>
+    <dgm:txLinClrLst/>
+    <dgm:txFillClrLst meth="repeat">
+      <a:schemeClr val="dk1"/>
+    </dgm:txFillClrLst>
+    <dgm:txEffectClrLst/>
+  </dgm:styleLbl>
+  <dgm:styleLbl name="bgShp">
+    <dgm:fillClrLst meth="repeat">
+      <a:schemeClr val="accent1">
+        <a:tint val="40000"/>
+      </a:schemeClr>
+    </dgm:fillClrLst>
+    <dgm:linClrLst meth="repeat">
+      <a:schemeClr val="accent1"/>
+    </dgm:linClrLst>
+    <dgm:effectClrLst/>
+    <dgm:txLinClrLst/>
+    <dgm:txFillClrLst meth="repeat">
+      <a:schemeClr val="dk1"/>
+    </dgm:txFillClrLst>
+    <dgm:txEffectClrLst/>
+  </dgm:styleLbl>
+  <dgm:styleLbl name="dkBgShp">
+    <dgm:fillClrLst meth="repeat">
+      <a:schemeClr val="accent1">
+        <a:shade val="80000"/>
+      </a:schemeClr>
+    </dgm:fillClrLst>
+    <dgm:linClrLst meth="repeat">
+      <a:schemeClr val="accent1"/>
+    </dgm:linClrLst>
+    <dgm:effectClrLst/>
+    <dgm:txLinClrLst/>
+    <dgm:txFillClrLst meth="repeat">
+      <a:schemeClr val="lt1"/>
+    </dgm:txFillClrLst>
+    <dgm:txEffectClrLst/>
+  </dgm:styleLbl>
+  <dgm:styleLbl name="trBgShp">
+    <dgm:fillClrLst meth="repeat">
+      <a:schemeClr val="accent1">
+        <a:tint val="50000"/>
+        <a:alpha val="40000"/>
+      </a:schemeClr>
+    </dgm:fillClrLst>
+    <dgm:linClrLst meth="repeat">
+      <a:schemeClr val="accent1"/>
+    </dgm:linClrLst>
+    <dgm:effectClrLst/>
+    <dgm:txLinClrLst/>
+    <dgm:txFillClrLst meth="repeat">
+      <a:schemeClr val="lt1"/>
+    </dgm:txFillClrLst>
+    <dgm:txEffectClrLst/>
+  </dgm:styleLbl>
+  <dgm:styleLbl name="fgShp">
+    <dgm:fillClrLst meth="repeat">
+      <a:schemeClr val="accent1">
+        <a:tint val="60000"/>
+      </a:schemeClr>
+    </dgm:fillClrLst>
+    <dgm:linClrLst meth="repeat">
+      <a:schemeClr val="lt1"/>
+    </dgm:linClrLst>
+    <dgm:effectClrLst/>
+    <dgm:txLinClrLst/>
+    <dgm:txFillClrLst meth="repeat">
+      <a:schemeClr val="dk1"/>
+    </dgm:txFillClrLst>
+    <dgm:txEffectClrLst/>
+  </dgm:styleLbl>
+  <dgm:styleLbl name="revTx">
+    <dgm:fillClrLst meth="repeat">
+      <a:schemeClr val="lt1">
+        <a:alpha val="0"/>
+      </a:schemeClr>
+    </dgm:fillClrLst>
+    <dgm:linClrLst meth="repeat">
+      <a:schemeClr val="dk1">
+        <a:alpha val="0"/>
+      </a:schemeClr>
+    </dgm:linClrLst>
+    <dgm:effectClrLst/>
+    <dgm:txLinClrLst/>
+    <dgm:txFillClrLst meth="repeat">
+      <a:schemeClr val="tx1"/>
+    </dgm:txFillClrLst>
+    <dgm:txEffectClrLst/>
+  </dgm:styleLbl>
+</dgm:colorsDef>
+</file>
+
+<file path=ppt/diagrams/colors2.xml><?xml version="1.0" encoding="utf-8"?>
+<dgm:colorsDef xmlns:dgm="http://schemas.openxmlformats.org/drawingml/2006/diagram" xmlns:a="http://schemas.openxmlformats.org/drawingml/2006/main" uniqueId="urn:microsoft.com/office/officeart/2005/8/colors/accent1_2">
+  <dgm:title val=""/>
+  <dgm:desc val=""/>
+  <dgm:catLst>
+    <dgm:cat type="accent1" pri="11200"/>
+  </dgm:catLst>
+  <dgm:styleLbl name="node0">
+    <dgm:fillClrLst meth="repeat">
+      <a:schemeClr val="accent1"/>
+    </dgm:fillClrLst>
+    <dgm:linClrLst meth="repeat">
+      <a:schemeClr val="lt1"/>
+    </dgm:linClrLst>
+    <dgm:effectClrLst/>
+    <dgm:txLinClrLst/>
+    <dgm:txFillClrLst/>
+    <dgm:txEffectClrLst/>
+  </dgm:styleLbl>
+  <dgm:styleLbl name="alignNode1">
+    <dgm:fillClrLst meth="repeat">
+      <a:schemeClr val="accent1"/>
+    </dgm:fillClrLst>
+    <dgm:linClrLst meth="repeat">
+      <a:schemeClr val="accent1"/>
+    </dgm:linClrLst>
+    <dgm:effectClrLst/>
+    <dgm:txLinClrLst/>
+    <dgm:txFillClrLst/>
+    <dgm:txEffectClrLst/>
+  </dgm:styleLbl>
+  <dgm:styleLbl name="node1">
+    <dgm:fillClrLst meth="repeat">
+      <a:schemeClr val="accent1"/>
+    </dgm:fillClrLst>
+    <dgm:linClrLst meth="repeat">
+      <a:schemeClr val="lt1"/>
+    </dgm:linClrLst>
+    <dgm:effectClrLst/>
+    <dgm:txLinClrLst/>
+    <dgm:txFillClrLst/>
+    <dgm:txEffectClrLst/>
+  </dgm:styleLbl>
+  <dgm:styleLbl name="lnNode1">
+    <dgm:fillClrLst meth="repeat">
+      <a:schemeClr val="accent1"/>
+    </dgm:fillClrLst>
+    <dgm:linClrLst meth="repeat">
+      <a:schemeClr val="lt1"/>
+    </dgm:linClrLst>
+    <dgm:effectClrLst/>
+    <dgm:txLinClrLst/>
+    <dgm:txFillClrLst/>
+    <dgm:txEffectClrLst/>
+  </dgm:styleLbl>
+  <dgm:styleLbl name="vennNode1">
+    <dgm:fillClrLst meth="repeat">
+      <a:schemeClr val="accent1">
+        <a:alpha val="50000"/>
+      </a:schemeClr>
+    </dgm:fillClrLst>
+    <dgm:linClrLst meth="repeat">
+      <a:schemeClr val="lt1"/>
+    </dgm:linClrLst>
+    <dgm:effectClrLst/>
+    <dgm:txLinClrLst/>
+    <dgm:txFillClrLst/>
+    <dgm:txEffectClrLst/>
+  </dgm:styleLbl>
+  <dgm:styleLbl name="node2">
+    <dgm:fillClrLst meth="repeat">
+      <a:schemeClr val="accent1"/>
+    </dgm:fillClrLst>
+    <dgm:linClrLst meth="repeat">
+      <a:schemeClr val="lt1"/>
+    </dgm:linClrLst>
+    <dgm:effectClrLst/>
+    <dgm:txLinClrLst/>
+    <dgm:txFillClrLst/>
+    <dgm:txEffectClrLst/>
+  </dgm:styleLbl>
+  <dgm:styleLbl name="node3">
+    <dgm:fillClrLst meth="repeat">
+      <a:schemeClr val="accent1"/>
+    </dgm:fillClrLst>
+    <dgm:linClrLst meth="repeat">
+      <a:schemeClr val="lt1"/>
+    </dgm:linClrLst>
+    <dgm:effectClrLst/>
+    <dgm:txLinClrLst/>
+    <dgm:txFillClrLst/>
+    <dgm:txEffectClrLst/>
+  </dgm:styleLbl>
+  <dgm:styleLbl name="node4">
+    <dgm:fillClrLst meth="repeat">
+      <a:schemeClr val="accent1"/>
+    </dgm:fillClrLst>
+    <dgm:linClrLst meth="repeat">
+      <a:schemeClr val="lt1"/>
+    </dgm:linClrLst>
+    <dgm:effectClrLst/>
+    <dgm:txLinClrLst/>
+    <dgm:txFillClrLst/>
+    <dgm:txEffectClrLst/>
+  </dgm:styleLbl>
+  <dgm:styleLbl name="fgImgPlace1">
+    <dgm:fillClrLst meth="repeat">
+      <a:schemeClr val="accent1">
+        <a:tint val="50000"/>
+      </a:schemeClr>
+    </dgm:fillClrLst>
+    <dgm:linClrLst meth="repeat">
+      <a:schemeClr val="lt1"/>
+    </dgm:linClrLst>
+    <dgm:effectClrLst/>
+    <dgm:txLinClrLst/>
+    <dgm:txFillClrLst meth="repeat">
+      <a:schemeClr val="lt1"/>
+    </dgm:txFillClrLst>
+    <dgm:txEffectClrLst/>
+  </dgm:styleLbl>
+  <dgm:styleLbl name="alignImgPlace1">
+    <dgm:fillClrLst meth="repeat">
+      <a:schemeClr val="accent1">
+        <a:tint val="50000"/>
+      </a:schemeClr>
+    </dgm:fillClrLst>
+    <dgm:linClrLst meth="repeat">
+      <a:schemeClr val="lt1"/>
+    </dgm:linClrLst>
+    <dgm:effectClrLst/>
+    <dgm:txLinClrLst/>
+    <dgm:txFillClrLst meth="repeat">
+      <a:schemeClr val="lt1"/>
+    </dgm:txFillClrLst>
+    <dgm:txEffectClrLst/>
+  </dgm:styleLbl>
+  <dgm:styleLbl name="bgImgPlace1">
+    <dgm:fillClrLst meth="repeat">
+      <a:schemeClr val="accent1">
+        <a:tint val="50000"/>
+      </a:schemeClr>
+    </dgm:fillClrLst>
+    <dgm:linClrLst meth="repeat">
+      <a:schemeClr val="lt1"/>
+    </dgm:linClrLst>
+    <dgm:effectClrLst/>
+    <dgm:txLinClrLst/>
+    <dgm:txFillClrLst meth="repeat">
+      <a:schemeClr val="lt1"/>
+    </dgm:txFillClrLst>
+    <dgm:txEffectClrLst/>
+  </dgm:styleLbl>
+  <dgm:styleLbl name="sibTrans2D1">
+    <dgm:fillClrLst meth="repeat">
+      <a:schemeClr val="accent1">
+        <a:tint val="60000"/>
+      </a:schemeClr>
+    </dgm:fillClrLst>
+    <dgm:linClrLst meth="repeat">
+      <a:schemeClr val="accent1">
+        <a:tint val="60000"/>
+      </a:schemeClr>
+    </dgm:linClrLst>
+    <dgm:effectClrLst/>
+    <dgm:txLinClrLst/>
+    <dgm:txFillClrLst/>
+    <dgm:txEffectClrLst/>
+  </dgm:styleLbl>
+  <dgm:styleLbl name="fgSibTrans2D1">
+    <dgm:fillClrLst meth="repeat">
+      <a:schemeClr val="accent1">
+        <a:tint val="60000"/>
+      </a:schemeClr>
+    </dgm:fillClrLst>
+    <dgm:linClrLst meth="repeat">
+      <a:schemeClr val="accent1">
+        <a:tint val="60000"/>
+      </a:schemeClr>
+    </dgm:linClrLst>
+    <dgm:effectClrLst/>
+    <dgm:txLinClrLst/>
+    <dgm:txFillClrLst/>
+    <dgm:txEffectClrLst/>
+  </dgm:styleLbl>
+  <dgm:styleLbl name="bgSibTrans2D1">
+    <dgm:fillClrLst meth="repeat">
+      <a:schemeClr val="accent1">
+        <a:tint val="60000"/>
+      </a:schemeClr>
+    </dgm:fillClrLst>
+    <dgm:linClrLst meth="repeat">
+      <a:schemeClr val="accent1">
+        <a:tint val="60000"/>
+      </a:schemeClr>
+    </dgm:linClrLst>
+    <dgm:effectClrLst/>
+    <dgm:txLinClrLst/>
+    <dgm:txFillClrLst/>
+    <dgm:txEffectClrLst/>
+  </dgm:styleLbl>
+  <dgm:styleLbl name="sibTrans1D1">
+    <dgm:fillClrLst meth="repeat">
+      <a:schemeClr val="accent1"/>
+    </dgm:fillClrLst>
+    <dgm:linClrLst meth="repeat">
+      <a:schemeClr val="accent1"/>
+    </dgm:linClrLst>
+    <dgm:effectClrLst/>
+    <dgm:txLinClrLst/>
+    <dgm:txFillClrLst meth="repeat">
+      <a:schemeClr val="tx1"/>
+    </dgm:txFillClrLst>
+    <dgm:txEffectClrLst/>
+  </dgm:styleLbl>
+  <dgm:styleLbl name="callout">
+    <dgm:fillClrLst meth="repeat">
+      <a:schemeClr val="accent1"/>
+    </dgm:fillClrLst>
+    <dgm:linClrLst meth="repeat">
+      <a:schemeClr val="accent1">
+        <a:tint val="50000"/>
+      </a:schemeClr>
+    </dgm:linClrLst>
+    <dgm:effectClrLst/>
+    <dgm:txLinClrLst/>
+    <dgm:txFillClrLst meth="repeat">
+      <a:schemeClr val="tx1"/>
+    </dgm:txFillClrLst>
+    <dgm:txEffectClrLst/>
+  </dgm:styleLbl>
+  <dgm:styleLbl name="asst0">
+    <dgm:fillClrLst meth="repeat">
+      <a:schemeClr val="accent1"/>
+    </dgm:fillClrLst>
+    <dgm:linClrLst meth="repeat">
+      <a:schemeClr val="lt1"/>
+    </dgm:linClrLst>
+    <dgm:effectClrLst/>
+    <dgm:txLinClrLst/>
+    <dgm:txFillClrLst/>
+    <dgm:txEffectClrLst/>
+  </dgm:styleLbl>
+  <dgm:styleLbl name="asst1">
+    <dgm:fillClrLst meth="repeat">
+      <a:schemeClr val="accent1"/>
+    </dgm:fillClrLst>
+    <dgm:linClrLst meth="repeat">
+      <a:schemeClr val="lt1"/>
+    </dgm:linClrLst>
+    <dgm:effectClrLst/>
+    <dgm:txLinClrLst/>
+    <dgm:txFillClrLst/>
+    <dgm:txEffectClrLst/>
+  </dgm:styleLbl>
+  <dgm:styleLbl name="asst2">
+    <dgm:fillClrLst meth="repeat">
+      <a:schemeClr val="accent1"/>
+    </dgm:fillClrLst>
+    <dgm:linClrLst meth="repeat">
+      <a:schemeClr val="lt1"/>
+    </dgm:linClrLst>
+    <dgm:effectClrLst/>
+    <dgm:txLinClrLst/>
+    <dgm:txFillClrLst/>
+    <dgm:txEffectClrLst/>
+  </dgm:styleLbl>
+  <dgm:styleLbl name="asst3">
+    <dgm:fillClrLst meth="repeat">
+      <a:schemeClr val="accent1"/>
+    </dgm:fillClrLst>
+    <dgm:linClrLst meth="repeat">
+      <a:schemeClr val="lt1"/>
+    </dgm:linClrLst>
+    <dgm:effectClrLst/>
+    <dgm:txLinClrLst/>
+    <dgm:txFillClrLst/>
+    <dgm:txEffectClrLst/>
+  </dgm:styleLbl>
+  <dgm:styleLbl name="asst4">
+    <dgm:fillClrLst meth="repeat">
+      <a:schemeClr val="accent1"/>
+    </dgm:fillClrLst>
+    <dgm:linClrLst meth="repeat">
+      <a:schemeClr val="lt1"/>
+    </dgm:linClrLst>
+    <dgm:effectClrLst/>
+    <dgm:txLinClrLst/>
+    <dgm:txFillClrLst/>
+    <dgm:txEffectClrLst/>
+  </dgm:styleLbl>
+  <dgm:styleLbl name="parChTrans2D1">
+    <dgm:fillClrLst meth="repeat">
+      <a:schemeClr val="accent1">
+        <a:tint val="60000"/>
+      </a:schemeClr>
+    </dgm:fillClrLst>
+    <dgm:linClrLst meth="repeat">
+      <a:schemeClr val="accent1">
+        <a:tint val="60000"/>
+      </a:schemeClr>
+    </dgm:linClrLst>
+    <dgm:effectClrLst/>
+    <dgm:txLinClrLst/>
+    <dgm:txFillClrLst meth="repeat">
+      <a:schemeClr val="lt1"/>
+    </dgm:txFillClrLst>
+    <dgm:txEffectClrLst/>
+  </dgm:styleLbl>
+  <dgm:styleLbl name="parChTrans2D2">
+    <dgm:fillClrLst meth="repeat">
+      <a:schemeClr val="accent1"/>
+    </dgm:fillClrLst>
+    <dgm:linClrLst meth="repeat">
+      <a:schemeClr val="accent1"/>
+    </dgm:linClrLst>
+    <dgm:effectClrLst/>
+    <dgm:txLinClrLst/>
+    <dgm:txFillClrLst meth="repeat">
+      <a:schemeClr val="lt1"/>
+    </dgm:txFillClrLst>
+    <dgm:txEffectClrLst/>
+  </dgm:styleLbl>
+  <dgm:styleLbl name="parChTrans2D3">
+    <dgm:fillClrLst meth="repeat">
+      <a:schemeClr val="accent1"/>
+    </dgm:fillClrLst>
+    <dgm:linClrLst meth="repeat">
+      <a:schemeClr val="accent1"/>
+    </dgm:linClrLst>
+    <dgm:effectClrLst/>
+    <dgm:txLinClrLst/>
+    <dgm:txFillClrLst meth="repeat">
+      <a:schemeClr val="lt1"/>
+    </dgm:txFillClrLst>
+    <dgm:txEffectClrLst/>
+  </dgm:styleLbl>
+  <dgm:styleLbl name="parChTrans2D4">
+    <dgm:fillClrLst meth="repeat">
+      <a:schemeClr val="accent1"/>
+    </dgm:fillClrLst>
+    <dgm:linClrLst meth="repeat">
+      <a:schemeClr val="accent1"/>
+    </dgm:linClrLst>
+    <dgm:effectClrLst/>
+    <dgm:txLinClrLst/>
+    <dgm:txFillClrLst meth="repeat">
+      <a:schemeClr val="lt1"/>
+    </dgm:txFillClrLst>
+    <dgm:txEffectClrLst/>
+  </dgm:styleLbl>
+  <dgm:styleLbl name="parChTrans1D1">
+    <dgm:fillClrLst meth="repeat">
+      <a:schemeClr val="accent1"/>
+    </dgm:fillClrLst>
+    <dgm:linClrLst meth="repeat">
+      <a:schemeClr val="accent1">
+        <a:shade val="60000"/>
+      </a:schemeClr>
+    </dgm:linClrLst>
+    <dgm:effectClrLst/>
+    <dgm:txLinClrLst/>
+    <dgm:txFillClrLst meth="repeat">
+      <a:schemeClr val="tx1"/>
+    </dgm:txFillClrLst>
+    <dgm:txEffectClrLst/>
+  </dgm:styleLbl>
+  <dgm:styleLbl name="parChTrans1D2">
+    <dgm:fillClrLst meth="repeat">
+      <a:schemeClr val="accent1"/>
+    </dgm:fillClrLst>
+    <dgm:linClrLst meth="repeat">
+      <a:schemeClr val="accent1">
+        <a:shade val="60000"/>
+      </a:schemeClr>
+    </dgm:linClrLst>
+    <dgm:effectClrLst/>
+    <dgm:txLinClrLst/>
+    <dgm:txFillClrLst meth="repeat">
+      <a:schemeClr val="tx1"/>
+    </dgm:txFillClrLst>
+    <dgm:txEffectClrLst/>
+  </dgm:styleLbl>
+  <dgm:styleLbl name="parChTrans1D3">
+    <dgm:fillClrLst meth="repeat">
+      <a:schemeClr val="accent1"/>
+    </dgm:fillClrLst>
+    <dgm:linClrLst meth="repeat">
+      <a:schemeClr val="accent1">
+        <a:shade val="80000"/>
+      </a:schemeClr>
+    </dgm:linClrLst>
+    <dgm:effectClrLst/>
+    <dgm:txLinClrLst/>
+    <dgm:txFillClrLst meth="repeat">
+      <a:schemeClr val="tx1"/>
+    </dgm:txFillClrLst>
+    <dgm:txEffectClrLst/>
+  </dgm:styleLbl>
+  <dgm:styleLbl name="parChTrans1D4">
+    <dgm:fillClrLst meth="repeat">
+      <a:schemeClr val="accent1"/>
+    </dgm:fillClrLst>
+    <dgm:linClrLst meth="repeat">
+      <a:schemeClr val="accent1">
+        <a:shade val="80000"/>
+      </a:schemeClr>
+    </dgm:linClrLst>
+    <dgm:effectClrLst/>
+    <dgm:txLinClrLst/>
+    <dgm:txFillClrLst meth="repeat">
+      <a:schemeClr val="tx1"/>
+    </dgm:txFillClrLst>
+    <dgm:txEffectClrLst/>
+  </dgm:styleLbl>
+  <dgm:styleLbl name="fgAcc1">
+    <dgm:fillClrLst meth="repeat">
+      <a:schemeClr val="lt1">
+        <a:alpha val="90000"/>
+      </a:schemeClr>
+    </dgm:fillClrLst>
+    <dgm:linClrLst meth="repeat">
+      <a:schemeClr val="accent1"/>
+    </dgm:linClrLst>
+    <dgm:effectClrLst/>
+    <dgm:txLinClrLst/>
+    <dgm:txFillClrLst meth="repeat">
+      <a:schemeClr val="dk1"/>
+    </dgm:txFillClrLst>
+    <dgm:txEffectClrLst/>
+  </dgm:styleLbl>
+  <dgm:styleLbl name="conFgAcc1">
+    <dgm:fillClrLst meth="repeat">
+      <a:schemeClr val="lt1">
+        <a:alpha val="90000"/>
+      </a:schemeClr>
+    </dgm:fillClrLst>
+    <dgm:linClrLst meth="repeat">
+      <a:schemeClr val="accent1"/>
+    </dgm:linClrLst>
+    <dgm:effectClrLst/>
+    <dgm:txLinClrLst/>
+    <dgm:txFillClrLst meth="repeat">
+      <a:schemeClr val="dk1"/>
+    </dgm:txFillClrLst>
+    <dgm:txEffectClrLst/>
+  </dgm:styleLbl>
+  <dgm:styleLbl name="alignAcc1">
+    <dgm:fillClrLst meth="repeat">
+      <a:schemeClr val="lt1">
+        <a:alpha val="90000"/>
+      </a:schemeClr>
+    </dgm:fillClrLst>
+    <dgm:linClrLst meth="repeat">
+      <a:schemeClr val="accent1"/>
+    </dgm:linClrLst>
+    <dgm:effectClrLst/>
+    <dgm:txLinClrLst/>
+    <dgm:txFillClrLst meth="repeat">
+      <a:schemeClr val="dk1"/>
+    </dgm:txFillClrLst>
+    <dgm:txEffectClrLst/>
+  </dgm:styleLbl>
+  <dgm:styleLbl name="trAlignAcc1">
+    <dgm:fillClrLst meth="repeat">
+      <a:schemeClr val="lt1">
+        <a:alpha val="40000"/>
+      </a:schemeClr>
+    </dgm:fillClrLst>
+    <dgm:linClrLst meth="repeat">
+      <a:schemeClr val="accent1"/>
+    </dgm:linClrLst>
+    <dgm:effectClrLst/>
+    <dgm:txLinClrLst/>
+    <dgm:txFillClrLst meth="repeat">
+      <a:schemeClr val="dk1"/>
+    </dgm:txFillClrLst>
+    <dgm:txEffectClrLst/>
+  </dgm:styleLbl>
+  <dgm:styleLbl name="bgAcc1">
+    <dgm:fillClrLst meth="repeat">
+      <a:schemeClr val="lt1">
+        <a:alpha val="90000"/>
+      </a:schemeClr>
+    </dgm:fillClrLst>
+    <dgm:linClrLst meth="repeat">
+      <a:schemeClr val="accent1"/>
+    </dgm:linClrLst>
+    <dgm:effectClrLst/>
+    <dgm:txLinClrLst/>
+    <dgm:txFillClrLst meth="repeat">
+      <a:schemeClr val="dk1"/>
+    </dgm:txFillClrLst>
+    <dgm:txEffectClrLst/>
+  </dgm:styleLbl>
+  <dgm:styleLbl name="solidFgAcc1">
+    <dgm:fillClrLst meth="repeat">
+      <a:schemeClr val="lt1"/>
+    </dgm:fillClrLst>
+    <dgm:linClrLst meth="repeat">
+      <a:schemeClr val="accent1"/>
+    </dgm:linClrLst>
+    <dgm:effectClrLst/>
+    <dgm:txLinClrLst/>
+    <dgm:txFillClrLst meth="repeat">
+      <a:schemeClr val="dk1"/>
+    </dgm:txFillClrLst>
+    <dgm:txEffectClrLst/>
+  </dgm:styleLbl>
+  <dgm:styleLbl name="solidAlignAcc1">
+    <dgm:fillClrLst meth="repeat">
+      <a:schemeClr val="lt1"/>
+    </dgm:fillClrLst>
+    <dgm:linClrLst meth="repeat">
+      <a:schemeClr val="accent1"/>
+    </dgm:linClrLst>
+    <dgm:effectClrLst/>
+    <dgm:txLinClrLst/>
+    <dgm:txFillClrLst meth="repeat">
+      <a:schemeClr val="dk1"/>
+    </dgm:txFillClrLst>
+    <dgm:txEffectClrLst/>
+  </dgm:styleLbl>
+  <dgm:styleLbl name="solidBgAcc1">
+    <dgm:fillClrLst meth="repeat">
+      <a:schemeClr val="lt1"/>
+    </dgm:fillClrLst>
+    <dgm:linClrLst meth="repeat">
+      <a:schemeClr val="accent1"/>
+    </dgm:linClrLst>
+    <dgm:effectClrLst/>
+    <dgm:txLinClrLst/>
+    <dgm:txFillClrLst meth="repeat">
+      <a:schemeClr val="dk1"/>
+    </dgm:txFillClrLst>
+    <dgm:txEffectClrLst/>
+  </dgm:styleLbl>
+  <dgm:styleLbl name="fgAccFollowNode1">
+    <dgm:fillClrLst meth="repeat">
+      <a:schemeClr val="accent1">
+        <a:alpha val="90000"/>
+        <a:tint val="40000"/>
+      </a:schemeClr>
+    </dgm:fillClrLst>
+    <dgm:linClrLst meth="repeat">
+      <a:schemeClr val="accent1">
+        <a:alpha val="90000"/>
+        <a:tint val="40000"/>
+      </a:schemeClr>
+    </dgm:linClrLst>
+    <dgm:effectClrLst/>
+    <dgm:txLinClrLst/>
+    <dgm:txFillClrLst meth="repeat">
+      <a:schemeClr val="dk1"/>
+    </dgm:txFillClrLst>
+    <dgm:txEffectClrLst/>
+  </dgm:styleLbl>
+  <dgm:styleLbl name="alignAccFollowNode1">
+    <dgm:fillClrLst meth="repeat">
+      <a:schemeClr val="accent1">
+        <a:alpha val="90000"/>
+        <a:tint val="40000"/>
+      </a:schemeClr>
+    </dgm:fillClrLst>
+    <dgm:linClrLst meth="repeat">
+      <a:schemeClr val="accent1">
+        <a:alpha val="90000"/>
+        <a:tint val="40000"/>
+      </a:schemeClr>
+    </dgm:linClrLst>
+    <dgm:effectClrLst/>
+    <dgm:txLinClrLst/>
+    <dgm:txFillClrLst meth="repeat">
+      <a:schemeClr val="dk1"/>
+    </dgm:txFillClrLst>
+    <dgm:txEffectClrLst/>
+  </dgm:styleLbl>
+  <dgm:styleLbl name="bgAccFollowNode1">
+    <dgm:fillClrLst meth="repeat">
+      <a:schemeClr val="accent1">
+        <a:alpha val="90000"/>
+        <a:tint val="40000"/>
+      </a:schemeClr>
+    </dgm:fillClrLst>
+    <dgm:linClrLst meth="repeat">
+      <a:schemeClr val="accent1">
+        <a:alpha val="90000"/>
+        <a:tint val="40000"/>
+      </a:schemeClr>
+    </dgm:linClrLst>
+    <dgm:effectClrLst/>
+    <dgm:txLinClrLst/>
+    <dgm:txFillClrLst meth="repeat">
+      <a:schemeClr val="dk1"/>
+    </dgm:txFillClrLst>
+    <dgm:txEffectClrLst/>
+  </dgm:styleLbl>
+  <dgm:styleLbl name="fgAcc0">
+    <dgm:fillClrLst meth="repeat">
+      <a:schemeClr val="lt1">
+        <a:alpha val="90000"/>
+      </a:schemeClr>
+    </dgm:fillClrLst>
+    <dgm:linClrLst meth="repeat">
+      <a:schemeClr val="accent1"/>
+    </dgm:linClrLst>
+    <dgm:effectClrLst/>
+    <dgm:txLinClrLst/>
+    <dgm:txFillClrLst meth="repeat">
+      <a:schemeClr val="dk1"/>
+    </dgm:txFillClrLst>
+    <dgm:txEffectClrLst/>
+  </dgm:styleLbl>
+  <dgm:styleLbl name="fgAcc2">
+    <dgm:fillClrLst meth="repeat">
+      <a:schemeClr val="lt1">
+        <a:alpha val="90000"/>
+      </a:schemeClr>
+    </dgm:fillClrLst>
+    <dgm:linClrLst meth="repeat">
+      <a:schemeClr val="accent1"/>
+    </dgm:linClrLst>
+    <dgm:effectClrLst/>
+    <dgm:txLinClrLst/>
+    <dgm:txFillClrLst meth="repeat">
+      <a:schemeClr val="dk1"/>
+    </dgm:txFillClrLst>
+    <dgm:txEffectClrLst/>
+  </dgm:styleLbl>
+  <dgm:styleLbl name="fgAcc3">
+    <dgm:fillClrLst meth="repeat">
+      <a:schemeClr val="lt1">
+        <a:alpha val="90000"/>
+      </a:schemeClr>
+    </dgm:fillClrLst>
+    <dgm:linClrLst meth="repeat">
+      <a:schemeClr val="accent1"/>
+    </dgm:linClrLst>
+    <dgm:effectClrLst/>
+    <dgm:txLinClrLst/>
+    <dgm:txFillClrLst meth="repeat">
+      <a:schemeClr val="dk1"/>
+    </dgm:txFillClrLst>
+    <dgm:txEffectClrLst/>
+  </dgm:styleLbl>
+  <dgm:styleLbl name="fgAcc4">
+    <dgm:fillClrLst meth="repeat">
+      <a:schemeClr val="lt1">
+        <a:alpha val="90000"/>
+      </a:schemeClr>
+    </dgm:fillClrLst>
+    <dgm:linClrLst meth="repeat">
+      <a:schemeClr val="accent1"/>
+    </dgm:linClrLst>
+    <dgm:effectClrLst/>
+    <dgm:txLinClrLst/>
+    <dgm:txFillClrLst meth="repeat">
+      <a:schemeClr val="dk1"/>
+    </dgm:txFillClrLst>
+    <dgm:txEffectClrLst/>
+  </dgm:styleLbl>
+  <dgm:styleLbl name="bgShp">
+    <dgm:fillClrLst meth="repeat">
+      <a:schemeClr val="accent1">
+        <a:tint val="40000"/>
+      </a:schemeClr>
+    </dgm:fillClrLst>
+    <dgm:linClrLst meth="repeat">
+      <a:schemeClr val="accent1"/>
+    </dgm:linClrLst>
+    <dgm:effectClrLst/>
+    <dgm:txLinClrLst/>
+    <dgm:txFillClrLst meth="repeat">
+      <a:schemeClr val="dk1"/>
+    </dgm:txFillClrLst>
+    <dgm:txEffectClrLst/>
+  </dgm:styleLbl>
+  <dgm:styleLbl name="dkBgShp">
+    <dgm:fillClrLst meth="repeat">
+      <a:schemeClr val="accent1">
+        <a:shade val="80000"/>
+      </a:schemeClr>
+    </dgm:fillClrLst>
+    <dgm:linClrLst meth="repeat">
+      <a:schemeClr val="accent1"/>
+    </dgm:linClrLst>
+    <dgm:effectClrLst/>
+    <dgm:txLinClrLst/>
+    <dgm:txFillClrLst meth="repeat">
+      <a:schemeClr val="lt1"/>
+    </dgm:txFillClrLst>
+    <dgm:txEffectClrLst/>
+  </dgm:styleLbl>
+  <dgm:styleLbl name="trBgShp">
+    <dgm:fillClrLst meth="repeat">
+      <a:schemeClr val="accent1">
+        <a:tint val="50000"/>
+        <a:alpha val="40000"/>
+      </a:schemeClr>
+    </dgm:fillClrLst>
+    <dgm:linClrLst meth="repeat">
+      <a:schemeClr val="accent1"/>
+    </dgm:linClrLst>
+    <dgm:effectClrLst/>
+    <dgm:txLinClrLst/>
+    <dgm:txFillClrLst meth="repeat">
+      <a:schemeClr val="lt1"/>
+    </dgm:txFillClrLst>
+    <dgm:txEffectClrLst/>
+  </dgm:styleLbl>
+  <dgm:styleLbl name="fgShp">
+    <dgm:fillClrLst meth="repeat">
+      <a:schemeClr val="accent1">
+        <a:tint val="60000"/>
+      </a:schemeClr>
+    </dgm:fillClrLst>
+    <dgm:linClrLst meth="repeat">
+      <a:schemeClr val="lt1"/>
+    </dgm:linClrLst>
+    <dgm:effectClrLst/>
+    <dgm:txLinClrLst/>
+    <dgm:txFillClrLst meth="repeat">
+      <a:schemeClr val="dk1"/>
+    </dgm:txFillClrLst>
+    <dgm:txEffectClrLst/>
+  </dgm:styleLbl>
+  <dgm:styleLbl name="revTx">
+    <dgm:fillClrLst meth="repeat">
+      <a:schemeClr val="lt1">
+        <a:alpha val="0"/>
+      </a:schemeClr>
+    </dgm:fillClrLst>
+    <dgm:linClrLst meth="repeat">
+      <a:schemeClr val="dk1">
+        <a:alpha val="0"/>
+      </a:schemeClr>
+    </dgm:linClrLst>
+    <dgm:effectClrLst/>
+    <dgm:txLinClrLst/>
+    <dgm:txFillClrLst meth="repeat">
+      <a:schemeClr val="tx1"/>
+    </dgm:txFillClrLst>
+    <dgm:txEffectClrLst/>
+  </dgm:styleLbl>
+</dgm:colorsDef>
+</file>
+
+<file path=ppt/diagrams/data1.xml><?xml version="1.0" encoding="utf-8"?>
+<dgm:dataModel xmlns:dgm="http://schemas.openxmlformats.org/drawingml/2006/diagram" xmlns:a="http://schemas.openxmlformats.org/drawingml/2006/main">
+  <dgm:ptLst>
+    <dgm:pt modelId="{05F30BE2-6C33-4D0C-8FC7-E413F6E18D57}" type="doc">
+      <dgm:prSet loTypeId="urn:microsoft.com/office/officeart/2005/8/layout/hierarchy1" loCatId="hierarchy" qsTypeId="urn:microsoft.com/office/officeart/2005/8/quickstyle/simple1" qsCatId="simple" csTypeId="urn:microsoft.com/office/officeart/2005/8/colors/accent1_2" csCatId="accent1" phldr="1"/>
+      <dgm:spPr/>
+      <dgm:t>
+        <a:bodyPr/>
+        <a:lstStyle/>
+        <a:p>
+          <a:endParaRPr lang="en-NZ"/>
+        </a:p>
+      </dgm:t>
+    </dgm:pt>
+    <dgm:pt modelId="{C061362B-DCE5-4AB0-BF32-5EB85DBC24B0}">
+      <dgm:prSet phldrT="[Text]"/>
+      <dgm:spPr/>
+      <dgm:t>
+        <a:bodyPr/>
+        <a:lstStyle/>
+        <a:p>
+          <a:r>
+            <a:rPr lang="en-NZ" dirty="0" smtClean="0"/>
+            <a:t>.</a:t>
+          </a:r>
+          <a:r>
+            <a:rPr lang="en-NZ" dirty="0" err="1" smtClean="0"/>
+            <a:t>GlobalEnv</a:t>
+          </a:r>
+          <a:endParaRPr lang="en-NZ" dirty="0"/>
+        </a:p>
+      </dgm:t>
+    </dgm:pt>
+    <dgm:pt modelId="{FFCDEDE9-4987-45DE-9B9F-53DE89FDE765}" type="parTrans" cxnId="{9BC844DE-76B9-409D-8044-E7505DD81972}">
+      <dgm:prSet/>
+      <dgm:spPr/>
+      <dgm:t>
+        <a:bodyPr/>
+        <a:lstStyle/>
+        <a:p>
+          <a:endParaRPr lang="en-NZ"/>
+        </a:p>
+      </dgm:t>
+    </dgm:pt>
+    <dgm:pt modelId="{65EE5DD6-E5B6-4A0C-A81C-102EDB42AEB8}" type="sibTrans" cxnId="{9BC844DE-76B9-409D-8044-E7505DD81972}">
+      <dgm:prSet/>
+      <dgm:spPr/>
+      <dgm:t>
+        <a:bodyPr/>
+        <a:lstStyle/>
+        <a:p>
+          <a:endParaRPr lang="en-NZ"/>
+        </a:p>
+      </dgm:t>
+    </dgm:pt>
+    <dgm:pt modelId="{909C8E88-4220-4553-BF16-4A8182D1F920}">
+      <dgm:prSet phldrT="[Text]"/>
+      <dgm:spPr/>
+      <dgm:t>
+        <a:bodyPr/>
+        <a:lstStyle/>
+        <a:p>
+          <a:r>
+            <a:rPr lang="en-NZ" dirty="0" err="1" smtClean="0"/>
+            <a:t>Simenv</a:t>
+          </a:r>
+          <a:endParaRPr lang="en-NZ" dirty="0"/>
+        </a:p>
+      </dgm:t>
+    </dgm:pt>
+    <dgm:pt modelId="{A2B51E87-42B0-416C-8D05-F04665169E1E}" type="parTrans" cxnId="{51F6EC2C-AF0B-4305-A24D-4F8162602B42}">
+      <dgm:prSet/>
+      <dgm:spPr/>
+      <dgm:t>
+        <a:bodyPr/>
+        <a:lstStyle/>
+        <a:p>
+          <a:endParaRPr lang="en-NZ"/>
+        </a:p>
+      </dgm:t>
+    </dgm:pt>
+    <dgm:pt modelId="{503A38CC-7B73-4325-8B53-A4F4B4A76CCB}" type="sibTrans" cxnId="{51F6EC2C-AF0B-4305-A24D-4F8162602B42}">
+      <dgm:prSet/>
+      <dgm:spPr/>
+      <dgm:t>
+        <a:bodyPr/>
+        <a:lstStyle/>
+        <a:p>
+          <a:endParaRPr lang="en-NZ"/>
+        </a:p>
+      </dgm:t>
+    </dgm:pt>
+    <dgm:pt modelId="{26BD83CD-5CED-4A29-BBF4-6791D5A67EE0}">
+      <dgm:prSet phldrT="[Text]"/>
+      <dgm:spPr/>
+      <dgm:t>
+        <a:bodyPr/>
+        <a:lstStyle/>
+        <a:p>
+          <a:r>
+            <a:rPr lang="en-NZ" dirty="0" err="1" smtClean="0"/>
+            <a:t>SimenvDemo</a:t>
+          </a:r>
+          <a:endParaRPr lang="en-NZ" dirty="0"/>
+        </a:p>
+      </dgm:t>
+    </dgm:pt>
+    <dgm:pt modelId="{5438DC54-F953-406F-9877-76D47AE83CF9}" type="parTrans" cxnId="{691982FC-99AD-4038-9041-DBE810B0C55A}">
+      <dgm:prSet/>
+      <dgm:spPr/>
+      <dgm:t>
+        <a:bodyPr/>
+        <a:lstStyle/>
+        <a:p>
+          <a:endParaRPr lang="en-NZ"/>
+        </a:p>
+      </dgm:t>
+    </dgm:pt>
+    <dgm:pt modelId="{B56EC745-BFFA-4D58-95F5-3E620C3D6827}" type="sibTrans" cxnId="{691982FC-99AD-4038-9041-DBE810B0C55A}">
+      <dgm:prSet/>
+      <dgm:spPr/>
+      <dgm:t>
+        <a:bodyPr/>
+        <a:lstStyle/>
+        <a:p>
+          <a:endParaRPr lang="en-NZ"/>
+        </a:p>
+      </dgm:t>
+    </dgm:pt>
+    <dgm:pt modelId="{8E69D1D5-1B0B-46B9-A2A5-067C1409F13E}">
+      <dgm:prSet phldrT="[Text]"/>
+      <dgm:spPr/>
+      <dgm:t>
+        <a:bodyPr/>
+        <a:lstStyle/>
+        <a:p>
+          <a:r>
+            <a:rPr lang="en-NZ" dirty="0" err="1" smtClean="0"/>
+            <a:t>env.base</a:t>
+          </a:r>
+          <a:endParaRPr lang="en-NZ" dirty="0"/>
+        </a:p>
+      </dgm:t>
+    </dgm:pt>
+    <dgm:pt modelId="{3015F664-61BE-437E-9C5B-FD1BCF3C60E3}" type="parTrans" cxnId="{92939A1C-CC31-4154-AE1A-2DA5E3F0CB00}">
+      <dgm:prSet/>
+      <dgm:spPr/>
+      <dgm:t>
+        <a:bodyPr/>
+        <a:lstStyle/>
+        <a:p>
+          <a:endParaRPr lang="en-NZ"/>
+        </a:p>
+      </dgm:t>
+    </dgm:pt>
+    <dgm:pt modelId="{EC77EB57-26C8-4BB2-B033-11B4ED5AA90E}" type="sibTrans" cxnId="{92939A1C-CC31-4154-AE1A-2DA5E3F0CB00}">
+      <dgm:prSet/>
+      <dgm:spPr/>
+      <dgm:t>
+        <a:bodyPr/>
+        <a:lstStyle/>
+        <a:p>
+          <a:endParaRPr lang="en-NZ"/>
+        </a:p>
+      </dgm:t>
+    </dgm:pt>
+    <dgm:pt modelId="{823C3D44-057B-4580-9EF0-6642B9D6DD5D}">
+      <dgm:prSet phldrT="[Text]"/>
+      <dgm:spPr/>
+      <dgm:t>
+        <a:bodyPr/>
+        <a:lstStyle/>
+        <a:p>
+          <a:r>
+            <a:rPr lang="en-NZ" dirty="0" err="1" smtClean="0"/>
+            <a:t>env.scenario</a:t>
+          </a:r>
+          <a:endParaRPr lang="en-NZ" dirty="0"/>
+        </a:p>
+      </dgm:t>
+    </dgm:pt>
+    <dgm:pt modelId="{6EA1F923-6849-45D3-8E73-C7AFC11D0F58}" type="parTrans" cxnId="{8CFD8B61-C980-44CC-810F-C0196D9A17A9}">
+      <dgm:prSet/>
+      <dgm:spPr/>
+      <dgm:t>
+        <a:bodyPr/>
+        <a:lstStyle/>
+        <a:p>
+          <a:endParaRPr lang="en-NZ"/>
+        </a:p>
+      </dgm:t>
+    </dgm:pt>
+    <dgm:pt modelId="{2946E0E0-20CD-4E46-8747-1658C467A96F}" type="sibTrans" cxnId="{8CFD8B61-C980-44CC-810F-C0196D9A17A9}">
+      <dgm:prSet/>
+      <dgm:spPr/>
+      <dgm:t>
+        <a:bodyPr/>
+        <a:lstStyle/>
+        <a:p>
+          <a:endParaRPr lang="en-NZ"/>
+        </a:p>
+      </dgm:t>
+    </dgm:pt>
+    <dgm:pt modelId="{931C752C-1DD0-4C44-A82D-E904C2123ABE}" type="pres">
+      <dgm:prSet presAssocID="{05F30BE2-6C33-4D0C-8FC7-E413F6E18D57}" presName="hierChild1" presStyleCnt="0">
+        <dgm:presLayoutVars>
+          <dgm:chPref val="1"/>
+          <dgm:dir/>
+          <dgm:animOne val="branch"/>
+          <dgm:animLvl val="lvl"/>
+          <dgm:resizeHandles/>
+        </dgm:presLayoutVars>
+      </dgm:prSet>
+      <dgm:spPr/>
+      <dgm:t>
+        <a:bodyPr/>
+        <a:lstStyle/>
+        <a:p>
+          <a:endParaRPr lang="en-NZ"/>
+        </a:p>
+      </dgm:t>
+    </dgm:pt>
+    <dgm:pt modelId="{020DDD35-155E-4B6A-AA06-68E3843BB277}" type="pres">
+      <dgm:prSet presAssocID="{C061362B-DCE5-4AB0-BF32-5EB85DBC24B0}" presName="hierRoot1" presStyleCnt="0"/>
+      <dgm:spPr/>
+    </dgm:pt>
+    <dgm:pt modelId="{C39EAF42-7A00-43B7-8E67-0E146441E2BA}" type="pres">
+      <dgm:prSet presAssocID="{C061362B-DCE5-4AB0-BF32-5EB85DBC24B0}" presName="composite" presStyleCnt="0"/>
+      <dgm:spPr/>
+    </dgm:pt>
+    <dgm:pt modelId="{77039053-776F-4D80-A407-E479EBA0271D}" type="pres">
+      <dgm:prSet presAssocID="{C061362B-DCE5-4AB0-BF32-5EB85DBC24B0}" presName="background" presStyleLbl="node0" presStyleIdx="0" presStyleCnt="1"/>
+      <dgm:spPr/>
+    </dgm:pt>
+    <dgm:pt modelId="{CA572919-8968-48C0-9219-D530F9A80AD1}" type="pres">
+      <dgm:prSet presAssocID="{C061362B-DCE5-4AB0-BF32-5EB85DBC24B0}" presName="text" presStyleLbl="fgAcc0" presStyleIdx="0" presStyleCnt="1">
+        <dgm:presLayoutVars>
+          <dgm:chPref val="3"/>
+        </dgm:presLayoutVars>
+      </dgm:prSet>
+      <dgm:spPr/>
+      <dgm:t>
+        <a:bodyPr/>
+        <a:lstStyle/>
+        <a:p>
+          <a:endParaRPr lang="en-NZ"/>
+        </a:p>
+      </dgm:t>
+    </dgm:pt>
+    <dgm:pt modelId="{AB35FE94-09E2-419B-B013-3C226188C111}" type="pres">
+      <dgm:prSet presAssocID="{C061362B-DCE5-4AB0-BF32-5EB85DBC24B0}" presName="hierChild2" presStyleCnt="0"/>
+      <dgm:spPr/>
+    </dgm:pt>
+    <dgm:pt modelId="{D2586091-7EEA-4AAC-8E99-4C85F9D86CB6}" type="pres">
+      <dgm:prSet presAssocID="{A2B51E87-42B0-416C-8D05-F04665169E1E}" presName="Name10" presStyleLbl="parChTrans1D2" presStyleIdx="0" presStyleCnt="1"/>
+      <dgm:spPr/>
+      <dgm:t>
+        <a:bodyPr/>
+        <a:lstStyle/>
+        <a:p>
+          <a:endParaRPr lang="en-NZ"/>
+        </a:p>
+      </dgm:t>
+    </dgm:pt>
+    <dgm:pt modelId="{7E3CFCF1-604B-401B-8713-284EA5F26684}" type="pres">
+      <dgm:prSet presAssocID="{909C8E88-4220-4553-BF16-4A8182D1F920}" presName="hierRoot2" presStyleCnt="0"/>
+      <dgm:spPr/>
+    </dgm:pt>
+    <dgm:pt modelId="{F9F9D111-F511-4EE8-AE09-B36A444F09D5}" type="pres">
+      <dgm:prSet presAssocID="{909C8E88-4220-4553-BF16-4A8182D1F920}" presName="composite2" presStyleCnt="0"/>
+      <dgm:spPr/>
+    </dgm:pt>
+    <dgm:pt modelId="{7816EE88-6DE7-44B0-B711-B702FF1FD171}" type="pres">
+      <dgm:prSet presAssocID="{909C8E88-4220-4553-BF16-4A8182D1F920}" presName="background2" presStyleLbl="node2" presStyleIdx="0" presStyleCnt="1"/>
+      <dgm:spPr/>
+    </dgm:pt>
+    <dgm:pt modelId="{ADB4FCDC-497A-4F6F-8B7C-8BF5C33A3D48}" type="pres">
+      <dgm:prSet presAssocID="{909C8E88-4220-4553-BF16-4A8182D1F920}" presName="text2" presStyleLbl="fgAcc2" presStyleIdx="0" presStyleCnt="1">
+        <dgm:presLayoutVars>
+          <dgm:chPref val="3"/>
+        </dgm:presLayoutVars>
+      </dgm:prSet>
+      <dgm:spPr/>
+      <dgm:t>
+        <a:bodyPr/>
+        <a:lstStyle/>
+        <a:p>
+          <a:endParaRPr lang="en-NZ"/>
+        </a:p>
+      </dgm:t>
+    </dgm:pt>
+    <dgm:pt modelId="{2350ACA6-6050-45AF-A25C-1EF540AE7B2D}" type="pres">
+      <dgm:prSet presAssocID="{909C8E88-4220-4553-BF16-4A8182D1F920}" presName="hierChild3" presStyleCnt="0"/>
+      <dgm:spPr/>
+    </dgm:pt>
+    <dgm:pt modelId="{B3868680-91FE-4838-B36D-5E41F186E02B}" type="pres">
+      <dgm:prSet presAssocID="{5438DC54-F953-406F-9877-76D47AE83CF9}" presName="Name17" presStyleLbl="parChTrans1D3" presStyleIdx="0" presStyleCnt="1"/>
+      <dgm:spPr/>
+      <dgm:t>
+        <a:bodyPr/>
+        <a:lstStyle/>
+        <a:p>
+          <a:endParaRPr lang="en-NZ"/>
+        </a:p>
+      </dgm:t>
+    </dgm:pt>
+    <dgm:pt modelId="{7C793831-1053-4AFF-A6EF-C65EC71141A4}" type="pres">
+      <dgm:prSet presAssocID="{26BD83CD-5CED-4A29-BBF4-6791D5A67EE0}" presName="hierRoot3" presStyleCnt="0"/>
+      <dgm:spPr/>
+    </dgm:pt>
+    <dgm:pt modelId="{17EB3369-40D0-4BAF-8D53-0FD19BF7B4C1}" type="pres">
+      <dgm:prSet presAssocID="{26BD83CD-5CED-4A29-BBF4-6791D5A67EE0}" presName="composite3" presStyleCnt="0"/>
+      <dgm:spPr/>
+    </dgm:pt>
+    <dgm:pt modelId="{E41289B1-E67B-41A4-B3F4-E7F6B98A51E5}" type="pres">
+      <dgm:prSet presAssocID="{26BD83CD-5CED-4A29-BBF4-6791D5A67EE0}" presName="background3" presStyleLbl="node3" presStyleIdx="0" presStyleCnt="1"/>
+      <dgm:spPr/>
+    </dgm:pt>
+    <dgm:pt modelId="{7827FCD7-C5F3-441D-964B-41EE352A51A9}" type="pres">
+      <dgm:prSet presAssocID="{26BD83CD-5CED-4A29-BBF4-6791D5A67EE0}" presName="text3" presStyleLbl="fgAcc3" presStyleIdx="0" presStyleCnt="1">
+        <dgm:presLayoutVars>
+          <dgm:chPref val="3"/>
+        </dgm:presLayoutVars>
+      </dgm:prSet>
+      <dgm:spPr/>
+      <dgm:t>
+        <a:bodyPr/>
+        <a:lstStyle/>
+        <a:p>
+          <a:endParaRPr lang="en-NZ"/>
+        </a:p>
+      </dgm:t>
+    </dgm:pt>
+    <dgm:pt modelId="{EC04D97C-5BAD-4F0E-8DFD-3128E94ADC0E}" type="pres">
+      <dgm:prSet presAssocID="{26BD83CD-5CED-4A29-BBF4-6791D5A67EE0}" presName="hierChild4" presStyleCnt="0"/>
+      <dgm:spPr/>
+    </dgm:pt>
+    <dgm:pt modelId="{E05E599C-BAD5-4BD0-B8A8-341B2D50ED07}" type="pres">
+      <dgm:prSet presAssocID="{3015F664-61BE-437E-9C5B-FD1BCF3C60E3}" presName="Name23" presStyleLbl="parChTrans1D4" presStyleIdx="0" presStyleCnt="2"/>
+      <dgm:spPr/>
+      <dgm:t>
+        <a:bodyPr/>
+        <a:lstStyle/>
+        <a:p>
+          <a:endParaRPr lang="en-NZ"/>
+        </a:p>
+      </dgm:t>
+    </dgm:pt>
+    <dgm:pt modelId="{FB73B2CE-190B-4541-A652-6E5CC10AB361}" type="pres">
+      <dgm:prSet presAssocID="{8E69D1D5-1B0B-46B9-A2A5-067C1409F13E}" presName="hierRoot4" presStyleCnt="0"/>
+      <dgm:spPr/>
+    </dgm:pt>
+    <dgm:pt modelId="{E2209ECC-F180-4B92-9E28-BBE4FFECC02B}" type="pres">
+      <dgm:prSet presAssocID="{8E69D1D5-1B0B-46B9-A2A5-067C1409F13E}" presName="composite4" presStyleCnt="0"/>
+      <dgm:spPr/>
+    </dgm:pt>
+    <dgm:pt modelId="{C2F408C6-B38F-405C-A19B-21B5AD30E9F6}" type="pres">
+      <dgm:prSet presAssocID="{8E69D1D5-1B0B-46B9-A2A5-067C1409F13E}" presName="background4" presStyleLbl="node4" presStyleIdx="0" presStyleCnt="2"/>
+      <dgm:spPr/>
+    </dgm:pt>
+    <dgm:pt modelId="{BB557E68-4299-46F4-BB9F-A0A4300C109A}" type="pres">
+      <dgm:prSet presAssocID="{8E69D1D5-1B0B-46B9-A2A5-067C1409F13E}" presName="text4" presStyleLbl="fgAcc4" presStyleIdx="0" presStyleCnt="2">
+        <dgm:presLayoutVars>
+          <dgm:chPref val="3"/>
+        </dgm:presLayoutVars>
+      </dgm:prSet>
+      <dgm:spPr/>
+      <dgm:t>
+        <a:bodyPr/>
+        <a:lstStyle/>
+        <a:p>
+          <a:endParaRPr lang="en-NZ"/>
+        </a:p>
+      </dgm:t>
+    </dgm:pt>
+    <dgm:pt modelId="{E8B16657-4321-41BD-91E7-B6E84FBC89F4}" type="pres">
+      <dgm:prSet presAssocID="{8E69D1D5-1B0B-46B9-A2A5-067C1409F13E}" presName="hierChild5" presStyleCnt="0"/>
+      <dgm:spPr/>
+    </dgm:pt>
+    <dgm:pt modelId="{E601BF3E-008D-4551-9B20-D922D03C59CA}" type="pres">
+      <dgm:prSet presAssocID="{6EA1F923-6849-45D3-8E73-C7AFC11D0F58}" presName="Name23" presStyleLbl="parChTrans1D4" presStyleIdx="1" presStyleCnt="2"/>
+      <dgm:spPr/>
+      <dgm:t>
+        <a:bodyPr/>
+        <a:lstStyle/>
+        <a:p>
+          <a:endParaRPr lang="en-NZ"/>
+        </a:p>
+      </dgm:t>
+    </dgm:pt>
+    <dgm:pt modelId="{3FBB4C9C-D2E4-47A1-AF30-A2BC7113F4E2}" type="pres">
+      <dgm:prSet presAssocID="{823C3D44-057B-4580-9EF0-6642B9D6DD5D}" presName="hierRoot4" presStyleCnt="0"/>
+      <dgm:spPr/>
+    </dgm:pt>
+    <dgm:pt modelId="{891F1601-98D8-4E02-96C2-DD6F34B412A6}" type="pres">
+      <dgm:prSet presAssocID="{823C3D44-057B-4580-9EF0-6642B9D6DD5D}" presName="composite4" presStyleCnt="0"/>
+      <dgm:spPr/>
+    </dgm:pt>
+    <dgm:pt modelId="{3C76AD84-3A10-4090-8086-85BB611F3679}" type="pres">
+      <dgm:prSet presAssocID="{823C3D44-057B-4580-9EF0-6642B9D6DD5D}" presName="background4" presStyleLbl="node4" presStyleIdx="1" presStyleCnt="2"/>
+      <dgm:spPr/>
+    </dgm:pt>
+    <dgm:pt modelId="{403E3A35-E032-4A2D-B6E2-C2FBBA99662E}" type="pres">
+      <dgm:prSet presAssocID="{823C3D44-057B-4580-9EF0-6642B9D6DD5D}" presName="text4" presStyleLbl="fgAcc4" presStyleIdx="1" presStyleCnt="2">
+        <dgm:presLayoutVars>
+          <dgm:chPref val="3"/>
+        </dgm:presLayoutVars>
+      </dgm:prSet>
+      <dgm:spPr/>
+      <dgm:t>
+        <a:bodyPr/>
+        <a:lstStyle/>
+        <a:p>
+          <a:endParaRPr lang="en-NZ"/>
+        </a:p>
+      </dgm:t>
+    </dgm:pt>
+    <dgm:pt modelId="{9872F263-631B-4A97-A32A-21B11A4CB57F}" type="pres">
+      <dgm:prSet presAssocID="{823C3D44-057B-4580-9EF0-6642B9D6DD5D}" presName="hierChild5" presStyleCnt="0"/>
+      <dgm:spPr/>
+    </dgm:pt>
+  </dgm:ptLst>
+  <dgm:cxnLst>
+    <dgm:cxn modelId="{92939A1C-CC31-4154-AE1A-2DA5E3F0CB00}" srcId="{26BD83CD-5CED-4A29-BBF4-6791D5A67EE0}" destId="{8E69D1D5-1B0B-46B9-A2A5-067C1409F13E}" srcOrd="0" destOrd="0" parTransId="{3015F664-61BE-437E-9C5B-FD1BCF3C60E3}" sibTransId="{EC77EB57-26C8-4BB2-B033-11B4ED5AA90E}"/>
+    <dgm:cxn modelId="{8CFD8B61-C980-44CC-810F-C0196D9A17A9}" srcId="{26BD83CD-5CED-4A29-BBF4-6791D5A67EE0}" destId="{823C3D44-057B-4580-9EF0-6642B9D6DD5D}" srcOrd="1" destOrd="0" parTransId="{6EA1F923-6849-45D3-8E73-C7AFC11D0F58}" sibTransId="{2946E0E0-20CD-4E46-8747-1658C467A96F}"/>
+    <dgm:cxn modelId="{88704362-68CB-450F-B7FE-D234A6A45FB5}" type="presOf" srcId="{26BD83CD-5CED-4A29-BBF4-6791D5A67EE0}" destId="{7827FCD7-C5F3-441D-964B-41EE352A51A9}" srcOrd="0" destOrd="0" presId="urn:microsoft.com/office/officeart/2005/8/layout/hierarchy1"/>
+    <dgm:cxn modelId="{4D9232C6-CCA9-4EFA-92E6-7D828D3A9C3D}" type="presOf" srcId="{05F30BE2-6C33-4D0C-8FC7-E413F6E18D57}" destId="{931C752C-1DD0-4C44-A82D-E904C2123ABE}" srcOrd="0" destOrd="0" presId="urn:microsoft.com/office/officeart/2005/8/layout/hierarchy1"/>
+    <dgm:cxn modelId="{CE4F347F-4574-4270-9ED9-9E70C971C464}" type="presOf" srcId="{A2B51E87-42B0-416C-8D05-F04665169E1E}" destId="{D2586091-7EEA-4AAC-8E99-4C85F9D86CB6}" srcOrd="0" destOrd="0" presId="urn:microsoft.com/office/officeart/2005/8/layout/hierarchy1"/>
+    <dgm:cxn modelId="{691982FC-99AD-4038-9041-DBE810B0C55A}" srcId="{909C8E88-4220-4553-BF16-4A8182D1F920}" destId="{26BD83CD-5CED-4A29-BBF4-6791D5A67EE0}" srcOrd="0" destOrd="0" parTransId="{5438DC54-F953-406F-9877-76D47AE83CF9}" sibTransId="{B56EC745-BFFA-4D58-95F5-3E620C3D6827}"/>
+    <dgm:cxn modelId="{982BB05B-FC8E-4072-AB53-7157395AFE51}" type="presOf" srcId="{3015F664-61BE-437E-9C5B-FD1BCF3C60E3}" destId="{E05E599C-BAD5-4BD0-B8A8-341B2D50ED07}" srcOrd="0" destOrd="0" presId="urn:microsoft.com/office/officeart/2005/8/layout/hierarchy1"/>
+    <dgm:cxn modelId="{CE3DFAAA-7DD3-4C33-B0CC-A85EBDB28C20}" type="presOf" srcId="{C061362B-DCE5-4AB0-BF32-5EB85DBC24B0}" destId="{CA572919-8968-48C0-9219-D530F9A80AD1}" srcOrd="0" destOrd="0" presId="urn:microsoft.com/office/officeart/2005/8/layout/hierarchy1"/>
+    <dgm:cxn modelId="{C397F793-FFBF-4809-8F52-BD0D131D2172}" type="presOf" srcId="{5438DC54-F953-406F-9877-76D47AE83CF9}" destId="{B3868680-91FE-4838-B36D-5E41F186E02B}" srcOrd="0" destOrd="0" presId="urn:microsoft.com/office/officeart/2005/8/layout/hierarchy1"/>
+    <dgm:cxn modelId="{49989F6E-797E-4756-98D3-DF6C32C22D00}" type="presOf" srcId="{6EA1F923-6849-45D3-8E73-C7AFC11D0F58}" destId="{E601BF3E-008D-4551-9B20-D922D03C59CA}" srcOrd="0" destOrd="0" presId="urn:microsoft.com/office/officeart/2005/8/layout/hierarchy1"/>
+    <dgm:cxn modelId="{9BC844DE-76B9-409D-8044-E7505DD81972}" srcId="{05F30BE2-6C33-4D0C-8FC7-E413F6E18D57}" destId="{C061362B-DCE5-4AB0-BF32-5EB85DBC24B0}" srcOrd="0" destOrd="0" parTransId="{FFCDEDE9-4987-45DE-9B9F-53DE89FDE765}" sibTransId="{65EE5DD6-E5B6-4A0C-A81C-102EDB42AEB8}"/>
+    <dgm:cxn modelId="{47741C9A-1517-43A5-93D7-1357F7E991ED}" type="presOf" srcId="{909C8E88-4220-4553-BF16-4A8182D1F920}" destId="{ADB4FCDC-497A-4F6F-8B7C-8BF5C33A3D48}" srcOrd="0" destOrd="0" presId="urn:microsoft.com/office/officeart/2005/8/layout/hierarchy1"/>
+    <dgm:cxn modelId="{51F6EC2C-AF0B-4305-A24D-4F8162602B42}" srcId="{C061362B-DCE5-4AB0-BF32-5EB85DBC24B0}" destId="{909C8E88-4220-4553-BF16-4A8182D1F920}" srcOrd="0" destOrd="0" parTransId="{A2B51E87-42B0-416C-8D05-F04665169E1E}" sibTransId="{503A38CC-7B73-4325-8B53-A4F4B4A76CCB}"/>
+    <dgm:cxn modelId="{42BCBC96-56AE-43E8-9251-39D9BC4DB9C1}" type="presOf" srcId="{8E69D1D5-1B0B-46B9-A2A5-067C1409F13E}" destId="{BB557E68-4299-46F4-BB9F-A0A4300C109A}" srcOrd="0" destOrd="0" presId="urn:microsoft.com/office/officeart/2005/8/layout/hierarchy1"/>
+    <dgm:cxn modelId="{F1CABB4A-CBE8-4DCA-97D4-66EB62FBB70C}" type="presOf" srcId="{823C3D44-057B-4580-9EF0-6642B9D6DD5D}" destId="{403E3A35-E032-4A2D-B6E2-C2FBBA99662E}" srcOrd="0" destOrd="0" presId="urn:microsoft.com/office/officeart/2005/8/layout/hierarchy1"/>
+    <dgm:cxn modelId="{CED51874-5988-467E-A520-9F4FE0A97B2E}" type="presParOf" srcId="{931C752C-1DD0-4C44-A82D-E904C2123ABE}" destId="{020DDD35-155E-4B6A-AA06-68E3843BB277}" srcOrd="0" destOrd="0" presId="urn:microsoft.com/office/officeart/2005/8/layout/hierarchy1"/>
+    <dgm:cxn modelId="{CB289E11-0CAA-443F-842B-F3CDF8A0E68A}" type="presParOf" srcId="{020DDD35-155E-4B6A-AA06-68E3843BB277}" destId="{C39EAF42-7A00-43B7-8E67-0E146441E2BA}" srcOrd="0" destOrd="0" presId="urn:microsoft.com/office/officeart/2005/8/layout/hierarchy1"/>
+    <dgm:cxn modelId="{26DCC25C-B659-4EF9-83EA-B917390CF875}" type="presParOf" srcId="{C39EAF42-7A00-43B7-8E67-0E146441E2BA}" destId="{77039053-776F-4D80-A407-E479EBA0271D}" srcOrd="0" destOrd="0" presId="urn:microsoft.com/office/officeart/2005/8/layout/hierarchy1"/>
+    <dgm:cxn modelId="{E45C47A9-FF9F-40C4-B66F-6D19E1C85C7C}" type="presParOf" srcId="{C39EAF42-7A00-43B7-8E67-0E146441E2BA}" destId="{CA572919-8968-48C0-9219-D530F9A80AD1}" srcOrd="1" destOrd="0" presId="urn:microsoft.com/office/officeart/2005/8/layout/hierarchy1"/>
+    <dgm:cxn modelId="{16B684E7-2772-49B4-B54E-69473A36AA6C}" type="presParOf" srcId="{020DDD35-155E-4B6A-AA06-68E3843BB277}" destId="{AB35FE94-09E2-419B-B013-3C226188C111}" srcOrd="1" destOrd="0" presId="urn:microsoft.com/office/officeart/2005/8/layout/hierarchy1"/>
+    <dgm:cxn modelId="{90AB93D3-72A3-44A1-AFB8-F8191CDBD01E}" type="presParOf" srcId="{AB35FE94-09E2-419B-B013-3C226188C111}" destId="{D2586091-7EEA-4AAC-8E99-4C85F9D86CB6}" srcOrd="0" destOrd="0" presId="urn:microsoft.com/office/officeart/2005/8/layout/hierarchy1"/>
+    <dgm:cxn modelId="{660940DE-B1BB-4445-8ACD-5DCD8ECE3F78}" type="presParOf" srcId="{AB35FE94-09E2-419B-B013-3C226188C111}" destId="{7E3CFCF1-604B-401B-8713-284EA5F26684}" srcOrd="1" destOrd="0" presId="urn:microsoft.com/office/officeart/2005/8/layout/hierarchy1"/>
+    <dgm:cxn modelId="{08238663-763A-4913-8306-5D6B8780F271}" type="presParOf" srcId="{7E3CFCF1-604B-401B-8713-284EA5F26684}" destId="{F9F9D111-F511-4EE8-AE09-B36A444F09D5}" srcOrd="0" destOrd="0" presId="urn:microsoft.com/office/officeart/2005/8/layout/hierarchy1"/>
+    <dgm:cxn modelId="{0B1C1E82-DE7E-4290-AF59-9C569E0A7910}" type="presParOf" srcId="{F9F9D111-F511-4EE8-AE09-B36A444F09D5}" destId="{7816EE88-6DE7-44B0-B711-B702FF1FD171}" srcOrd="0" destOrd="0" presId="urn:microsoft.com/office/officeart/2005/8/layout/hierarchy1"/>
+    <dgm:cxn modelId="{BC07E11C-8C81-4761-B87D-39EAC4403542}" type="presParOf" srcId="{F9F9D111-F511-4EE8-AE09-B36A444F09D5}" destId="{ADB4FCDC-497A-4F6F-8B7C-8BF5C33A3D48}" srcOrd="1" destOrd="0" presId="urn:microsoft.com/office/officeart/2005/8/layout/hierarchy1"/>
+    <dgm:cxn modelId="{38B505EF-C181-4048-93BA-6A68CEA101E3}" type="presParOf" srcId="{7E3CFCF1-604B-401B-8713-284EA5F26684}" destId="{2350ACA6-6050-45AF-A25C-1EF540AE7B2D}" srcOrd="1" destOrd="0" presId="urn:microsoft.com/office/officeart/2005/8/layout/hierarchy1"/>
+    <dgm:cxn modelId="{465C018C-6621-42BA-B62D-F38189E4E9A5}" type="presParOf" srcId="{2350ACA6-6050-45AF-A25C-1EF540AE7B2D}" destId="{B3868680-91FE-4838-B36D-5E41F186E02B}" srcOrd="0" destOrd="0" presId="urn:microsoft.com/office/officeart/2005/8/layout/hierarchy1"/>
+    <dgm:cxn modelId="{21F139D1-4DAE-4FE9-90DC-C0D9CF6FA8DE}" type="presParOf" srcId="{2350ACA6-6050-45AF-A25C-1EF540AE7B2D}" destId="{7C793831-1053-4AFF-A6EF-C65EC71141A4}" srcOrd="1" destOrd="0" presId="urn:microsoft.com/office/officeart/2005/8/layout/hierarchy1"/>
+    <dgm:cxn modelId="{AD28DCE5-C7B1-4ED6-A4E4-E5C6DF9F8B2A}" type="presParOf" srcId="{7C793831-1053-4AFF-A6EF-C65EC71141A4}" destId="{17EB3369-40D0-4BAF-8D53-0FD19BF7B4C1}" srcOrd="0" destOrd="0" presId="urn:microsoft.com/office/officeart/2005/8/layout/hierarchy1"/>
+    <dgm:cxn modelId="{CF764CC2-AAEB-4F20-979A-473C0614FC56}" type="presParOf" srcId="{17EB3369-40D0-4BAF-8D53-0FD19BF7B4C1}" destId="{E41289B1-E67B-41A4-B3F4-E7F6B98A51E5}" srcOrd="0" destOrd="0" presId="urn:microsoft.com/office/officeart/2005/8/layout/hierarchy1"/>
+    <dgm:cxn modelId="{A647886C-751D-4C6E-B312-9B6FD8C39939}" type="presParOf" srcId="{17EB3369-40D0-4BAF-8D53-0FD19BF7B4C1}" destId="{7827FCD7-C5F3-441D-964B-41EE352A51A9}" srcOrd="1" destOrd="0" presId="urn:microsoft.com/office/officeart/2005/8/layout/hierarchy1"/>
+    <dgm:cxn modelId="{D1AA536F-FA22-4E9D-81C7-42B98751BCE3}" type="presParOf" srcId="{7C793831-1053-4AFF-A6EF-C65EC71141A4}" destId="{EC04D97C-5BAD-4F0E-8DFD-3128E94ADC0E}" srcOrd="1" destOrd="0" presId="urn:microsoft.com/office/officeart/2005/8/layout/hierarchy1"/>
+    <dgm:cxn modelId="{E0FE8CFA-B15F-48B1-9B25-612A44EF6052}" type="presParOf" srcId="{EC04D97C-5BAD-4F0E-8DFD-3128E94ADC0E}" destId="{E05E599C-BAD5-4BD0-B8A8-341B2D50ED07}" srcOrd="0" destOrd="0" presId="urn:microsoft.com/office/officeart/2005/8/layout/hierarchy1"/>
+    <dgm:cxn modelId="{7038878E-8DD1-4D8E-9B70-7632EF6552BB}" type="presParOf" srcId="{EC04D97C-5BAD-4F0E-8DFD-3128E94ADC0E}" destId="{FB73B2CE-190B-4541-A652-6E5CC10AB361}" srcOrd="1" destOrd="0" presId="urn:microsoft.com/office/officeart/2005/8/layout/hierarchy1"/>
+    <dgm:cxn modelId="{38D2B3FE-2A0E-42E2-B044-B3F977391A5F}" type="presParOf" srcId="{FB73B2CE-190B-4541-A652-6E5CC10AB361}" destId="{E2209ECC-F180-4B92-9E28-BBE4FFECC02B}" srcOrd="0" destOrd="0" presId="urn:microsoft.com/office/officeart/2005/8/layout/hierarchy1"/>
+    <dgm:cxn modelId="{5B95A064-3BF1-4F68-9C36-B0E3FB9145F0}" type="presParOf" srcId="{E2209ECC-F180-4B92-9E28-BBE4FFECC02B}" destId="{C2F408C6-B38F-405C-A19B-21B5AD30E9F6}" srcOrd="0" destOrd="0" presId="urn:microsoft.com/office/officeart/2005/8/layout/hierarchy1"/>
+    <dgm:cxn modelId="{8FFC63C2-7374-4616-906B-AF9FF6F60DA8}" type="presParOf" srcId="{E2209ECC-F180-4B92-9E28-BBE4FFECC02B}" destId="{BB557E68-4299-46F4-BB9F-A0A4300C109A}" srcOrd="1" destOrd="0" presId="urn:microsoft.com/office/officeart/2005/8/layout/hierarchy1"/>
+    <dgm:cxn modelId="{AD27449F-2D1D-4E81-B6B2-79DE5B68465C}" type="presParOf" srcId="{FB73B2CE-190B-4541-A652-6E5CC10AB361}" destId="{E8B16657-4321-41BD-91E7-B6E84FBC89F4}" srcOrd="1" destOrd="0" presId="urn:microsoft.com/office/officeart/2005/8/layout/hierarchy1"/>
+    <dgm:cxn modelId="{AC8A4E87-A08D-479B-A0FA-3CD8FEC4F12D}" type="presParOf" srcId="{EC04D97C-5BAD-4F0E-8DFD-3128E94ADC0E}" destId="{E601BF3E-008D-4551-9B20-D922D03C59CA}" srcOrd="2" destOrd="0" presId="urn:microsoft.com/office/officeart/2005/8/layout/hierarchy1"/>
+    <dgm:cxn modelId="{D5667B6E-1392-4749-9B76-C3CB17A4727F}" type="presParOf" srcId="{EC04D97C-5BAD-4F0E-8DFD-3128E94ADC0E}" destId="{3FBB4C9C-D2E4-47A1-AF30-A2BC7113F4E2}" srcOrd="3" destOrd="0" presId="urn:microsoft.com/office/officeart/2005/8/layout/hierarchy1"/>
+    <dgm:cxn modelId="{A95F1CCA-5A28-47E9-A631-3AE7F53B7C3E}" type="presParOf" srcId="{3FBB4C9C-D2E4-47A1-AF30-A2BC7113F4E2}" destId="{891F1601-98D8-4E02-96C2-DD6F34B412A6}" srcOrd="0" destOrd="0" presId="urn:microsoft.com/office/officeart/2005/8/layout/hierarchy1"/>
+    <dgm:cxn modelId="{0EFDEDD0-49A3-4493-9313-4C87CF094E86}" type="presParOf" srcId="{891F1601-98D8-4E02-96C2-DD6F34B412A6}" destId="{3C76AD84-3A10-4090-8086-85BB611F3679}" srcOrd="0" destOrd="0" presId="urn:microsoft.com/office/officeart/2005/8/layout/hierarchy1"/>
+    <dgm:cxn modelId="{120FBE56-96A4-4511-8770-1BB2F2193B65}" type="presParOf" srcId="{891F1601-98D8-4E02-96C2-DD6F34B412A6}" destId="{403E3A35-E032-4A2D-B6E2-C2FBBA99662E}" srcOrd="1" destOrd="0" presId="urn:microsoft.com/office/officeart/2005/8/layout/hierarchy1"/>
+    <dgm:cxn modelId="{65A1AF51-804D-47AB-9EF3-91096C7729D0}" type="presParOf" srcId="{3FBB4C9C-D2E4-47A1-AF30-A2BC7113F4E2}" destId="{9872F263-631B-4A97-A32A-21B11A4CB57F}" srcOrd="1" destOrd="0" presId="urn:microsoft.com/office/officeart/2005/8/layout/hierarchy1"/>
+  </dgm:cxnLst>
+  <dgm:bg/>
+  <dgm:whole/>
+  <dgm:extLst>
+    <a:ext uri="http://schemas.microsoft.com/office/drawing/2008/diagram">
+      <dsp:dataModelExt xmlns:dsp="http://schemas.microsoft.com/office/drawing/2008/diagram" relId="rId6" minVer="http://schemas.openxmlformats.org/drawingml/2006/diagram"/>
+    </a:ext>
+  </dgm:extLst>
+</dgm:dataModel>
+</file>
+
+<file path=ppt/diagrams/data2.xml><?xml version="1.0" encoding="utf-8"?>
+<dgm:dataModel xmlns:dgm="http://schemas.openxmlformats.org/drawingml/2006/diagram" xmlns:a="http://schemas.openxmlformats.org/drawingml/2006/main">
+  <dgm:ptLst>
+    <dgm:pt modelId="{05F30BE2-6C33-4D0C-8FC7-E413F6E18D57}" type="doc">
+      <dgm:prSet loTypeId="urn:microsoft.com/office/officeart/2005/8/layout/hierarchy1" loCatId="hierarchy" qsTypeId="urn:microsoft.com/office/officeart/2005/8/quickstyle/simple1" qsCatId="simple" csTypeId="urn:microsoft.com/office/officeart/2005/8/colors/accent1_2" csCatId="accent1" phldr="1"/>
+      <dgm:spPr/>
+      <dgm:t>
+        <a:bodyPr/>
+        <a:lstStyle/>
+        <a:p>
+          <a:endParaRPr lang="en-NZ"/>
+        </a:p>
+      </dgm:t>
+    </dgm:pt>
+    <dgm:pt modelId="{C061362B-DCE5-4AB0-BF32-5EB85DBC24B0}">
+      <dgm:prSet phldrT="[Text]"/>
+      <dgm:spPr/>
+      <dgm:t>
+        <a:bodyPr/>
+        <a:lstStyle/>
+        <a:p>
+          <a:r>
+            <a:rPr lang="en-NZ" dirty="0" smtClean="0"/>
+            <a:t>.</a:t>
+          </a:r>
+          <a:r>
+            <a:rPr lang="en-NZ" dirty="0" err="1" smtClean="0"/>
+            <a:t>GlobalEnv</a:t>
+          </a:r>
+          <a:endParaRPr lang="en-NZ" dirty="0"/>
+        </a:p>
+      </dgm:t>
+    </dgm:pt>
+    <dgm:pt modelId="{FFCDEDE9-4987-45DE-9B9F-53DE89FDE765}" type="parTrans" cxnId="{9BC844DE-76B9-409D-8044-E7505DD81972}">
+      <dgm:prSet/>
+      <dgm:spPr/>
+      <dgm:t>
+        <a:bodyPr/>
+        <a:lstStyle/>
+        <a:p>
+          <a:endParaRPr lang="en-NZ"/>
+        </a:p>
+      </dgm:t>
+    </dgm:pt>
+    <dgm:pt modelId="{65EE5DD6-E5B6-4A0C-A81C-102EDB42AEB8}" type="sibTrans" cxnId="{9BC844DE-76B9-409D-8044-E7505DD81972}">
+      <dgm:prSet/>
+      <dgm:spPr/>
+      <dgm:t>
+        <a:bodyPr/>
+        <a:lstStyle/>
+        <a:p>
+          <a:endParaRPr lang="en-NZ"/>
+        </a:p>
+      </dgm:t>
+    </dgm:pt>
+    <dgm:pt modelId="{909C8E88-4220-4553-BF16-4A8182D1F920}">
+      <dgm:prSet phldrT="[Text]"/>
+      <dgm:spPr/>
+      <dgm:t>
+        <a:bodyPr/>
+        <a:lstStyle/>
+        <a:p>
+          <a:r>
+            <a:rPr lang="en-NZ" dirty="0" err="1" smtClean="0"/>
+            <a:t>Simmodule</a:t>
+          </a:r>
+          <a:endParaRPr lang="en-NZ" dirty="0"/>
+        </a:p>
+      </dgm:t>
+    </dgm:pt>
+    <dgm:pt modelId="{A2B51E87-42B0-416C-8D05-F04665169E1E}" type="parTrans" cxnId="{51F6EC2C-AF0B-4305-A24D-4F8162602B42}">
+      <dgm:prSet/>
+      <dgm:spPr/>
+      <dgm:t>
+        <a:bodyPr/>
+        <a:lstStyle/>
+        <a:p>
+          <a:endParaRPr lang="en-NZ"/>
+        </a:p>
+      </dgm:t>
+    </dgm:pt>
+    <dgm:pt modelId="{503A38CC-7B73-4325-8B53-A4F4B4A76CCB}" type="sibTrans" cxnId="{51F6EC2C-AF0B-4305-A24D-4F8162602B42}">
+      <dgm:prSet/>
+      <dgm:spPr/>
+      <dgm:t>
+        <a:bodyPr/>
+        <a:lstStyle/>
+        <a:p>
+          <a:endParaRPr lang="en-NZ"/>
+        </a:p>
+      </dgm:t>
+    </dgm:pt>
+    <dgm:pt modelId="{26BD83CD-5CED-4A29-BBF4-6791D5A67EE0}">
+      <dgm:prSet phldrT="[Text]"/>
+      <dgm:spPr/>
+      <dgm:t>
+        <a:bodyPr/>
+        <a:lstStyle/>
+        <a:p>
+          <a:r>
+            <a:rPr lang="en-NZ" dirty="0" err="1" smtClean="0"/>
+            <a:t>SimmoduleDemo</a:t>
+          </a:r>
+          <a:endParaRPr lang="en-NZ" dirty="0"/>
+        </a:p>
+      </dgm:t>
+    </dgm:pt>
+    <dgm:pt modelId="{5438DC54-F953-406F-9877-76D47AE83CF9}" type="parTrans" cxnId="{691982FC-99AD-4038-9041-DBE810B0C55A}">
+      <dgm:prSet/>
+      <dgm:spPr/>
+      <dgm:t>
+        <a:bodyPr/>
+        <a:lstStyle/>
+        <a:p>
+          <a:endParaRPr lang="en-NZ"/>
+        </a:p>
+      </dgm:t>
+    </dgm:pt>
+    <dgm:pt modelId="{B56EC745-BFFA-4D58-95F5-3E620C3D6827}" type="sibTrans" cxnId="{691982FC-99AD-4038-9041-DBE810B0C55A}">
+      <dgm:prSet/>
+      <dgm:spPr/>
+      <dgm:t>
+        <a:bodyPr/>
+        <a:lstStyle/>
+        <a:p>
+          <a:endParaRPr lang="en-NZ"/>
+        </a:p>
+      </dgm:t>
+    </dgm:pt>
+    <dgm:pt modelId="{8E69D1D5-1B0B-46B9-A2A5-067C1409F13E}">
+      <dgm:prSet phldrT="[Text]"/>
+      <dgm:spPr/>
+      <dgm:t>
+        <a:bodyPr/>
+        <a:lstStyle/>
+        <a:p>
+          <a:r>
+            <a:rPr lang="en-NZ" dirty="0" smtClean="0"/>
+            <a:t>demo</a:t>
+          </a:r>
+          <a:endParaRPr lang="en-NZ" dirty="0"/>
+        </a:p>
+      </dgm:t>
+    </dgm:pt>
+    <dgm:pt modelId="{3015F664-61BE-437E-9C5B-FD1BCF3C60E3}" type="parTrans" cxnId="{92939A1C-CC31-4154-AE1A-2DA5E3F0CB00}">
+      <dgm:prSet/>
+      <dgm:spPr/>
+      <dgm:t>
+        <a:bodyPr/>
+        <a:lstStyle/>
+        <a:p>
+          <a:endParaRPr lang="en-NZ"/>
+        </a:p>
+      </dgm:t>
+    </dgm:pt>
+    <dgm:pt modelId="{EC77EB57-26C8-4BB2-B033-11B4ED5AA90E}" type="sibTrans" cxnId="{92939A1C-CC31-4154-AE1A-2DA5E3F0CB00}">
+      <dgm:prSet/>
+      <dgm:spPr/>
+      <dgm:t>
+        <a:bodyPr/>
+        <a:lstStyle/>
+        <a:p>
+          <a:endParaRPr lang="en-NZ"/>
+        </a:p>
+      </dgm:t>
+    </dgm:pt>
+    <dgm:pt modelId="{931C752C-1DD0-4C44-A82D-E904C2123ABE}" type="pres">
+      <dgm:prSet presAssocID="{05F30BE2-6C33-4D0C-8FC7-E413F6E18D57}" presName="hierChild1" presStyleCnt="0">
+        <dgm:presLayoutVars>
+          <dgm:chPref val="1"/>
+          <dgm:dir/>
+          <dgm:animOne val="branch"/>
+          <dgm:animLvl val="lvl"/>
+          <dgm:resizeHandles/>
+        </dgm:presLayoutVars>
+      </dgm:prSet>
+      <dgm:spPr/>
+      <dgm:t>
+        <a:bodyPr/>
+        <a:lstStyle/>
+        <a:p>
+          <a:endParaRPr lang="en-NZ"/>
+        </a:p>
+      </dgm:t>
+    </dgm:pt>
+    <dgm:pt modelId="{020DDD35-155E-4B6A-AA06-68E3843BB277}" type="pres">
+      <dgm:prSet presAssocID="{C061362B-DCE5-4AB0-BF32-5EB85DBC24B0}" presName="hierRoot1" presStyleCnt="0"/>
+      <dgm:spPr/>
+    </dgm:pt>
+    <dgm:pt modelId="{C39EAF42-7A00-43B7-8E67-0E146441E2BA}" type="pres">
+      <dgm:prSet presAssocID="{C061362B-DCE5-4AB0-BF32-5EB85DBC24B0}" presName="composite" presStyleCnt="0"/>
+      <dgm:spPr/>
+    </dgm:pt>
+    <dgm:pt modelId="{77039053-776F-4D80-A407-E479EBA0271D}" type="pres">
+      <dgm:prSet presAssocID="{C061362B-DCE5-4AB0-BF32-5EB85DBC24B0}" presName="background" presStyleLbl="node0" presStyleIdx="0" presStyleCnt="1"/>
+      <dgm:spPr/>
+    </dgm:pt>
+    <dgm:pt modelId="{CA572919-8968-48C0-9219-D530F9A80AD1}" type="pres">
+      <dgm:prSet presAssocID="{C061362B-DCE5-4AB0-BF32-5EB85DBC24B0}" presName="text" presStyleLbl="fgAcc0" presStyleIdx="0" presStyleCnt="1">
+        <dgm:presLayoutVars>
+          <dgm:chPref val="3"/>
+        </dgm:presLayoutVars>
+      </dgm:prSet>
+      <dgm:spPr/>
+      <dgm:t>
+        <a:bodyPr/>
+        <a:lstStyle/>
+        <a:p>
+          <a:endParaRPr lang="en-NZ"/>
+        </a:p>
+      </dgm:t>
+    </dgm:pt>
+    <dgm:pt modelId="{AB35FE94-09E2-419B-B013-3C226188C111}" type="pres">
+      <dgm:prSet presAssocID="{C061362B-DCE5-4AB0-BF32-5EB85DBC24B0}" presName="hierChild2" presStyleCnt="0"/>
+      <dgm:spPr/>
+    </dgm:pt>
+    <dgm:pt modelId="{D2586091-7EEA-4AAC-8E99-4C85F9D86CB6}" type="pres">
+      <dgm:prSet presAssocID="{A2B51E87-42B0-416C-8D05-F04665169E1E}" presName="Name10" presStyleLbl="parChTrans1D2" presStyleIdx="0" presStyleCnt="1"/>
+      <dgm:spPr/>
+      <dgm:t>
+        <a:bodyPr/>
+        <a:lstStyle/>
+        <a:p>
+          <a:endParaRPr lang="en-NZ"/>
+        </a:p>
+      </dgm:t>
+    </dgm:pt>
+    <dgm:pt modelId="{7E3CFCF1-604B-401B-8713-284EA5F26684}" type="pres">
+      <dgm:prSet presAssocID="{909C8E88-4220-4553-BF16-4A8182D1F920}" presName="hierRoot2" presStyleCnt="0"/>
+      <dgm:spPr/>
+    </dgm:pt>
+    <dgm:pt modelId="{F9F9D111-F511-4EE8-AE09-B36A444F09D5}" type="pres">
+      <dgm:prSet presAssocID="{909C8E88-4220-4553-BF16-4A8182D1F920}" presName="composite2" presStyleCnt="0"/>
+      <dgm:spPr/>
+    </dgm:pt>
+    <dgm:pt modelId="{7816EE88-6DE7-44B0-B711-B702FF1FD171}" type="pres">
+      <dgm:prSet presAssocID="{909C8E88-4220-4553-BF16-4A8182D1F920}" presName="background2" presStyleLbl="node2" presStyleIdx="0" presStyleCnt="1"/>
+      <dgm:spPr/>
+    </dgm:pt>
+    <dgm:pt modelId="{ADB4FCDC-497A-4F6F-8B7C-8BF5C33A3D48}" type="pres">
+      <dgm:prSet presAssocID="{909C8E88-4220-4553-BF16-4A8182D1F920}" presName="text2" presStyleLbl="fgAcc2" presStyleIdx="0" presStyleCnt="1">
+        <dgm:presLayoutVars>
+          <dgm:chPref val="3"/>
+        </dgm:presLayoutVars>
+      </dgm:prSet>
+      <dgm:spPr/>
+      <dgm:t>
+        <a:bodyPr/>
+        <a:lstStyle/>
+        <a:p>
+          <a:endParaRPr lang="en-NZ"/>
+        </a:p>
+      </dgm:t>
+    </dgm:pt>
+    <dgm:pt modelId="{2350ACA6-6050-45AF-A25C-1EF540AE7B2D}" type="pres">
+      <dgm:prSet presAssocID="{909C8E88-4220-4553-BF16-4A8182D1F920}" presName="hierChild3" presStyleCnt="0"/>
+      <dgm:spPr/>
+    </dgm:pt>
+    <dgm:pt modelId="{B3868680-91FE-4838-B36D-5E41F186E02B}" type="pres">
+      <dgm:prSet presAssocID="{5438DC54-F953-406F-9877-76D47AE83CF9}" presName="Name17" presStyleLbl="parChTrans1D3" presStyleIdx="0" presStyleCnt="1"/>
+      <dgm:spPr/>
+      <dgm:t>
+        <a:bodyPr/>
+        <a:lstStyle/>
+        <a:p>
+          <a:endParaRPr lang="en-NZ"/>
+        </a:p>
+      </dgm:t>
+    </dgm:pt>
+    <dgm:pt modelId="{7C793831-1053-4AFF-A6EF-C65EC71141A4}" type="pres">
+      <dgm:prSet presAssocID="{26BD83CD-5CED-4A29-BBF4-6791D5A67EE0}" presName="hierRoot3" presStyleCnt="0"/>
+      <dgm:spPr/>
+    </dgm:pt>
+    <dgm:pt modelId="{17EB3369-40D0-4BAF-8D53-0FD19BF7B4C1}" type="pres">
+      <dgm:prSet presAssocID="{26BD83CD-5CED-4A29-BBF4-6791D5A67EE0}" presName="composite3" presStyleCnt="0"/>
+      <dgm:spPr/>
+    </dgm:pt>
+    <dgm:pt modelId="{E41289B1-E67B-41A4-B3F4-E7F6B98A51E5}" type="pres">
+      <dgm:prSet presAssocID="{26BD83CD-5CED-4A29-BBF4-6791D5A67EE0}" presName="background3" presStyleLbl="node3" presStyleIdx="0" presStyleCnt="1"/>
+      <dgm:spPr/>
+    </dgm:pt>
+    <dgm:pt modelId="{7827FCD7-C5F3-441D-964B-41EE352A51A9}" type="pres">
+      <dgm:prSet presAssocID="{26BD83CD-5CED-4A29-BBF4-6791D5A67EE0}" presName="text3" presStyleLbl="fgAcc3" presStyleIdx="0" presStyleCnt="1">
+        <dgm:presLayoutVars>
+          <dgm:chPref val="3"/>
+        </dgm:presLayoutVars>
+      </dgm:prSet>
+      <dgm:spPr/>
+      <dgm:t>
+        <a:bodyPr/>
+        <a:lstStyle/>
+        <a:p>
+          <a:endParaRPr lang="en-NZ"/>
+        </a:p>
+      </dgm:t>
+    </dgm:pt>
+    <dgm:pt modelId="{EC04D97C-5BAD-4F0E-8DFD-3128E94ADC0E}" type="pres">
+      <dgm:prSet presAssocID="{26BD83CD-5CED-4A29-BBF4-6791D5A67EE0}" presName="hierChild4" presStyleCnt="0"/>
+      <dgm:spPr/>
+    </dgm:pt>
+    <dgm:pt modelId="{E05E599C-BAD5-4BD0-B8A8-341B2D50ED07}" type="pres">
+      <dgm:prSet presAssocID="{3015F664-61BE-437E-9C5B-FD1BCF3C60E3}" presName="Name23" presStyleLbl="parChTrans1D4" presStyleIdx="0" presStyleCnt="1"/>
+      <dgm:spPr/>
+      <dgm:t>
+        <a:bodyPr/>
+        <a:lstStyle/>
+        <a:p>
+          <a:endParaRPr lang="en-NZ"/>
+        </a:p>
+      </dgm:t>
+    </dgm:pt>
+    <dgm:pt modelId="{FB73B2CE-190B-4541-A652-6E5CC10AB361}" type="pres">
+      <dgm:prSet presAssocID="{8E69D1D5-1B0B-46B9-A2A5-067C1409F13E}" presName="hierRoot4" presStyleCnt="0"/>
+      <dgm:spPr/>
+    </dgm:pt>
+    <dgm:pt modelId="{E2209ECC-F180-4B92-9E28-BBE4FFECC02B}" type="pres">
+      <dgm:prSet presAssocID="{8E69D1D5-1B0B-46B9-A2A5-067C1409F13E}" presName="composite4" presStyleCnt="0"/>
+      <dgm:spPr/>
+    </dgm:pt>
+    <dgm:pt modelId="{C2F408C6-B38F-405C-A19B-21B5AD30E9F6}" type="pres">
+      <dgm:prSet presAssocID="{8E69D1D5-1B0B-46B9-A2A5-067C1409F13E}" presName="background4" presStyleLbl="node4" presStyleIdx="0" presStyleCnt="1"/>
+      <dgm:spPr/>
+    </dgm:pt>
+    <dgm:pt modelId="{BB557E68-4299-46F4-BB9F-A0A4300C109A}" type="pres">
+      <dgm:prSet presAssocID="{8E69D1D5-1B0B-46B9-A2A5-067C1409F13E}" presName="text4" presStyleLbl="fgAcc4" presStyleIdx="0" presStyleCnt="1">
+        <dgm:presLayoutVars>
+          <dgm:chPref val="3"/>
+        </dgm:presLayoutVars>
+      </dgm:prSet>
+      <dgm:spPr/>
+      <dgm:t>
+        <a:bodyPr/>
+        <a:lstStyle/>
+        <a:p>
+          <a:endParaRPr lang="en-NZ"/>
+        </a:p>
+      </dgm:t>
+    </dgm:pt>
+    <dgm:pt modelId="{E8B16657-4321-41BD-91E7-B6E84FBC89F4}" type="pres">
+      <dgm:prSet presAssocID="{8E69D1D5-1B0B-46B9-A2A5-067C1409F13E}" presName="hierChild5" presStyleCnt="0"/>
+      <dgm:spPr/>
+    </dgm:pt>
+  </dgm:ptLst>
+  <dgm:cxnLst>
+    <dgm:cxn modelId="{92939A1C-CC31-4154-AE1A-2DA5E3F0CB00}" srcId="{26BD83CD-5CED-4A29-BBF4-6791D5A67EE0}" destId="{8E69D1D5-1B0B-46B9-A2A5-067C1409F13E}" srcOrd="0" destOrd="0" parTransId="{3015F664-61BE-437E-9C5B-FD1BCF3C60E3}" sibTransId="{EC77EB57-26C8-4BB2-B033-11B4ED5AA90E}"/>
+    <dgm:cxn modelId="{99D9E350-1F17-44CC-BF31-AA7543871A2D}" type="presOf" srcId="{26BD83CD-5CED-4A29-BBF4-6791D5A67EE0}" destId="{7827FCD7-C5F3-441D-964B-41EE352A51A9}" srcOrd="0" destOrd="0" presId="urn:microsoft.com/office/officeart/2005/8/layout/hierarchy1"/>
+    <dgm:cxn modelId="{994E6429-F4F6-45EE-BD2F-F5ABEC44A113}" type="presOf" srcId="{3015F664-61BE-437E-9C5B-FD1BCF3C60E3}" destId="{E05E599C-BAD5-4BD0-B8A8-341B2D50ED07}" srcOrd="0" destOrd="0" presId="urn:microsoft.com/office/officeart/2005/8/layout/hierarchy1"/>
+    <dgm:cxn modelId="{876A59C2-2304-48BC-B37C-F5E4A17E144B}" type="presOf" srcId="{8E69D1D5-1B0B-46B9-A2A5-067C1409F13E}" destId="{BB557E68-4299-46F4-BB9F-A0A4300C109A}" srcOrd="0" destOrd="0" presId="urn:microsoft.com/office/officeart/2005/8/layout/hierarchy1"/>
+    <dgm:cxn modelId="{AE9FCABE-1C07-4B4B-9231-53FD2EF4A8C6}" type="presOf" srcId="{909C8E88-4220-4553-BF16-4A8182D1F920}" destId="{ADB4FCDC-497A-4F6F-8B7C-8BF5C33A3D48}" srcOrd="0" destOrd="0" presId="urn:microsoft.com/office/officeart/2005/8/layout/hierarchy1"/>
+    <dgm:cxn modelId="{691982FC-99AD-4038-9041-DBE810B0C55A}" srcId="{909C8E88-4220-4553-BF16-4A8182D1F920}" destId="{26BD83CD-5CED-4A29-BBF4-6791D5A67EE0}" srcOrd="0" destOrd="0" parTransId="{5438DC54-F953-406F-9877-76D47AE83CF9}" sibTransId="{B56EC745-BFFA-4D58-95F5-3E620C3D6827}"/>
+    <dgm:cxn modelId="{0F417E8A-34DA-45CD-A1D2-3FD4BDE48F72}" type="presOf" srcId="{05F30BE2-6C33-4D0C-8FC7-E413F6E18D57}" destId="{931C752C-1DD0-4C44-A82D-E904C2123ABE}" srcOrd="0" destOrd="0" presId="urn:microsoft.com/office/officeart/2005/8/layout/hierarchy1"/>
+    <dgm:cxn modelId="{2C94802E-085D-4DE1-BDF5-60CB60BD1C7C}" type="presOf" srcId="{A2B51E87-42B0-416C-8D05-F04665169E1E}" destId="{D2586091-7EEA-4AAC-8E99-4C85F9D86CB6}" srcOrd="0" destOrd="0" presId="urn:microsoft.com/office/officeart/2005/8/layout/hierarchy1"/>
+    <dgm:cxn modelId="{9BC844DE-76B9-409D-8044-E7505DD81972}" srcId="{05F30BE2-6C33-4D0C-8FC7-E413F6E18D57}" destId="{C061362B-DCE5-4AB0-BF32-5EB85DBC24B0}" srcOrd="0" destOrd="0" parTransId="{FFCDEDE9-4987-45DE-9B9F-53DE89FDE765}" sibTransId="{65EE5DD6-E5B6-4A0C-A81C-102EDB42AEB8}"/>
+    <dgm:cxn modelId="{51F6EC2C-AF0B-4305-A24D-4F8162602B42}" srcId="{C061362B-DCE5-4AB0-BF32-5EB85DBC24B0}" destId="{909C8E88-4220-4553-BF16-4A8182D1F920}" srcOrd="0" destOrd="0" parTransId="{A2B51E87-42B0-416C-8D05-F04665169E1E}" sibTransId="{503A38CC-7B73-4325-8B53-A4F4B4A76CCB}"/>
+    <dgm:cxn modelId="{17C30D1B-83BE-4A05-9B06-AEB2EA5E67D9}" type="presOf" srcId="{5438DC54-F953-406F-9877-76D47AE83CF9}" destId="{B3868680-91FE-4838-B36D-5E41F186E02B}" srcOrd="0" destOrd="0" presId="urn:microsoft.com/office/officeart/2005/8/layout/hierarchy1"/>
+    <dgm:cxn modelId="{2B326D8E-1FCF-4DB3-80CE-01D97C5DE6FD}" type="presOf" srcId="{C061362B-DCE5-4AB0-BF32-5EB85DBC24B0}" destId="{CA572919-8968-48C0-9219-D530F9A80AD1}" srcOrd="0" destOrd="0" presId="urn:microsoft.com/office/officeart/2005/8/layout/hierarchy1"/>
+    <dgm:cxn modelId="{E2C888A9-7A03-4982-8378-D95740D05676}" type="presParOf" srcId="{931C752C-1DD0-4C44-A82D-E904C2123ABE}" destId="{020DDD35-155E-4B6A-AA06-68E3843BB277}" srcOrd="0" destOrd="0" presId="urn:microsoft.com/office/officeart/2005/8/layout/hierarchy1"/>
+    <dgm:cxn modelId="{5B164207-477D-4958-AD0C-827666AC3D34}" type="presParOf" srcId="{020DDD35-155E-4B6A-AA06-68E3843BB277}" destId="{C39EAF42-7A00-43B7-8E67-0E146441E2BA}" srcOrd="0" destOrd="0" presId="urn:microsoft.com/office/officeart/2005/8/layout/hierarchy1"/>
+    <dgm:cxn modelId="{9460CF70-7288-4DE6-8EA4-3C18753F501B}" type="presParOf" srcId="{C39EAF42-7A00-43B7-8E67-0E146441E2BA}" destId="{77039053-776F-4D80-A407-E479EBA0271D}" srcOrd="0" destOrd="0" presId="urn:microsoft.com/office/officeart/2005/8/layout/hierarchy1"/>
+    <dgm:cxn modelId="{C2B905CD-CB2B-4D73-9C75-6127B873F3BE}" type="presParOf" srcId="{C39EAF42-7A00-43B7-8E67-0E146441E2BA}" destId="{CA572919-8968-48C0-9219-D530F9A80AD1}" srcOrd="1" destOrd="0" presId="urn:microsoft.com/office/officeart/2005/8/layout/hierarchy1"/>
+    <dgm:cxn modelId="{81D519A0-A3E9-4B58-AB01-144706F40262}" type="presParOf" srcId="{020DDD35-155E-4B6A-AA06-68E3843BB277}" destId="{AB35FE94-09E2-419B-B013-3C226188C111}" srcOrd="1" destOrd="0" presId="urn:microsoft.com/office/officeart/2005/8/layout/hierarchy1"/>
+    <dgm:cxn modelId="{F5F5471F-6991-47F1-A867-A53133DE2816}" type="presParOf" srcId="{AB35FE94-09E2-419B-B013-3C226188C111}" destId="{D2586091-7EEA-4AAC-8E99-4C85F9D86CB6}" srcOrd="0" destOrd="0" presId="urn:microsoft.com/office/officeart/2005/8/layout/hierarchy1"/>
+    <dgm:cxn modelId="{7118D05A-7499-4F49-B8EF-4DF5A81EFCB2}" type="presParOf" srcId="{AB35FE94-09E2-419B-B013-3C226188C111}" destId="{7E3CFCF1-604B-401B-8713-284EA5F26684}" srcOrd="1" destOrd="0" presId="urn:microsoft.com/office/officeart/2005/8/layout/hierarchy1"/>
+    <dgm:cxn modelId="{699435BA-3CF3-429F-B422-990938682735}" type="presParOf" srcId="{7E3CFCF1-604B-401B-8713-284EA5F26684}" destId="{F9F9D111-F511-4EE8-AE09-B36A444F09D5}" srcOrd="0" destOrd="0" presId="urn:microsoft.com/office/officeart/2005/8/layout/hierarchy1"/>
+    <dgm:cxn modelId="{1C1100A6-7A5C-43CF-80A5-58ABD5DB1201}" type="presParOf" srcId="{F9F9D111-F511-4EE8-AE09-B36A444F09D5}" destId="{7816EE88-6DE7-44B0-B711-B702FF1FD171}" srcOrd="0" destOrd="0" presId="urn:microsoft.com/office/officeart/2005/8/layout/hierarchy1"/>
+    <dgm:cxn modelId="{17BCD8EA-3DE2-45FE-B286-A8C43FD7E942}" type="presParOf" srcId="{F9F9D111-F511-4EE8-AE09-B36A444F09D5}" destId="{ADB4FCDC-497A-4F6F-8B7C-8BF5C33A3D48}" srcOrd="1" destOrd="0" presId="urn:microsoft.com/office/officeart/2005/8/layout/hierarchy1"/>
+    <dgm:cxn modelId="{FC5FE8C6-A11C-42C0-A581-722F336D16B7}" type="presParOf" srcId="{7E3CFCF1-604B-401B-8713-284EA5F26684}" destId="{2350ACA6-6050-45AF-A25C-1EF540AE7B2D}" srcOrd="1" destOrd="0" presId="urn:microsoft.com/office/officeart/2005/8/layout/hierarchy1"/>
+    <dgm:cxn modelId="{B89E9AEB-4E7D-4FBB-9860-B2A263150725}" type="presParOf" srcId="{2350ACA6-6050-45AF-A25C-1EF540AE7B2D}" destId="{B3868680-91FE-4838-B36D-5E41F186E02B}" srcOrd="0" destOrd="0" presId="urn:microsoft.com/office/officeart/2005/8/layout/hierarchy1"/>
+    <dgm:cxn modelId="{491B29B3-32BF-4FC7-8585-EE67BFE23F16}" type="presParOf" srcId="{2350ACA6-6050-45AF-A25C-1EF540AE7B2D}" destId="{7C793831-1053-4AFF-A6EF-C65EC71141A4}" srcOrd="1" destOrd="0" presId="urn:microsoft.com/office/officeart/2005/8/layout/hierarchy1"/>
+    <dgm:cxn modelId="{539ABD1F-A8FC-4259-975E-A88735561A06}" type="presParOf" srcId="{7C793831-1053-4AFF-A6EF-C65EC71141A4}" destId="{17EB3369-40D0-4BAF-8D53-0FD19BF7B4C1}" srcOrd="0" destOrd="0" presId="urn:microsoft.com/office/officeart/2005/8/layout/hierarchy1"/>
+    <dgm:cxn modelId="{E5C856E0-F2EE-42C1-BEA8-F2AE36CBE1D9}" type="presParOf" srcId="{17EB3369-40D0-4BAF-8D53-0FD19BF7B4C1}" destId="{E41289B1-E67B-41A4-B3F4-E7F6B98A51E5}" srcOrd="0" destOrd="0" presId="urn:microsoft.com/office/officeart/2005/8/layout/hierarchy1"/>
+    <dgm:cxn modelId="{BF969764-64A5-4A3E-A9C2-42AE530F402A}" type="presParOf" srcId="{17EB3369-40D0-4BAF-8D53-0FD19BF7B4C1}" destId="{7827FCD7-C5F3-441D-964B-41EE352A51A9}" srcOrd="1" destOrd="0" presId="urn:microsoft.com/office/officeart/2005/8/layout/hierarchy1"/>
+    <dgm:cxn modelId="{96105054-E511-4BE3-B8C6-8F3262CE1E29}" type="presParOf" srcId="{7C793831-1053-4AFF-A6EF-C65EC71141A4}" destId="{EC04D97C-5BAD-4F0E-8DFD-3128E94ADC0E}" srcOrd="1" destOrd="0" presId="urn:microsoft.com/office/officeart/2005/8/layout/hierarchy1"/>
+    <dgm:cxn modelId="{3254FA6B-5142-4FFD-8AE5-55DE28777E12}" type="presParOf" srcId="{EC04D97C-5BAD-4F0E-8DFD-3128E94ADC0E}" destId="{E05E599C-BAD5-4BD0-B8A8-341B2D50ED07}" srcOrd="0" destOrd="0" presId="urn:microsoft.com/office/officeart/2005/8/layout/hierarchy1"/>
+    <dgm:cxn modelId="{961A9233-0F37-4F01-9483-E4FC552746AA}" type="presParOf" srcId="{EC04D97C-5BAD-4F0E-8DFD-3128E94ADC0E}" destId="{FB73B2CE-190B-4541-A652-6E5CC10AB361}" srcOrd="1" destOrd="0" presId="urn:microsoft.com/office/officeart/2005/8/layout/hierarchy1"/>
+    <dgm:cxn modelId="{3DDAA5A5-601E-4CB0-B8D3-77AF3DCB9870}" type="presParOf" srcId="{FB73B2CE-190B-4541-A652-6E5CC10AB361}" destId="{E2209ECC-F180-4B92-9E28-BBE4FFECC02B}" srcOrd="0" destOrd="0" presId="urn:microsoft.com/office/officeart/2005/8/layout/hierarchy1"/>
+    <dgm:cxn modelId="{C77978C5-CAA1-4949-876F-18A7AEFA7DA5}" type="presParOf" srcId="{E2209ECC-F180-4B92-9E28-BBE4FFECC02B}" destId="{C2F408C6-B38F-405C-A19B-21B5AD30E9F6}" srcOrd="0" destOrd="0" presId="urn:microsoft.com/office/officeart/2005/8/layout/hierarchy1"/>
+    <dgm:cxn modelId="{0FC2DC2D-33D5-472C-BCCC-6886DB788232}" type="presParOf" srcId="{E2209ECC-F180-4B92-9E28-BBE4FFECC02B}" destId="{BB557E68-4299-46F4-BB9F-A0A4300C109A}" srcOrd="1" destOrd="0" presId="urn:microsoft.com/office/officeart/2005/8/layout/hierarchy1"/>
+    <dgm:cxn modelId="{74EEEED1-33B4-427C-B43F-8AA2DD1AC1D4}" type="presParOf" srcId="{FB73B2CE-190B-4541-A652-6E5CC10AB361}" destId="{E8B16657-4321-41BD-91E7-B6E84FBC89F4}" srcOrd="1" destOrd="0" presId="urn:microsoft.com/office/officeart/2005/8/layout/hierarchy1"/>
+  </dgm:cxnLst>
+  <dgm:bg/>
+  <dgm:whole/>
+  <dgm:extLst>
+    <a:ext uri="http://schemas.microsoft.com/office/drawing/2008/diagram">
+      <dsp:dataModelExt xmlns:dsp="http://schemas.microsoft.com/office/drawing/2008/diagram" relId="rId11" minVer="http://schemas.openxmlformats.org/drawingml/2006/diagram"/>
+    </a:ext>
+  </dgm:extLst>
+</dgm:dataModel>
+</file>
+
+<file path=ppt/diagrams/drawing1.xml><?xml version="1.0" encoding="utf-8"?>
+<dsp:drawing xmlns:dgm="http://schemas.openxmlformats.org/drawingml/2006/diagram" xmlns:dsp="http://schemas.microsoft.com/office/drawing/2008/diagram" xmlns:a="http://schemas.openxmlformats.org/drawingml/2006/main">
+  <dsp:spTree>
+    <dsp:nvGrpSpPr>
+      <dsp:cNvPr id="0" name=""/>
+      <dsp:cNvGrpSpPr/>
+    </dsp:nvGrpSpPr>
+    <dsp:grpSpPr/>
+  </dsp:spTree>
+</dsp:drawing>
+</file>
+
+<file path=ppt/diagrams/drawing2.xml><?xml version="1.0" encoding="utf-8"?>
+<dsp:drawing xmlns:dgm="http://schemas.openxmlformats.org/drawingml/2006/diagram" xmlns:dsp="http://schemas.microsoft.com/office/drawing/2008/diagram" xmlns:a="http://schemas.openxmlformats.org/drawingml/2006/main">
+  <dsp:spTree>
+    <dsp:nvGrpSpPr>
+      <dsp:cNvPr id="0" name=""/>
+      <dsp:cNvGrpSpPr/>
+    </dsp:nvGrpSpPr>
+    <dsp:grpSpPr/>
+  </dsp:spTree>
+</dsp:drawing>
+</file>
+
+<file path=ppt/diagrams/layout1.xml><?xml version="1.0" encoding="utf-8"?>
+<dgm:layoutDef xmlns:dgm="http://schemas.openxmlformats.org/drawingml/2006/diagram" xmlns:a="http://schemas.openxmlformats.org/drawingml/2006/main" uniqueId="urn:microsoft.com/office/officeart/2005/8/layout/hierarchy1">
+  <dgm:title val=""/>
+  <dgm:desc val=""/>
+  <dgm:catLst>
+    <dgm:cat type="hierarchy" pri="2000"/>
+  </dgm:catLst>
+  <dgm:sampData>
+    <dgm:dataModel>
+      <dgm:ptLst>
+        <dgm:pt modelId="0" type="doc"/>
+        <dgm:pt modelId="1">
+          <dgm:prSet phldr="1"/>
+        </dgm:pt>
+        <dgm:pt modelId="2">
+          <dgm:prSet phldr="1"/>
+        </dgm:pt>
+        <dgm:pt modelId="21">
+          <dgm:prSet phldr="1"/>
+        </dgm:pt>
+        <dgm:pt modelId="22">
+          <dgm:prSet phldr="1"/>
+        </dgm:pt>
+        <dgm:pt modelId="3">
+          <dgm:prSet phldr="1"/>
+        </dgm:pt>
+        <dgm:pt modelId="31">
+          <dgm:prSet phldr="1"/>
+        </dgm:pt>
+      </dgm:ptLst>
+      <dgm:cxnLst>
+        <dgm:cxn modelId="4" srcId="0" destId="1" srcOrd="0" destOrd="0"/>
+        <dgm:cxn modelId="5" srcId="1" destId="2" srcOrd="0" destOrd="0"/>
+        <dgm:cxn modelId="6" srcId="1" destId="3" srcOrd="1" destOrd="0"/>
+        <dgm:cxn modelId="23" srcId="2" destId="21" srcOrd="0" destOrd="0"/>
+        <dgm:cxn modelId="24" srcId="2" destId="22" srcOrd="1" destOrd="0"/>
+        <dgm:cxn modelId="33" srcId="3" destId="31" srcOrd="0" destOrd="0"/>
+      </dgm:cxnLst>
+      <dgm:bg/>
+      <dgm:whole/>
+    </dgm:dataModel>
+  </dgm:sampData>
+  <dgm:styleData>
+    <dgm:dataModel>
+      <dgm:ptLst>
+        <dgm:pt modelId="0" type="doc"/>
+        <dgm:pt modelId="1"/>
+        <dgm:pt modelId="11"/>
+        <dgm:pt modelId="12"/>
+      </dgm:ptLst>
+      <dgm:cxnLst>
+        <dgm:cxn modelId="2" srcId="0" destId="1" srcOrd="0" destOrd="0"/>
+        <dgm:cxn modelId="13" srcId="1" destId="11" srcOrd="0" destOrd="0"/>
+        <dgm:cxn modelId="14" srcId="1" destId="12" srcOrd="1" destOrd="0"/>
+      </dgm:cxnLst>
+      <dgm:bg/>
+      <dgm:whole/>
+    </dgm:dataModel>
+  </dgm:styleData>
+  <dgm:clrData>
+    <dgm:dataModel>
+      <dgm:ptLst>
+        <dgm:pt modelId="0" type="doc"/>
+        <dgm:pt modelId="1"/>
+        <dgm:pt modelId="2"/>
+        <dgm:pt modelId="21"/>
+        <dgm:pt modelId="211"/>
+        <dgm:pt modelId="3"/>
+        <dgm:pt modelId="31"/>
+        <dgm:pt modelId="311"/>
+      </dgm:ptLst>
+      <dgm:cxnLst>
+        <dgm:cxn modelId="4" srcId="0" destId="1" srcOrd="0" destOrd="0"/>
+        <dgm:cxn modelId="5" srcId="1" destId="2" srcOrd="0" destOrd="0"/>
+        <dgm:cxn modelId="6" srcId="1" destId="3" srcOrd="1" destOrd="0"/>
+        <dgm:cxn modelId="23" srcId="2" destId="21" srcOrd="0" destOrd="0"/>
+        <dgm:cxn modelId="24" srcId="21" destId="211" srcOrd="0" destOrd="0"/>
+        <dgm:cxn modelId="33" srcId="3" destId="31" srcOrd="0" destOrd="0"/>
+        <dgm:cxn modelId="34" srcId="31" destId="311" srcOrd="0" destOrd="0"/>
+      </dgm:cxnLst>
+      <dgm:bg/>
+      <dgm:whole/>
+    </dgm:dataModel>
+  </dgm:clrData>
+  <dgm:layoutNode name="hierChild1">
+    <dgm:varLst>
+      <dgm:chPref val="1"/>
+      <dgm:dir/>
+      <dgm:animOne val="branch"/>
+      <dgm:animLvl val="lvl"/>
+      <dgm:resizeHandles/>
+    </dgm:varLst>
+    <dgm:choose name="Name0">
+      <dgm:if name="Name1" func="var" arg="dir" op="equ" val="norm">
+        <dgm:alg type="hierChild">
+          <dgm:param type="linDir" val="fromL"/>
+        </dgm:alg>
+      </dgm:if>
+      <dgm:else name="Name2">
+        <dgm:alg type="hierChild">
+          <dgm:param type="linDir" val="fromR"/>
+        </dgm:alg>
+      </dgm:else>
+    </dgm:choose>
+    <dgm:shape xmlns:r="http://schemas.openxmlformats.org/officeDocument/2006/relationships" r:blip="">
+      <dgm:adjLst/>
+    </dgm:shape>
+    <dgm:presOf/>
+    <dgm:constrLst>
+      <dgm:constr type="primFontSz" for="des" ptType="node" op="equ" val="65"/>
+      <dgm:constr type="w" for="des" forName="composite" refType="w"/>
+      <dgm:constr type="h" for="des" forName="composite" refType="w" refFor="des" refForName="composite" fact="0.667"/>
+      <dgm:constr type="w" for="des" forName="composite2" refType="w" refFor="des" refForName="composite"/>
+      <dgm:constr type="h" for="des" forName="composite2" refType="h" refFor="des" refForName="composite"/>
+      <dgm:constr type="w" for="des" forName="composite3" refType="w" refFor="des" refForName="composite"/>
+      <dgm:constr type="h" for="des" forName="composite3" refType="h" refFor="des" refForName="composite"/>
+      <dgm:constr type="w" for="des" forName="composite4" refType="w" refFor="des" refForName="composite"/>
+      <dgm:constr type="h" for="des" forName="composite4" refType="h" refFor="des" refForName="composite"/>
+      <dgm:constr type="w" for="des" forName="composite5" refType="w" refFor="des" refForName="composite"/>
+      <dgm:constr type="h" for="des" forName="composite5" refType="h" refFor="des" refForName="composite"/>
+      <dgm:constr type="sibSp" refType="w" refFor="des" refForName="composite" fact="0.1"/>
+      <dgm:constr type="sibSp" for="des" forName="hierChild2" refType="sibSp"/>
+      <dgm:constr type="sibSp" for="des" forName="hierChild3" refType="sibSp"/>
+      <dgm:constr type="sibSp" for="des" forName="hierChild4" refType="sibSp"/>
+      <dgm:constr type="sibSp" for="des" forName="hierChild5" refType="sibSp"/>
+      <dgm:constr type="sibSp" for="des" forName="hierChild6" refType="sibSp"/>
+      <dgm:constr type="sp" for="des" forName="hierRoot1" refType="h" refFor="des" refForName="composite" fact="0.25"/>
+      <dgm:constr type="sp" for="des" forName="hierRoot2" refType="sp" refFor="des" refForName="hierRoot1"/>
+      <dgm:constr type="sp" for="des" forName="hierRoot3" refType="sp" refFor="des" refForName="hierRoot1"/>
+      <dgm:constr type="sp" for="des" forName="hierRoot4" refType="sp" refFor="des" refForName="hierRoot1"/>
+      <dgm:constr type="sp" for="des" forName="hierRoot5" refType="sp" refFor="des" refForName="hierRoot1"/>
+    </dgm:constrLst>
+    <dgm:ruleLst/>
+    <dgm:forEach name="Name3" axis="ch">
+      <dgm:forEach name="Name4" axis="self" ptType="node">
+        <dgm:layoutNode name="hierRoot1">
+          <dgm:alg type="hierRoot"/>
+          <dgm:shape xmlns:r="http://schemas.openxmlformats.org/officeDocument/2006/relationships" r:blip="">
+            <dgm:adjLst/>
+          </dgm:shape>
+          <dgm:presOf/>
+          <dgm:constrLst>
+            <dgm:constr type="bendDist" for="des" ptType="parTrans" refType="sp" fact="0.5"/>
+          </dgm:constrLst>
+          <dgm:ruleLst/>
+          <dgm:layoutNode name="composite">
+            <dgm:alg type="composite"/>
+            <dgm:shape xmlns:r="http://schemas.openxmlformats.org/officeDocument/2006/relationships" r:blip="">
+              <dgm:adjLst/>
+            </dgm:shape>
+            <dgm:presOf/>
+            <dgm:constrLst>
+              <dgm:constr type="w" for="ch" forName="background" refType="w" fact="0.9"/>
+              <dgm:constr type="h" for="ch" forName="background" refType="w" refFor="ch" refForName="background" fact="0.635"/>
+              <dgm:constr type="t" for="ch" forName="background"/>
+              <dgm:constr type="l" for="ch" forName="background"/>
+              <dgm:constr type="w" for="ch" forName="text" refType="w" fact="0.9"/>
+              <dgm:constr type="h" for="ch" forName="text" refType="w" refFor="ch" refForName="text" fact="0.635"/>
+              <dgm:constr type="t" for="ch" forName="text" refType="w" fact="0.095"/>
+              <dgm:constr type="l" for="ch" forName="text" refType="w" fact="0.1"/>
+            </dgm:constrLst>
+            <dgm:ruleLst/>
+            <dgm:layoutNode name="background" styleLbl="node0" moveWith="text">
+              <dgm:alg type="sp"/>
+              <dgm:shape xmlns:r="http://schemas.openxmlformats.org/officeDocument/2006/relationships" type="roundRect" r:blip="">
+                <dgm:adjLst>
+                  <dgm:adj idx="1" val="0.1"/>
+                </dgm:adjLst>
+              </dgm:shape>
+              <dgm:presOf/>
+              <dgm:constrLst/>
+              <dgm:ruleLst/>
+            </dgm:layoutNode>
+            <dgm:layoutNode name="text" styleLbl="fgAcc0">
+              <dgm:varLst>
+                <dgm:chPref val="3"/>
+              </dgm:varLst>
+              <dgm:alg type="tx"/>
+              <dgm:shape xmlns:r="http://schemas.openxmlformats.org/officeDocument/2006/relationships" type="roundRect" r:blip="">
+                <dgm:adjLst>
+                  <dgm:adj idx="1" val="0.1"/>
+                </dgm:adjLst>
+              </dgm:shape>
+              <dgm:presOf axis="self"/>
+              <dgm:constrLst>
+                <dgm:constr type="tMarg" refType="primFontSz" fact="0.3"/>
+                <dgm:constr type="bMarg" refType="primFontSz" fact="0.3"/>
+                <dgm:constr type="lMarg" refType="primFontSz" fact="0.3"/>
+                <dgm:constr type="rMarg" refType="primFontSz" fact="0.3"/>
+              </dgm:constrLst>
+              <dgm:ruleLst>
+                <dgm:rule type="primFontSz" val="5" fact="NaN" max="NaN"/>
+              </dgm:ruleLst>
+            </dgm:layoutNode>
+          </dgm:layoutNode>
+          <dgm:layoutNode name="hierChild2">
+            <dgm:choose name="Name5">
+              <dgm:if name="Name6" func="var" arg="dir" op="equ" val="norm">
+                <dgm:alg type="hierChild">
+                  <dgm:param type="linDir" val="fromL"/>
+                </dgm:alg>
+              </dgm:if>
+              <dgm:else name="Name7">
+                <dgm:alg type="hierChild">
+                  <dgm:param type="linDir" val="fromR"/>
+                </dgm:alg>
+              </dgm:else>
+            </dgm:choose>
+            <dgm:shape xmlns:r="http://schemas.openxmlformats.org/officeDocument/2006/relationships" r:blip="">
+              <dgm:adjLst/>
+            </dgm:shape>
+            <dgm:presOf/>
+            <dgm:constrLst/>
+            <dgm:ruleLst/>
+            <dgm:forEach name="Name8" axis="ch">
+              <dgm:forEach name="Name9" axis="self" ptType="parTrans" cnt="1">
+                <dgm:layoutNode name="Name10">
+                  <dgm:alg type="conn">
+                    <dgm:param type="dim" val="1D"/>
+                    <dgm:param type="endSty" val="noArr"/>
+                    <dgm:param type="connRout" val="bend"/>
+                    <dgm:param type="bendPt" val="end"/>
+                    <dgm:param type="begPts" val="bCtr"/>
+                    <dgm:param type="endPts" val="tCtr"/>
+                    <dgm:param type="srcNode" val="background"/>
+                    <dgm:param type="dstNode" val="background2"/>
+                  </dgm:alg>
+                  <dgm:shape xmlns:r="http://schemas.openxmlformats.org/officeDocument/2006/relationships" type="conn" r:blip="" zOrderOff="-999">
+                    <dgm:adjLst/>
+                  </dgm:shape>
+                  <dgm:presOf axis="self"/>
+                  <dgm:constrLst>
+                    <dgm:constr type="begPad"/>
+                    <dgm:constr type="endPad"/>
+                  </dgm:constrLst>
+                  <dgm:ruleLst/>
+                </dgm:layoutNode>
+              </dgm:forEach>
+              <dgm:forEach name="Name11" axis="self" ptType="node">
+                <dgm:layoutNode name="hierRoot2">
+                  <dgm:alg type="hierRoot"/>
+                  <dgm:shape xmlns:r="http://schemas.openxmlformats.org/officeDocument/2006/relationships" r:blip="">
+                    <dgm:adjLst/>
+                  </dgm:shape>
+                  <dgm:presOf/>
+                  <dgm:constrLst>
+                    <dgm:constr type="bendDist" for="des" ptType="parTrans" refType="sp" fact="0.5"/>
+                  </dgm:constrLst>
+                  <dgm:ruleLst/>
+                  <dgm:layoutNode name="composite2">
+                    <dgm:alg type="composite"/>
+                    <dgm:shape xmlns:r="http://schemas.openxmlformats.org/officeDocument/2006/relationships" r:blip="">
+                      <dgm:adjLst/>
+                    </dgm:shape>
+                    <dgm:presOf/>
+                    <dgm:constrLst>
+                      <dgm:constr type="w" for="ch" forName="background2" refType="w" fact="0.9"/>
+                      <dgm:constr type="h" for="ch" forName="background2" refType="w" refFor="ch" refForName="background2" fact="0.635"/>
+                      <dgm:constr type="t" for="ch" forName="background2"/>
+                      <dgm:constr type="l" for="ch" forName="background2"/>
+                      <dgm:constr type="w" for="ch" forName="text2" refType="w" fact="0.9"/>
+                      <dgm:constr type="h" for="ch" forName="text2" refType="w" refFor="ch" refForName="text2" fact="0.635"/>
+                      <dgm:constr type="t" for="ch" forName="text2" refType="w" fact="0.095"/>
+                      <dgm:constr type="l" for="ch" forName="text2" refType="w" fact="0.1"/>
+                    </dgm:constrLst>
+                    <dgm:ruleLst/>
+                    <dgm:layoutNode name="background2" moveWith="text2">
+                      <dgm:alg type="sp"/>
+                      <dgm:shape xmlns:r="http://schemas.openxmlformats.org/officeDocument/2006/relationships" type="roundRect" r:blip="">
+                        <dgm:adjLst>
+                          <dgm:adj idx="1" val="0.1"/>
+                        </dgm:adjLst>
+                      </dgm:shape>
+                      <dgm:presOf/>
+                      <dgm:constrLst/>
+                      <dgm:ruleLst/>
+                    </dgm:layoutNode>
+                    <dgm:layoutNode name="text2" styleLbl="fgAcc2">
+                      <dgm:varLst>
+                        <dgm:chPref val="3"/>
+                      </dgm:varLst>
+                      <dgm:alg type="tx"/>
+                      <dgm:shape xmlns:r="http://schemas.openxmlformats.org/officeDocument/2006/relationships" type="roundRect" r:blip="">
+                        <dgm:adjLst>
+                          <dgm:adj idx="1" val="0.1"/>
+                        </dgm:adjLst>
+                      </dgm:shape>
+                      <dgm:presOf axis="self"/>
+                      <dgm:constrLst>
+                        <dgm:constr type="tMarg" refType="primFontSz" fact="0.3"/>
+                        <dgm:constr type="bMarg" refType="primFontSz" fact="0.3"/>
+                        <dgm:constr type="lMarg" refType="primFontSz" fact="0.3"/>
+                        <dgm:constr type="rMarg" refType="primFontSz" fact="0.3"/>
+                      </dgm:constrLst>
+                      <dgm:ruleLst>
+                        <dgm:rule type="primFontSz" val="5" fact="NaN" max="NaN"/>
+                      </dgm:ruleLst>
+                    </dgm:layoutNode>
+                  </dgm:layoutNode>
+                  <dgm:layoutNode name="hierChild3">
+                    <dgm:choose name="Name12">
+                      <dgm:if name="Name13" func="var" arg="dir" op="equ" val="norm">
+                        <dgm:alg type="hierChild">
+                          <dgm:param type="linDir" val="fromL"/>
+                        </dgm:alg>
+                      </dgm:if>
+                      <dgm:else name="Name14">
+                        <dgm:alg type="hierChild">
+                          <dgm:param type="linDir" val="fromR"/>
+                        </dgm:alg>
+                      </dgm:else>
+                    </dgm:choose>
+                    <dgm:shape xmlns:r="http://schemas.openxmlformats.org/officeDocument/2006/relationships" r:blip="">
+                      <dgm:adjLst/>
+                    </dgm:shape>
+                    <dgm:presOf/>
+                    <dgm:constrLst/>
+                    <dgm:ruleLst/>
+                    <dgm:forEach name="Name15" axis="ch">
+                      <dgm:forEach name="Name16" axis="self" ptType="parTrans" cnt="1">
+                        <dgm:layoutNode name="Name17">
+                          <dgm:alg type="conn">
+                            <dgm:param type="dim" val="1D"/>
+                            <dgm:param type="endSty" val="noArr"/>
+                            <dgm:param type="connRout" val="bend"/>
+                            <dgm:param type="bendPt" val="end"/>
+                            <dgm:param type="begPts" val="bCtr"/>
+                            <dgm:param type="endPts" val="tCtr"/>
+                            <dgm:param type="srcNode" val="background2"/>
+                            <dgm:param type="dstNode" val="background3"/>
+                          </dgm:alg>
+                          <dgm:shape xmlns:r="http://schemas.openxmlformats.org/officeDocument/2006/relationships" type="conn" r:blip="" zOrderOff="-999">
+                            <dgm:adjLst/>
+                          </dgm:shape>
+                          <dgm:presOf axis="self"/>
+                          <dgm:constrLst>
+                            <dgm:constr type="begPad"/>
+                            <dgm:constr type="endPad"/>
+                          </dgm:constrLst>
+                          <dgm:ruleLst/>
+                        </dgm:layoutNode>
+                      </dgm:forEach>
+                      <dgm:forEach name="Name18" axis="self" ptType="node">
+                        <dgm:layoutNode name="hierRoot3">
+                          <dgm:alg type="hierRoot"/>
+                          <dgm:shape xmlns:r="http://schemas.openxmlformats.org/officeDocument/2006/relationships" r:blip="">
+                            <dgm:adjLst/>
+                          </dgm:shape>
+                          <dgm:presOf/>
+                          <dgm:constrLst>
+                            <dgm:constr type="bendDist" for="des" ptType="parTrans" refType="sp" fact="0.5"/>
+                          </dgm:constrLst>
+                          <dgm:ruleLst/>
+                          <dgm:layoutNode name="composite3">
+                            <dgm:alg type="composite"/>
+                            <dgm:shape xmlns:r="http://schemas.openxmlformats.org/officeDocument/2006/relationships" r:blip="">
+                              <dgm:adjLst/>
+                            </dgm:shape>
+                            <dgm:presOf/>
+                            <dgm:constrLst>
+                              <dgm:constr type="w" for="ch" forName="background3" refType="w" fact="0.9"/>
+                              <dgm:constr type="h" for="ch" forName="background3" refType="w" refFor="ch" refForName="background3" fact="0.635"/>
+                              <dgm:constr type="t" for="ch" forName="background3"/>
+                              <dgm:constr type="l" for="ch" forName="background3"/>
+                              <dgm:constr type="w" for="ch" forName="text3" refType="w" fact="0.9"/>
+                              <dgm:constr type="h" for="ch" forName="text3" refType="w" refFor="ch" refForName="text3" fact="0.635"/>
+                              <dgm:constr type="t" for="ch" forName="text3" refType="w" fact="0.095"/>
+                              <dgm:constr type="l" for="ch" forName="text3" refType="w" fact="0.1"/>
+                            </dgm:constrLst>
+                            <dgm:ruleLst/>
+                            <dgm:layoutNode name="background3" moveWith="text3">
+                              <dgm:alg type="sp"/>
+                              <dgm:shape xmlns:r="http://schemas.openxmlformats.org/officeDocument/2006/relationships" type="roundRect" r:blip="">
+                                <dgm:adjLst>
+                                  <dgm:adj idx="1" val="0.1"/>
+                                </dgm:adjLst>
+                              </dgm:shape>
+                              <dgm:presOf/>
+                              <dgm:constrLst/>
+                              <dgm:ruleLst/>
+                            </dgm:layoutNode>
+                            <dgm:layoutNode name="text3" styleLbl="fgAcc3">
+                              <dgm:varLst>
+                                <dgm:chPref val="3"/>
+                              </dgm:varLst>
+                              <dgm:alg type="tx"/>
+                              <dgm:shape xmlns:r="http://schemas.openxmlformats.org/officeDocument/2006/relationships" type="roundRect" r:blip="">
+                                <dgm:adjLst>
+                                  <dgm:adj idx="1" val="0.1"/>
+                                </dgm:adjLst>
+                              </dgm:shape>
+                              <dgm:presOf axis="self"/>
+                              <dgm:constrLst>
+                                <dgm:constr type="tMarg" refType="primFontSz" fact="0.3"/>
+                                <dgm:constr type="bMarg" refType="primFontSz" fact="0.3"/>
+                                <dgm:constr type="lMarg" refType="primFontSz" fact="0.3"/>
+                                <dgm:constr type="rMarg" refType="primFontSz" fact="0.3"/>
+                              </dgm:constrLst>
+                              <dgm:ruleLst>
+                                <dgm:rule type="primFontSz" val="5" fact="NaN" max="NaN"/>
+                              </dgm:ruleLst>
+                            </dgm:layoutNode>
+                          </dgm:layoutNode>
+                          <dgm:layoutNode name="hierChild4">
+                            <dgm:choose name="Name19">
+                              <dgm:if name="Name20" func="var" arg="dir" op="equ" val="norm">
+                                <dgm:alg type="hierChild">
+                                  <dgm:param type="linDir" val="fromL"/>
+                                </dgm:alg>
+                              </dgm:if>
+                              <dgm:else name="Name21">
+                                <dgm:alg type="hierChild">
+                                  <dgm:param type="linDir" val="fromR"/>
+                                </dgm:alg>
+                              </dgm:else>
+                            </dgm:choose>
+                            <dgm:shape xmlns:r="http://schemas.openxmlformats.org/officeDocument/2006/relationships" r:blip="">
+                              <dgm:adjLst/>
+                            </dgm:shape>
+                            <dgm:presOf/>
+                            <dgm:constrLst/>
+                            <dgm:ruleLst/>
+                            <dgm:forEach name="repeat" axis="ch">
+                              <dgm:forEach name="Name22" axis="self" ptType="parTrans" cnt="1">
+                                <dgm:layoutNode name="Name23">
+                                  <dgm:choose name="Name24">
+                                    <dgm:if name="Name25" axis="self" func="depth" op="lte" val="4">
+                                      <dgm:alg type="conn">
+                                        <dgm:param type="dim" val="1D"/>
+                                        <dgm:param type="endSty" val="noArr"/>
+                                        <dgm:param type="connRout" val="bend"/>
+                                        <dgm:param type="bendPt" val="end"/>
+                                        <dgm:param type="begPts" val="bCtr"/>
+                                        <dgm:param type="endPts" val="tCtr"/>
+                                        <dgm:param type="srcNode" val="background3"/>
+                                        <dgm:param type="dstNode" val="background4"/>
+                                      </dgm:alg>
+                                    </dgm:if>
+                                    <dgm:else name="Name26">
+                                      <dgm:alg type="conn">
+                                        <dgm:param type="dim" val="1D"/>
+                                        <dgm:param type="endSty" val="noArr"/>
+                                        <dgm:param type="connRout" val="bend"/>
+                                        <dgm:param type="bendPt" val="end"/>
+                                        <dgm:param type="begPts" val="bCtr"/>
+                                        <dgm:param type="endPts" val="tCtr"/>
+                                        <dgm:param type="srcNode" val="background4"/>
+                                        <dgm:param type="dstNode" val="background4"/>
+                                      </dgm:alg>
+                                    </dgm:else>
+                                  </dgm:choose>
+                                  <dgm:shape xmlns:r="http://schemas.openxmlformats.org/officeDocument/2006/relationships" type="conn" r:blip="" zOrderOff="-999">
+                                    <dgm:adjLst/>
+                                  </dgm:shape>
+                                  <dgm:presOf axis="self"/>
+                                  <dgm:constrLst>
+                                    <dgm:constr type="begPad"/>
+                                    <dgm:constr type="endPad"/>
+                                  </dgm:constrLst>
+                                  <dgm:ruleLst/>
+                                </dgm:layoutNode>
+                              </dgm:forEach>
+                              <dgm:forEach name="Name27" axis="self" ptType="node">
+                                <dgm:layoutNode name="hierRoot4">
+                                  <dgm:alg type="hierRoot"/>
+                                  <dgm:shape xmlns:r="http://schemas.openxmlformats.org/officeDocument/2006/relationships" r:blip="">
+                                    <dgm:adjLst/>
+                                  </dgm:shape>
+                                  <dgm:presOf/>
+                                  <dgm:constrLst>
+                                    <dgm:constr type="bendDist" for="des" ptType="parTrans" refType="sp" fact="0.5"/>
+                                  </dgm:constrLst>
+                                  <dgm:ruleLst/>
+                                  <dgm:layoutNode name="composite4">
+                                    <dgm:alg type="composite"/>
+                                    <dgm:shape xmlns:r="http://schemas.openxmlformats.org/officeDocument/2006/relationships" r:blip="">
+                                      <dgm:adjLst/>
+                                    </dgm:shape>
+                                    <dgm:presOf/>
+                                    <dgm:constrLst>
+                                      <dgm:constr type="w" for="ch" forName="background4" refType="w" fact="0.9"/>
+                                      <dgm:constr type="h" for="ch" forName="background4" refType="w" refFor="ch" refForName="background4" fact="0.635"/>
+                                      <dgm:constr type="t" for="ch" forName="background4"/>
+                                      <dgm:constr type="l" for="ch" forName="background4"/>
+                                      <dgm:constr type="w" for="ch" forName="text4" refType="w" fact="0.9"/>
+                                      <dgm:constr type="h" for="ch" forName="text4" refType="w" refFor="ch" refForName="text4" fact="0.635"/>
+                                      <dgm:constr type="t" for="ch" forName="text4" refType="w" fact="0.095"/>
+                                      <dgm:constr type="l" for="ch" forName="text4" refType="w" fact="0.1"/>
+                                    </dgm:constrLst>
+                                    <dgm:ruleLst/>
+                                    <dgm:layoutNode name="background4" moveWith="text4">
+                                      <dgm:alg type="sp"/>
+                                      <dgm:shape xmlns:r="http://schemas.openxmlformats.org/officeDocument/2006/relationships" type="roundRect" r:blip="">
+                                        <dgm:adjLst>
+                                          <dgm:adj idx="1" val="0.1"/>
+                                        </dgm:adjLst>
+                                      </dgm:shape>
+                                      <dgm:presOf/>
+                                      <dgm:constrLst/>
+                                      <dgm:ruleLst/>
+                                    </dgm:layoutNode>
+                                    <dgm:layoutNode name="text4" styleLbl="fgAcc4">
+                                      <dgm:varLst>
+                                        <dgm:chPref val="3"/>
+                                      </dgm:varLst>
+                                      <dgm:alg type="tx"/>
+                                      <dgm:shape xmlns:r="http://schemas.openxmlformats.org/officeDocument/2006/relationships" type="roundRect" r:blip="">
+                                        <dgm:adjLst>
+                                          <dgm:adj idx="1" val="0.1"/>
+                                        </dgm:adjLst>
+                                      </dgm:shape>
+                                      <dgm:presOf axis="self"/>
+                                      <dgm:constrLst>
+                                        <dgm:constr type="tMarg" refType="primFontSz" fact="0.3"/>
+                                        <dgm:constr type="bMarg" refType="primFontSz" fact="0.3"/>
+                                        <dgm:constr type="lMarg" refType="primFontSz" fact="0.3"/>
+                                        <dgm:constr type="rMarg" refType="primFontSz" fact="0.3"/>
+                                      </dgm:constrLst>
+                                      <dgm:ruleLst>
+                                        <dgm:rule type="primFontSz" val="5" fact="NaN" max="NaN"/>
+                                      </dgm:ruleLst>
+                                    </dgm:layoutNode>
+                                  </dgm:layoutNode>
+                                  <dgm:layoutNode name="hierChild5">
+                                    <dgm:choose name="Name28">
+                                      <dgm:if name="Name29" func="var" arg="dir" op="equ" val="norm">
+                                        <dgm:alg type="hierChild">
+                                          <dgm:param type="linDir" val="fromL"/>
+                                        </dgm:alg>
+                                      </dgm:if>
+                                      <dgm:else name="Name30">
+                                        <dgm:alg type="hierChild">
+                                          <dgm:param type="linDir" val="fromR"/>
+                                        </dgm:alg>
+                                      </dgm:else>
+                                    </dgm:choose>
+                                    <dgm:shape xmlns:r="http://schemas.openxmlformats.org/officeDocument/2006/relationships" r:blip="">
+                                      <dgm:adjLst/>
+                                    </dgm:shape>
+                                    <dgm:presOf/>
+                                    <dgm:constrLst/>
+                                    <dgm:ruleLst/>
+                                    <dgm:forEach name="Name31" ref="repeat"/>
+                                  </dgm:layoutNode>
+                                </dgm:layoutNode>
+                              </dgm:forEach>
+                            </dgm:forEach>
+                          </dgm:layoutNode>
+                        </dgm:layoutNode>
+                      </dgm:forEach>
+                    </dgm:forEach>
+                  </dgm:layoutNode>
+                </dgm:layoutNode>
+              </dgm:forEach>
+            </dgm:forEach>
+          </dgm:layoutNode>
+        </dgm:layoutNode>
+      </dgm:forEach>
+    </dgm:forEach>
+  </dgm:layoutNode>
+</dgm:layoutDef>
+</file>
+
+<file path=ppt/diagrams/layout2.xml><?xml version="1.0" encoding="utf-8"?>
+<dgm:layoutDef xmlns:dgm="http://schemas.openxmlformats.org/drawingml/2006/diagram" xmlns:a="http://schemas.openxmlformats.org/drawingml/2006/main" uniqueId="urn:microsoft.com/office/officeart/2005/8/layout/hierarchy1">
+  <dgm:title val=""/>
+  <dgm:desc val=""/>
+  <dgm:catLst>
+    <dgm:cat type="hierarchy" pri="2000"/>
+  </dgm:catLst>
+  <dgm:sampData>
+    <dgm:dataModel>
+      <dgm:ptLst>
+        <dgm:pt modelId="0" type="doc"/>
+        <dgm:pt modelId="1">
+          <dgm:prSet phldr="1"/>
+        </dgm:pt>
+        <dgm:pt modelId="2">
+          <dgm:prSet phldr="1"/>
+        </dgm:pt>
+        <dgm:pt modelId="21">
+          <dgm:prSet phldr="1"/>
+        </dgm:pt>
+        <dgm:pt modelId="22">
+          <dgm:prSet phldr="1"/>
+        </dgm:pt>
+        <dgm:pt modelId="3">
+          <dgm:prSet phldr="1"/>
+        </dgm:pt>
+        <dgm:pt modelId="31">
+          <dgm:prSet phldr="1"/>
+        </dgm:pt>
+      </dgm:ptLst>
+      <dgm:cxnLst>
+        <dgm:cxn modelId="4" srcId="0" destId="1" srcOrd="0" destOrd="0"/>
+        <dgm:cxn modelId="5" srcId="1" destId="2" srcOrd="0" destOrd="0"/>
+        <dgm:cxn modelId="6" srcId="1" destId="3" srcOrd="1" destOrd="0"/>
+        <dgm:cxn modelId="23" srcId="2" destId="21" srcOrd="0" destOrd="0"/>
+        <dgm:cxn modelId="24" srcId="2" destId="22" srcOrd="1" destOrd="0"/>
+        <dgm:cxn modelId="33" srcId="3" destId="31" srcOrd="0" destOrd="0"/>
+      </dgm:cxnLst>
+      <dgm:bg/>
+      <dgm:whole/>
+    </dgm:dataModel>
+  </dgm:sampData>
+  <dgm:styleData>
+    <dgm:dataModel>
+      <dgm:ptLst>
+        <dgm:pt modelId="0" type="doc"/>
+        <dgm:pt modelId="1"/>
+        <dgm:pt modelId="11"/>
+        <dgm:pt modelId="12"/>
+      </dgm:ptLst>
+      <dgm:cxnLst>
+        <dgm:cxn modelId="2" srcId="0" destId="1" srcOrd="0" destOrd="0"/>
+        <dgm:cxn modelId="13" srcId="1" destId="11" srcOrd="0" destOrd="0"/>
+        <dgm:cxn modelId="14" srcId="1" destId="12" srcOrd="1" destOrd="0"/>
+      </dgm:cxnLst>
+      <dgm:bg/>
+      <dgm:whole/>
+    </dgm:dataModel>
+  </dgm:styleData>
+  <dgm:clrData>
+    <dgm:dataModel>
+      <dgm:ptLst>
+        <dgm:pt modelId="0" type="doc"/>
+        <dgm:pt modelId="1"/>
+        <dgm:pt modelId="2"/>
+        <dgm:pt modelId="21"/>
+        <dgm:pt modelId="211"/>
+        <dgm:pt modelId="3"/>
+        <dgm:pt modelId="31"/>
+        <dgm:pt modelId="311"/>
+      </dgm:ptLst>
+      <dgm:cxnLst>
+        <dgm:cxn modelId="4" srcId="0" destId="1" srcOrd="0" destOrd="0"/>
+        <dgm:cxn modelId="5" srcId="1" destId="2" srcOrd="0" destOrd="0"/>
+        <dgm:cxn modelId="6" srcId="1" destId="3" srcOrd="1" destOrd="0"/>
+        <dgm:cxn modelId="23" srcId="2" destId="21" srcOrd="0" destOrd="0"/>
+        <dgm:cxn modelId="24" srcId="21" destId="211" srcOrd="0" destOrd="0"/>
+        <dgm:cxn modelId="33" srcId="3" destId="31" srcOrd="0" destOrd="0"/>
+        <dgm:cxn modelId="34" srcId="31" destId="311" srcOrd="0" destOrd="0"/>
+      </dgm:cxnLst>
+      <dgm:bg/>
+      <dgm:whole/>
+    </dgm:dataModel>
+  </dgm:clrData>
+  <dgm:layoutNode name="hierChild1">
+    <dgm:varLst>
+      <dgm:chPref val="1"/>
+      <dgm:dir/>
+      <dgm:animOne val="branch"/>
+      <dgm:animLvl val="lvl"/>
+      <dgm:resizeHandles/>
+    </dgm:varLst>
+    <dgm:choose name="Name0">
+      <dgm:if name="Name1" func="var" arg="dir" op="equ" val="norm">
+        <dgm:alg type="hierChild">
+          <dgm:param type="linDir" val="fromL"/>
+        </dgm:alg>
+      </dgm:if>
+      <dgm:else name="Name2">
+        <dgm:alg type="hierChild">
+          <dgm:param type="linDir" val="fromR"/>
+        </dgm:alg>
+      </dgm:else>
+    </dgm:choose>
+    <dgm:shape xmlns:r="http://schemas.openxmlformats.org/officeDocument/2006/relationships" r:blip="">
+      <dgm:adjLst/>
+    </dgm:shape>
+    <dgm:presOf/>
+    <dgm:constrLst>
+      <dgm:constr type="primFontSz" for="des" ptType="node" op="equ" val="65"/>
+      <dgm:constr type="w" for="des" forName="composite" refType="w"/>
+      <dgm:constr type="h" for="des" forName="composite" refType="w" refFor="des" refForName="composite" fact="0.667"/>
+      <dgm:constr type="w" for="des" forName="composite2" refType="w" refFor="des" refForName="composite"/>
+      <dgm:constr type="h" for="des" forName="composite2" refType="h" refFor="des" refForName="composite"/>
+      <dgm:constr type="w" for="des" forName="composite3" refType="w" refFor="des" refForName="composite"/>
+      <dgm:constr type="h" for="des" forName="composite3" refType="h" refFor="des" refForName="composite"/>
+      <dgm:constr type="w" for="des" forName="composite4" refType="w" refFor="des" refForName="composite"/>
+      <dgm:constr type="h" for="des" forName="composite4" refType="h" refFor="des" refForName="composite"/>
+      <dgm:constr type="w" for="des" forName="composite5" refType="w" refFor="des" refForName="composite"/>
+      <dgm:constr type="h" for="des" forName="composite5" refType="h" refFor="des" refForName="composite"/>
+      <dgm:constr type="sibSp" refType="w" refFor="des" refForName="composite" fact="0.1"/>
+      <dgm:constr type="sibSp" for="des" forName="hierChild2" refType="sibSp"/>
+      <dgm:constr type="sibSp" for="des" forName="hierChild3" refType="sibSp"/>
+      <dgm:constr type="sibSp" for="des" forName="hierChild4" refType="sibSp"/>
+      <dgm:constr type="sibSp" for="des" forName="hierChild5" refType="sibSp"/>
+      <dgm:constr type="sibSp" for="des" forName="hierChild6" refType="sibSp"/>
+      <dgm:constr type="sp" for="des" forName="hierRoot1" refType="h" refFor="des" refForName="composite" fact="0.25"/>
+      <dgm:constr type="sp" for="des" forName="hierRoot2" refType="sp" refFor="des" refForName="hierRoot1"/>
+      <dgm:constr type="sp" for="des" forName="hierRoot3" refType="sp" refFor="des" refForName="hierRoot1"/>
+      <dgm:constr type="sp" for="des" forName="hierRoot4" refType="sp" refFor="des" refForName="hierRoot1"/>
+      <dgm:constr type="sp" for="des" forName="hierRoot5" refType="sp" refFor="des" refForName="hierRoot1"/>
+    </dgm:constrLst>
+    <dgm:ruleLst/>
+    <dgm:forEach name="Name3" axis="ch">
+      <dgm:forEach name="Name4" axis="self" ptType="node">
+        <dgm:layoutNode name="hierRoot1">
+          <dgm:alg type="hierRoot"/>
+          <dgm:shape xmlns:r="http://schemas.openxmlformats.org/officeDocument/2006/relationships" r:blip="">
+            <dgm:adjLst/>
+          </dgm:shape>
+          <dgm:presOf/>
+          <dgm:constrLst>
+            <dgm:constr type="bendDist" for="des" ptType="parTrans" refType="sp" fact="0.5"/>
+          </dgm:constrLst>
+          <dgm:ruleLst/>
+          <dgm:layoutNode name="composite">
+            <dgm:alg type="composite"/>
+            <dgm:shape xmlns:r="http://schemas.openxmlformats.org/officeDocument/2006/relationships" r:blip="">
+              <dgm:adjLst/>
+            </dgm:shape>
+            <dgm:presOf/>
+            <dgm:constrLst>
+              <dgm:constr type="w" for="ch" forName="background" refType="w" fact="0.9"/>
+              <dgm:constr type="h" for="ch" forName="background" refType="w" refFor="ch" refForName="background" fact="0.635"/>
+              <dgm:constr type="t" for="ch" forName="background"/>
+              <dgm:constr type="l" for="ch" forName="background"/>
+              <dgm:constr type="w" for="ch" forName="text" refType="w" fact="0.9"/>
+              <dgm:constr type="h" for="ch" forName="text" refType="w" refFor="ch" refForName="text" fact="0.635"/>
+              <dgm:constr type="t" for="ch" forName="text" refType="w" fact="0.095"/>
+              <dgm:constr type="l" for="ch" forName="text" refType="w" fact="0.1"/>
+            </dgm:constrLst>
+            <dgm:ruleLst/>
+            <dgm:layoutNode name="background" styleLbl="node0" moveWith="text">
+              <dgm:alg type="sp"/>
+              <dgm:shape xmlns:r="http://schemas.openxmlformats.org/officeDocument/2006/relationships" type="roundRect" r:blip="">
+                <dgm:adjLst>
+                  <dgm:adj idx="1" val="0.1"/>
+                </dgm:adjLst>
+              </dgm:shape>
+              <dgm:presOf/>
+              <dgm:constrLst/>
+              <dgm:ruleLst/>
+            </dgm:layoutNode>
+            <dgm:layoutNode name="text" styleLbl="fgAcc0">
+              <dgm:varLst>
+                <dgm:chPref val="3"/>
+              </dgm:varLst>
+              <dgm:alg type="tx"/>
+              <dgm:shape xmlns:r="http://schemas.openxmlformats.org/officeDocument/2006/relationships" type="roundRect" r:blip="">
+                <dgm:adjLst>
+                  <dgm:adj idx="1" val="0.1"/>
+                </dgm:adjLst>
+              </dgm:shape>
+              <dgm:presOf axis="self"/>
+              <dgm:constrLst>
+                <dgm:constr type="tMarg" refType="primFontSz" fact="0.3"/>
+                <dgm:constr type="bMarg" refType="primFontSz" fact="0.3"/>
+                <dgm:constr type="lMarg" refType="primFontSz" fact="0.3"/>
+                <dgm:constr type="rMarg" refType="primFontSz" fact="0.3"/>
+              </dgm:constrLst>
+              <dgm:ruleLst>
+                <dgm:rule type="primFontSz" val="5" fact="NaN" max="NaN"/>
+              </dgm:ruleLst>
+            </dgm:layoutNode>
+          </dgm:layoutNode>
+          <dgm:layoutNode name="hierChild2">
+            <dgm:choose name="Name5">
+              <dgm:if name="Name6" func="var" arg="dir" op="equ" val="norm">
+                <dgm:alg type="hierChild">
+                  <dgm:param type="linDir" val="fromL"/>
+                </dgm:alg>
+              </dgm:if>
+              <dgm:else name="Name7">
+                <dgm:alg type="hierChild">
+                  <dgm:param type="linDir" val="fromR"/>
+                </dgm:alg>
+              </dgm:else>
+            </dgm:choose>
+            <dgm:shape xmlns:r="http://schemas.openxmlformats.org/officeDocument/2006/relationships" r:blip="">
+              <dgm:adjLst/>
+            </dgm:shape>
+            <dgm:presOf/>
+            <dgm:constrLst/>
+            <dgm:ruleLst/>
+            <dgm:forEach name="Name8" axis="ch">
+              <dgm:forEach name="Name9" axis="self" ptType="parTrans" cnt="1">
+                <dgm:layoutNode name="Name10">
+                  <dgm:alg type="conn">
+                    <dgm:param type="dim" val="1D"/>
+                    <dgm:param type="endSty" val="noArr"/>
+                    <dgm:param type="connRout" val="bend"/>
+                    <dgm:param type="bendPt" val="end"/>
+                    <dgm:param type="begPts" val="bCtr"/>
+                    <dgm:param type="endPts" val="tCtr"/>
+                    <dgm:param type="srcNode" val="background"/>
+                    <dgm:param type="dstNode" val="background2"/>
+                  </dgm:alg>
+                  <dgm:shape xmlns:r="http://schemas.openxmlformats.org/officeDocument/2006/relationships" type="conn" r:blip="" zOrderOff="-999">
+                    <dgm:adjLst/>
+                  </dgm:shape>
+                  <dgm:presOf axis="self"/>
+                  <dgm:constrLst>
+                    <dgm:constr type="begPad"/>
+                    <dgm:constr type="endPad"/>
+                  </dgm:constrLst>
+                  <dgm:ruleLst/>
+                </dgm:layoutNode>
+              </dgm:forEach>
+              <dgm:forEach name="Name11" axis="self" ptType="node">
+                <dgm:layoutNode name="hierRoot2">
+                  <dgm:alg type="hierRoot"/>
+                  <dgm:shape xmlns:r="http://schemas.openxmlformats.org/officeDocument/2006/relationships" r:blip="">
+                    <dgm:adjLst/>
+                  </dgm:shape>
+                  <dgm:presOf/>
+                  <dgm:constrLst>
+                    <dgm:constr type="bendDist" for="des" ptType="parTrans" refType="sp" fact="0.5"/>
+                  </dgm:constrLst>
+                  <dgm:ruleLst/>
+                  <dgm:layoutNode name="composite2">
+                    <dgm:alg type="composite"/>
+                    <dgm:shape xmlns:r="http://schemas.openxmlformats.org/officeDocument/2006/relationships" r:blip="">
+                      <dgm:adjLst/>
+                    </dgm:shape>
+                    <dgm:presOf/>
+                    <dgm:constrLst>
+                      <dgm:constr type="w" for="ch" forName="background2" refType="w" fact="0.9"/>
+                      <dgm:constr type="h" for="ch" forName="background2" refType="w" refFor="ch" refForName="background2" fact="0.635"/>
+                      <dgm:constr type="t" for="ch" forName="background2"/>
+                      <dgm:constr type="l" for="ch" forName="background2"/>
+                      <dgm:constr type="w" for="ch" forName="text2" refType="w" fact="0.9"/>
+                      <dgm:constr type="h" for="ch" forName="text2" refType="w" refFor="ch" refForName="text2" fact="0.635"/>
+                      <dgm:constr type="t" for="ch" forName="text2" refType="w" fact="0.095"/>
+                      <dgm:constr type="l" for="ch" forName="text2" refType="w" fact="0.1"/>
+                    </dgm:constrLst>
+                    <dgm:ruleLst/>
+                    <dgm:layoutNode name="background2" moveWith="text2">
+                      <dgm:alg type="sp"/>
+                      <dgm:shape xmlns:r="http://schemas.openxmlformats.org/officeDocument/2006/relationships" type="roundRect" r:blip="">
+                        <dgm:adjLst>
+                          <dgm:adj idx="1" val="0.1"/>
+                        </dgm:adjLst>
+                      </dgm:shape>
+                      <dgm:presOf/>
+                      <dgm:constrLst/>
+                      <dgm:ruleLst/>
+                    </dgm:layoutNode>
+                    <dgm:layoutNode name="text2" styleLbl="fgAcc2">
+                      <dgm:varLst>
+                        <dgm:chPref val="3"/>
+                      </dgm:varLst>
+                      <dgm:alg type="tx"/>
+                      <dgm:shape xmlns:r="http://schemas.openxmlformats.org/officeDocument/2006/relationships" type="roundRect" r:blip="">
+                        <dgm:adjLst>
+                          <dgm:adj idx="1" val="0.1"/>
+                        </dgm:adjLst>
+                      </dgm:shape>
+                      <dgm:presOf axis="self"/>
+                      <dgm:constrLst>
+                        <dgm:constr type="tMarg" refType="primFontSz" fact="0.3"/>
+                        <dgm:constr type="bMarg" refType="primFontSz" fact="0.3"/>
+                        <dgm:constr type="lMarg" refType="primFontSz" fact="0.3"/>
+                        <dgm:constr type="rMarg" refType="primFontSz" fact="0.3"/>
+                      </dgm:constrLst>
+                      <dgm:ruleLst>
+                        <dgm:rule type="primFontSz" val="5" fact="NaN" max="NaN"/>
+                      </dgm:ruleLst>
+                    </dgm:layoutNode>
+                  </dgm:layoutNode>
+                  <dgm:layoutNode name="hierChild3">
+                    <dgm:choose name="Name12">
+                      <dgm:if name="Name13" func="var" arg="dir" op="equ" val="norm">
+                        <dgm:alg type="hierChild">
+                          <dgm:param type="linDir" val="fromL"/>
+                        </dgm:alg>
+                      </dgm:if>
+                      <dgm:else name="Name14">
+                        <dgm:alg type="hierChild">
+                          <dgm:param type="linDir" val="fromR"/>
+                        </dgm:alg>
+                      </dgm:else>
+                    </dgm:choose>
+                    <dgm:shape xmlns:r="http://schemas.openxmlformats.org/officeDocument/2006/relationships" r:blip="">
+                      <dgm:adjLst/>
+                    </dgm:shape>
+                    <dgm:presOf/>
+                    <dgm:constrLst/>
+                    <dgm:ruleLst/>
+                    <dgm:forEach name="Name15" axis="ch">
+                      <dgm:forEach name="Name16" axis="self" ptType="parTrans" cnt="1">
+                        <dgm:layoutNode name="Name17">
+                          <dgm:alg type="conn">
+                            <dgm:param type="dim" val="1D"/>
+                            <dgm:param type="endSty" val="noArr"/>
+                            <dgm:param type="connRout" val="bend"/>
+                            <dgm:param type="bendPt" val="end"/>
+                            <dgm:param type="begPts" val="bCtr"/>
+                            <dgm:param type="endPts" val="tCtr"/>
+                            <dgm:param type="srcNode" val="background2"/>
+                            <dgm:param type="dstNode" val="background3"/>
+                          </dgm:alg>
+                          <dgm:shape xmlns:r="http://schemas.openxmlformats.org/officeDocument/2006/relationships" type="conn" r:blip="" zOrderOff="-999">
+                            <dgm:adjLst/>
+                          </dgm:shape>
+                          <dgm:presOf axis="self"/>
+                          <dgm:constrLst>
+                            <dgm:constr type="begPad"/>
+                            <dgm:constr type="endPad"/>
+                          </dgm:constrLst>
+                          <dgm:ruleLst/>
+                        </dgm:layoutNode>
+                      </dgm:forEach>
+                      <dgm:forEach name="Name18" axis="self" ptType="node">
+                        <dgm:layoutNode name="hierRoot3">
+                          <dgm:alg type="hierRoot"/>
+                          <dgm:shape xmlns:r="http://schemas.openxmlformats.org/officeDocument/2006/relationships" r:blip="">
+                            <dgm:adjLst/>
+                          </dgm:shape>
+                          <dgm:presOf/>
+                          <dgm:constrLst>
+                            <dgm:constr type="bendDist" for="des" ptType="parTrans" refType="sp" fact="0.5"/>
+                          </dgm:constrLst>
+                          <dgm:ruleLst/>
+                          <dgm:layoutNode name="composite3">
+                            <dgm:alg type="composite"/>
+                            <dgm:shape xmlns:r="http://schemas.openxmlformats.org/officeDocument/2006/relationships" r:blip="">
+                              <dgm:adjLst/>
+                            </dgm:shape>
+                            <dgm:presOf/>
+                            <dgm:constrLst>
+                              <dgm:constr type="w" for="ch" forName="background3" refType="w" fact="0.9"/>
+                              <dgm:constr type="h" for="ch" forName="background3" refType="w" refFor="ch" refForName="background3" fact="0.635"/>
+                              <dgm:constr type="t" for="ch" forName="background3"/>
+                              <dgm:constr type="l" for="ch" forName="background3"/>
+                              <dgm:constr type="w" for="ch" forName="text3" refType="w" fact="0.9"/>
+                              <dgm:constr type="h" for="ch" forName="text3" refType="w" refFor="ch" refForName="text3" fact="0.635"/>
+                              <dgm:constr type="t" for="ch" forName="text3" refType="w" fact="0.095"/>
+                              <dgm:constr type="l" for="ch" forName="text3" refType="w" fact="0.1"/>
+                            </dgm:constrLst>
+                            <dgm:ruleLst/>
+                            <dgm:layoutNode name="background3" moveWith="text3">
+                              <dgm:alg type="sp"/>
+                              <dgm:shape xmlns:r="http://schemas.openxmlformats.org/officeDocument/2006/relationships" type="roundRect" r:blip="">
+                                <dgm:adjLst>
+                                  <dgm:adj idx="1" val="0.1"/>
+                                </dgm:adjLst>
+                              </dgm:shape>
+                              <dgm:presOf/>
+                              <dgm:constrLst/>
+                              <dgm:ruleLst/>
+                            </dgm:layoutNode>
+                            <dgm:layoutNode name="text3" styleLbl="fgAcc3">
+                              <dgm:varLst>
+                                <dgm:chPref val="3"/>
+                              </dgm:varLst>
+                              <dgm:alg type="tx"/>
+                              <dgm:shape xmlns:r="http://schemas.openxmlformats.org/officeDocument/2006/relationships" type="roundRect" r:blip="">
+                                <dgm:adjLst>
+                                  <dgm:adj idx="1" val="0.1"/>
+                                </dgm:adjLst>
+                              </dgm:shape>
+                              <dgm:presOf axis="self"/>
+                              <dgm:constrLst>
+                                <dgm:constr type="tMarg" refType="primFontSz" fact="0.3"/>
+                                <dgm:constr type="bMarg" refType="primFontSz" fact="0.3"/>
+                                <dgm:constr type="lMarg" refType="primFontSz" fact="0.3"/>
+                                <dgm:constr type="rMarg" refType="primFontSz" fact="0.3"/>
+                              </dgm:constrLst>
+                              <dgm:ruleLst>
+                                <dgm:rule type="primFontSz" val="5" fact="NaN" max="NaN"/>
+                              </dgm:ruleLst>
+                            </dgm:layoutNode>
+                          </dgm:layoutNode>
+                          <dgm:layoutNode name="hierChild4">
+                            <dgm:choose name="Name19">
+                              <dgm:if name="Name20" func="var" arg="dir" op="equ" val="norm">
+                                <dgm:alg type="hierChild">
+                                  <dgm:param type="linDir" val="fromL"/>
+                                </dgm:alg>
+                              </dgm:if>
+                              <dgm:else name="Name21">
+                                <dgm:alg type="hierChild">
+                                  <dgm:param type="linDir" val="fromR"/>
+                                </dgm:alg>
+                              </dgm:else>
+                            </dgm:choose>
+                            <dgm:shape xmlns:r="http://schemas.openxmlformats.org/officeDocument/2006/relationships" r:blip="">
+                              <dgm:adjLst/>
+                            </dgm:shape>
+                            <dgm:presOf/>
+                            <dgm:constrLst/>
+                            <dgm:ruleLst/>
+                            <dgm:forEach name="repeat" axis="ch">
+                              <dgm:forEach name="Name22" axis="self" ptType="parTrans" cnt="1">
+                                <dgm:layoutNode name="Name23">
+                                  <dgm:choose name="Name24">
+                                    <dgm:if name="Name25" axis="self" func="depth" op="lte" val="4">
+                                      <dgm:alg type="conn">
+                                        <dgm:param type="dim" val="1D"/>
+                                        <dgm:param type="endSty" val="noArr"/>
+                                        <dgm:param type="connRout" val="bend"/>
+                                        <dgm:param type="bendPt" val="end"/>
+                                        <dgm:param type="begPts" val="bCtr"/>
+                                        <dgm:param type="endPts" val="tCtr"/>
+                                        <dgm:param type="srcNode" val="background3"/>
+                                        <dgm:param type="dstNode" val="background4"/>
+                                      </dgm:alg>
+                                    </dgm:if>
+                                    <dgm:else name="Name26">
+                                      <dgm:alg type="conn">
+                                        <dgm:param type="dim" val="1D"/>
+                                        <dgm:param type="endSty" val="noArr"/>
+                                        <dgm:param type="connRout" val="bend"/>
+                                        <dgm:param type="bendPt" val="end"/>
+                                        <dgm:param type="begPts" val="bCtr"/>
+                                        <dgm:param type="endPts" val="tCtr"/>
+                                        <dgm:param type="srcNode" val="background4"/>
+                                        <dgm:param type="dstNode" val="background4"/>
+                                      </dgm:alg>
+                                    </dgm:else>
+                                  </dgm:choose>
+                                  <dgm:shape xmlns:r="http://schemas.openxmlformats.org/officeDocument/2006/relationships" type="conn" r:blip="" zOrderOff="-999">
+                                    <dgm:adjLst/>
+                                  </dgm:shape>
+                                  <dgm:presOf axis="self"/>
+                                  <dgm:constrLst>
+                                    <dgm:constr type="begPad"/>
+                                    <dgm:constr type="endPad"/>
+                                  </dgm:constrLst>
+                                  <dgm:ruleLst/>
+                                </dgm:layoutNode>
+                              </dgm:forEach>
+                              <dgm:forEach name="Name27" axis="self" ptType="node">
+                                <dgm:layoutNode name="hierRoot4">
+                                  <dgm:alg type="hierRoot"/>
+                                  <dgm:shape xmlns:r="http://schemas.openxmlformats.org/officeDocument/2006/relationships" r:blip="">
+                                    <dgm:adjLst/>
+                                  </dgm:shape>
+                                  <dgm:presOf/>
+                                  <dgm:constrLst>
+                                    <dgm:constr type="bendDist" for="des" ptType="parTrans" refType="sp" fact="0.5"/>
+                                  </dgm:constrLst>
+                                  <dgm:ruleLst/>
+                                  <dgm:layoutNode name="composite4">
+                                    <dgm:alg type="composite"/>
+                                    <dgm:shape xmlns:r="http://schemas.openxmlformats.org/officeDocument/2006/relationships" r:blip="">
+                                      <dgm:adjLst/>
+                                    </dgm:shape>
+                                    <dgm:presOf/>
+                                    <dgm:constrLst>
+                                      <dgm:constr type="w" for="ch" forName="background4" refType="w" fact="0.9"/>
+                                      <dgm:constr type="h" for="ch" forName="background4" refType="w" refFor="ch" refForName="background4" fact="0.635"/>
+                                      <dgm:constr type="t" for="ch" forName="background4"/>
+                                      <dgm:constr type="l" for="ch" forName="background4"/>
+                                      <dgm:constr type="w" for="ch" forName="text4" refType="w" fact="0.9"/>
+                                      <dgm:constr type="h" for="ch" forName="text4" refType="w" refFor="ch" refForName="text4" fact="0.635"/>
+                                      <dgm:constr type="t" for="ch" forName="text4" refType="w" fact="0.095"/>
+                                      <dgm:constr type="l" for="ch" forName="text4" refType="w" fact="0.1"/>
+                                    </dgm:constrLst>
+                                    <dgm:ruleLst/>
+                                    <dgm:layoutNode name="background4" moveWith="text4">
+                                      <dgm:alg type="sp"/>
+                                      <dgm:shape xmlns:r="http://schemas.openxmlformats.org/officeDocument/2006/relationships" type="roundRect" r:blip="">
+                                        <dgm:adjLst>
+                                          <dgm:adj idx="1" val="0.1"/>
+                                        </dgm:adjLst>
+                                      </dgm:shape>
+                                      <dgm:presOf/>
+                                      <dgm:constrLst/>
+                                      <dgm:ruleLst/>
+                                    </dgm:layoutNode>
+                                    <dgm:layoutNode name="text4" styleLbl="fgAcc4">
+                                      <dgm:varLst>
+                                        <dgm:chPref val="3"/>
+                                      </dgm:varLst>
+                                      <dgm:alg type="tx"/>
+                                      <dgm:shape xmlns:r="http://schemas.openxmlformats.org/officeDocument/2006/relationships" type="roundRect" r:blip="">
+                                        <dgm:adjLst>
+                                          <dgm:adj idx="1" val="0.1"/>
+                                        </dgm:adjLst>
+                                      </dgm:shape>
+                                      <dgm:presOf axis="self"/>
+                                      <dgm:constrLst>
+                                        <dgm:constr type="tMarg" refType="primFontSz" fact="0.3"/>
+                                        <dgm:constr type="bMarg" refType="primFontSz" fact="0.3"/>
+                                        <dgm:constr type="lMarg" refType="primFontSz" fact="0.3"/>
+                                        <dgm:constr type="rMarg" refType="primFontSz" fact="0.3"/>
+                                      </dgm:constrLst>
+                                      <dgm:ruleLst>
+                                        <dgm:rule type="primFontSz" val="5" fact="NaN" max="NaN"/>
+                                      </dgm:ruleLst>
+                                    </dgm:layoutNode>
+                                  </dgm:layoutNode>
+                                  <dgm:layoutNode name="hierChild5">
+                                    <dgm:choose name="Name28">
+                                      <dgm:if name="Name29" func="var" arg="dir" op="equ" val="norm">
+                                        <dgm:alg type="hierChild">
+                                          <dgm:param type="linDir" val="fromL"/>
+                                        </dgm:alg>
+                                      </dgm:if>
+                                      <dgm:else name="Name30">
+                                        <dgm:alg type="hierChild">
+                                          <dgm:param type="linDir" val="fromR"/>
+                                        </dgm:alg>
+                                      </dgm:else>
+                                    </dgm:choose>
+                                    <dgm:shape xmlns:r="http://schemas.openxmlformats.org/officeDocument/2006/relationships" r:blip="">
+                                      <dgm:adjLst/>
+                                    </dgm:shape>
+                                    <dgm:presOf/>
+                                    <dgm:constrLst/>
+                                    <dgm:ruleLst/>
+                                    <dgm:forEach name="Name31" ref="repeat"/>
+                                  </dgm:layoutNode>
+                                </dgm:layoutNode>
+                              </dgm:forEach>
+                            </dgm:forEach>
+                          </dgm:layoutNode>
+                        </dgm:layoutNode>
+                      </dgm:forEach>
+                    </dgm:forEach>
+                  </dgm:layoutNode>
+                </dgm:layoutNode>
+              </dgm:forEach>
+            </dgm:forEach>
+          </dgm:layoutNode>
+        </dgm:layoutNode>
+      </dgm:forEach>
+    </dgm:forEach>
+  </dgm:layoutNode>
+</dgm:layoutDef>
+</file>
+
+<file path=ppt/diagrams/quickStyle1.xml><?xml version="1.0" encoding="utf-8"?>
+<dgm:styleDef xmlns:dgm="http://schemas.openxmlformats.org/drawingml/2006/diagram" xmlns:a="http://schemas.openxmlformats.org/drawingml/2006/main" uniqueId="urn:microsoft.com/office/officeart/2005/8/quickstyle/simple1">
+  <dgm:title val=""/>
+  <dgm:desc val=""/>
+  <dgm:catLst>
+    <dgm:cat type="simple" pri="10100"/>
+  </dgm:catLst>
+  <dgm:scene3d>
+    <a:camera prst="orthographicFront"/>
+    <a:lightRig rig="threePt" dir="t"/>
+  </dgm:scene3d>
+  <dgm:styleLbl name="node0">
+    <dgm:scene3d>
+      <a:camera prst="orthographicFront"/>
+      <a:lightRig rig="threePt" dir="t"/>
+    </dgm:scene3d>
+    <dgm:sp3d/>
+    <dgm:txPr/>
+    <dgm:style>
+      <a:lnRef idx="2">
+        <a:scrgbClr r="0" g="0" b="0"/>
+      </a:lnRef>
+      <a:fillRef idx="1">
+        <a:scrgbClr r="0" g="0" b="0"/>
+      </a:fillRef>
+      <a:effectRef idx="0">
+        <a:scrgbClr r="0" g="0" b="0"/>
+      </a:effectRef>
+      <a:fontRef idx="minor">
+        <a:schemeClr val="lt1"/>
+      </a:fontRef>
+    </dgm:style>
+  </dgm:styleLbl>
+  <dgm:styleLbl name="lnNode1">
+    <dgm:scene3d>
+      <a:camera prst="orthographicFront"/>
+      <a:lightRig rig="threePt" dir="t"/>
+    </dgm:scene3d>
+    <dgm:sp3d/>
+    <dgm:txPr/>
+    <dgm:style>
+      <a:lnRef idx="2">
+        <a:scrgbClr r="0" g="0" b="0"/>
+      </a:lnRef>
+      <a:fillRef idx="1">
+        <a:scrgbClr r="0" g="0" b="0"/>
+      </a:fillRef>
+      <a:effectRef idx="0">
+        <a:scrgbClr r="0" g="0" b="0"/>
+      </a:effectRef>
+      <a:fontRef idx="minor">
+        <a:schemeClr val="lt1"/>
+      </a:fontRef>
+    </dgm:style>
+  </dgm:styleLbl>
+  <dgm:styleLbl name="vennNode1">
+    <dgm:scene3d>
+      <a:camera prst="orthographicFront"/>
+      <a:lightRig rig="threePt" dir="t"/>
+    </dgm:scene3d>
+    <dgm:sp3d/>
+    <dgm:txPr/>
+    <dgm:style>
+      <a:lnRef idx="2">
+        <a:scrgbClr r="0" g="0" b="0"/>
+      </a:lnRef>
+      <a:fillRef idx="1">
+        <a:scrgbClr r="0" g="0" b="0"/>
+      </a:fillRef>
+      <a:effectRef idx="0">
+        <a:scrgbClr r="0" g="0" b="0"/>
+      </a:effectRef>
+      <a:fontRef idx="minor">
+        <a:schemeClr val="tx1"/>
+      </a:fontRef>
+    </dgm:style>
+  </dgm:styleLbl>
+  <dgm:styleLbl name="alignNode1">
+    <dgm:scene3d>
+      <a:camera prst="orthographicFront"/>
+      <a:lightRig rig="threePt" dir="t"/>
+    </dgm:scene3d>
+    <dgm:sp3d/>
+    <dgm:txPr/>
+    <dgm:style>
+      <a:lnRef idx="2">
+        <a:scrgbClr r="0" g="0" b="0"/>
+      </a:lnRef>
+      <a:fillRef idx="1">
+        <a:scrgbClr r="0" g="0" b="0"/>
+      </a:fillRef>
+      <a:effectRef idx="0">
+        <a:scrgbClr r="0" g="0" b="0"/>
+      </a:effectRef>
+      <a:fontRef idx="minor">
+        <a:schemeClr val="lt1"/>
+      </a:fontRef>
+    </dgm:style>
+  </dgm:styleLbl>
+  <dgm:styleLbl name="node1">
+    <dgm:scene3d>
+      <a:camera prst="orthographicFront"/>
+      <a:lightRig rig="threePt" dir="t"/>
+    </dgm:scene3d>
+    <dgm:sp3d/>
+    <dgm:txPr/>
+    <dgm:style>
+      <a:lnRef idx="2">
+        <a:scrgbClr r="0" g="0" b="0"/>
+      </a:lnRef>
+      <a:fillRef idx="1">
+        <a:scrgbClr r="0" g="0" b="0"/>
+      </a:fillRef>
+      <a:effectRef idx="0">
+        <a:scrgbClr r="0" g="0" b="0"/>
+      </a:effectRef>
+      <a:fontRef idx="minor">
+        <a:schemeClr val="lt1"/>
+      </a:fontRef>
+    </dgm:style>
+  </dgm:styleLbl>
+  <dgm:styleLbl name="node2">
+    <dgm:scene3d>
+      <a:camera prst="orthographicFront"/>
+      <a:lightRig rig="threePt" dir="t"/>
+    </dgm:scene3d>
+    <dgm:sp3d/>
+    <dgm:txPr/>
+    <dgm:style>
+      <a:lnRef idx="2">
+        <a:scrgbClr r="0" g="0" b="0"/>
+      </a:lnRef>
+      <a:fillRef idx="1">
+        <a:scrgbClr r="0" g="0" b="0"/>
+      </a:fillRef>
+      <a:effectRef idx="0">
+        <a:scrgbClr r="0" g="0" b="0"/>
+      </a:effectRef>
+      <a:fontRef idx="minor">
+        <a:schemeClr val="lt1"/>
+      </a:fontRef>
+    </dgm:style>
+  </dgm:styleLbl>
+  <dgm:styleLbl name="node3">
+    <dgm:scene3d>
+      <a:camera prst="orthographicFront"/>
+      <a:lightRig rig="threePt" dir="t"/>
+    </dgm:scene3d>
+    <dgm:sp3d/>
+    <dgm:txPr/>
+    <dgm:style>
+      <a:lnRef idx="2">
+        <a:scrgbClr r="0" g="0" b="0"/>
+      </a:lnRef>
+      <a:fillRef idx="1">
+        <a:scrgbClr r="0" g="0" b="0"/>
+      </a:fillRef>
+      <a:effectRef idx="0">
+        <a:scrgbClr r="0" g="0" b="0"/>
+      </a:effectRef>
+      <a:fontRef idx="minor">
+        <a:schemeClr val="lt1"/>
+      </a:fontRef>
+    </dgm:style>
+  </dgm:styleLbl>
+  <dgm:styleLbl name="node4">
+    <dgm:scene3d>
+      <a:camera prst="orthographicFront"/>
+      <a:lightRig rig="threePt" dir="t"/>
+    </dgm:scene3d>
+    <dgm:sp3d/>
+    <dgm:txPr/>
+    <dgm:style>
+      <a:lnRef idx="2">
+        <a:scrgbClr r="0" g="0" b="0"/>
+      </a:lnRef>
+      <a:fillRef idx="1">
+        <a:scrgbClr r="0" g="0" b="0"/>
+      </a:fillRef>
+      <a:effectRef idx="0">
+        <a:scrgbClr r="0" g="0" b="0"/>
+      </a:effectRef>
+      <a:fontRef idx="minor">
+        <a:schemeClr val="lt1"/>
+      </a:fontRef>
+    </dgm:style>
+  </dgm:styleLbl>
+  <dgm:styleLbl name="fgImgPlace1">
+    <dgm:scene3d>
+      <a:camera prst="orthographicFront"/>
+      <a:lightRig rig="threePt" dir="t"/>
+    </dgm:scene3d>
+    <dgm:sp3d/>
+    <dgm:txPr/>
+    <dgm:style>
+      <a:lnRef idx="2">
+        <a:scrgbClr r="0" g="0" b="0"/>
+      </a:lnRef>
+      <a:fillRef idx="1">
+        <a:scrgbClr r="0" g="0" b="0"/>
+      </a:fillRef>
+      <a:effectRef idx="0">
+        <a:scrgbClr r="0" g="0" b="0"/>
+      </a:effectRef>
+      <a:fontRef idx="minor"/>
+    </dgm:style>
+  </dgm:styleLbl>
+  <dgm:styleLbl name="alignImgPlace1">
+    <dgm:scene3d>
+      <a:camera prst="orthographicFront"/>
+      <a:lightRig rig="threePt" dir="t"/>
+    </dgm:scene3d>
+    <dgm:sp3d/>
+    <dgm:txPr/>
+    <dgm:style>
+      <a:lnRef idx="2">
+        <a:scrgbClr r="0" g="0" b="0"/>
+      </a:lnRef>
+      <a:fillRef idx="1">
+        <a:scrgbClr r="0" g="0" b="0"/>
+      </a:fillRef>
+      <a:effectRef idx="0">
+        <a:scrgbClr r="0" g="0" b="0"/>
+      </a:effectRef>
+      <a:fontRef idx="minor"/>
+    </dgm:style>
+  </dgm:styleLbl>
+  <dgm:styleLbl name="bgImgPlace1">
+    <dgm:scene3d>
+      <a:camera prst="orthographicFront"/>
+      <a:lightRig rig="threePt" dir="t"/>
+    </dgm:scene3d>
+    <dgm:sp3d/>
+    <dgm:txPr/>
+    <dgm:style>
+      <a:lnRef idx="2">
+        <a:scrgbClr r="0" g="0" b="0"/>
+      </a:lnRef>
+      <a:fillRef idx="1">
+        <a:scrgbClr r="0" g="0" b="0"/>
+      </a:fillRef>
+      <a:effectRef idx="0">
+        <a:scrgbClr r="0" g="0" b="0"/>
+      </a:effectRef>
+      <a:fontRef idx="minor"/>
+    </dgm:style>
+  </dgm:styleLbl>
+  <dgm:styleLbl name="sibTrans2D1">
+    <dgm:scene3d>
+      <a:camera prst="orthographicFront"/>
+      <a:lightRig rig="threePt" dir="t"/>
+    </dgm:scene3d>
+    <dgm:sp3d/>
+    <dgm:txPr/>
+    <dgm:style>
+      <a:lnRef idx="0">
+        <a:scrgbClr r="0" g="0" b="0"/>
+      </a:lnRef>
+      <a:fillRef idx="1">
+        <a:scrgbClr r="0" g="0" b="0"/>
+      </a:fillRef>
+      <a:effectRef idx="0">
+        <a:scrgbClr r="0" g="0" b="0"/>
+      </a:effectRef>
+      <a:fontRef idx="minor">
+        <a:schemeClr val="lt1"/>
+      </a:fontRef>
+    </dgm:style>
+  </dgm:styleLbl>
+  <dgm:styleLbl name="fgSibTrans2D1">
+    <dgm:scene3d>
+      <a:camera prst="orthographicFront"/>
+      <a:lightRig rig="threePt" dir="t"/>
+    </dgm:scene3d>
+    <dgm:sp3d/>
+    <dgm:txPr/>
+    <dgm:style>
+      <a:lnRef idx="0">
+        <a:scrgbClr r="0" g="0" b="0"/>
+      </a:lnRef>
+      <a:fillRef idx="1">
+        <a:scrgbClr r="0" g="0" b="0"/>
+      </a:fillRef>
+      <a:effectRef idx="0">
+        <a:scrgbClr r="0" g="0" b="0"/>
+      </a:effectRef>
+      <a:fontRef idx="minor">
+        <a:schemeClr val="lt1"/>
+      </a:fontRef>
+    </dgm:style>
+  </dgm:styleLbl>
+  <dgm:styleLbl name="bgSibTrans2D1">
+    <dgm:scene3d>
+      <a:camera prst="orthographicFront"/>
+      <a:lightRig rig="threePt" dir="t"/>
+    </dgm:scene3d>
+    <dgm:sp3d/>
+    <dgm:txPr/>
+    <dgm:style>
+      <a:lnRef idx="0">
+        <a:scrgbClr r="0" g="0" b="0"/>
+      </a:lnRef>
+      <a:fillRef idx="1">
+        <a:scrgbClr r="0" g="0" b="0"/>
+      </a:fillRef>
+      <a:effectRef idx="0">
+        <a:scrgbClr r="0" g="0" b="0"/>
+      </a:effectRef>
+      <a:fontRef idx="minor">
+        <a:schemeClr val="lt1"/>
+      </a:fontRef>
+    </dgm:style>
+  </dgm:styleLbl>
+  <dgm:styleLbl name="sibTrans1D1">
+    <dgm:scene3d>
+      <a:camera prst="orthographicFront"/>
+      <a:lightRig rig="threePt" dir="t"/>
+    </dgm:scene3d>
+    <dgm:sp3d/>
+    <dgm:txPr/>
+    <dgm:style>
+      <a:lnRef idx="1">
+        <a:scrgbClr r="0" g="0" b="0"/>
+      </a:lnRef>
+      <a:fillRef idx="0">
+        <a:scrgbClr r="0" g="0" b="0"/>
+      </a:fillRef>
+      <a:effectRef idx="0">
+        <a:scrgbClr r="0" g="0" b="0"/>
+      </a:effectRef>
+      <a:fontRef idx="minor"/>
+    </dgm:style>
+  </dgm:styleLbl>
+  <dgm:styleLbl name="callout">
+    <dgm:scene3d>
+      <a:camera prst="orthographicFront"/>
+      <a:lightRig rig="threePt" dir="t"/>
+    </dgm:scene3d>
+    <dgm:sp3d/>
+    <dgm:txPr/>
+    <dgm:style>
+      <a:lnRef idx="2">
+        <a:scrgbClr r="0" g="0" b="0"/>
+      </a:lnRef>
+      <a:fillRef idx="1">
+        <a:scrgbClr r="0" g="0" b="0"/>
+      </a:fillRef>
+      <a:effectRef idx="0">
+        <a:scrgbClr r="0" g="0" b="0"/>
+      </a:effectRef>
+      <a:fontRef idx="minor"/>
+    </dgm:style>
+  </dgm:styleLbl>
+  <dgm:styleLbl name="asst0">
+    <dgm:scene3d>
+      <a:camera prst="orthographicFront"/>
+      <a:lightRig rig="threePt" dir="t"/>
+    </dgm:scene3d>
+    <dgm:sp3d/>
+    <dgm:txPr/>
+    <dgm:style>
+      <a:lnRef idx="2">
+        <a:scrgbClr r="0" g="0" b="0"/>
+      </a:lnRef>
+      <a:fillRef idx="1">
+        <a:scrgbClr r="0" g="0" b="0"/>
+      </a:fillRef>
+      <a:effectRef idx="0">
+        <a:scrgbClr r="0" g="0" b="0"/>
+      </a:effectRef>
+      <a:fontRef idx="minor">
+        <a:schemeClr val="lt1"/>
+      </a:fontRef>
+    </dgm:style>
+  </dgm:styleLbl>
+  <dgm:styleLbl name="asst1">
+    <dgm:scene3d>
+      <a:camera prst="orthographicFront"/>
+      <a:lightRig rig="threePt" dir="t"/>
+    </dgm:scene3d>
+    <dgm:sp3d/>
+    <dgm:txPr/>
+    <dgm:style>
+      <a:lnRef idx="2">
+        <a:scrgbClr r="0" g="0" b="0"/>
+      </a:lnRef>
+      <a:fillRef idx="1">
+        <a:scrgbClr r="0" g="0" b="0"/>
+      </a:fillRef>
+      <a:effectRef idx="0">
+        <a:scrgbClr r="0" g="0" b="0"/>
+      </a:effectRef>
+      <a:fontRef idx="minor">
+        <a:schemeClr val="lt1"/>
+      </a:fontRef>
+    </dgm:style>
+  </dgm:styleLbl>
+  <dgm:styleLbl name="asst2">
+    <dgm:scene3d>
+      <a:camera prst="orthographicFront"/>
+      <a:lightRig rig="threePt" dir="t"/>
+    </dgm:scene3d>
+    <dgm:sp3d/>
+    <dgm:txPr/>
+    <dgm:style>
+      <a:lnRef idx="2">
+        <a:scrgbClr r="0" g="0" b="0"/>
+      </a:lnRef>
+      <a:fillRef idx="1">
+        <a:scrgbClr r="0" g="0" b="0"/>
+      </a:fillRef>
+      <a:effectRef idx="0">
+        <a:scrgbClr r="0" g="0" b="0"/>
+      </a:effectRef>
+      <a:fontRef idx="minor">
+        <a:schemeClr val="lt1"/>
+      </a:fontRef>
+    </dgm:style>
+  </dgm:styleLbl>
+  <dgm:styleLbl name="asst3">
+    <dgm:scene3d>
+      <a:camera prst="orthographicFront"/>
+      <a:lightRig rig="threePt" dir="t"/>
+    </dgm:scene3d>
+    <dgm:sp3d/>
+    <dgm:txPr/>
+    <dgm:style>
+      <a:lnRef idx="2">
+        <a:scrgbClr r="0" g="0" b="0"/>
+      </a:lnRef>
+      <a:fillRef idx="1">
+        <a:scrgbClr r="0" g="0" b="0"/>
+      </a:fillRef>
+      <a:effectRef idx="0">
+        <a:scrgbClr r="0" g="0" b="0"/>
+      </a:effectRef>
+      <a:fontRef idx="minor">
+        <a:schemeClr val="lt1"/>
+      </a:fontRef>
+    </dgm:style>
+  </dgm:styleLbl>
+  <dgm:styleLbl name="asst4">
+    <dgm:scene3d>
+      <a:camera prst="orthographicFront"/>
+      <a:lightRig rig="threePt" dir="t"/>
+    </dgm:scene3d>
+    <dgm:sp3d/>
+    <dgm:txPr/>
+    <dgm:style>
+      <a:lnRef idx="2">
+        <a:scrgbClr r="0" g="0" b="0"/>
+      </a:lnRef>
+      <a:fillRef idx="1">
+        <a:scrgbClr r="0" g="0" b="0"/>
+      </a:fillRef>
+      <a:effectRef idx="0">
+        <a:scrgbClr r="0" g="0" b="0"/>
+      </a:effectRef>
+      <a:fontRef idx="minor">
+        <a:schemeClr val="lt1"/>
+      </a:fontRef>
+    </dgm:style>
+  </dgm:styleLbl>
+  <dgm:styleLbl name="parChTrans2D1">
+    <dgm:scene3d>
+      <a:camera prst="orthographicFront"/>
+      <a:lightRig rig="threePt" dir="t"/>
+    </dgm:scene3d>
+    <dgm:sp3d/>
+    <dgm:txPr/>
+    <dgm:style>
+      <a:lnRef idx="2">
+        <a:scrgbClr r="0" g="0" b="0"/>
+      </a:lnRef>
+      <a:fillRef idx="1">
+        <a:scrgbClr r="0" g="0" b="0"/>
+      </a:fillRef>
+      <a:effectRef idx="0">
+        <a:scrgbClr r="0" g="0" b="0"/>
+      </a:effectRef>
+      <a:fontRef idx="minor">
+        <a:schemeClr val="lt1"/>
+      </a:fontRef>
+    </dgm:style>
+  </dgm:styleLbl>
+  <dgm:styleLbl name="parChTrans2D2">
+    <dgm:scene3d>
+      <a:camera prst="orthographicFront"/>
+      <a:lightRig rig="threePt" dir="t"/>
+    </dgm:scene3d>
+    <dgm:sp3d/>
+    <dgm:txPr/>
+    <dgm:style>
+      <a:lnRef idx="2">
+        <a:scrgbClr r="0" g="0" b="0"/>
+      </a:lnRef>
+      <a:fillRef idx="1">
+        <a:scrgbClr r="0" g="0" b="0"/>
+      </a:fillRef>
+      <a:effectRef idx="0">
+        <a:scrgbClr r="0" g="0" b="0"/>
+      </a:effectRef>
+      <a:fontRef idx="minor">
+        <a:schemeClr val="lt1"/>
+      </a:fontRef>
+    </dgm:style>
+  </dgm:styleLbl>
+  <dgm:styleLbl name="parChTrans2D3">
+    <dgm:scene3d>
+      <a:camera prst="orthographicFront"/>
+      <a:lightRig rig="threePt" dir="t"/>
+    </dgm:scene3d>
+    <dgm:sp3d/>
+    <dgm:txPr/>
+    <dgm:style>
+      <a:lnRef idx="2">
+        <a:scrgbClr r="0" g="0" b="0"/>
+      </a:lnRef>
+      <a:fillRef idx="1">
+        <a:scrgbClr r="0" g="0" b="0"/>
+      </a:fillRef>
+      <a:effectRef idx="0">
+        <a:scrgbClr r="0" g="0" b="0"/>
+      </a:effectRef>
+      <a:fontRef idx="minor">
+        <a:schemeClr val="lt1"/>
+      </a:fontRef>
+    </dgm:style>
+  </dgm:styleLbl>
+  <dgm:styleLbl name="parChTrans2D4">
+    <dgm:scene3d>
+      <a:camera prst="orthographicFront"/>
+      <a:lightRig rig="threePt" dir="t"/>
+    </dgm:scene3d>
+    <dgm:sp3d/>
+    <dgm:txPr/>
+    <dgm:style>
+      <a:lnRef idx="2">
+        <a:scrgbClr r="0" g="0" b="0"/>
+      </a:lnRef>
+      <a:fillRef idx="1">
+        <a:scrgbClr r="0" g="0" b="0"/>
+      </a:fillRef>
+      <a:effectRef idx="0">
+        <a:scrgbClr r="0" g="0" b="0"/>
+      </a:effectRef>
+      <a:fontRef idx="minor">
+        <a:schemeClr val="lt1"/>
+      </a:fontRef>
+    </dgm:style>
+  </dgm:styleLbl>
+  <dgm:styleLbl name="parChTrans1D1">
+    <dgm:scene3d>
+      <a:camera prst="orthographicFront"/>
+      <a:lightRig rig="threePt" dir="t"/>
+    </dgm:scene3d>
+    <dgm:sp3d/>
+    <dgm:txPr/>
+    <dgm:style>
+      <a:lnRef idx="2">
+        <a:scrgbClr r="0" g="0" b="0"/>
+      </a:lnRef>
+      <a:fillRef idx="0">
+        <a:scrgbClr r="0" g="0" b="0"/>
+      </a:fillRef>
+      <a:effectRef idx="0">
+        <a:scrgbClr r="0" g="0" b="0"/>
+      </a:effectRef>
+      <a:fontRef idx="minor"/>
+    </dgm:style>
+  </dgm:styleLbl>
+  <dgm:styleLbl name="parChTrans1D2">
+    <dgm:scene3d>
+      <a:camera prst="orthographicFront"/>
+      <a:lightRig rig="threePt" dir="t"/>
+    </dgm:scene3d>
+    <dgm:sp3d/>
+    <dgm:txPr/>
+    <dgm:style>
+      <a:lnRef idx="2">
+        <a:scrgbClr r="0" g="0" b="0"/>
+      </a:lnRef>
+      <a:fillRef idx="0">
+        <a:scrgbClr r="0" g="0" b="0"/>
+      </a:fillRef>
+      <a:effectRef idx="0">
+        <a:scrgbClr r="0" g="0" b="0"/>
+      </a:effectRef>
+      <a:fontRef idx="minor"/>
+    </dgm:style>
+  </dgm:styleLbl>
+  <dgm:styleLbl name="parChTrans1D3">
+    <dgm:scene3d>
+      <a:camera prst="orthographicFront"/>
+      <a:lightRig rig="threePt" dir="t"/>
+    </dgm:scene3d>
+    <dgm:sp3d/>
+    <dgm:txPr/>
+    <dgm:style>
+      <a:lnRef idx="2">
+        <a:scrgbClr r="0" g="0" b="0"/>
+      </a:lnRef>
+      <a:fillRef idx="0">
+        <a:scrgbClr r="0" g="0" b="0"/>
+      </a:fillRef>
+      <a:effectRef idx="0">
+        <a:scrgbClr r="0" g="0" b="0"/>
+      </a:effectRef>
+      <a:fontRef idx="minor"/>
+    </dgm:style>
+  </dgm:styleLbl>
+  <dgm:styleLbl name="parChTrans1D4">
+    <dgm:scene3d>
+      <a:camera prst="orthographicFront"/>
+      <a:lightRig rig="threePt" dir="t"/>
+    </dgm:scene3d>
+    <dgm:sp3d/>
+    <dgm:txPr/>
+    <dgm:style>
+      <a:lnRef idx="2">
+        <a:scrgbClr r="0" g="0" b="0"/>
+      </a:lnRef>
+      <a:fillRef idx="0">
+        <a:scrgbClr r="0" g="0" b="0"/>
+      </a:fillRef>
+      <a:effectRef idx="0">
+        <a:scrgbClr r="0" g="0" b="0"/>
+      </a:effectRef>
+      <a:fontRef idx="minor"/>
+    </dgm:style>
+  </dgm:styleLbl>
+  <dgm:styleLbl name="fgAcc1">
+    <dgm:scene3d>
+      <a:camera prst="orthographicFront"/>
+      <a:lightRig rig="threePt" dir="t"/>
+    </dgm:scene3d>
+    <dgm:sp3d/>
+    <dgm:txPr/>
+    <dgm:style>
+      <a:lnRef idx="2">
+        <a:scrgbClr r="0" g="0" b="0"/>
+      </a:lnRef>
+      <a:fillRef idx="1">
+        <a:scrgbClr r="0" g="0" b="0"/>
+      </a:fillRef>
+      <a:effectRef idx="0">
+        <a:scrgbClr r="0" g="0" b="0"/>
+      </a:effectRef>
+      <a:fontRef idx="minor"/>
+    </dgm:style>
+  </dgm:styleLbl>
+  <dgm:styleLbl name="conFgAcc1">
+    <dgm:scene3d>
+      <a:camera prst="orthographicFront"/>
+      <a:lightRig rig="threePt" dir="t"/>
+    </dgm:scene3d>
+    <dgm:sp3d/>
+    <dgm:txPr/>
+    <dgm:style>
+      <a:lnRef idx="2">
+        <a:scrgbClr r="0" g="0" b="0"/>
+      </a:lnRef>
+      <a:fillRef idx="1">
+        <a:scrgbClr r="0" g="0" b="0"/>
+      </a:fillRef>
+      <a:effectRef idx="0">
+        <a:scrgbClr r="0" g="0" b="0"/>
+      </a:effectRef>
+      <a:fontRef idx="minor"/>
+    </dgm:style>
+  </dgm:styleLbl>
+  <dgm:styleLbl name="alignAcc1">
+    <dgm:scene3d>
+      <a:camera prst="orthographicFront"/>
+      <a:lightRig rig="threePt" dir="t"/>
+    </dgm:scene3d>
+    <dgm:sp3d/>
+    <dgm:txPr/>
+    <dgm:style>
+      <a:lnRef idx="2">
+        <a:scrgbClr r="0" g="0" b="0"/>
+      </a:lnRef>
+      <a:fillRef idx="1">
+        <a:scrgbClr r="0" g="0" b="0"/>
+      </a:fillRef>
+      <a:effectRef idx="0">
+        <a:scrgbClr r="0" g="0" b="0"/>
+      </a:effectRef>
+      <a:fontRef idx="minor"/>
+    </dgm:style>
+  </dgm:styleLbl>
+  <dgm:styleLbl name="trAlignAcc1">
+    <dgm:scene3d>
+      <a:camera prst="orthographicFront"/>
+      <a:lightRig rig="threePt" dir="t"/>
+    </dgm:scene3d>
+    <dgm:sp3d/>
+    <dgm:txPr/>
+    <dgm:style>
+      <a:lnRef idx="1">
+        <a:scrgbClr r="0" g="0" b="0"/>
+      </a:lnRef>
+      <a:fillRef idx="1">
+        <a:scrgbClr r="0" g="0" b="0"/>
+      </a:fillRef>
+      <a:effectRef idx="0">
+        <a:scrgbClr r="0" g="0" b="0"/>
+      </a:effectRef>
+      <a:fontRef idx="minor"/>
+    </dgm:style>
+  </dgm:styleLbl>
+  <dgm:styleLbl name="bgAcc1">
+    <dgm:scene3d>
+      <a:camera prst="orthographicFront"/>
+      <a:lightRig rig="threePt" dir="t"/>
+    </dgm:scene3d>
+    <dgm:sp3d/>
+    <dgm:txPr/>
+    <dgm:style>
+      <a:lnRef idx="2">
+        <a:scrgbClr r="0" g="0" b="0"/>
+      </a:lnRef>
+      <a:fillRef idx="1">
+        <a:scrgbClr r="0" g="0" b="0"/>
+      </a:fillRef>
+      <a:effectRef idx="0">
+        <a:scrgbClr r="0" g="0" b="0"/>
+      </a:effectRef>
+      <a:fontRef idx="minor"/>
+    </dgm:style>
+  </dgm:styleLbl>
+  <dgm:styleLbl name="solidFgAcc1">
+    <dgm:scene3d>
+      <a:camera prst="orthographicFront"/>
+      <a:lightRig rig="threePt" dir="t"/>
+    </dgm:scene3d>
+    <dgm:sp3d/>
+    <dgm:txPr/>
+    <dgm:style>
+      <a:lnRef idx="2">
+        <a:scrgbClr r="0" g="0" b="0"/>
+      </a:lnRef>
+      <a:fillRef idx="1">
+        <a:scrgbClr r="0" g="0" b="0"/>
+      </a:fillRef>
+      <a:effectRef idx="0">
+        <a:scrgbClr r="0" g="0" b="0"/>
+      </a:effectRef>
+      <a:fontRef idx="minor"/>
+    </dgm:style>
+  </dgm:styleLbl>
+  <dgm:styleLbl name="solidAlignAcc1">
+    <dgm:scene3d>
+      <a:camera prst="orthographicFront"/>
+      <a:lightRig rig="threePt" dir="t"/>
+    </dgm:scene3d>
+    <dgm:sp3d/>
+    <dgm:txPr/>
+    <dgm:style>
+      <a:lnRef idx="2">
+        <a:scrgbClr r="0" g="0" b="0"/>
+      </a:lnRef>
+      <a:fillRef idx="1">
+        <a:scrgbClr r="0" g="0" b="0"/>
+      </a:fillRef>
+      <a:effectRef idx="0">
+        <a:scrgbClr r="0" g="0" b="0"/>
+      </a:effectRef>
+      <a:fontRef idx="minor"/>
+    </dgm:style>
+  </dgm:styleLbl>
+  <dgm:styleLbl name="solidBgAcc1">
+    <dgm:scene3d>
+      <a:camera prst="orthographicFront"/>
+      <a:lightRig rig="threePt" dir="t"/>
+    </dgm:scene3d>
+    <dgm:sp3d/>
+    <dgm:txPr/>
+    <dgm:style>
+      <a:lnRef idx="2">
+        <a:scrgbClr r="0" g="0" b="0"/>
+      </a:lnRef>
+      <a:fillRef idx="1">
+        <a:scrgbClr r="0" g="0" b="0"/>
+      </a:fillRef>
+      <a:effectRef idx="0">
+        <a:scrgbClr r="0" g="0" b="0"/>
+      </a:effectRef>
+      <a:fontRef idx="minor"/>
+    </dgm:style>
+  </dgm:styleLbl>
+  <dgm:styleLbl name="fgAccFollowNode1">
+    <dgm:scene3d>
+      <a:camera prst="orthographicFront"/>
+      <a:lightRig rig="threePt" dir="t"/>
+    </dgm:scene3d>
+    <dgm:sp3d/>
+    <dgm:txPr/>
+    <dgm:style>
+      <a:lnRef idx="2">
+        <a:scrgbClr r="0" g="0" b="0"/>
+      </a:lnRef>
+      <a:fillRef idx="1">
+        <a:scrgbClr r="0" g="0" b="0"/>
+      </a:fillRef>
+      <a:effectRef idx="0">
+        <a:scrgbClr r="0" g="0" b="0"/>
+      </a:effectRef>
+      <a:fontRef idx="minor"/>
+    </dgm:style>
+  </dgm:styleLbl>
+  <dgm:styleLbl name="alignAccFollowNode1">
+    <dgm:scene3d>
+      <a:camera prst="orthographicFront"/>
+      <a:lightRig rig="threePt" dir="t"/>
+    </dgm:scene3d>
+    <dgm:sp3d/>
+    <dgm:txPr/>
+    <dgm:style>
+      <a:lnRef idx="2">
+        <a:scrgbClr r="0" g="0" b="0"/>
+      </a:lnRef>
+      <a:fillRef idx="1">
+        <a:scrgbClr r="0" g="0" b="0"/>
+      </a:fillRef>
+      <a:effectRef idx="0">
+        <a:scrgbClr r="0" g="0" b="0"/>
+      </a:effectRef>
+      <a:fontRef idx="minor"/>
+    </dgm:style>
+  </dgm:styleLbl>
+  <dgm:styleLbl name="bgAccFollowNode1">
+    <dgm:scene3d>
+      <a:camera prst="orthographicFront"/>
+      <a:lightRig rig="threePt" dir="t"/>
+    </dgm:scene3d>
+    <dgm:sp3d/>
+    <dgm:txPr/>
+    <dgm:style>
+      <a:lnRef idx="2">
+        <a:scrgbClr r="0" g="0" b="0"/>
+      </a:lnRef>
+      <a:fillRef idx="1">
+        <a:scrgbClr r="0" g="0" b="0"/>
+      </a:fillRef>
+      <a:effectRef idx="0">
+        <a:scrgbClr r="0" g="0" b="0"/>
+      </a:effectRef>
+      <a:fontRef idx="minor"/>
+    </dgm:style>
+  </dgm:styleLbl>
+  <dgm:styleLbl name="fgAcc0">
+    <dgm:scene3d>
+      <a:camera prst="orthographicFront"/>
+      <a:lightRig rig="threePt" dir="t"/>
+    </dgm:scene3d>
+    <dgm:sp3d/>
+    <dgm:txPr/>
+    <dgm:style>
+      <a:lnRef idx="2">
+        <a:scrgbClr r="0" g="0" b="0"/>
+      </a:lnRef>
+      <a:fillRef idx="1">
+        <a:scrgbClr r="0" g="0" b="0"/>
+      </a:fillRef>
+      <a:effectRef idx="0">
+        <a:scrgbClr r="0" g="0" b="0"/>
+      </a:effectRef>
+      <a:fontRef idx="minor"/>
+    </dgm:style>
+  </dgm:styleLbl>
+  <dgm:styleLbl name="fgAcc2">
+    <dgm:scene3d>
+      <a:camera prst="orthographicFront"/>
+      <a:lightRig rig="threePt" dir="t"/>
+    </dgm:scene3d>
+    <dgm:sp3d/>
+    <dgm:txPr/>
+    <dgm:style>
+      <a:lnRef idx="2">
+        <a:scrgbClr r="0" g="0" b="0"/>
+      </a:lnRef>
+      <a:fillRef idx="1">
+        <a:scrgbClr r="0" g="0" b="0"/>
+      </a:fillRef>
+      <a:effectRef idx="0">
+        <a:scrgbClr r="0" g="0" b="0"/>
+      </a:effectRef>
+      <a:fontRef idx="minor"/>
+    </dgm:style>
+  </dgm:styleLbl>
+  <dgm:styleLbl name="fgAcc3">
+    <dgm:scene3d>
+      <a:camera prst="orthographicFront"/>
+      <a:lightRig rig="threePt" dir="t"/>
+    </dgm:scene3d>
+    <dgm:sp3d/>
+    <dgm:txPr/>
+    <dgm:style>
+      <a:lnRef idx="2">
+        <a:scrgbClr r="0" g="0" b="0"/>
+      </a:lnRef>
+      <a:fillRef idx="1">
+        <a:scrgbClr r="0" g="0" b="0"/>
+      </a:fillRef>
+      <a:effectRef idx="0">
+        <a:scrgbClr r="0" g="0" b="0"/>
+      </a:effectRef>
+      <a:fontRef idx="minor"/>
+    </dgm:style>
+  </dgm:styleLbl>
+  <dgm:styleLbl name="fgAcc4">
+    <dgm:scene3d>
+      <a:camera prst="orthographicFront"/>
+      <a:lightRig rig="threePt" dir="t"/>
+    </dgm:scene3d>
+    <dgm:sp3d/>
+    <dgm:txPr/>
+    <dgm:style>
+      <a:lnRef idx="2">
+        <a:scrgbClr r="0" g="0" b="0"/>
+      </a:lnRef>
+      <a:fillRef idx="1">
+        <a:scrgbClr r="0" g="0" b="0"/>
+      </a:fillRef>
+      <a:effectRef idx="0">
+        <a:scrgbClr r="0" g="0" b="0"/>
+      </a:effectRef>
+      <a:fontRef idx="minor"/>
+    </dgm:style>
+  </dgm:styleLbl>
+  <dgm:styleLbl name="bgShp">
+    <dgm:scene3d>
+      <a:camera prst="orthographicFront"/>
+      <a:lightRig rig="threePt" dir="t"/>
+    </dgm:scene3d>
+    <dgm:sp3d/>
+    <dgm:txPr/>
+    <dgm:style>
+      <a:lnRef idx="0">
+        <a:scrgbClr r="0" g="0" b="0"/>
+      </a:lnRef>
+      <a:fillRef idx="1">
+        <a:scrgbClr r="0" g="0" b="0"/>
+      </a:fillRef>
+      <a:effectRef idx="0">
+        <a:scrgbClr r="0" g="0" b="0"/>
+      </a:effectRef>
+      <a:fontRef idx="minor"/>
+    </dgm:style>
+  </dgm:styleLbl>
+  <dgm:styleLbl name="dkBgShp">
+    <dgm:scene3d>
+      <a:camera prst="orthographicFront"/>
+      <a:lightRig rig="threePt" dir="t"/>
+    </dgm:scene3d>
+    <dgm:sp3d/>
+    <dgm:txPr/>
+    <dgm:style>
+      <a:lnRef idx="0">
+        <a:scrgbClr r="0" g="0" b="0"/>
+      </a:lnRef>
+      <a:fillRef idx="1">
+        <a:scrgbClr r="0" g="0" b="0"/>
+      </a:fillRef>
+      <a:effectRef idx="0">
+        <a:scrgbClr r="0" g="0" b="0"/>
+      </a:effectRef>
+      <a:fontRef idx="minor"/>
+    </dgm:style>
+  </dgm:styleLbl>
+  <dgm:styleLbl name="trBgShp">
+    <dgm:scene3d>
+      <a:camera prst="orthographicFront"/>
+      <a:lightRig rig="threePt" dir="t"/>
+    </dgm:scene3d>
+    <dgm:sp3d/>
+    <dgm:txPr/>
+    <dgm:style>
+      <a:lnRef idx="0">
+        <a:scrgbClr r="0" g="0" b="0"/>
+      </a:lnRef>
+      <a:fillRef idx="1">
+        <a:scrgbClr r="0" g="0" b="0"/>
+      </a:fillRef>
+      <a:effectRef idx="0">
+        <a:scrgbClr r="0" g="0" b="0"/>
+      </a:effectRef>
+      <a:fontRef idx="minor"/>
+    </dgm:style>
+  </dgm:styleLbl>
+  <dgm:styleLbl name="fgShp">
+    <dgm:scene3d>
+      <a:camera prst="orthographicFront"/>
+      <a:lightRig rig="threePt" dir="t"/>
+    </dgm:scene3d>
+    <dgm:sp3d/>
+    <dgm:txPr/>
+    <dgm:style>
+      <a:lnRef idx="2">
+        <a:scrgbClr r="0" g="0" b="0"/>
+      </a:lnRef>
+      <a:fillRef idx="1">
+        <a:scrgbClr r="0" g="0" b="0"/>
+      </a:fillRef>
+      <a:effectRef idx="0">
+        <a:scrgbClr r="0" g="0" b="0"/>
+      </a:effectRef>
+      <a:fontRef idx="minor"/>
+    </dgm:style>
+  </dgm:styleLbl>
+  <dgm:styleLbl name="revTx">
+    <dgm:scene3d>
+      <a:camera prst="orthographicFront"/>
+      <a:lightRig rig="threePt" dir="t"/>
+    </dgm:scene3d>
+    <dgm:sp3d/>
+    <dgm:txPr/>
+    <dgm:style>
+      <a:lnRef idx="0">
+        <a:scrgbClr r="0" g="0" b="0"/>
+      </a:lnRef>
+      <a:fillRef idx="0">
+        <a:scrgbClr r="0" g="0" b="0"/>
+      </a:fillRef>
+      <a:effectRef idx="0">
+        <a:scrgbClr r="0" g="0" b="0"/>
+      </a:effectRef>
+      <a:fontRef idx="minor"/>
+    </dgm:style>
+  </dgm:styleLbl>
+</dgm:styleDef>
+</file>
+
+<file path=ppt/diagrams/quickStyle2.xml><?xml version="1.0" encoding="utf-8"?>
+<dgm:styleDef xmlns:dgm="http://schemas.openxmlformats.org/drawingml/2006/diagram" xmlns:a="http://schemas.openxmlformats.org/drawingml/2006/main" uniqueId="urn:microsoft.com/office/officeart/2005/8/quickstyle/simple1">
+  <dgm:title val=""/>
+  <dgm:desc val=""/>
+  <dgm:catLst>
+    <dgm:cat type="simple" pri="10100"/>
+  </dgm:catLst>
+  <dgm:scene3d>
+    <a:camera prst="orthographicFront"/>
+    <a:lightRig rig="threePt" dir="t"/>
+  </dgm:scene3d>
+  <dgm:styleLbl name="node0">
+    <dgm:scene3d>
+      <a:camera prst="orthographicFront"/>
+      <a:lightRig rig="threePt" dir="t"/>
+    </dgm:scene3d>
+    <dgm:sp3d/>
+    <dgm:txPr/>
+    <dgm:style>
+      <a:lnRef idx="2">
+        <a:scrgbClr r="0" g="0" b="0"/>
+      </a:lnRef>
+      <a:fillRef idx="1">
+        <a:scrgbClr r="0" g="0" b="0"/>
+      </a:fillRef>
+      <a:effectRef idx="0">
+        <a:scrgbClr r="0" g="0" b="0"/>
+      </a:effectRef>
+      <a:fontRef idx="minor">
+        <a:schemeClr val="lt1"/>
+      </a:fontRef>
+    </dgm:style>
+  </dgm:styleLbl>
+  <dgm:styleLbl name="lnNode1">
+    <dgm:scene3d>
+      <a:camera prst="orthographicFront"/>
+      <a:lightRig rig="threePt" dir="t"/>
+    </dgm:scene3d>
+    <dgm:sp3d/>
+    <dgm:txPr/>
+    <dgm:style>
+      <a:lnRef idx="2">
+        <a:scrgbClr r="0" g="0" b="0"/>
+      </a:lnRef>
+      <a:fillRef idx="1">
+        <a:scrgbClr r="0" g="0" b="0"/>
+      </a:fillRef>
+      <a:effectRef idx="0">
+        <a:scrgbClr r="0" g="0" b="0"/>
+      </a:effectRef>
+      <a:fontRef idx="minor">
+        <a:schemeClr val="lt1"/>
+      </a:fontRef>
+    </dgm:style>
+  </dgm:styleLbl>
+  <dgm:styleLbl name="vennNode1">
+    <dgm:scene3d>
+      <a:camera prst="orthographicFront"/>
+      <a:lightRig rig="threePt" dir="t"/>
+    </dgm:scene3d>
+    <dgm:sp3d/>
+    <dgm:txPr/>
+    <dgm:style>
+      <a:lnRef idx="2">
+        <a:scrgbClr r="0" g="0" b="0"/>
+      </a:lnRef>
+      <a:fillRef idx="1">
+        <a:scrgbClr r="0" g="0" b="0"/>
+      </a:fillRef>
+      <a:effectRef idx="0">
+        <a:scrgbClr r="0" g="0" b="0"/>
+      </a:effectRef>
+      <a:fontRef idx="minor">
+        <a:schemeClr val="tx1"/>
+      </a:fontRef>
+    </dgm:style>
+  </dgm:styleLbl>
+  <dgm:styleLbl name="alignNode1">
+    <dgm:scene3d>
+      <a:camera prst="orthographicFront"/>
+      <a:lightRig rig="threePt" dir="t"/>
+    </dgm:scene3d>
+    <dgm:sp3d/>
+    <dgm:txPr/>
+    <dgm:style>
+      <a:lnRef idx="2">
+        <a:scrgbClr r="0" g="0" b="0"/>
+      </a:lnRef>
+      <a:fillRef idx="1">
+        <a:scrgbClr r="0" g="0" b="0"/>
+      </a:fillRef>
+      <a:effectRef idx="0">
+        <a:scrgbClr r="0" g="0" b="0"/>
+      </a:effectRef>
+      <a:fontRef idx="minor">
+        <a:schemeClr val="lt1"/>
+      </a:fontRef>
+    </dgm:style>
+  </dgm:styleLbl>
+  <dgm:styleLbl name="node1">
+    <dgm:scene3d>
+      <a:camera prst="orthographicFront"/>
+      <a:lightRig rig="threePt" dir="t"/>
+    </dgm:scene3d>
+    <dgm:sp3d/>
+    <dgm:txPr/>
+    <dgm:style>
+      <a:lnRef idx="2">
+        <a:scrgbClr r="0" g="0" b="0"/>
+      </a:lnRef>
+      <a:fillRef idx="1">
+        <a:scrgbClr r="0" g="0" b="0"/>
+      </a:fillRef>
+      <a:effectRef idx="0">
+        <a:scrgbClr r="0" g="0" b="0"/>
+      </a:effectRef>
+      <a:fontRef idx="minor">
+        <a:schemeClr val="lt1"/>
+      </a:fontRef>
+    </dgm:style>
+  </dgm:styleLbl>
+  <dgm:styleLbl name="node2">
+    <dgm:scene3d>
+      <a:camera prst="orthographicFront"/>
+      <a:lightRig rig="threePt" dir="t"/>
+    </dgm:scene3d>
+    <dgm:sp3d/>
+    <dgm:txPr/>
+    <dgm:style>
+      <a:lnRef idx="2">
+        <a:scrgbClr r="0" g="0" b="0"/>
+      </a:lnRef>
+      <a:fillRef idx="1">
+        <a:scrgbClr r="0" g="0" b="0"/>
+      </a:fillRef>
+      <a:effectRef idx="0">
+        <a:scrgbClr r="0" g="0" b="0"/>
+      </a:effectRef>
+      <a:fontRef idx="minor">
+        <a:schemeClr val="lt1"/>
+      </a:fontRef>
+    </dgm:style>
+  </dgm:styleLbl>
+  <dgm:styleLbl name="node3">
+    <dgm:scene3d>
+      <a:camera prst="orthographicFront"/>
+      <a:lightRig rig="threePt" dir="t"/>
+    </dgm:scene3d>
+    <dgm:sp3d/>
+    <dgm:txPr/>
+    <dgm:style>
+      <a:lnRef idx="2">
+        <a:scrgbClr r="0" g="0" b="0"/>
+      </a:lnRef>
+      <a:fillRef idx="1">
+        <a:scrgbClr r="0" g="0" b="0"/>
+      </a:fillRef>
+      <a:effectRef idx="0">
+        <a:scrgbClr r="0" g="0" b="0"/>
+      </a:effectRef>
+      <a:fontRef idx="minor">
+        <a:schemeClr val="lt1"/>
+      </a:fontRef>
+    </dgm:style>
+  </dgm:styleLbl>
+  <dgm:styleLbl name="node4">
+    <dgm:scene3d>
+      <a:camera prst="orthographicFront"/>
+      <a:lightRig rig="threePt" dir="t"/>
+    </dgm:scene3d>
+    <dgm:sp3d/>
+    <dgm:txPr/>
+    <dgm:style>
+      <a:lnRef idx="2">
+        <a:scrgbClr r="0" g="0" b="0"/>
+      </a:lnRef>
+      <a:fillRef idx="1">
+        <a:scrgbClr r="0" g="0" b="0"/>
+      </a:fillRef>
+      <a:effectRef idx="0">
+        <a:scrgbClr r="0" g="0" b="0"/>
+      </a:effectRef>
+      <a:fontRef idx="minor">
+        <a:schemeClr val="lt1"/>
+      </a:fontRef>
+    </dgm:style>
+  </dgm:styleLbl>
+  <dgm:styleLbl name="fgImgPlace1">
+    <dgm:scene3d>
+      <a:camera prst="orthographicFront"/>
+      <a:lightRig rig="threePt" dir="t"/>
+    </dgm:scene3d>
+    <dgm:sp3d/>
+    <dgm:txPr/>
+    <dgm:style>
+      <a:lnRef idx="2">
+        <a:scrgbClr r="0" g="0" b="0"/>
+      </a:lnRef>
+      <a:fillRef idx="1">
+        <a:scrgbClr r="0" g="0" b="0"/>
+      </a:fillRef>
+      <a:effectRef idx="0">
+        <a:scrgbClr r="0" g="0" b="0"/>
+      </a:effectRef>
+      <a:fontRef idx="minor"/>
+    </dgm:style>
+  </dgm:styleLbl>
+  <dgm:styleLbl name="alignImgPlace1">
+    <dgm:scene3d>
+      <a:camera prst="orthographicFront"/>
+      <a:lightRig rig="threePt" dir="t"/>
+    </dgm:scene3d>
+    <dgm:sp3d/>
+    <dgm:txPr/>
+    <dgm:style>
+      <a:lnRef idx="2">
+        <a:scrgbClr r="0" g="0" b="0"/>
+      </a:lnRef>
+      <a:fillRef idx="1">
+        <a:scrgbClr r="0" g="0" b="0"/>
+      </a:fillRef>
+      <a:effectRef idx="0">
+        <a:scrgbClr r="0" g="0" b="0"/>
+      </a:effectRef>
+      <a:fontRef idx="minor"/>
+    </dgm:style>
+  </dgm:styleLbl>
+  <dgm:styleLbl name="bgImgPlace1">
+    <dgm:scene3d>
+      <a:camera prst="orthographicFront"/>
+      <a:lightRig rig="threePt" dir="t"/>
+    </dgm:scene3d>
+    <dgm:sp3d/>
+    <dgm:txPr/>
+    <dgm:style>
+      <a:lnRef idx="2">
+        <a:scrgbClr r="0" g="0" b="0"/>
+      </a:lnRef>
+      <a:fillRef idx="1">
+        <a:scrgbClr r="0" g="0" b="0"/>
+      </a:fillRef>
+      <a:effectRef idx="0">
+        <a:scrgbClr r="0" g="0" b="0"/>
+      </a:effectRef>
+      <a:fontRef idx="minor"/>
+    </dgm:style>
+  </dgm:styleLbl>
+  <dgm:styleLbl name="sibTrans2D1">
+    <dgm:scene3d>
+      <a:camera prst="orthographicFront"/>
+      <a:lightRig rig="threePt" dir="t"/>
+    </dgm:scene3d>
+    <dgm:sp3d/>
+    <dgm:txPr/>
+    <dgm:style>
+      <a:lnRef idx="0">
+        <a:scrgbClr r="0" g="0" b="0"/>
+      </a:lnRef>
+      <a:fillRef idx="1">
+        <a:scrgbClr r="0" g="0" b="0"/>
+      </a:fillRef>
+      <a:effectRef idx="0">
+        <a:scrgbClr r="0" g="0" b="0"/>
+      </a:effectRef>
+      <a:fontRef idx="minor">
+        <a:schemeClr val="lt1"/>
+      </a:fontRef>
+    </dgm:style>
+  </dgm:styleLbl>
+  <dgm:styleLbl name="fgSibTrans2D1">
+    <dgm:scene3d>
+      <a:camera prst="orthographicFront"/>
+      <a:lightRig rig="threePt" dir="t"/>
+    </dgm:scene3d>
+    <dgm:sp3d/>
+    <dgm:txPr/>
+    <dgm:style>
+      <a:lnRef idx="0">
+        <a:scrgbClr r="0" g="0" b="0"/>
+      </a:lnRef>
+      <a:fillRef idx="1">
+        <a:scrgbClr r="0" g="0" b="0"/>
+      </a:fillRef>
+      <a:effectRef idx="0">
+        <a:scrgbClr r="0" g="0" b="0"/>
+      </a:effectRef>
+      <a:fontRef idx="minor">
+        <a:schemeClr val="lt1"/>
+      </a:fontRef>
+    </dgm:style>
+  </dgm:styleLbl>
+  <dgm:styleLbl name="bgSibTrans2D1">
+    <dgm:scene3d>
+      <a:camera prst="orthographicFront"/>
+      <a:lightRig rig="threePt" dir="t"/>
+    </dgm:scene3d>
+    <dgm:sp3d/>
+    <dgm:txPr/>
+    <dgm:style>
+      <a:lnRef idx="0">
+        <a:scrgbClr r="0" g="0" b="0"/>
+      </a:lnRef>
+      <a:fillRef idx="1">
+        <a:scrgbClr r="0" g="0" b="0"/>
+      </a:fillRef>
+      <a:effectRef idx="0">
+        <a:scrgbClr r="0" g="0" b="0"/>
+      </a:effectRef>
+      <a:fontRef idx="minor">
+        <a:schemeClr val="lt1"/>
+      </a:fontRef>
+    </dgm:style>
+  </dgm:styleLbl>
+  <dgm:styleLbl name="sibTrans1D1">
+    <dgm:scene3d>
+      <a:camera prst="orthographicFront"/>
+      <a:lightRig rig="threePt" dir="t"/>
+    </dgm:scene3d>
+    <dgm:sp3d/>
+    <dgm:txPr/>
+    <dgm:style>
+      <a:lnRef idx="1">
+        <a:scrgbClr r="0" g="0" b="0"/>
+      </a:lnRef>
+      <a:fillRef idx="0">
+        <a:scrgbClr r="0" g="0" b="0"/>
+      </a:fillRef>
+      <a:effectRef idx="0">
+        <a:scrgbClr r="0" g="0" b="0"/>
+      </a:effectRef>
+      <a:fontRef idx="minor"/>
+    </dgm:style>
+  </dgm:styleLbl>
+  <dgm:styleLbl name="callout">
+    <dgm:scene3d>
+      <a:camera prst="orthographicFront"/>
+      <a:lightRig rig="threePt" dir="t"/>
+    </dgm:scene3d>
+    <dgm:sp3d/>
+    <dgm:txPr/>
+    <dgm:style>
+      <a:lnRef idx="2">
+        <a:scrgbClr r="0" g="0" b="0"/>
+      </a:lnRef>
+      <a:fillRef idx="1">
+        <a:scrgbClr r="0" g="0" b="0"/>
+      </a:fillRef>
+      <a:effectRef idx="0">
+        <a:scrgbClr r="0" g="0" b="0"/>
+      </a:effectRef>
+      <a:fontRef idx="minor"/>
+    </dgm:style>
+  </dgm:styleLbl>
+  <dgm:styleLbl name="asst0">
+    <dgm:scene3d>
+      <a:camera prst="orthographicFront"/>
+      <a:lightRig rig="threePt" dir="t"/>
+    </dgm:scene3d>
+    <dgm:sp3d/>
+    <dgm:txPr/>
+    <dgm:style>
+      <a:lnRef idx="2">
+        <a:scrgbClr r="0" g="0" b="0"/>
+      </a:lnRef>
+      <a:fillRef idx="1">
+        <a:scrgbClr r="0" g="0" b="0"/>
+      </a:fillRef>
+      <a:effectRef idx="0">
+        <a:scrgbClr r="0" g="0" b="0"/>
+      </a:effectRef>
+      <a:fontRef idx="minor">
+        <a:schemeClr val="lt1"/>
+      </a:fontRef>
+    </dgm:style>
+  </dgm:styleLbl>
+  <dgm:styleLbl name="asst1">
+    <dgm:scene3d>
+      <a:camera prst="orthographicFront"/>
+      <a:lightRig rig="threePt" dir="t"/>
+    </dgm:scene3d>
+    <dgm:sp3d/>
+    <dgm:txPr/>
+    <dgm:style>
+      <a:lnRef idx="2">
+        <a:scrgbClr r="0" g="0" b="0"/>
+      </a:lnRef>
+      <a:fillRef idx="1">
+        <a:scrgbClr r="0" g="0" b="0"/>
+      </a:fillRef>
+      <a:effectRef idx="0">
+        <a:scrgbClr r="0" g="0" b="0"/>
+      </a:effectRef>
+      <a:fontRef idx="minor">
+        <a:schemeClr val="lt1"/>
+      </a:fontRef>
+    </dgm:style>
+  </dgm:styleLbl>
+  <dgm:styleLbl name="asst2">
+    <dgm:scene3d>
+      <a:camera prst="orthographicFront"/>
+      <a:lightRig rig="threePt" dir="t"/>
+    </dgm:scene3d>
+    <dgm:sp3d/>
+    <dgm:txPr/>
+    <dgm:style>
+      <a:lnRef idx="2">
+        <a:scrgbClr r="0" g="0" b="0"/>
+      </a:lnRef>
+      <a:fillRef idx="1">
+        <a:scrgbClr r="0" g="0" b="0"/>
+      </a:fillRef>
+      <a:effectRef idx="0">
+        <a:scrgbClr r="0" g="0" b="0"/>
+      </a:effectRef>
+      <a:fontRef idx="minor">
+        <a:schemeClr val="lt1"/>
+      </a:fontRef>
+    </dgm:style>
+  </dgm:styleLbl>
+  <dgm:styleLbl name="asst3">
+    <dgm:scene3d>
+      <a:camera prst="orthographicFront"/>
+      <a:lightRig rig="threePt" dir="t"/>
+    </dgm:scene3d>
+    <dgm:sp3d/>
+    <dgm:txPr/>
+    <dgm:style>
+      <a:lnRef idx="2">
+        <a:scrgbClr r="0" g="0" b="0"/>
+      </a:lnRef>
+      <a:fillRef idx="1">
+        <a:scrgbClr r="0" g="0" b="0"/>
+      </a:fillRef>
+      <a:effectRef idx="0">
+        <a:scrgbClr r="0" g="0" b="0"/>
+      </a:effectRef>
+      <a:fontRef idx="minor">
+        <a:schemeClr val="lt1"/>
+      </a:fontRef>
+    </dgm:style>
+  </dgm:styleLbl>
+  <dgm:styleLbl name="asst4">
+    <dgm:scene3d>
+      <a:camera prst="orthographicFront"/>
+      <a:lightRig rig="threePt" dir="t"/>
+    </dgm:scene3d>
+    <dgm:sp3d/>
+    <dgm:txPr/>
+    <dgm:style>
+      <a:lnRef idx="2">
+        <a:scrgbClr r="0" g="0" b="0"/>
+      </a:lnRef>
+      <a:fillRef idx="1">
+        <a:scrgbClr r="0" g="0" b="0"/>
+      </a:fillRef>
+      <a:effectRef idx="0">
+        <a:scrgbClr r="0" g="0" b="0"/>
+      </a:effectRef>
+      <a:fontRef idx="minor">
+        <a:schemeClr val="lt1"/>
+      </a:fontRef>
+    </dgm:style>
+  </dgm:styleLbl>
+  <dgm:styleLbl name="parChTrans2D1">
+    <dgm:scene3d>
+      <a:camera prst="orthographicFront"/>
+      <a:lightRig rig="threePt" dir="t"/>
+    </dgm:scene3d>
+    <dgm:sp3d/>
+    <dgm:txPr/>
+    <dgm:style>
+      <a:lnRef idx="2">
+        <a:scrgbClr r="0" g="0" b="0"/>
+      </a:lnRef>
+      <a:fillRef idx="1">
+        <a:scrgbClr r="0" g="0" b="0"/>
+      </a:fillRef>
+      <a:effectRef idx="0">
+        <a:scrgbClr r="0" g="0" b="0"/>
+      </a:effectRef>
+      <a:fontRef idx="minor">
+        <a:schemeClr val="lt1"/>
+      </a:fontRef>
+    </dgm:style>
+  </dgm:styleLbl>
+  <dgm:styleLbl name="parChTrans2D2">
+    <dgm:scene3d>
+      <a:camera prst="orthographicFront"/>
+      <a:lightRig rig="threePt" dir="t"/>
+    </dgm:scene3d>
+    <dgm:sp3d/>
+    <dgm:txPr/>
+    <dgm:style>
+      <a:lnRef idx="2">
+        <a:scrgbClr r="0" g="0" b="0"/>
+      </a:lnRef>
+      <a:fillRef idx="1">
+        <a:scrgbClr r="0" g="0" b="0"/>
+      </a:fillRef>
+      <a:effectRef idx="0">
+        <a:scrgbClr r="0" g="0" b="0"/>
+      </a:effectRef>
+      <a:fontRef idx="minor">
+        <a:schemeClr val="lt1"/>
+      </a:fontRef>
+    </dgm:style>
+  </dgm:styleLbl>
+  <dgm:styleLbl name="parChTrans2D3">
+    <dgm:scene3d>
+      <a:camera prst="orthographicFront"/>
+      <a:lightRig rig="threePt" dir="t"/>
+    </dgm:scene3d>
+    <dgm:sp3d/>
+    <dgm:txPr/>
+    <dgm:style>
+      <a:lnRef idx="2">
+        <a:scrgbClr r="0" g="0" b="0"/>
+      </a:lnRef>
+      <a:fillRef idx="1">
+        <a:scrgbClr r="0" g="0" b="0"/>
+      </a:fillRef>
+      <a:effectRef idx="0">
+        <a:scrgbClr r="0" g="0" b="0"/>
+      </a:effectRef>
+      <a:fontRef idx="minor">
+        <a:schemeClr val="lt1"/>
+      </a:fontRef>
+    </dgm:style>
+  </dgm:styleLbl>
+  <dgm:styleLbl name="parChTrans2D4">
+    <dgm:scene3d>
+      <a:camera prst="orthographicFront"/>
+      <a:lightRig rig="threePt" dir="t"/>
+    </dgm:scene3d>
+    <dgm:sp3d/>
+    <dgm:txPr/>
+    <dgm:style>
+      <a:lnRef idx="2">
+        <a:scrgbClr r="0" g="0" b="0"/>
+      </a:lnRef>
+      <a:fillRef idx="1">
+        <a:scrgbClr r="0" g="0" b="0"/>
+      </a:fillRef>
+      <a:effectRef idx="0">
+        <a:scrgbClr r="0" g="0" b="0"/>
+      </a:effectRef>
+      <a:fontRef idx="minor">
+        <a:schemeClr val="lt1"/>
+      </a:fontRef>
+    </dgm:style>
+  </dgm:styleLbl>
+  <dgm:styleLbl name="parChTrans1D1">
+    <dgm:scene3d>
+      <a:camera prst="orthographicFront"/>
+      <a:lightRig rig="threePt" dir="t"/>
+    </dgm:scene3d>
+    <dgm:sp3d/>
+    <dgm:txPr/>
+    <dgm:style>
+      <a:lnRef idx="2">
+        <a:scrgbClr r="0" g="0" b="0"/>
+      </a:lnRef>
+      <a:fillRef idx="0">
+        <a:scrgbClr r="0" g="0" b="0"/>
+      </a:fillRef>
+      <a:effectRef idx="0">
+        <a:scrgbClr r="0" g="0" b="0"/>
+      </a:effectRef>
+      <a:fontRef idx="minor"/>
+    </dgm:style>
+  </dgm:styleLbl>
+  <dgm:styleLbl name="parChTrans1D2">
+    <dgm:scene3d>
+      <a:camera prst="orthographicFront"/>
+      <a:lightRig rig="threePt" dir="t"/>
+    </dgm:scene3d>
+    <dgm:sp3d/>
+    <dgm:txPr/>
+    <dgm:style>
+      <a:lnRef idx="2">
+        <a:scrgbClr r="0" g="0" b="0"/>
+      </a:lnRef>
+      <a:fillRef idx="0">
+        <a:scrgbClr r="0" g="0" b="0"/>
+      </a:fillRef>
+      <a:effectRef idx="0">
+        <a:scrgbClr r="0" g="0" b="0"/>
+      </a:effectRef>
+      <a:fontRef idx="minor"/>
+    </dgm:style>
+  </dgm:styleLbl>
+  <dgm:styleLbl name="parChTrans1D3">
+    <dgm:scene3d>
+      <a:camera prst="orthographicFront"/>
+      <a:lightRig rig="threePt" dir="t"/>
+    </dgm:scene3d>
+    <dgm:sp3d/>
+    <dgm:txPr/>
+    <dgm:style>
+      <a:lnRef idx="2">
+        <a:scrgbClr r="0" g="0" b="0"/>
+      </a:lnRef>
+      <a:fillRef idx="0">
+        <a:scrgbClr r="0" g="0" b="0"/>
+      </a:fillRef>
+      <a:effectRef idx="0">
+        <a:scrgbClr r="0" g="0" b="0"/>
+      </a:effectRef>
+      <a:fontRef idx="minor"/>
+    </dgm:style>
+  </dgm:styleLbl>
+  <dgm:styleLbl name="parChTrans1D4">
+    <dgm:scene3d>
+      <a:camera prst="orthographicFront"/>
+      <a:lightRig rig="threePt" dir="t"/>
+    </dgm:scene3d>
+    <dgm:sp3d/>
+    <dgm:txPr/>
+    <dgm:style>
+      <a:lnRef idx="2">
+        <a:scrgbClr r="0" g="0" b="0"/>
+      </a:lnRef>
+      <a:fillRef idx="0">
+        <a:scrgbClr r="0" g="0" b="0"/>
+      </a:fillRef>
+      <a:effectRef idx="0">
+        <a:scrgbClr r="0" g="0" b="0"/>
+      </a:effectRef>
+      <a:fontRef idx="minor"/>
+    </dgm:style>
+  </dgm:styleLbl>
+  <dgm:styleLbl name="fgAcc1">
+    <dgm:scene3d>
+      <a:camera prst="orthographicFront"/>
+      <a:lightRig rig="threePt" dir="t"/>
+    </dgm:scene3d>
+    <dgm:sp3d/>
+    <dgm:txPr/>
+    <dgm:style>
+      <a:lnRef idx="2">
+        <a:scrgbClr r="0" g="0" b="0"/>
+      </a:lnRef>
+      <a:fillRef idx="1">
+        <a:scrgbClr r="0" g="0" b="0"/>
+      </a:fillRef>
+      <a:effectRef idx="0">
+        <a:scrgbClr r="0" g="0" b="0"/>
+      </a:effectRef>
+      <a:fontRef idx="minor"/>
+    </dgm:style>
+  </dgm:styleLbl>
+  <dgm:styleLbl name="conFgAcc1">
+    <dgm:scene3d>
+      <a:camera prst="orthographicFront"/>
+      <a:lightRig rig="threePt" dir="t"/>
+    </dgm:scene3d>
+    <dgm:sp3d/>
+    <dgm:txPr/>
+    <dgm:style>
+      <a:lnRef idx="2">
+        <a:scrgbClr r="0" g="0" b="0"/>
+      </a:lnRef>
+      <a:fillRef idx="1">
+        <a:scrgbClr r="0" g="0" b="0"/>
+      </a:fillRef>
+      <a:effectRef idx="0">
+        <a:scrgbClr r="0" g="0" b="0"/>
+      </a:effectRef>
+      <a:fontRef idx="minor"/>
+    </dgm:style>
+  </dgm:styleLbl>
+  <dgm:styleLbl name="alignAcc1">
+    <dgm:scene3d>
+      <a:camera prst="orthographicFront"/>
+      <a:lightRig rig="threePt" dir="t"/>
+    </dgm:scene3d>
+    <dgm:sp3d/>
+    <dgm:txPr/>
+    <dgm:style>
+      <a:lnRef idx="2">
+        <a:scrgbClr r="0" g="0" b="0"/>
+      </a:lnRef>
+      <a:fillRef idx="1">
+        <a:scrgbClr r="0" g="0" b="0"/>
+      </a:fillRef>
+      <a:effectRef idx="0">
+        <a:scrgbClr r="0" g="0" b="0"/>
+      </a:effectRef>
+      <a:fontRef idx="minor"/>
+    </dgm:style>
+  </dgm:styleLbl>
+  <dgm:styleLbl name="trAlignAcc1">
+    <dgm:scene3d>
+      <a:camera prst="orthographicFront"/>
+      <a:lightRig rig="threePt" dir="t"/>
+    </dgm:scene3d>
+    <dgm:sp3d/>
+    <dgm:txPr/>
+    <dgm:style>
+      <a:lnRef idx="1">
+        <a:scrgbClr r="0" g="0" b="0"/>
+      </a:lnRef>
+      <a:fillRef idx="1">
+        <a:scrgbClr r="0" g="0" b="0"/>
+      </a:fillRef>
+      <a:effectRef idx="0">
+        <a:scrgbClr r="0" g="0" b="0"/>
+      </a:effectRef>
+      <a:fontRef idx="minor"/>
+    </dgm:style>
+  </dgm:styleLbl>
+  <dgm:styleLbl name="bgAcc1">
+    <dgm:scene3d>
+      <a:camera prst="orthographicFront"/>
+      <a:lightRig rig="threePt" dir="t"/>
+    </dgm:scene3d>
+    <dgm:sp3d/>
+    <dgm:txPr/>
+    <dgm:style>
+      <a:lnRef idx="2">
+        <a:scrgbClr r="0" g="0" b="0"/>
+      </a:lnRef>
+      <a:fillRef idx="1">
+        <a:scrgbClr r="0" g="0" b="0"/>
+      </a:fillRef>
+      <a:effectRef idx="0">
+        <a:scrgbClr r="0" g="0" b="0"/>
+      </a:effectRef>
+      <a:fontRef idx="minor"/>
+    </dgm:style>
+  </dgm:styleLbl>
+  <dgm:styleLbl name="solidFgAcc1">
+    <dgm:scene3d>
+      <a:camera prst="orthographicFront"/>
+      <a:lightRig rig="threePt" dir="t"/>
+    </dgm:scene3d>
+    <dgm:sp3d/>
+    <dgm:txPr/>
+    <dgm:style>
+      <a:lnRef idx="2">
+        <a:scrgbClr r="0" g="0" b="0"/>
+      </a:lnRef>
+      <a:fillRef idx="1">
+        <a:scrgbClr r="0" g="0" b="0"/>
+      </a:fillRef>
+      <a:effectRef idx="0">
+        <a:scrgbClr r="0" g="0" b="0"/>
+      </a:effectRef>
+      <a:fontRef idx="minor"/>
+    </dgm:style>
+  </dgm:styleLbl>
+  <dgm:styleLbl name="solidAlignAcc1">
+    <dgm:scene3d>
+      <a:camera prst="orthographicFront"/>
+      <a:lightRig rig="threePt" dir="t"/>
+    </dgm:scene3d>
+    <dgm:sp3d/>
+    <dgm:txPr/>
+    <dgm:style>
+      <a:lnRef idx="2">
+        <a:scrgbClr r="0" g="0" b="0"/>
+      </a:lnRef>
+      <a:fillRef idx="1">
+        <a:scrgbClr r="0" g="0" b="0"/>
+      </a:fillRef>
+      <a:effectRef idx="0">
+        <a:scrgbClr r="0" g="0" b="0"/>
+      </a:effectRef>
+      <a:fontRef idx="minor"/>
+    </dgm:style>
+  </dgm:styleLbl>
+  <dgm:styleLbl name="solidBgAcc1">
+    <dgm:scene3d>
+      <a:camera prst="orthographicFront"/>
+      <a:lightRig rig="threePt" dir="t"/>
+    </dgm:scene3d>
+    <dgm:sp3d/>
+    <dgm:txPr/>
+    <dgm:style>
+      <a:lnRef idx="2">
+        <a:scrgbClr r="0" g="0" b="0"/>
+      </a:lnRef>
+      <a:fillRef idx="1">
+        <a:scrgbClr r="0" g="0" b="0"/>
+      </a:fillRef>
+      <a:effectRef idx="0">
+        <a:scrgbClr r="0" g="0" b="0"/>
+      </a:effectRef>
+      <a:fontRef idx="minor"/>
+    </dgm:style>
+  </dgm:styleLbl>
+  <dgm:styleLbl name="fgAccFollowNode1">
+    <dgm:scene3d>
+      <a:camera prst="orthographicFront"/>
+      <a:lightRig rig="threePt" dir="t"/>
+    </dgm:scene3d>
+    <dgm:sp3d/>
+    <dgm:txPr/>
+    <dgm:style>
+      <a:lnRef idx="2">
+        <a:scrgbClr r="0" g="0" b="0"/>
+      </a:lnRef>
+      <a:fillRef idx="1">
+        <a:scrgbClr r="0" g="0" b="0"/>
+      </a:fillRef>
+      <a:effectRef idx="0">
+        <a:scrgbClr r="0" g="0" b="0"/>
+      </a:effectRef>
+      <a:fontRef idx="minor"/>
+    </dgm:style>
+  </dgm:styleLbl>
+  <dgm:styleLbl name="alignAccFollowNode1">
+    <dgm:scene3d>
+      <a:camera prst="orthographicFront"/>
+      <a:lightRig rig="threePt" dir="t"/>
+    </dgm:scene3d>
+    <dgm:sp3d/>
+    <dgm:txPr/>
+    <dgm:style>
+      <a:lnRef idx="2">
+        <a:scrgbClr r="0" g="0" b="0"/>
+      </a:lnRef>
+      <a:fillRef idx="1">
+        <a:scrgbClr r="0" g="0" b="0"/>
+      </a:fillRef>
+      <a:effectRef idx="0">
+        <a:scrgbClr r="0" g="0" b="0"/>
+      </a:effectRef>
+      <a:fontRef idx="minor"/>
+    </dgm:style>
+  </dgm:styleLbl>
+  <dgm:styleLbl name="bgAccFollowNode1">
+    <dgm:scene3d>
+      <a:camera prst="orthographicFront"/>
+      <a:lightRig rig="threePt" dir="t"/>
+    </dgm:scene3d>
+    <dgm:sp3d/>
+    <dgm:txPr/>
+    <dgm:style>
+      <a:lnRef idx="2">
+        <a:scrgbClr r="0" g="0" b="0"/>
+      </a:lnRef>
+      <a:fillRef idx="1">
+        <a:scrgbClr r="0" g="0" b="0"/>
+      </a:fillRef>
+      <a:effectRef idx="0">
+        <a:scrgbClr r="0" g="0" b="0"/>
+      </a:effectRef>
+      <a:fontRef idx="minor"/>
+    </dgm:style>
+  </dgm:styleLbl>
+  <dgm:styleLbl name="fgAcc0">
+    <dgm:scene3d>
+      <a:camera prst="orthographicFront"/>
+      <a:lightRig rig="threePt" dir="t"/>
+    </dgm:scene3d>
+    <dgm:sp3d/>
+    <dgm:txPr/>
+    <dgm:style>
+      <a:lnRef idx="2">
+        <a:scrgbClr r="0" g="0" b="0"/>
+      </a:lnRef>
+      <a:fillRef idx="1">
+        <a:scrgbClr r="0" g="0" b="0"/>
+      </a:fillRef>
+      <a:effectRef idx="0">
+        <a:scrgbClr r="0" g="0" b="0"/>
+      </a:effectRef>
+      <a:fontRef idx="minor"/>
+    </dgm:style>
+  </dgm:styleLbl>
+  <dgm:styleLbl name="fgAcc2">
+    <dgm:scene3d>
+      <a:camera prst="orthographicFront"/>
+      <a:lightRig rig="threePt" dir="t"/>
+    </dgm:scene3d>
+    <dgm:sp3d/>
+    <dgm:txPr/>
+    <dgm:style>
+      <a:lnRef idx="2">
+        <a:scrgbClr r="0" g="0" b="0"/>
+      </a:lnRef>
+      <a:fillRef idx="1">
+        <a:scrgbClr r="0" g="0" b="0"/>
+      </a:fillRef>
+      <a:effectRef idx="0">
+        <a:scrgbClr r="0" g="0" b="0"/>
+      </a:effectRef>
+      <a:fontRef idx="minor"/>
+    </dgm:style>
+  </dgm:styleLbl>
+  <dgm:styleLbl name="fgAcc3">
+    <dgm:scene3d>
+      <a:camera prst="orthographicFront"/>
+      <a:lightRig rig="threePt" dir="t"/>
+    </dgm:scene3d>
+    <dgm:sp3d/>
+    <dgm:txPr/>
+    <dgm:style>
+      <a:lnRef idx="2">
+        <a:scrgbClr r="0" g="0" b="0"/>
+      </a:lnRef>
+      <a:fillRef idx="1">
+        <a:scrgbClr r="0" g="0" b="0"/>
+      </a:fillRef>
+      <a:effectRef idx="0">
+        <a:scrgbClr r="0" g="0" b="0"/>
+      </a:effectRef>
+      <a:fontRef idx="minor"/>
+    </dgm:style>
+  </dgm:styleLbl>
+  <dgm:styleLbl name="fgAcc4">
+    <dgm:scene3d>
+      <a:camera prst="orthographicFront"/>
+      <a:lightRig rig="threePt" dir="t"/>
+    </dgm:scene3d>
+    <dgm:sp3d/>
+    <dgm:txPr/>
+    <dgm:style>
+      <a:lnRef idx="2">
+        <a:scrgbClr r="0" g="0" b="0"/>
+      </a:lnRef>
+      <a:fillRef idx="1">
+        <a:scrgbClr r="0" g="0" b="0"/>
+      </a:fillRef>
+      <a:effectRef idx="0">
+        <a:scrgbClr r="0" g="0" b="0"/>
+      </a:effectRef>
+      <a:fontRef idx="minor"/>
+    </dgm:style>
+  </dgm:styleLbl>
+  <dgm:styleLbl name="bgShp">
+    <dgm:scene3d>
+      <a:camera prst="orthographicFront"/>
+      <a:lightRig rig="threePt" dir="t"/>
+    </dgm:scene3d>
+    <dgm:sp3d/>
+    <dgm:txPr/>
+    <dgm:style>
+      <a:lnRef idx="0">
+        <a:scrgbClr r="0" g="0" b="0"/>
+      </a:lnRef>
+      <a:fillRef idx="1">
+        <a:scrgbClr r="0" g="0" b="0"/>
+      </a:fillRef>
+      <a:effectRef idx="0">
+        <a:scrgbClr r="0" g="0" b="0"/>
+      </a:effectRef>
+      <a:fontRef idx="minor"/>
+    </dgm:style>
+  </dgm:styleLbl>
+  <dgm:styleLbl name="dkBgShp">
+    <dgm:scene3d>
+      <a:camera prst="orthographicFront"/>
+      <a:lightRig rig="threePt" dir="t"/>
+    </dgm:scene3d>
+    <dgm:sp3d/>
+    <dgm:txPr/>
+    <dgm:style>
+      <a:lnRef idx="0">
+        <a:scrgbClr r="0" g="0" b="0"/>
+      </a:lnRef>
+      <a:fillRef idx="1">
+        <a:scrgbClr r="0" g="0" b="0"/>
+      </a:fillRef>
+      <a:effectRef idx="0">
+        <a:scrgbClr r="0" g="0" b="0"/>
+      </a:effectRef>
+      <a:fontRef idx="minor"/>
+    </dgm:style>
+  </dgm:styleLbl>
+  <dgm:styleLbl name="trBgShp">
+    <dgm:scene3d>
+      <a:camera prst="orthographicFront"/>
+      <a:lightRig rig="threePt" dir="t"/>
+    </dgm:scene3d>
+    <dgm:sp3d/>
+    <dgm:txPr/>
+    <dgm:style>
+      <a:lnRef idx="0">
+        <a:scrgbClr r="0" g="0" b="0"/>
+      </a:lnRef>
+      <a:fillRef idx="1">
+        <a:scrgbClr r="0" g="0" b="0"/>
+      </a:fillRef>
+      <a:effectRef idx="0">
+        <a:scrgbClr r="0" g="0" b="0"/>
+      </a:effectRef>
+      <a:fontRef idx="minor"/>
+    </dgm:style>
+  </dgm:styleLbl>
+  <dgm:styleLbl name="fgShp">
+    <dgm:scene3d>
+      <a:camera prst="orthographicFront"/>
+      <a:lightRig rig="threePt" dir="t"/>
+    </dgm:scene3d>
+    <dgm:sp3d/>
+    <dgm:txPr/>
+    <dgm:style>
+      <a:lnRef idx="2">
+        <a:scrgbClr r="0" g="0" b="0"/>
+      </a:lnRef>
+      <a:fillRef idx="1">
+        <a:scrgbClr r="0" g="0" b="0"/>
+      </a:fillRef>
+      <a:effectRef idx="0">
+        <a:scrgbClr r="0" g="0" b="0"/>
+      </a:effectRef>
+      <a:fontRef idx="minor"/>
+    </dgm:style>
+  </dgm:styleLbl>
+  <dgm:styleLbl name="revTx">
+    <dgm:scene3d>
+      <a:camera prst="orthographicFront"/>
+      <a:lightRig rig="threePt" dir="t"/>
+    </dgm:scene3d>
+    <dgm:sp3d/>
+    <dgm:txPr/>
+    <dgm:style>
+      <a:lnRef idx="0">
+        <a:scrgbClr r="0" g="0" b="0"/>
+      </a:lnRef>
+      <a:fillRef idx="0">
+        <a:scrgbClr r="0" g="0" b="0"/>
+      </a:fillRef>
+      <a:effectRef idx="0">
+        <a:scrgbClr r="0" g="0" b="0"/>
+      </a:effectRef>
+      <a:fontRef idx="minor"/>
+    </dgm:style>
+  </dgm:styleLbl>
+</dgm:styleDef>
+</file>
+
 <file path=ppt/handoutMasters/handoutMaster1.xml><?xml version="1.0" encoding="utf-8"?>
 <p:handoutMaster xmlns:a="http://schemas.openxmlformats.org/drawingml/2006/main" xmlns:r="http://schemas.openxmlformats.org/officeDocument/2006/relationships" xmlns:p="http://schemas.openxmlformats.org/presentationml/2006/main">
   <p:cSld>
@@ -216,7 +5798,7 @@
           <a:p>
             <a:fld id="{FCC0B684-8014-45B5-B9C4-47CA9572B093}" type="datetimeFigureOut">
               <a:rPr lang="en-NZ" smtClean="0"/>
-              <a:t>8/03/2012</a:t>
+              <a:t>9/03/2012</a:t>
             </a:fld>
             <a:endParaRPr lang="en-NZ"/>
           </a:p>
@@ -480,7 +6062,7 @@
           <a:p>
             <a:fld id="{3ACCE87F-A4BF-4D9A-9320-ACD565033031}" type="datetimeFigureOut">
               <a:rPr lang="en-NZ" smtClean="0"/>
-              <a:t>8/03/2012</a:t>
+              <a:t>9/03/2012</a:t>
             </a:fld>
             <a:endParaRPr lang="en-NZ"/>
           </a:p>
@@ -645,7 +6227,7 @@
           <a:p>
             <a:fld id="{3ACCE87F-A4BF-4D9A-9320-ACD565033031}" type="datetimeFigureOut">
               <a:rPr lang="en-NZ" smtClean="0"/>
-              <a:t>8/03/2012</a:t>
+              <a:t>9/03/2012</a:t>
             </a:fld>
             <a:endParaRPr lang="en-NZ"/>
           </a:p>
@@ -820,7 +6402,7 @@
           <a:p>
             <a:fld id="{3ACCE87F-A4BF-4D9A-9320-ACD565033031}" type="datetimeFigureOut">
               <a:rPr lang="en-NZ" smtClean="0"/>
-              <a:t>8/03/2012</a:t>
+              <a:t>9/03/2012</a:t>
             </a:fld>
             <a:endParaRPr lang="en-NZ"/>
           </a:p>
@@ -985,7 +6567,7 @@
           <a:p>
             <a:fld id="{3ACCE87F-A4BF-4D9A-9320-ACD565033031}" type="datetimeFigureOut">
               <a:rPr lang="en-NZ" smtClean="0"/>
-              <a:t>8/03/2012</a:t>
+              <a:t>9/03/2012</a:t>
             </a:fld>
             <a:endParaRPr lang="en-NZ"/>
           </a:p>
@@ -1226,7 +6808,7 @@
           <a:p>
             <a:fld id="{3ACCE87F-A4BF-4D9A-9320-ACD565033031}" type="datetimeFigureOut">
               <a:rPr lang="en-NZ" smtClean="0"/>
-              <a:t>8/03/2012</a:t>
+              <a:t>9/03/2012</a:t>
             </a:fld>
             <a:endParaRPr lang="en-NZ"/>
           </a:p>
@@ -1509,7 +7091,7 @@
           <a:p>
             <a:fld id="{3ACCE87F-A4BF-4D9A-9320-ACD565033031}" type="datetimeFigureOut">
               <a:rPr lang="en-NZ" smtClean="0"/>
-              <a:t>8/03/2012</a:t>
+              <a:t>9/03/2012</a:t>
             </a:fld>
             <a:endParaRPr lang="en-NZ"/>
           </a:p>
@@ -1926,7 +7508,7 @@
           <a:p>
             <a:fld id="{3ACCE87F-A4BF-4D9A-9320-ACD565033031}" type="datetimeFigureOut">
               <a:rPr lang="en-NZ" smtClean="0"/>
-              <a:t>8/03/2012</a:t>
+              <a:t>9/03/2012</a:t>
             </a:fld>
             <a:endParaRPr lang="en-NZ"/>
           </a:p>
@@ -2039,7 +7621,7 @@
           <a:p>
             <a:fld id="{3ACCE87F-A4BF-4D9A-9320-ACD565033031}" type="datetimeFigureOut">
               <a:rPr lang="en-NZ" smtClean="0"/>
-              <a:t>8/03/2012</a:t>
+              <a:t>9/03/2012</a:t>
             </a:fld>
             <a:endParaRPr lang="en-NZ"/>
           </a:p>
@@ -2129,7 +7711,7 @@
           <a:p>
             <a:fld id="{3ACCE87F-A4BF-4D9A-9320-ACD565033031}" type="datetimeFigureOut">
               <a:rPr lang="en-NZ" smtClean="0"/>
-              <a:t>8/03/2012</a:t>
+              <a:t>9/03/2012</a:t>
             </a:fld>
             <a:endParaRPr lang="en-NZ"/>
           </a:p>
@@ -2401,7 +7983,7 @@
           <a:p>
             <a:fld id="{3ACCE87F-A4BF-4D9A-9320-ACD565033031}" type="datetimeFigureOut">
               <a:rPr lang="en-NZ" smtClean="0"/>
-              <a:t>8/03/2012</a:t>
+              <a:t>9/03/2012</a:t>
             </a:fld>
             <a:endParaRPr lang="en-NZ"/>
           </a:p>
@@ -2649,7 +8231,7 @@
           <a:p>
             <a:fld id="{3ACCE87F-A4BF-4D9A-9320-ACD565033031}" type="datetimeFigureOut">
               <a:rPr lang="en-NZ" smtClean="0"/>
-              <a:t>8/03/2012</a:t>
+              <a:t>9/03/2012</a:t>
             </a:fld>
             <a:endParaRPr lang="en-NZ"/>
           </a:p>
@@ -2857,7 +8439,7 @@
           <a:p>
             <a:fld id="{3ACCE87F-A4BF-4D9A-9320-ACD565033031}" type="datetimeFigureOut">
               <a:rPr lang="en-NZ" smtClean="0"/>
-              <a:t>8/03/2012</a:t>
+              <a:t>9/03/2012</a:t>
             </a:fld>
             <a:endParaRPr lang="en-NZ"/>
           </a:p>
@@ -3600,15 +9182,7 @@
             </a:r>
             <a:r>
               <a:rPr lang="en-NZ" dirty="0" smtClean="0"/>
-              <a:t>simulation and </a:t>
-            </a:r>
-            <a:r>
-              <a:rPr lang="en-NZ" dirty="0" smtClean="0"/>
-              <a:t>where </a:t>
-            </a:r>
-            <a:r>
-              <a:rPr lang="en-NZ" dirty="0" smtClean="0"/>
-              <a:t>all the work is done</a:t>
+              <a:t>simulation and where all the work is done</a:t>
             </a:r>
           </a:p>
           <a:p>
@@ -3777,15 +9351,7 @@
             </a:r>
             <a:r>
               <a:rPr lang="en-NZ" dirty="0" smtClean="0"/>
-              <a:t>summaries for </a:t>
-            </a:r>
-            <a:r>
-              <a:rPr lang="en-NZ" dirty="0" smtClean="0"/>
-              <a:t>any </a:t>
-            </a:r>
-            <a:r>
-              <a:rPr lang="en-NZ" dirty="0" smtClean="0"/>
-              <a:t>outcome and iteration. Stores them with stats from previous runs.</a:t>
+              <a:t>summaries for any outcome and iteration. Stores them with stats from previous runs.</a:t>
             </a:r>
           </a:p>
           <a:p>
@@ -3799,15 +9365,7 @@
             <a:pPr lvl="1"/>
             <a:r>
               <a:rPr lang="en-NZ" dirty="0" smtClean="0"/>
-              <a:t>calculates the mean of run stats over multiple </a:t>
-            </a:r>
-            <a:r>
-              <a:rPr lang="en-NZ" dirty="0" smtClean="0"/>
-              <a:t>runs and </a:t>
-            </a:r>
-            <a:r>
-              <a:rPr lang="en-NZ" dirty="0" smtClean="0"/>
-              <a:t>prepares results for display by adding column names etc.</a:t>
+              <a:t>calculates the mean of run stats over multiple runs and prepares results for display by adding column names etc.</a:t>
             </a:r>
           </a:p>
           <a:p>
@@ -3983,7 +9541,6 @@
               <a:rPr lang="en-NZ" dirty="0" smtClean="0"/>
               <a:t> for all runs.</a:t>
             </a:r>
-            <a:endParaRPr lang="en-NZ" dirty="0" smtClean="0"/>
           </a:p>
           <a:p>
             <a:r>
@@ -9552,7 +15109,6 @@
               <a:rPr lang="en-NZ" dirty="0" smtClean="0"/>
               <a:t>A run stat is any value from any outcome that you wish record and track across multiple runs</a:t>
             </a:r>
-            <a:endParaRPr lang="en-NZ" dirty="0" smtClean="0"/>
           </a:p>
           <a:p>
             <a:r>
@@ -9579,13 +15135,8 @@
           <a:p>
             <a:r>
               <a:rPr lang="en-NZ" dirty="0" smtClean="0"/>
-              <a:t>Example of run stats </a:t>
-            </a:r>
-            <a:r>
-              <a:rPr lang="en-NZ" dirty="0" smtClean="0"/>
-              <a:t>include:</a:t>
-            </a:r>
-            <a:endParaRPr lang="en-NZ" dirty="0" smtClean="0"/>
+              <a:t>Example of run stats include:</a:t>
+            </a:r>
           </a:p>
           <a:p>
             <a:pPr lvl="1"/>
@@ -9643,15 +15194,7 @@
           <a:p>
             <a:r>
               <a:rPr lang="en-NZ" dirty="0" smtClean="0"/>
-              <a:t>Run </a:t>
-            </a:r>
-            <a:r>
-              <a:rPr lang="en-NZ" dirty="0" smtClean="0"/>
-              <a:t>stat functions are </a:t>
-            </a:r>
-            <a:r>
-              <a:rPr lang="en-NZ" dirty="0" smtClean="0"/>
-              <a:t>available to produce</a:t>
+              <a:t>Run stat functions are available to produce</a:t>
             </a:r>
           </a:p>
           <a:p>
@@ -9805,6 +15348,233 @@
 </p:sld>
 </file>
 
+<file path=ppt/slides/slide26.xml><?xml version="1.0" encoding="utf-8"?>
+<p:sld xmlns:a="http://schemas.openxmlformats.org/drawingml/2006/main" xmlns:r="http://schemas.openxmlformats.org/officeDocument/2006/relationships" xmlns:p="http://schemas.openxmlformats.org/presentationml/2006/main">
+  <p:cSld>
+    <p:spTree>
+      <p:nvGrpSpPr>
+        <p:cNvPr id="1" name=""/>
+        <p:cNvGrpSpPr/>
+        <p:nvPr/>
+      </p:nvGrpSpPr>
+      <p:grpSpPr>
+        <a:xfrm>
+          <a:off x="0" y="0"/>
+          <a:ext cx="0" cy="0"/>
+          <a:chOff x="0" y="0"/>
+          <a:chExt cx="0" cy="0"/>
+        </a:xfrm>
+      </p:grpSpPr>
+      <p:sp>
+        <p:nvSpPr>
+          <p:cNvPr id="2" name="Title 1"/>
+          <p:cNvSpPr>
+            <a:spLocks noGrp="1"/>
+          </p:cNvSpPr>
+          <p:nvPr>
+            <p:ph type="title"/>
+          </p:nvPr>
+        </p:nvSpPr>
+        <p:spPr/>
+        <p:txBody>
+          <a:bodyPr/>
+          <a:lstStyle/>
+          <a:p>
+            <a:r>
+              <a:rPr lang="en-NZ" dirty="0" smtClean="0"/>
+              <a:t>Demo Class hierarchy</a:t>
+            </a:r>
+            <a:endParaRPr lang="en-NZ" dirty="0"/>
+          </a:p>
+        </p:txBody>
+      </p:sp>
+      <p:graphicFrame>
+        <p:nvGraphicFramePr>
+          <p:cNvPr id="4" name="Content Placeholder 3"/>
+          <p:cNvGraphicFramePr>
+            <a:graphicFrameLocks noGrp="1"/>
+          </p:cNvGraphicFramePr>
+          <p:nvPr>
+            <p:ph idx="1"/>
+            <p:extLst>
+              <p:ext uri="{D42A27DB-BD31-4B8C-83A1-F6EECF244321}">
+                <p14:modId xmlns:p14="http://schemas.microsoft.com/office/powerpoint/2010/main" val="563200528"/>
+              </p:ext>
+            </p:extLst>
+          </p:nvPr>
+        </p:nvGraphicFramePr>
+        <p:xfrm>
+          <a:off x="-828600" y="1556792"/>
+          <a:ext cx="6546640" cy="3600400"/>
+        </p:xfrm>
+        <a:graphic>
+          <a:graphicData uri="http://schemas.openxmlformats.org/drawingml/2006/diagram">
+            <dgm:relIds xmlns:dgm="http://schemas.openxmlformats.org/drawingml/2006/diagram" xmlns:r="http://schemas.openxmlformats.org/officeDocument/2006/relationships" r:dm="rId2" r:lo="rId3" r:qs="rId4" r:cs="rId5"/>
+          </a:graphicData>
+        </a:graphic>
+      </p:graphicFrame>
+      <p:graphicFrame>
+        <p:nvGraphicFramePr>
+          <p:cNvPr id="7" name="Content Placeholder 3"/>
+          <p:cNvGraphicFramePr>
+            <a:graphicFrameLocks/>
+          </p:cNvGraphicFramePr>
+          <p:nvPr>
+            <p:extLst>
+              <p:ext uri="{D42A27DB-BD31-4B8C-83A1-F6EECF244321}">
+                <p14:modId xmlns:p14="http://schemas.microsoft.com/office/powerpoint/2010/main" val="2044261758"/>
+              </p:ext>
+            </p:extLst>
+          </p:nvPr>
+        </p:nvGraphicFramePr>
+        <p:xfrm>
+          <a:off x="3131840" y="1628800"/>
+          <a:ext cx="6546640" cy="3600400"/>
+        </p:xfrm>
+        <a:graphic>
+          <a:graphicData uri="http://schemas.openxmlformats.org/drawingml/2006/diagram">
+            <dgm:relIds xmlns:dgm="http://schemas.openxmlformats.org/drawingml/2006/diagram" xmlns:r="http://schemas.openxmlformats.org/officeDocument/2006/relationships" r:dm="rId7" r:lo="rId8" r:qs="rId9" r:cs="rId10"/>
+          </a:graphicData>
+        </a:graphic>
+      </p:graphicFrame>
+    </p:spTree>
+    <p:extLst>
+      <p:ext uri="{BB962C8B-B14F-4D97-AF65-F5344CB8AC3E}">
+        <p14:creationId xmlns:p14="http://schemas.microsoft.com/office/powerpoint/2010/main" val="2960555023"/>
+      </p:ext>
+    </p:extLst>
+  </p:cSld>
+  <p:clrMapOvr>
+    <a:masterClrMapping/>
+  </p:clrMapOvr>
+</p:sld>
+</file>
+
+<file path=ppt/slides/slide27.xml><?xml version="1.0" encoding="utf-8"?>
+<p:sld xmlns:a="http://schemas.openxmlformats.org/drawingml/2006/main" xmlns:r="http://schemas.openxmlformats.org/officeDocument/2006/relationships" xmlns:p="http://schemas.openxmlformats.org/presentationml/2006/main">
+  <p:cSld>
+    <p:spTree>
+      <p:nvGrpSpPr>
+        <p:cNvPr id="1" name=""/>
+        <p:cNvGrpSpPr/>
+        <p:nvPr/>
+      </p:nvGrpSpPr>
+      <p:grpSpPr>
+        <a:xfrm>
+          <a:off x="0" y="0"/>
+          <a:ext cx="0" cy="0"/>
+          <a:chOff x="0" y="0"/>
+          <a:chExt cx="0" cy="0"/>
+        </a:xfrm>
+      </p:grpSpPr>
+      <p:sp>
+        <p:nvSpPr>
+          <p:cNvPr id="2" name="Title 1"/>
+          <p:cNvSpPr>
+            <a:spLocks noGrp="1"/>
+          </p:cNvSpPr>
+          <p:nvPr>
+            <p:ph type="title"/>
+          </p:nvPr>
+        </p:nvSpPr>
+        <p:spPr/>
+        <p:txBody>
+          <a:bodyPr/>
+          <a:lstStyle/>
+          <a:p>
+            <a:r>
+              <a:rPr lang="en-NZ" dirty="0" smtClean="0"/>
+              <a:t>Demo </a:t>
+            </a:r>
+            <a:r>
+              <a:rPr lang="en-NZ" dirty="0" err="1" smtClean="0"/>
+              <a:t>env.base</a:t>
+            </a:r>
+            <a:r>
+              <a:rPr lang="en-NZ" dirty="0" smtClean="0"/>
+              <a:t> object contents</a:t>
+            </a:r>
+            <a:endParaRPr lang="en-NZ" dirty="0"/>
+          </a:p>
+        </p:txBody>
+      </p:sp>
+      <p:pic>
+        <p:nvPicPr>
+          <p:cNvPr id="1026" name="Picture 2"/>
+          <p:cNvPicPr>
+            <a:picLocks noChangeAspect="1" noChangeArrowheads="1"/>
+          </p:cNvPicPr>
+          <p:nvPr/>
+        </p:nvPicPr>
+        <p:blipFill>
+          <a:blip r:embed="rId2">
+            <a:extLst>
+              <a:ext uri="{28A0092B-C50C-407E-A947-70E740481C1C}">
+                <a14:useLocalDpi xmlns:a14="http://schemas.microsoft.com/office/drawing/2010/main" val="0"/>
+              </a:ext>
+            </a:extLst>
+          </a:blip>
+          <a:srcRect/>
+          <a:stretch>
+            <a:fillRect/>
+          </a:stretch>
+        </p:blipFill>
+        <p:spPr bwMode="auto">
+          <a:xfrm>
+            <a:off x="2771800" y="1713788"/>
+            <a:ext cx="3960440" cy="3773466"/>
+          </a:xfrm>
+          <a:prstGeom prst="rect">
+            <a:avLst/>
+          </a:prstGeom>
+          <a:noFill/>
+          <a:ln>
+            <a:noFill/>
+          </a:ln>
+          <a:effectLst/>
+          <a:extLst>
+            <a:ext uri="{909E8E84-426E-40DD-AFC4-6F175D3DCCD1}">
+              <a14:hiddenFill xmlns:a14="http://schemas.microsoft.com/office/drawing/2010/main">
+                <a:solidFill>
+                  <a:schemeClr val="accent1"/>
+                </a:solidFill>
+              </a14:hiddenFill>
+            </a:ext>
+            <a:ext uri="{91240B29-F687-4F45-9708-019B960494DF}">
+              <a14:hiddenLine xmlns:a14="http://schemas.microsoft.com/office/drawing/2010/main" w="9525">
+                <a:solidFill>
+                  <a:schemeClr val="tx1"/>
+                </a:solidFill>
+                <a:miter lim="800000"/>
+                <a:headEnd/>
+                <a:tailEnd/>
+              </a14:hiddenLine>
+            </a:ext>
+            <a:ext uri="{AF507438-7753-43E0-B8FC-AC1667EBCBE1}">
+              <a14:hiddenEffects xmlns:a14="http://schemas.microsoft.com/office/drawing/2010/main">
+                <a:effectLst>
+                  <a:outerShdw dist="35921" dir="2700000" algn="ctr" rotWithShape="0">
+                    <a:schemeClr val="bg2"/>
+                  </a:outerShdw>
+                </a:effectLst>
+              </a14:hiddenEffects>
+            </a:ext>
+          </a:extLst>
+        </p:spPr>
+      </p:pic>
+    </p:spTree>
+    <p:extLst>
+      <p:ext uri="{BB962C8B-B14F-4D97-AF65-F5344CB8AC3E}">
+        <p14:creationId xmlns:p14="http://schemas.microsoft.com/office/powerpoint/2010/main" val="260786683"/>
+      </p:ext>
+    </p:extLst>
+  </p:cSld>
+  <p:clrMapOvr>
+    <a:masterClrMapping/>
+  </p:clrMapOvr>
+</p:sld>
+</file>
+
 <file path=ppt/slides/slide3.xml><?xml version="1.0" encoding="utf-8"?>
 <p:sld xmlns:a="http://schemas.openxmlformats.org/drawingml/2006/main" xmlns:r="http://schemas.openxmlformats.org/officeDocument/2006/relationships" xmlns:p="http://schemas.openxmlformats.org/presentationml/2006/main">
   <p:cSld>
@@ -9906,15 +15676,7 @@
           <a:p>
             <a:r>
               <a:rPr lang="en-NZ" dirty="0" smtClean="0"/>
-              <a:t>Generate </a:t>
-            </a:r>
-            <a:r>
-              <a:rPr lang="en-NZ" dirty="0" smtClean="0"/>
-              <a:t>descriptive </a:t>
-            </a:r>
-            <a:r>
-              <a:rPr lang="en-NZ" dirty="0" smtClean="0"/>
-              <a:t>statistics from the results of each iteration including frequencies, means, </a:t>
+              <a:t>Generate descriptive statistics from the results of each iteration including frequencies, means, </a:t>
             </a:r>
             <a:r>
               <a:rPr lang="en-NZ" dirty="0" err="1" smtClean="0"/>
@@ -9955,8 +15717,12 @@
           </a:p>
           <a:p>
             <a:r>
-              <a:rPr lang="en-NZ" dirty="0" smtClean="0"/>
-              <a:t>Allow scenario testing via the modification of simulation variables so the flow-on effects can be observed</a:t>
+              <a:rPr lang="en-NZ" smtClean="0"/>
+              <a:t>Scenario </a:t>
+            </a:r>
+            <a:r>
+              <a:rPr lang="en-NZ" dirty="0" smtClean="0"/>
+              <a:t>testing via the modification of simulation variables so the flow-on effects can be observed</a:t>
             </a:r>
           </a:p>
           <a:p>

--- a/src/docs/Simar overview.pptx
+++ b/src/docs/Simar overview.pptx
@@ -5,7 +5,7 @@
     <p:sldMasterId id="2147483648" r:id="rId1"/>
   </p:sldMasterIdLst>
   <p:handoutMasterIdLst>
-    <p:handoutMasterId r:id="rId29"/>
+    <p:handoutMasterId r:id="rId30"/>
   </p:handoutMasterIdLst>
   <p:sldIdLst>
     <p:sldId id="256" r:id="rId2"/>
@@ -33,11 +33,12 @@
     <p:sldId id="257" r:id="rId24"/>
     <p:sldId id="282" r:id="rId25"/>
     <p:sldId id="283" r:id="rId26"/>
-    <p:sldId id="285" r:id="rId27"/>
-    <p:sldId id="286" r:id="rId28"/>
+    <p:sldId id="287" r:id="rId27"/>
+    <p:sldId id="288" r:id="rId28"/>
+    <p:sldId id="286" r:id="rId29"/>
   </p:sldIdLst>
   <p:sldSz cx="9144000" cy="6858000" type="screen4x3"/>
-  <p:notesSz cx="6797675" cy="9926638"/>
+  <p:notesSz cx="6797675" cy="9928225"/>
   <p:defaultTextStyle>
     <a:defPPr>
       <a:defRPr lang="en-US"/>
@@ -1633,8 +1634,8 @@
 <file path=ppt/diagrams/data1.xml><?xml version="1.0" encoding="utf-8"?>
 <dgm:dataModel xmlns:dgm="http://schemas.openxmlformats.org/drawingml/2006/diagram" xmlns:a="http://schemas.openxmlformats.org/drawingml/2006/main">
   <dgm:ptLst>
-    <dgm:pt modelId="{05F30BE2-6C33-4D0C-8FC7-E413F6E18D57}" type="doc">
-      <dgm:prSet loTypeId="urn:microsoft.com/office/officeart/2005/8/layout/hierarchy1" loCatId="hierarchy" qsTypeId="urn:microsoft.com/office/officeart/2005/8/quickstyle/simple1" qsCatId="simple" csTypeId="urn:microsoft.com/office/officeart/2005/8/colors/accent1_2" csCatId="accent1" phldr="1"/>
+    <dgm:pt modelId="{7BD645C1-F293-41A5-B7B8-9D2B9C32650B}" type="doc">
+      <dgm:prSet loTypeId="urn:microsoft.com/office/officeart/2005/8/layout/hierarchy6" loCatId="hierarchy" qsTypeId="urn:microsoft.com/office/officeart/2005/8/quickstyle/simple1" qsCatId="simple" csTypeId="urn:microsoft.com/office/officeart/2005/8/colors/accent1_2" csCatId="accent1" phldr="1"/>
       <dgm:spPr/>
       <dgm:t>
         <a:bodyPr/>
@@ -1644,7 +1645,7 @@
         </a:p>
       </dgm:t>
     </dgm:pt>
-    <dgm:pt modelId="{C061362B-DCE5-4AB0-BF32-5EB85DBC24B0}">
+    <dgm:pt modelId="{1B1A2424-B3BF-456C-B9B6-FC86D68F73DA}">
       <dgm:prSet phldrT="[Text]"/>
       <dgm:spPr/>
       <dgm:t>
@@ -1663,7 +1664,7 @@
         </a:p>
       </dgm:t>
     </dgm:pt>
-    <dgm:pt modelId="{FFCDEDE9-4987-45DE-9B9F-53DE89FDE765}" type="parTrans" cxnId="{9BC844DE-76B9-409D-8044-E7505DD81972}">
+    <dgm:pt modelId="{DE5AA1B8-2263-4299-961A-02A1D20BB333}" type="parTrans" cxnId="{DACEC292-A686-4F23-AB2B-356142A68E27}">
       <dgm:prSet/>
       <dgm:spPr/>
       <dgm:t>
@@ -1674,7 +1675,7 @@
         </a:p>
       </dgm:t>
     </dgm:pt>
-    <dgm:pt modelId="{65EE5DD6-E5B6-4A0C-A81C-102EDB42AEB8}" type="sibTrans" cxnId="{9BC844DE-76B9-409D-8044-E7505DD81972}">
+    <dgm:pt modelId="{FE326AD6-50F6-47E8-8B9F-C69AADBC3001}" type="sibTrans" cxnId="{DACEC292-A686-4F23-AB2B-356142A68E27}">
       <dgm:prSet/>
       <dgm:spPr/>
       <dgm:t>
@@ -1685,7 +1686,7 @@
         </a:p>
       </dgm:t>
     </dgm:pt>
-    <dgm:pt modelId="{909C8E88-4220-4553-BF16-4A8182D1F920}">
+    <dgm:pt modelId="{2CB2EF86-9CD0-43B7-B1FA-743321F4A655}">
       <dgm:prSet phldrT="[Text]"/>
       <dgm:spPr/>
       <dgm:t>
@@ -1700,7 +1701,7 @@
         </a:p>
       </dgm:t>
     </dgm:pt>
-    <dgm:pt modelId="{A2B51E87-42B0-416C-8D05-F04665169E1E}" type="parTrans" cxnId="{51F6EC2C-AF0B-4305-A24D-4F8162602B42}">
+    <dgm:pt modelId="{9C5777CA-45DF-4036-A2A3-CD0299C3D482}" type="parTrans" cxnId="{52E523F0-ED8F-43E3-942D-407D546FD71D}">
       <dgm:prSet/>
       <dgm:spPr/>
       <dgm:t>
@@ -1711,7 +1712,7 @@
         </a:p>
       </dgm:t>
     </dgm:pt>
-    <dgm:pt modelId="{503A38CC-7B73-4325-8B53-A4F4B4A76CCB}" type="sibTrans" cxnId="{51F6EC2C-AF0B-4305-A24D-4F8162602B42}">
+    <dgm:pt modelId="{1B0669BE-7E4E-4276-B179-239C937F3C42}" type="sibTrans" cxnId="{52E523F0-ED8F-43E3-942D-407D546FD71D}">
       <dgm:prSet/>
       <dgm:spPr/>
       <dgm:t>
@@ -1722,7 +1723,7 @@
         </a:p>
       </dgm:t>
     </dgm:pt>
-    <dgm:pt modelId="{26BD83CD-5CED-4A29-BBF4-6791D5A67EE0}">
+    <dgm:pt modelId="{01A0A340-7E5F-4679-B855-6EFABF6A5A40}">
       <dgm:prSet phldrT="[Text]"/>
       <dgm:spPr/>
       <dgm:t>
@@ -1737,7 +1738,7 @@
         </a:p>
       </dgm:t>
     </dgm:pt>
-    <dgm:pt modelId="{5438DC54-F953-406F-9877-76D47AE83CF9}" type="parTrans" cxnId="{691982FC-99AD-4038-9041-DBE810B0C55A}">
+    <dgm:pt modelId="{E89EE506-2836-4DE2-9971-64022A28EBBA}" type="parTrans" cxnId="{B821F005-5F29-4A5E-8544-60DE39FCC5AC}">
       <dgm:prSet/>
       <dgm:spPr/>
       <dgm:t>
@@ -1748,7 +1749,7 @@
         </a:p>
       </dgm:t>
     </dgm:pt>
-    <dgm:pt modelId="{B56EC745-BFFA-4D58-95F5-3E620C3D6827}" type="sibTrans" cxnId="{691982FC-99AD-4038-9041-DBE810B0C55A}">
+    <dgm:pt modelId="{BCB6C28A-F9A2-4E20-8021-F897A4DA17C9}" type="sibTrans" cxnId="{B821F005-5F29-4A5E-8544-60DE39FCC5AC}">
       <dgm:prSet/>
       <dgm:spPr/>
       <dgm:t>
@@ -1759,7 +1760,7 @@
         </a:p>
       </dgm:t>
     </dgm:pt>
-    <dgm:pt modelId="{8E69D1D5-1B0B-46B9-A2A5-067C1409F13E}">
+    <dgm:pt modelId="{1363BC8F-DB79-4ED3-9FCC-C7A8B3815A9D}">
       <dgm:prSet phldrT="[Text]"/>
       <dgm:spPr/>
       <dgm:t>
@@ -1774,7 +1775,7 @@
         </a:p>
       </dgm:t>
     </dgm:pt>
-    <dgm:pt modelId="{3015F664-61BE-437E-9C5B-FD1BCF3C60E3}" type="parTrans" cxnId="{92939A1C-CC31-4154-AE1A-2DA5E3F0CB00}">
+    <dgm:pt modelId="{D9830118-A0F9-4794-B160-868E5C30E333}" type="parTrans" cxnId="{862BDFD0-2B73-4C35-A973-14927B837420}">
       <dgm:prSet/>
       <dgm:spPr/>
       <dgm:t>
@@ -1785,7 +1786,7 @@
         </a:p>
       </dgm:t>
     </dgm:pt>
-    <dgm:pt modelId="{EC77EB57-26C8-4BB2-B033-11B4ED5AA90E}" type="sibTrans" cxnId="{92939A1C-CC31-4154-AE1A-2DA5E3F0CB00}">
+    <dgm:pt modelId="{E1C47BD4-ACD7-4EB8-B3BD-1316F0203244}" type="sibTrans" cxnId="{862BDFD0-2B73-4C35-A973-14927B837420}">
       <dgm:prSet/>
       <dgm:spPr/>
       <dgm:t>
@@ -1796,7 +1797,7 @@
         </a:p>
       </dgm:t>
     </dgm:pt>
-    <dgm:pt modelId="{823C3D44-057B-4580-9EF0-6642B9D6DD5D}">
+    <dgm:pt modelId="{FF279A6F-4B9A-4A14-B69A-838590ECCD32}">
       <dgm:prSet phldrT="[Text]"/>
       <dgm:spPr/>
       <dgm:t>
@@ -1811,7 +1812,7 @@
         </a:p>
       </dgm:t>
     </dgm:pt>
-    <dgm:pt modelId="{6EA1F923-6849-45D3-8E73-C7AFC11D0F58}" type="parTrans" cxnId="{8CFD8B61-C980-44CC-810F-C0196D9A17A9}">
+    <dgm:pt modelId="{9295194D-3020-4959-A3DC-363495D564E2}" type="parTrans" cxnId="{64F5AC93-0FE7-4B84-8430-B781FFFF9F81}">
       <dgm:prSet/>
       <dgm:spPr/>
       <dgm:t>
@@ -1822,7 +1823,7 @@
         </a:p>
       </dgm:t>
     </dgm:pt>
-    <dgm:pt modelId="{2946E0E0-20CD-4E46-8747-1658C467A96F}" type="sibTrans" cxnId="{8CFD8B61-C980-44CC-810F-C0196D9A17A9}">
+    <dgm:pt modelId="{5AC03F87-8620-45FF-9064-EE9C132F313A}" type="sibTrans" cxnId="{64F5AC93-0FE7-4B84-8430-B781FFFF9F81}">
       <dgm:prSet/>
       <dgm:spPr/>
       <dgm:t>
@@ -1833,14 +1834,171 @@
         </a:p>
       </dgm:t>
     </dgm:pt>
-    <dgm:pt modelId="{931C752C-1DD0-4C44-A82D-E904C2123ABE}" type="pres">
-      <dgm:prSet presAssocID="{05F30BE2-6C33-4D0C-8FC7-E413F6E18D57}" presName="hierChild1" presStyleCnt="0">
+    <dgm:pt modelId="{E4EE97E6-58F0-48DF-9A81-4936FE72C23B}">
+      <dgm:prSet phldrT="[Text]" custT="1"/>
+      <dgm:spPr/>
+      <dgm:t>
+        <a:bodyPr/>
+        <a:lstStyle/>
+        <a:p>
+          <a:r>
+            <a:rPr lang="en-NZ" sz="1800" dirty="0" smtClean="0"/>
+            <a:t>Key Functions</a:t>
+          </a:r>
+          <a:endParaRPr lang="en-NZ" sz="1800" dirty="0"/>
+        </a:p>
+      </dgm:t>
+    </dgm:pt>
+    <dgm:pt modelId="{3E1AAE42-C0AB-4124-925E-02E04753FA0E}" type="parTrans" cxnId="{62F97581-7097-4061-9B95-441438738209}">
+      <dgm:prSet/>
+      <dgm:spPr/>
+      <dgm:t>
+        <a:bodyPr/>
+        <a:lstStyle/>
+        <a:p>
+          <a:endParaRPr lang="en-NZ"/>
+        </a:p>
+      </dgm:t>
+    </dgm:pt>
+    <dgm:pt modelId="{01831434-6291-40EF-9304-1E66FA4BAE06}" type="sibTrans" cxnId="{62F97581-7097-4061-9B95-441438738209}">
+      <dgm:prSet/>
+      <dgm:spPr/>
+      <dgm:t>
+        <a:bodyPr/>
+        <a:lstStyle/>
+        <a:p>
+          <a:endParaRPr lang="en-NZ"/>
+        </a:p>
+      </dgm:t>
+    </dgm:pt>
+    <dgm:pt modelId="{9BF4C1E1-D380-4700-B8BE-FC816B84FDF5}">
+      <dgm:prSet phldrT="[Text]"/>
+      <dgm:spPr/>
+      <dgm:t>
+        <a:bodyPr/>
+        <a:lstStyle/>
+        <a:p>
+          <a:endParaRPr lang="en-NZ" sz="1700" dirty="0"/>
+        </a:p>
+      </dgm:t>
+    </dgm:pt>
+    <dgm:pt modelId="{1CC512D5-D575-4C7A-B949-BDA355274605}" type="parTrans" cxnId="{73D31498-E69B-4706-8528-7142065ED8BE}">
+      <dgm:prSet/>
+      <dgm:spPr/>
+      <dgm:t>
+        <a:bodyPr/>
+        <a:lstStyle/>
+        <a:p>
+          <a:endParaRPr lang="en-NZ"/>
+        </a:p>
+      </dgm:t>
+    </dgm:pt>
+    <dgm:pt modelId="{A30498C7-FADE-4BEE-9456-2C3599E8CB6A}" type="sibTrans" cxnId="{73D31498-E69B-4706-8528-7142065ED8BE}">
+      <dgm:prSet/>
+      <dgm:spPr/>
+      <dgm:t>
+        <a:bodyPr/>
+        <a:lstStyle/>
+        <a:p>
+          <a:endParaRPr lang="en-NZ"/>
+        </a:p>
+      </dgm:t>
+    </dgm:pt>
+    <dgm:pt modelId="{2B79DAFE-84E9-4F08-BE98-7CDC93C0392E}">
+      <dgm:prSet phldrT="[Text]" custT="1"/>
+      <dgm:spPr/>
+      <dgm:t>
+        <a:bodyPr/>
+        <a:lstStyle/>
+        <a:p>
+          <a:pPr algn="l"/>
+          <a:r>
+            <a:rPr lang="en-NZ" sz="1400" dirty="0" err="1" smtClean="0"/>
+            <a:t>applyAllCatAdjustments</a:t>
+          </a:r>
+          <a:r>
+            <a:rPr lang="en-NZ" sz="1400" dirty="0" smtClean="0"/>
+            <a:t/>
+          </a:r>
+          <a:br>
+            <a:rPr lang="en-NZ" sz="1400" dirty="0" smtClean="0"/>
+          </a:br>
+          <a:r>
+            <a:rPr lang="en-NZ" sz="1400" dirty="0" smtClean="0"/>
+            <a:t>simulate</a:t>
+          </a:r>
+          <a:endParaRPr lang="en-NZ" sz="1400" dirty="0"/>
+        </a:p>
+      </dgm:t>
+    </dgm:pt>
+    <dgm:pt modelId="{F083D46D-754A-4C11-9CD6-E35B0411C22E}" type="sibTrans" cxnId="{86B3ABDF-A753-4179-A689-2A936463EA5B}">
+      <dgm:prSet/>
+      <dgm:spPr/>
+      <dgm:t>
+        <a:bodyPr/>
+        <a:lstStyle/>
+        <a:p>
+          <a:endParaRPr lang="en-NZ"/>
+        </a:p>
+      </dgm:t>
+    </dgm:pt>
+    <dgm:pt modelId="{B70EFE47-A69A-48CC-A7A7-388F96A57DD7}" type="parTrans" cxnId="{86B3ABDF-A753-4179-A689-2A936463EA5B}">
+      <dgm:prSet/>
+      <dgm:spPr/>
+      <dgm:t>
+        <a:bodyPr/>
+        <a:lstStyle/>
+        <a:p>
+          <a:endParaRPr lang="en-NZ"/>
+        </a:p>
+      </dgm:t>
+    </dgm:pt>
+    <dgm:pt modelId="{772208AC-5FE0-4049-8D1C-DAA6EE67B298}">
+      <dgm:prSet phldrT="[Text]" custT="1"/>
+      <dgm:spPr/>
+      <dgm:t>
+        <a:bodyPr/>
+        <a:lstStyle/>
+        <a:p>
+          <a:pPr algn="l"/>
+          <a:r>
+            <a:rPr lang="en-NZ" sz="1400" smtClean="0"/>
+            <a:t>generatePreSimulationStats</a:t>
+          </a:r>
+          <a:endParaRPr lang="en-NZ" sz="1400" dirty="0"/>
+        </a:p>
+      </dgm:t>
+    </dgm:pt>
+    <dgm:pt modelId="{A84702E9-5879-4605-B99E-830A418F1F49}" type="parTrans" cxnId="{84AB82F3-4A4E-4ABF-93A8-D83A0D13354B}">
+      <dgm:prSet/>
+      <dgm:spPr/>
+      <dgm:t>
+        <a:bodyPr/>
+        <a:lstStyle/>
+        <a:p>
+          <a:endParaRPr lang="en-NZ"/>
+        </a:p>
+      </dgm:t>
+    </dgm:pt>
+    <dgm:pt modelId="{58FEBCD9-9258-4669-BB4D-765A75FA5C42}" type="sibTrans" cxnId="{84AB82F3-4A4E-4ABF-93A8-D83A0D13354B}">
+      <dgm:prSet/>
+      <dgm:spPr/>
+      <dgm:t>
+        <a:bodyPr/>
+        <a:lstStyle/>
+        <a:p>
+          <a:endParaRPr lang="en-NZ"/>
+        </a:p>
+      </dgm:t>
+    </dgm:pt>
+    <dgm:pt modelId="{CF56E6C3-A0B6-4DB1-B5E1-9789B6B8CBD9}" type="pres">
+      <dgm:prSet presAssocID="{7BD645C1-F293-41A5-B7B8-9D2B9C32650B}" presName="mainComposite" presStyleCnt="0">
         <dgm:presLayoutVars>
           <dgm:chPref val="1"/>
           <dgm:dir/>
           <dgm:animOne val="branch"/>
           <dgm:animLvl val="lvl"/>
-          <dgm:resizeHandles/>
+          <dgm:resizeHandles val="exact"/>
         </dgm:presLayoutVars>
       </dgm:prSet>
       <dgm:spPr/>
@@ -1852,20 +2010,30 @@
         </a:p>
       </dgm:t>
     </dgm:pt>
-    <dgm:pt modelId="{020DDD35-155E-4B6A-AA06-68E3843BB277}" type="pres">
-      <dgm:prSet presAssocID="{C061362B-DCE5-4AB0-BF32-5EB85DBC24B0}" presName="hierRoot1" presStyleCnt="0"/>
+    <dgm:pt modelId="{2E4F93BE-41EE-48F6-8CE7-BD159412C558}" type="pres">
+      <dgm:prSet presAssocID="{7BD645C1-F293-41A5-B7B8-9D2B9C32650B}" presName="hierFlow" presStyleCnt="0"/>
       <dgm:spPr/>
     </dgm:pt>
-    <dgm:pt modelId="{C39EAF42-7A00-43B7-8E67-0E146441E2BA}" type="pres">
-      <dgm:prSet presAssocID="{C061362B-DCE5-4AB0-BF32-5EB85DBC24B0}" presName="composite" presStyleCnt="0"/>
+    <dgm:pt modelId="{2BBA4917-D919-4A6B-8F6E-3E32B3B5022D}" type="pres">
+      <dgm:prSet presAssocID="{7BD645C1-F293-41A5-B7B8-9D2B9C32650B}" presName="firstBuf" presStyleCnt="0"/>
       <dgm:spPr/>
     </dgm:pt>
-    <dgm:pt modelId="{77039053-776F-4D80-A407-E479EBA0271D}" type="pres">
-      <dgm:prSet presAssocID="{C061362B-DCE5-4AB0-BF32-5EB85DBC24B0}" presName="background" presStyleLbl="node0" presStyleIdx="0" presStyleCnt="1"/>
+    <dgm:pt modelId="{329F85B4-E675-4BE3-9601-D13374435E6B}" type="pres">
+      <dgm:prSet presAssocID="{7BD645C1-F293-41A5-B7B8-9D2B9C32650B}" presName="hierChild1" presStyleCnt="0">
+        <dgm:presLayoutVars>
+          <dgm:chPref val="1"/>
+          <dgm:animOne val="branch"/>
+          <dgm:animLvl val="lvl"/>
+        </dgm:presLayoutVars>
+      </dgm:prSet>
       <dgm:spPr/>
     </dgm:pt>
-    <dgm:pt modelId="{CA572919-8968-48C0-9219-D530F9A80AD1}" type="pres">
-      <dgm:prSet presAssocID="{C061362B-DCE5-4AB0-BF32-5EB85DBC24B0}" presName="text" presStyleLbl="fgAcc0" presStyleIdx="0" presStyleCnt="1">
+    <dgm:pt modelId="{F787E7B1-53CA-498E-9A0A-693621A08271}" type="pres">
+      <dgm:prSet presAssocID="{1B1A2424-B3BF-456C-B9B6-FC86D68F73DA}" presName="Name14" presStyleCnt="0"/>
+      <dgm:spPr/>
+    </dgm:pt>
+    <dgm:pt modelId="{0F05CE86-B0AE-42B4-AEAD-9BEE65D6D441}" type="pres">
+      <dgm:prSet presAssocID="{1B1A2424-B3BF-456C-B9B6-FC86D68F73DA}" presName="level1Shape" presStyleLbl="node0" presStyleIdx="0" presStyleCnt="1">
         <dgm:presLayoutVars>
           <dgm:chPref val="3"/>
         </dgm:presLayoutVars>
@@ -1879,12 +2047,12 @@
         </a:p>
       </dgm:t>
     </dgm:pt>
-    <dgm:pt modelId="{AB35FE94-09E2-419B-B013-3C226188C111}" type="pres">
-      <dgm:prSet presAssocID="{C061362B-DCE5-4AB0-BF32-5EB85DBC24B0}" presName="hierChild2" presStyleCnt="0"/>
+    <dgm:pt modelId="{1F2BFE53-3233-419B-8C1B-25EBD420506A}" type="pres">
+      <dgm:prSet presAssocID="{1B1A2424-B3BF-456C-B9B6-FC86D68F73DA}" presName="hierChild2" presStyleCnt="0"/>
       <dgm:spPr/>
     </dgm:pt>
-    <dgm:pt modelId="{D2586091-7EEA-4AAC-8E99-4C85F9D86CB6}" type="pres">
-      <dgm:prSet presAssocID="{A2B51E87-42B0-416C-8D05-F04665169E1E}" presName="Name10" presStyleLbl="parChTrans1D2" presStyleIdx="0" presStyleCnt="1"/>
+    <dgm:pt modelId="{C3130341-79B4-4649-9846-4D2DA910E754}" type="pres">
+      <dgm:prSet presAssocID="{9C5777CA-45DF-4036-A2A3-CD0299C3D482}" presName="Name19" presStyleLbl="parChTrans1D2" presStyleIdx="0" presStyleCnt="1"/>
       <dgm:spPr/>
       <dgm:t>
         <a:bodyPr/>
@@ -1894,22 +2062,138 @@
         </a:p>
       </dgm:t>
     </dgm:pt>
-    <dgm:pt modelId="{7E3CFCF1-604B-401B-8713-284EA5F26684}" type="pres">
-      <dgm:prSet presAssocID="{909C8E88-4220-4553-BF16-4A8182D1F920}" presName="hierRoot2" presStyleCnt="0"/>
+    <dgm:pt modelId="{32A69B09-0DEE-40B7-B9B7-077EF37643FC}" type="pres">
+      <dgm:prSet presAssocID="{2CB2EF86-9CD0-43B7-B1FA-743321F4A655}" presName="Name21" presStyleCnt="0"/>
       <dgm:spPr/>
     </dgm:pt>
-    <dgm:pt modelId="{F9F9D111-F511-4EE8-AE09-B36A444F09D5}" type="pres">
-      <dgm:prSet presAssocID="{909C8E88-4220-4553-BF16-4A8182D1F920}" presName="composite2" presStyleCnt="0"/>
+    <dgm:pt modelId="{1357C9EC-4CC6-4833-BAC6-862178907401}" type="pres">
+      <dgm:prSet presAssocID="{2CB2EF86-9CD0-43B7-B1FA-743321F4A655}" presName="level2Shape" presStyleLbl="node2" presStyleIdx="0" presStyleCnt="1"/>
+      <dgm:spPr/>
+      <dgm:t>
+        <a:bodyPr/>
+        <a:lstStyle/>
+        <a:p>
+          <a:endParaRPr lang="en-NZ"/>
+        </a:p>
+      </dgm:t>
+    </dgm:pt>
+    <dgm:pt modelId="{85D52525-5617-4581-B5EC-26C0D089CF2C}" type="pres">
+      <dgm:prSet presAssocID="{2CB2EF86-9CD0-43B7-B1FA-743321F4A655}" presName="hierChild3" presStyleCnt="0"/>
       <dgm:spPr/>
     </dgm:pt>
-    <dgm:pt modelId="{7816EE88-6DE7-44B0-B711-B702FF1FD171}" type="pres">
-      <dgm:prSet presAssocID="{909C8E88-4220-4553-BF16-4A8182D1F920}" presName="background2" presStyleLbl="node2" presStyleIdx="0" presStyleCnt="1"/>
+    <dgm:pt modelId="{6BE3564B-F5EC-4596-A3F4-5B5880B3502B}" type="pres">
+      <dgm:prSet presAssocID="{E89EE506-2836-4DE2-9971-64022A28EBBA}" presName="Name19" presStyleLbl="parChTrans1D3" presStyleIdx="0" presStyleCnt="1"/>
+      <dgm:spPr/>
+      <dgm:t>
+        <a:bodyPr/>
+        <a:lstStyle/>
+        <a:p>
+          <a:endParaRPr lang="en-NZ"/>
+        </a:p>
+      </dgm:t>
+    </dgm:pt>
+    <dgm:pt modelId="{E29A5741-46C8-4C1F-BD38-1C11970A45DF}" type="pres">
+      <dgm:prSet presAssocID="{01A0A340-7E5F-4679-B855-6EFABF6A5A40}" presName="Name21" presStyleCnt="0"/>
       <dgm:spPr/>
     </dgm:pt>
-    <dgm:pt modelId="{ADB4FCDC-497A-4F6F-8B7C-8BF5C33A3D48}" type="pres">
-      <dgm:prSet presAssocID="{909C8E88-4220-4553-BF16-4A8182D1F920}" presName="text2" presStyleLbl="fgAcc2" presStyleIdx="0" presStyleCnt="1">
+    <dgm:pt modelId="{156D5EAE-D944-482E-8012-31CC7A5FB804}" type="pres">
+      <dgm:prSet presAssocID="{01A0A340-7E5F-4679-B855-6EFABF6A5A40}" presName="level2Shape" presStyleLbl="node3" presStyleIdx="0" presStyleCnt="1"/>
+      <dgm:spPr/>
+      <dgm:t>
+        <a:bodyPr/>
+        <a:lstStyle/>
+        <a:p>
+          <a:endParaRPr lang="en-NZ"/>
+        </a:p>
+      </dgm:t>
+    </dgm:pt>
+    <dgm:pt modelId="{F12C00FE-7C0B-4CB3-BFDC-B2A8450EA454}" type="pres">
+      <dgm:prSet presAssocID="{01A0A340-7E5F-4679-B855-6EFABF6A5A40}" presName="hierChild3" presStyleCnt="0"/>
+      <dgm:spPr/>
+    </dgm:pt>
+    <dgm:pt modelId="{D8AE45CE-0096-4BF4-9D97-AA528E61D93F}" type="pres">
+      <dgm:prSet presAssocID="{D9830118-A0F9-4794-B160-868E5C30E333}" presName="Name19" presStyleLbl="parChTrans1D4" presStyleIdx="0" presStyleCnt="2"/>
+      <dgm:spPr/>
+      <dgm:t>
+        <a:bodyPr/>
+        <a:lstStyle/>
+        <a:p>
+          <a:endParaRPr lang="en-NZ"/>
+        </a:p>
+      </dgm:t>
+    </dgm:pt>
+    <dgm:pt modelId="{43FC2898-DECC-4F59-98AB-D8C757AF15CE}" type="pres">
+      <dgm:prSet presAssocID="{1363BC8F-DB79-4ED3-9FCC-C7A8B3815A9D}" presName="Name21" presStyleCnt="0"/>
+      <dgm:spPr/>
+    </dgm:pt>
+    <dgm:pt modelId="{C1D28920-C686-4F73-973B-A70AD6024D4E}" type="pres">
+      <dgm:prSet presAssocID="{1363BC8F-DB79-4ED3-9FCC-C7A8B3815A9D}" presName="level2Shape" presStyleLbl="node4" presStyleIdx="0" presStyleCnt="2"/>
+      <dgm:spPr/>
+      <dgm:t>
+        <a:bodyPr/>
+        <a:lstStyle/>
+        <a:p>
+          <a:endParaRPr lang="en-NZ"/>
+        </a:p>
+      </dgm:t>
+    </dgm:pt>
+    <dgm:pt modelId="{3F4B0C36-5E51-4870-93FE-5DF7C28F7425}" type="pres">
+      <dgm:prSet presAssocID="{1363BC8F-DB79-4ED3-9FCC-C7A8B3815A9D}" presName="hierChild3" presStyleCnt="0"/>
+      <dgm:spPr/>
+    </dgm:pt>
+    <dgm:pt modelId="{A6995961-1151-42F7-B7D1-488B27E52547}" type="pres">
+      <dgm:prSet presAssocID="{9295194D-3020-4959-A3DC-363495D564E2}" presName="Name19" presStyleLbl="parChTrans1D4" presStyleIdx="1" presStyleCnt="2"/>
+      <dgm:spPr/>
+      <dgm:t>
+        <a:bodyPr/>
+        <a:lstStyle/>
+        <a:p>
+          <a:endParaRPr lang="en-NZ"/>
+        </a:p>
+      </dgm:t>
+    </dgm:pt>
+    <dgm:pt modelId="{ED4E1A7F-4D58-4B1D-A670-77DB61A50E32}" type="pres">
+      <dgm:prSet presAssocID="{FF279A6F-4B9A-4A14-B69A-838590ECCD32}" presName="Name21" presStyleCnt="0"/>
+      <dgm:spPr/>
+    </dgm:pt>
+    <dgm:pt modelId="{D38D2977-BBD5-475C-8D92-211CF919493B}" type="pres">
+      <dgm:prSet presAssocID="{FF279A6F-4B9A-4A14-B69A-838590ECCD32}" presName="level2Shape" presStyleLbl="node4" presStyleIdx="1" presStyleCnt="2"/>
+      <dgm:spPr/>
+      <dgm:t>
+        <a:bodyPr/>
+        <a:lstStyle/>
+        <a:p>
+          <a:endParaRPr lang="en-NZ"/>
+        </a:p>
+      </dgm:t>
+    </dgm:pt>
+    <dgm:pt modelId="{0AE9C43D-F689-4165-9704-96F3A327E601}" type="pres">
+      <dgm:prSet presAssocID="{FF279A6F-4B9A-4A14-B69A-838590ECCD32}" presName="hierChild3" presStyleCnt="0"/>
+      <dgm:spPr/>
+    </dgm:pt>
+    <dgm:pt modelId="{9863C5B6-7A56-4C01-B63C-1887C73FB981}" type="pres">
+      <dgm:prSet presAssocID="{7BD645C1-F293-41A5-B7B8-9D2B9C32650B}" presName="bgShapesFlow" presStyleCnt="0"/>
+      <dgm:spPr/>
+    </dgm:pt>
+    <dgm:pt modelId="{94F7733C-077C-4F5D-8E72-9CF403B3AE6E}" type="pres">
+      <dgm:prSet presAssocID="{E4EE97E6-58F0-48DF-9A81-4936FE72C23B}" presName="rectComp" presStyleCnt="0"/>
+      <dgm:spPr/>
+    </dgm:pt>
+    <dgm:pt modelId="{0D066EF3-FAB9-4DB7-A0D6-BC9F0EBC3C45}" type="pres">
+      <dgm:prSet presAssocID="{E4EE97E6-58F0-48DF-9A81-4936FE72C23B}" presName="bgRect" presStyleLbl="bgShp" presStyleIdx="0" presStyleCnt="3"/>
+      <dgm:spPr/>
+      <dgm:t>
+        <a:bodyPr/>
+        <a:lstStyle/>
+        <a:p>
+          <a:endParaRPr lang="en-NZ"/>
+        </a:p>
+      </dgm:t>
+    </dgm:pt>
+    <dgm:pt modelId="{C12096DA-677C-409B-A512-5BA41C02C7BB}" type="pres">
+      <dgm:prSet presAssocID="{E4EE97E6-58F0-48DF-9A81-4936FE72C23B}" presName="bgRectTx" presStyleLbl="bgShp" presStyleIdx="0" presStyleCnt="3">
         <dgm:presLayoutVars>
-          <dgm:chPref val="3"/>
+          <dgm:bulletEnabled val="1"/>
         </dgm:presLayoutVars>
       </dgm:prSet>
       <dgm:spPr/>
@@ -1921,12 +2205,20 @@
         </a:p>
       </dgm:t>
     </dgm:pt>
-    <dgm:pt modelId="{2350ACA6-6050-45AF-A25C-1EF540AE7B2D}" type="pres">
-      <dgm:prSet presAssocID="{909C8E88-4220-4553-BF16-4A8182D1F920}" presName="hierChild3" presStyleCnt="0"/>
+    <dgm:pt modelId="{695C8EEC-94DA-4308-BA67-B30CD9E1D292}" type="pres">
+      <dgm:prSet presAssocID="{E4EE97E6-58F0-48DF-9A81-4936FE72C23B}" presName="spComp" presStyleCnt="0"/>
       <dgm:spPr/>
     </dgm:pt>
-    <dgm:pt modelId="{B3868680-91FE-4838-B36D-5E41F186E02B}" type="pres">
-      <dgm:prSet presAssocID="{5438DC54-F953-406F-9877-76D47AE83CF9}" presName="Name17" presStyleLbl="parChTrans1D3" presStyleIdx="0" presStyleCnt="1"/>
+    <dgm:pt modelId="{E02CB937-E7F9-4F6E-8656-EC132A1F48B0}" type="pres">
+      <dgm:prSet presAssocID="{E4EE97E6-58F0-48DF-9A81-4936FE72C23B}" presName="vSp" presStyleCnt="0"/>
+      <dgm:spPr/>
+    </dgm:pt>
+    <dgm:pt modelId="{510184EC-6286-4EFF-BEE7-49632AAE53C8}" type="pres">
+      <dgm:prSet presAssocID="{2B79DAFE-84E9-4F08-BE98-7CDC93C0392E}" presName="rectComp" presStyleCnt="0"/>
+      <dgm:spPr/>
+    </dgm:pt>
+    <dgm:pt modelId="{F4943280-3623-4753-8577-50735B0BDEC9}" type="pres">
+      <dgm:prSet presAssocID="{2B79DAFE-84E9-4F08-BE98-7CDC93C0392E}" presName="bgRect" presStyleLbl="bgShp" presStyleIdx="1" presStyleCnt="3"/>
       <dgm:spPr/>
       <dgm:t>
         <a:bodyPr/>
@@ -1936,22 +2228,10 @@
         </a:p>
       </dgm:t>
     </dgm:pt>
-    <dgm:pt modelId="{7C793831-1053-4AFF-A6EF-C65EC71141A4}" type="pres">
-      <dgm:prSet presAssocID="{26BD83CD-5CED-4A29-BBF4-6791D5A67EE0}" presName="hierRoot3" presStyleCnt="0"/>
-      <dgm:spPr/>
-    </dgm:pt>
-    <dgm:pt modelId="{17EB3369-40D0-4BAF-8D53-0FD19BF7B4C1}" type="pres">
-      <dgm:prSet presAssocID="{26BD83CD-5CED-4A29-BBF4-6791D5A67EE0}" presName="composite3" presStyleCnt="0"/>
-      <dgm:spPr/>
-    </dgm:pt>
-    <dgm:pt modelId="{E41289B1-E67B-41A4-B3F4-E7F6B98A51E5}" type="pres">
-      <dgm:prSet presAssocID="{26BD83CD-5CED-4A29-BBF4-6791D5A67EE0}" presName="background3" presStyleLbl="node3" presStyleIdx="0" presStyleCnt="1"/>
-      <dgm:spPr/>
-    </dgm:pt>
-    <dgm:pt modelId="{7827FCD7-C5F3-441D-964B-41EE352A51A9}" type="pres">
-      <dgm:prSet presAssocID="{26BD83CD-5CED-4A29-BBF4-6791D5A67EE0}" presName="text3" presStyleLbl="fgAcc3" presStyleIdx="0" presStyleCnt="1">
+    <dgm:pt modelId="{B1595007-F938-47D8-884D-1BA9EC7DB341}" type="pres">
+      <dgm:prSet presAssocID="{2B79DAFE-84E9-4F08-BE98-7CDC93C0392E}" presName="bgRectTx" presStyleLbl="bgShp" presStyleIdx="1" presStyleCnt="3">
         <dgm:presLayoutVars>
-          <dgm:chPref val="3"/>
+          <dgm:bulletEnabled val="1"/>
         </dgm:presLayoutVars>
       </dgm:prSet>
       <dgm:spPr/>
@@ -1963,12 +2243,20 @@
         </a:p>
       </dgm:t>
     </dgm:pt>
-    <dgm:pt modelId="{EC04D97C-5BAD-4F0E-8DFD-3128E94ADC0E}" type="pres">
-      <dgm:prSet presAssocID="{26BD83CD-5CED-4A29-BBF4-6791D5A67EE0}" presName="hierChild4" presStyleCnt="0"/>
+    <dgm:pt modelId="{2E2483E9-12AA-4F19-9966-F9F503E9E60F}" type="pres">
+      <dgm:prSet presAssocID="{2B79DAFE-84E9-4F08-BE98-7CDC93C0392E}" presName="spComp" presStyleCnt="0"/>
       <dgm:spPr/>
     </dgm:pt>
-    <dgm:pt modelId="{E05E599C-BAD5-4BD0-B8A8-341B2D50ED07}" type="pres">
-      <dgm:prSet presAssocID="{3015F664-61BE-437E-9C5B-FD1BCF3C60E3}" presName="Name23" presStyleLbl="parChTrans1D4" presStyleIdx="0" presStyleCnt="2"/>
+    <dgm:pt modelId="{67C4ECE0-8EC9-4CC2-8104-06F3A51B4B37}" type="pres">
+      <dgm:prSet presAssocID="{2B79DAFE-84E9-4F08-BE98-7CDC93C0392E}" presName="vSp" presStyleCnt="0"/>
+      <dgm:spPr/>
+    </dgm:pt>
+    <dgm:pt modelId="{FA61E361-5B12-433E-A53D-3A441ABAC679}" type="pres">
+      <dgm:prSet presAssocID="{772208AC-5FE0-4049-8D1C-DAA6EE67B298}" presName="rectComp" presStyleCnt="0"/>
+      <dgm:spPr/>
+    </dgm:pt>
+    <dgm:pt modelId="{838B2092-BF2C-4B86-87E9-DB86B3DE6AE8}" type="pres">
+      <dgm:prSet presAssocID="{772208AC-5FE0-4049-8D1C-DAA6EE67B298}" presName="bgRect" presStyleLbl="bgShp" presStyleIdx="2" presStyleCnt="3"/>
       <dgm:spPr/>
       <dgm:t>
         <a:bodyPr/>
@@ -1978,22 +2266,10 @@
         </a:p>
       </dgm:t>
     </dgm:pt>
-    <dgm:pt modelId="{FB73B2CE-190B-4541-A652-6E5CC10AB361}" type="pres">
-      <dgm:prSet presAssocID="{8E69D1D5-1B0B-46B9-A2A5-067C1409F13E}" presName="hierRoot4" presStyleCnt="0"/>
-      <dgm:spPr/>
-    </dgm:pt>
-    <dgm:pt modelId="{E2209ECC-F180-4B92-9E28-BBE4FFECC02B}" type="pres">
-      <dgm:prSet presAssocID="{8E69D1D5-1B0B-46B9-A2A5-067C1409F13E}" presName="composite4" presStyleCnt="0"/>
-      <dgm:spPr/>
-    </dgm:pt>
-    <dgm:pt modelId="{C2F408C6-B38F-405C-A19B-21B5AD30E9F6}" type="pres">
-      <dgm:prSet presAssocID="{8E69D1D5-1B0B-46B9-A2A5-067C1409F13E}" presName="background4" presStyleLbl="node4" presStyleIdx="0" presStyleCnt="2"/>
-      <dgm:spPr/>
-    </dgm:pt>
-    <dgm:pt modelId="{BB557E68-4299-46F4-BB9F-A0A4300C109A}" type="pres">
-      <dgm:prSet presAssocID="{8E69D1D5-1B0B-46B9-A2A5-067C1409F13E}" presName="text4" presStyleLbl="fgAcc4" presStyleIdx="0" presStyleCnt="2">
+    <dgm:pt modelId="{B623856C-CEB9-4112-815D-CBE77282DCA1}" type="pres">
+      <dgm:prSet presAssocID="{772208AC-5FE0-4049-8D1C-DAA6EE67B298}" presName="bgRectTx" presStyleLbl="bgShp" presStyleIdx="2" presStyleCnt="3">
         <dgm:presLayoutVars>
-          <dgm:chPref val="3"/>
+          <dgm:bulletEnabled val="1"/>
         </dgm:presLayoutVars>
       </dgm:prSet>
       <dgm:spPr/>
@@ -2005,98 +2281,71 @@
         </a:p>
       </dgm:t>
     </dgm:pt>
-    <dgm:pt modelId="{E8B16657-4321-41BD-91E7-B6E84FBC89F4}" type="pres">
-      <dgm:prSet presAssocID="{8E69D1D5-1B0B-46B9-A2A5-067C1409F13E}" presName="hierChild5" presStyleCnt="0"/>
-      <dgm:spPr/>
-    </dgm:pt>
-    <dgm:pt modelId="{E601BF3E-008D-4551-9B20-D922D03C59CA}" type="pres">
-      <dgm:prSet presAssocID="{6EA1F923-6849-45D3-8E73-C7AFC11D0F58}" presName="Name23" presStyleLbl="parChTrans1D4" presStyleIdx="1" presStyleCnt="2"/>
-      <dgm:spPr/>
-      <dgm:t>
-        <a:bodyPr/>
-        <a:lstStyle/>
-        <a:p>
-          <a:endParaRPr lang="en-NZ"/>
-        </a:p>
-      </dgm:t>
-    </dgm:pt>
-    <dgm:pt modelId="{3FBB4C9C-D2E4-47A1-AF30-A2BC7113F4E2}" type="pres">
-      <dgm:prSet presAssocID="{823C3D44-057B-4580-9EF0-6642B9D6DD5D}" presName="hierRoot4" presStyleCnt="0"/>
-      <dgm:spPr/>
-    </dgm:pt>
-    <dgm:pt modelId="{891F1601-98D8-4E02-96C2-DD6F34B412A6}" type="pres">
-      <dgm:prSet presAssocID="{823C3D44-057B-4580-9EF0-6642B9D6DD5D}" presName="composite4" presStyleCnt="0"/>
-      <dgm:spPr/>
-    </dgm:pt>
-    <dgm:pt modelId="{3C76AD84-3A10-4090-8086-85BB611F3679}" type="pres">
-      <dgm:prSet presAssocID="{823C3D44-057B-4580-9EF0-6642B9D6DD5D}" presName="background4" presStyleLbl="node4" presStyleIdx="1" presStyleCnt="2"/>
-      <dgm:spPr/>
-    </dgm:pt>
-    <dgm:pt modelId="{403E3A35-E032-4A2D-B6E2-C2FBBA99662E}" type="pres">
-      <dgm:prSet presAssocID="{823C3D44-057B-4580-9EF0-6642B9D6DD5D}" presName="text4" presStyleLbl="fgAcc4" presStyleIdx="1" presStyleCnt="2">
-        <dgm:presLayoutVars>
-          <dgm:chPref val="3"/>
-        </dgm:presLayoutVars>
-      </dgm:prSet>
-      <dgm:spPr/>
-      <dgm:t>
-        <a:bodyPr/>
-        <a:lstStyle/>
-        <a:p>
-          <a:endParaRPr lang="en-NZ"/>
-        </a:p>
-      </dgm:t>
-    </dgm:pt>
-    <dgm:pt modelId="{9872F263-631B-4A97-A32A-21B11A4CB57F}" type="pres">
-      <dgm:prSet presAssocID="{823C3D44-057B-4580-9EF0-6642B9D6DD5D}" presName="hierChild5" presStyleCnt="0"/>
-      <dgm:spPr/>
-    </dgm:pt>
   </dgm:ptLst>
   <dgm:cxnLst>
-    <dgm:cxn modelId="{92939A1C-CC31-4154-AE1A-2DA5E3F0CB00}" srcId="{26BD83CD-5CED-4A29-BBF4-6791D5A67EE0}" destId="{8E69D1D5-1B0B-46B9-A2A5-067C1409F13E}" srcOrd="0" destOrd="0" parTransId="{3015F664-61BE-437E-9C5B-FD1BCF3C60E3}" sibTransId="{EC77EB57-26C8-4BB2-B033-11B4ED5AA90E}"/>
-    <dgm:cxn modelId="{8CFD8B61-C980-44CC-810F-C0196D9A17A9}" srcId="{26BD83CD-5CED-4A29-BBF4-6791D5A67EE0}" destId="{823C3D44-057B-4580-9EF0-6642B9D6DD5D}" srcOrd="1" destOrd="0" parTransId="{6EA1F923-6849-45D3-8E73-C7AFC11D0F58}" sibTransId="{2946E0E0-20CD-4E46-8747-1658C467A96F}"/>
-    <dgm:cxn modelId="{88704362-68CB-450F-B7FE-D234A6A45FB5}" type="presOf" srcId="{26BD83CD-5CED-4A29-BBF4-6791D5A67EE0}" destId="{7827FCD7-C5F3-441D-964B-41EE352A51A9}" srcOrd="0" destOrd="0" presId="urn:microsoft.com/office/officeart/2005/8/layout/hierarchy1"/>
-    <dgm:cxn modelId="{4D9232C6-CCA9-4EFA-92E6-7D828D3A9C3D}" type="presOf" srcId="{05F30BE2-6C33-4D0C-8FC7-E413F6E18D57}" destId="{931C752C-1DD0-4C44-A82D-E904C2123ABE}" srcOrd="0" destOrd="0" presId="urn:microsoft.com/office/officeart/2005/8/layout/hierarchy1"/>
-    <dgm:cxn modelId="{CE4F347F-4574-4270-9ED9-9E70C971C464}" type="presOf" srcId="{A2B51E87-42B0-416C-8D05-F04665169E1E}" destId="{D2586091-7EEA-4AAC-8E99-4C85F9D86CB6}" srcOrd="0" destOrd="0" presId="urn:microsoft.com/office/officeart/2005/8/layout/hierarchy1"/>
-    <dgm:cxn modelId="{691982FC-99AD-4038-9041-DBE810B0C55A}" srcId="{909C8E88-4220-4553-BF16-4A8182D1F920}" destId="{26BD83CD-5CED-4A29-BBF4-6791D5A67EE0}" srcOrd="0" destOrd="0" parTransId="{5438DC54-F953-406F-9877-76D47AE83CF9}" sibTransId="{B56EC745-BFFA-4D58-95F5-3E620C3D6827}"/>
-    <dgm:cxn modelId="{982BB05B-FC8E-4072-AB53-7157395AFE51}" type="presOf" srcId="{3015F664-61BE-437E-9C5B-FD1BCF3C60E3}" destId="{E05E599C-BAD5-4BD0-B8A8-341B2D50ED07}" srcOrd="0" destOrd="0" presId="urn:microsoft.com/office/officeart/2005/8/layout/hierarchy1"/>
-    <dgm:cxn modelId="{CE3DFAAA-7DD3-4C33-B0CC-A85EBDB28C20}" type="presOf" srcId="{C061362B-DCE5-4AB0-BF32-5EB85DBC24B0}" destId="{CA572919-8968-48C0-9219-D530F9A80AD1}" srcOrd="0" destOrd="0" presId="urn:microsoft.com/office/officeart/2005/8/layout/hierarchy1"/>
-    <dgm:cxn modelId="{C397F793-FFBF-4809-8F52-BD0D131D2172}" type="presOf" srcId="{5438DC54-F953-406F-9877-76D47AE83CF9}" destId="{B3868680-91FE-4838-B36D-5E41F186E02B}" srcOrd="0" destOrd="0" presId="urn:microsoft.com/office/officeart/2005/8/layout/hierarchy1"/>
-    <dgm:cxn modelId="{49989F6E-797E-4756-98D3-DF6C32C22D00}" type="presOf" srcId="{6EA1F923-6849-45D3-8E73-C7AFC11D0F58}" destId="{E601BF3E-008D-4551-9B20-D922D03C59CA}" srcOrd="0" destOrd="0" presId="urn:microsoft.com/office/officeart/2005/8/layout/hierarchy1"/>
-    <dgm:cxn modelId="{9BC844DE-76B9-409D-8044-E7505DD81972}" srcId="{05F30BE2-6C33-4D0C-8FC7-E413F6E18D57}" destId="{C061362B-DCE5-4AB0-BF32-5EB85DBC24B0}" srcOrd="0" destOrd="0" parTransId="{FFCDEDE9-4987-45DE-9B9F-53DE89FDE765}" sibTransId="{65EE5DD6-E5B6-4A0C-A81C-102EDB42AEB8}"/>
-    <dgm:cxn modelId="{47741C9A-1517-43A5-93D7-1357F7E991ED}" type="presOf" srcId="{909C8E88-4220-4553-BF16-4A8182D1F920}" destId="{ADB4FCDC-497A-4F6F-8B7C-8BF5C33A3D48}" srcOrd="0" destOrd="0" presId="urn:microsoft.com/office/officeart/2005/8/layout/hierarchy1"/>
-    <dgm:cxn modelId="{51F6EC2C-AF0B-4305-A24D-4F8162602B42}" srcId="{C061362B-DCE5-4AB0-BF32-5EB85DBC24B0}" destId="{909C8E88-4220-4553-BF16-4A8182D1F920}" srcOrd="0" destOrd="0" parTransId="{A2B51E87-42B0-416C-8D05-F04665169E1E}" sibTransId="{503A38CC-7B73-4325-8B53-A4F4B4A76CCB}"/>
-    <dgm:cxn modelId="{42BCBC96-56AE-43E8-9251-39D9BC4DB9C1}" type="presOf" srcId="{8E69D1D5-1B0B-46B9-A2A5-067C1409F13E}" destId="{BB557E68-4299-46F4-BB9F-A0A4300C109A}" srcOrd="0" destOrd="0" presId="urn:microsoft.com/office/officeart/2005/8/layout/hierarchy1"/>
-    <dgm:cxn modelId="{F1CABB4A-CBE8-4DCA-97D4-66EB62FBB70C}" type="presOf" srcId="{823C3D44-057B-4580-9EF0-6642B9D6DD5D}" destId="{403E3A35-E032-4A2D-B6E2-C2FBBA99662E}" srcOrd="0" destOrd="0" presId="urn:microsoft.com/office/officeart/2005/8/layout/hierarchy1"/>
-    <dgm:cxn modelId="{CED51874-5988-467E-A520-9F4FE0A97B2E}" type="presParOf" srcId="{931C752C-1DD0-4C44-A82D-E904C2123ABE}" destId="{020DDD35-155E-4B6A-AA06-68E3843BB277}" srcOrd="0" destOrd="0" presId="urn:microsoft.com/office/officeart/2005/8/layout/hierarchy1"/>
-    <dgm:cxn modelId="{CB289E11-0CAA-443F-842B-F3CDF8A0E68A}" type="presParOf" srcId="{020DDD35-155E-4B6A-AA06-68E3843BB277}" destId="{C39EAF42-7A00-43B7-8E67-0E146441E2BA}" srcOrd="0" destOrd="0" presId="urn:microsoft.com/office/officeart/2005/8/layout/hierarchy1"/>
-    <dgm:cxn modelId="{26DCC25C-B659-4EF9-83EA-B917390CF875}" type="presParOf" srcId="{C39EAF42-7A00-43B7-8E67-0E146441E2BA}" destId="{77039053-776F-4D80-A407-E479EBA0271D}" srcOrd="0" destOrd="0" presId="urn:microsoft.com/office/officeart/2005/8/layout/hierarchy1"/>
-    <dgm:cxn modelId="{E45C47A9-FF9F-40C4-B66F-6D19E1C85C7C}" type="presParOf" srcId="{C39EAF42-7A00-43B7-8E67-0E146441E2BA}" destId="{CA572919-8968-48C0-9219-D530F9A80AD1}" srcOrd="1" destOrd="0" presId="urn:microsoft.com/office/officeart/2005/8/layout/hierarchy1"/>
-    <dgm:cxn modelId="{16B684E7-2772-49B4-B54E-69473A36AA6C}" type="presParOf" srcId="{020DDD35-155E-4B6A-AA06-68E3843BB277}" destId="{AB35FE94-09E2-419B-B013-3C226188C111}" srcOrd="1" destOrd="0" presId="urn:microsoft.com/office/officeart/2005/8/layout/hierarchy1"/>
-    <dgm:cxn modelId="{90AB93D3-72A3-44A1-AFB8-F8191CDBD01E}" type="presParOf" srcId="{AB35FE94-09E2-419B-B013-3C226188C111}" destId="{D2586091-7EEA-4AAC-8E99-4C85F9D86CB6}" srcOrd="0" destOrd="0" presId="urn:microsoft.com/office/officeart/2005/8/layout/hierarchy1"/>
-    <dgm:cxn modelId="{660940DE-B1BB-4445-8ACD-5DCD8ECE3F78}" type="presParOf" srcId="{AB35FE94-09E2-419B-B013-3C226188C111}" destId="{7E3CFCF1-604B-401B-8713-284EA5F26684}" srcOrd="1" destOrd="0" presId="urn:microsoft.com/office/officeart/2005/8/layout/hierarchy1"/>
-    <dgm:cxn modelId="{08238663-763A-4913-8306-5D6B8780F271}" type="presParOf" srcId="{7E3CFCF1-604B-401B-8713-284EA5F26684}" destId="{F9F9D111-F511-4EE8-AE09-B36A444F09D5}" srcOrd="0" destOrd="0" presId="urn:microsoft.com/office/officeart/2005/8/layout/hierarchy1"/>
-    <dgm:cxn modelId="{0B1C1E82-DE7E-4290-AF59-9C569E0A7910}" type="presParOf" srcId="{F9F9D111-F511-4EE8-AE09-B36A444F09D5}" destId="{7816EE88-6DE7-44B0-B711-B702FF1FD171}" srcOrd="0" destOrd="0" presId="urn:microsoft.com/office/officeart/2005/8/layout/hierarchy1"/>
-    <dgm:cxn modelId="{BC07E11C-8C81-4761-B87D-39EAC4403542}" type="presParOf" srcId="{F9F9D111-F511-4EE8-AE09-B36A444F09D5}" destId="{ADB4FCDC-497A-4F6F-8B7C-8BF5C33A3D48}" srcOrd="1" destOrd="0" presId="urn:microsoft.com/office/officeart/2005/8/layout/hierarchy1"/>
-    <dgm:cxn modelId="{38B505EF-C181-4048-93BA-6A68CEA101E3}" type="presParOf" srcId="{7E3CFCF1-604B-401B-8713-284EA5F26684}" destId="{2350ACA6-6050-45AF-A25C-1EF540AE7B2D}" srcOrd="1" destOrd="0" presId="urn:microsoft.com/office/officeart/2005/8/layout/hierarchy1"/>
-    <dgm:cxn modelId="{465C018C-6621-42BA-B62D-F38189E4E9A5}" type="presParOf" srcId="{2350ACA6-6050-45AF-A25C-1EF540AE7B2D}" destId="{B3868680-91FE-4838-B36D-5E41F186E02B}" srcOrd="0" destOrd="0" presId="urn:microsoft.com/office/officeart/2005/8/layout/hierarchy1"/>
-    <dgm:cxn modelId="{21F139D1-4DAE-4FE9-90DC-C0D9CF6FA8DE}" type="presParOf" srcId="{2350ACA6-6050-45AF-A25C-1EF540AE7B2D}" destId="{7C793831-1053-4AFF-A6EF-C65EC71141A4}" srcOrd="1" destOrd="0" presId="urn:microsoft.com/office/officeart/2005/8/layout/hierarchy1"/>
-    <dgm:cxn modelId="{AD28DCE5-C7B1-4ED6-A4E4-E5C6DF9F8B2A}" type="presParOf" srcId="{7C793831-1053-4AFF-A6EF-C65EC71141A4}" destId="{17EB3369-40D0-4BAF-8D53-0FD19BF7B4C1}" srcOrd="0" destOrd="0" presId="urn:microsoft.com/office/officeart/2005/8/layout/hierarchy1"/>
-    <dgm:cxn modelId="{CF764CC2-AAEB-4F20-979A-473C0614FC56}" type="presParOf" srcId="{17EB3369-40D0-4BAF-8D53-0FD19BF7B4C1}" destId="{E41289B1-E67B-41A4-B3F4-E7F6B98A51E5}" srcOrd="0" destOrd="0" presId="urn:microsoft.com/office/officeart/2005/8/layout/hierarchy1"/>
-    <dgm:cxn modelId="{A647886C-751D-4C6E-B312-9B6FD8C39939}" type="presParOf" srcId="{17EB3369-40D0-4BAF-8D53-0FD19BF7B4C1}" destId="{7827FCD7-C5F3-441D-964B-41EE352A51A9}" srcOrd="1" destOrd="0" presId="urn:microsoft.com/office/officeart/2005/8/layout/hierarchy1"/>
-    <dgm:cxn modelId="{D1AA536F-FA22-4E9D-81C7-42B98751BCE3}" type="presParOf" srcId="{7C793831-1053-4AFF-A6EF-C65EC71141A4}" destId="{EC04D97C-5BAD-4F0E-8DFD-3128E94ADC0E}" srcOrd="1" destOrd="0" presId="urn:microsoft.com/office/officeart/2005/8/layout/hierarchy1"/>
-    <dgm:cxn modelId="{E0FE8CFA-B15F-48B1-9B25-612A44EF6052}" type="presParOf" srcId="{EC04D97C-5BAD-4F0E-8DFD-3128E94ADC0E}" destId="{E05E599C-BAD5-4BD0-B8A8-341B2D50ED07}" srcOrd="0" destOrd="0" presId="urn:microsoft.com/office/officeart/2005/8/layout/hierarchy1"/>
-    <dgm:cxn modelId="{7038878E-8DD1-4D8E-9B70-7632EF6552BB}" type="presParOf" srcId="{EC04D97C-5BAD-4F0E-8DFD-3128E94ADC0E}" destId="{FB73B2CE-190B-4541-A652-6E5CC10AB361}" srcOrd="1" destOrd="0" presId="urn:microsoft.com/office/officeart/2005/8/layout/hierarchy1"/>
-    <dgm:cxn modelId="{38D2B3FE-2A0E-42E2-B044-B3F977391A5F}" type="presParOf" srcId="{FB73B2CE-190B-4541-A652-6E5CC10AB361}" destId="{E2209ECC-F180-4B92-9E28-BBE4FFECC02B}" srcOrd="0" destOrd="0" presId="urn:microsoft.com/office/officeart/2005/8/layout/hierarchy1"/>
-    <dgm:cxn modelId="{5B95A064-3BF1-4F68-9C36-B0E3FB9145F0}" type="presParOf" srcId="{E2209ECC-F180-4B92-9E28-BBE4FFECC02B}" destId="{C2F408C6-B38F-405C-A19B-21B5AD30E9F6}" srcOrd="0" destOrd="0" presId="urn:microsoft.com/office/officeart/2005/8/layout/hierarchy1"/>
-    <dgm:cxn modelId="{8FFC63C2-7374-4616-906B-AF9FF6F60DA8}" type="presParOf" srcId="{E2209ECC-F180-4B92-9E28-BBE4FFECC02B}" destId="{BB557E68-4299-46F4-BB9F-A0A4300C109A}" srcOrd="1" destOrd="0" presId="urn:microsoft.com/office/officeart/2005/8/layout/hierarchy1"/>
-    <dgm:cxn modelId="{AD27449F-2D1D-4E81-B6B2-79DE5B68465C}" type="presParOf" srcId="{FB73B2CE-190B-4541-A652-6E5CC10AB361}" destId="{E8B16657-4321-41BD-91E7-B6E84FBC89F4}" srcOrd="1" destOrd="0" presId="urn:microsoft.com/office/officeart/2005/8/layout/hierarchy1"/>
-    <dgm:cxn modelId="{AC8A4E87-A08D-479B-A0FA-3CD8FEC4F12D}" type="presParOf" srcId="{EC04D97C-5BAD-4F0E-8DFD-3128E94ADC0E}" destId="{E601BF3E-008D-4551-9B20-D922D03C59CA}" srcOrd="2" destOrd="0" presId="urn:microsoft.com/office/officeart/2005/8/layout/hierarchy1"/>
-    <dgm:cxn modelId="{D5667B6E-1392-4749-9B76-C3CB17A4727F}" type="presParOf" srcId="{EC04D97C-5BAD-4F0E-8DFD-3128E94ADC0E}" destId="{3FBB4C9C-D2E4-47A1-AF30-A2BC7113F4E2}" srcOrd="3" destOrd="0" presId="urn:microsoft.com/office/officeart/2005/8/layout/hierarchy1"/>
-    <dgm:cxn modelId="{A95F1CCA-5A28-47E9-A631-3AE7F53B7C3E}" type="presParOf" srcId="{3FBB4C9C-D2E4-47A1-AF30-A2BC7113F4E2}" destId="{891F1601-98D8-4E02-96C2-DD6F34B412A6}" srcOrd="0" destOrd="0" presId="urn:microsoft.com/office/officeart/2005/8/layout/hierarchy1"/>
-    <dgm:cxn modelId="{0EFDEDD0-49A3-4493-9313-4C87CF094E86}" type="presParOf" srcId="{891F1601-98D8-4E02-96C2-DD6F34B412A6}" destId="{3C76AD84-3A10-4090-8086-85BB611F3679}" srcOrd="0" destOrd="0" presId="urn:microsoft.com/office/officeart/2005/8/layout/hierarchy1"/>
-    <dgm:cxn modelId="{120FBE56-96A4-4511-8770-1BB2F2193B65}" type="presParOf" srcId="{891F1601-98D8-4E02-96C2-DD6F34B412A6}" destId="{403E3A35-E032-4A2D-B6E2-C2FBBA99662E}" srcOrd="1" destOrd="0" presId="urn:microsoft.com/office/officeart/2005/8/layout/hierarchy1"/>
-    <dgm:cxn modelId="{65A1AF51-804D-47AB-9EF3-91096C7729D0}" type="presParOf" srcId="{3FBB4C9C-D2E4-47A1-AF30-A2BC7113F4E2}" destId="{9872F263-631B-4A97-A32A-21B11A4CB57F}" srcOrd="1" destOrd="0" presId="urn:microsoft.com/office/officeart/2005/8/layout/hierarchy1"/>
+    <dgm:cxn modelId="{64F5AC93-0FE7-4B84-8430-B781FFFF9F81}" srcId="{01A0A340-7E5F-4679-B855-6EFABF6A5A40}" destId="{FF279A6F-4B9A-4A14-B69A-838590ECCD32}" srcOrd="1" destOrd="0" parTransId="{9295194D-3020-4959-A3DC-363495D564E2}" sibTransId="{5AC03F87-8620-45FF-9064-EE9C132F313A}"/>
+    <dgm:cxn modelId="{F11D3AE3-548D-4759-A2B2-A4CA83F3C84D}" type="presOf" srcId="{7BD645C1-F293-41A5-B7B8-9D2B9C32650B}" destId="{CF56E6C3-A0B6-4DB1-B5E1-9789B6B8CBD9}" srcOrd="0" destOrd="0" presId="urn:microsoft.com/office/officeart/2005/8/layout/hierarchy6"/>
+    <dgm:cxn modelId="{73D31498-E69B-4706-8528-7142065ED8BE}" srcId="{E4EE97E6-58F0-48DF-9A81-4936FE72C23B}" destId="{9BF4C1E1-D380-4700-B8BE-FC816B84FDF5}" srcOrd="0" destOrd="0" parTransId="{1CC512D5-D575-4C7A-B949-BDA355274605}" sibTransId="{A30498C7-FADE-4BEE-9456-2C3599E8CB6A}"/>
+    <dgm:cxn modelId="{1DB10FF6-F05F-44B6-9D91-7B549ABA7F26}" type="presOf" srcId="{2B79DAFE-84E9-4F08-BE98-7CDC93C0392E}" destId="{B1595007-F938-47D8-884D-1BA9EC7DB341}" srcOrd="1" destOrd="0" presId="urn:microsoft.com/office/officeart/2005/8/layout/hierarchy6"/>
+    <dgm:cxn modelId="{8355DF2F-CB9E-4CA7-B027-9A986A5A5E99}" type="presOf" srcId="{9BF4C1E1-D380-4700-B8BE-FC816B84FDF5}" destId="{0D066EF3-FAB9-4DB7-A0D6-BC9F0EBC3C45}" srcOrd="0" destOrd="1" presId="urn:microsoft.com/office/officeart/2005/8/layout/hierarchy6"/>
+    <dgm:cxn modelId="{DF87CDFE-103B-4E3F-9642-4D4FFD0BD2B4}" type="presOf" srcId="{D9830118-A0F9-4794-B160-868E5C30E333}" destId="{D8AE45CE-0096-4BF4-9D97-AA528E61D93F}" srcOrd="0" destOrd="0" presId="urn:microsoft.com/office/officeart/2005/8/layout/hierarchy6"/>
+    <dgm:cxn modelId="{E2600AB3-9F48-4B64-BB99-9DABB9826CB2}" type="presOf" srcId="{9295194D-3020-4959-A3DC-363495D564E2}" destId="{A6995961-1151-42F7-B7D1-488B27E52547}" srcOrd="0" destOrd="0" presId="urn:microsoft.com/office/officeart/2005/8/layout/hierarchy6"/>
+    <dgm:cxn modelId="{DACEC292-A686-4F23-AB2B-356142A68E27}" srcId="{7BD645C1-F293-41A5-B7B8-9D2B9C32650B}" destId="{1B1A2424-B3BF-456C-B9B6-FC86D68F73DA}" srcOrd="0" destOrd="0" parTransId="{DE5AA1B8-2263-4299-961A-02A1D20BB333}" sibTransId="{FE326AD6-50F6-47E8-8B9F-C69AADBC3001}"/>
+    <dgm:cxn modelId="{86B3ABDF-A753-4179-A689-2A936463EA5B}" srcId="{7BD645C1-F293-41A5-B7B8-9D2B9C32650B}" destId="{2B79DAFE-84E9-4F08-BE98-7CDC93C0392E}" srcOrd="2" destOrd="0" parTransId="{B70EFE47-A69A-48CC-A7A7-388F96A57DD7}" sibTransId="{F083D46D-754A-4C11-9CD6-E35B0411C22E}"/>
+    <dgm:cxn modelId="{2D8CEA66-935D-445B-8778-A4425E7900BD}" type="presOf" srcId="{E4EE97E6-58F0-48DF-9A81-4936FE72C23B}" destId="{0D066EF3-FAB9-4DB7-A0D6-BC9F0EBC3C45}" srcOrd="0" destOrd="0" presId="urn:microsoft.com/office/officeart/2005/8/layout/hierarchy6"/>
+    <dgm:cxn modelId="{62F97581-7097-4061-9B95-441438738209}" srcId="{7BD645C1-F293-41A5-B7B8-9D2B9C32650B}" destId="{E4EE97E6-58F0-48DF-9A81-4936FE72C23B}" srcOrd="1" destOrd="0" parTransId="{3E1AAE42-C0AB-4124-925E-02E04753FA0E}" sibTransId="{01831434-6291-40EF-9304-1E66FA4BAE06}"/>
+    <dgm:cxn modelId="{862BDFD0-2B73-4C35-A973-14927B837420}" srcId="{01A0A340-7E5F-4679-B855-6EFABF6A5A40}" destId="{1363BC8F-DB79-4ED3-9FCC-C7A8B3815A9D}" srcOrd="0" destOrd="0" parTransId="{D9830118-A0F9-4794-B160-868E5C30E333}" sibTransId="{E1C47BD4-ACD7-4EB8-B3BD-1316F0203244}"/>
+    <dgm:cxn modelId="{7D6CDCF9-78EB-4829-A564-F599C894FB8C}" type="presOf" srcId="{2CB2EF86-9CD0-43B7-B1FA-743321F4A655}" destId="{1357C9EC-4CC6-4833-BAC6-862178907401}" srcOrd="0" destOrd="0" presId="urn:microsoft.com/office/officeart/2005/8/layout/hierarchy6"/>
+    <dgm:cxn modelId="{4DC8AB41-8F8F-463D-945F-DED5578ED51A}" type="presOf" srcId="{1363BC8F-DB79-4ED3-9FCC-C7A8B3815A9D}" destId="{C1D28920-C686-4F73-973B-A70AD6024D4E}" srcOrd="0" destOrd="0" presId="urn:microsoft.com/office/officeart/2005/8/layout/hierarchy6"/>
+    <dgm:cxn modelId="{A9B5B865-18DD-4E26-BA92-96F5F002684C}" type="presOf" srcId="{FF279A6F-4B9A-4A14-B69A-838590ECCD32}" destId="{D38D2977-BBD5-475C-8D92-211CF919493B}" srcOrd="0" destOrd="0" presId="urn:microsoft.com/office/officeart/2005/8/layout/hierarchy6"/>
+    <dgm:cxn modelId="{A8A8B5C8-B6EE-41B9-A98B-C5CD4F98D845}" type="presOf" srcId="{01A0A340-7E5F-4679-B855-6EFABF6A5A40}" destId="{156D5EAE-D944-482E-8012-31CC7A5FB804}" srcOrd="0" destOrd="0" presId="urn:microsoft.com/office/officeart/2005/8/layout/hierarchy6"/>
+    <dgm:cxn modelId="{04F43CC9-6888-4774-8B84-B138A0A6F40C}" type="presOf" srcId="{9BF4C1E1-D380-4700-B8BE-FC816B84FDF5}" destId="{C12096DA-677C-409B-A512-5BA41C02C7BB}" srcOrd="1" destOrd="1" presId="urn:microsoft.com/office/officeart/2005/8/layout/hierarchy6"/>
+    <dgm:cxn modelId="{09A6ED1E-E59F-4086-AD7B-171751F130E7}" type="presOf" srcId="{E89EE506-2836-4DE2-9971-64022A28EBBA}" destId="{6BE3564B-F5EC-4596-A3F4-5B5880B3502B}" srcOrd="0" destOrd="0" presId="urn:microsoft.com/office/officeart/2005/8/layout/hierarchy6"/>
+    <dgm:cxn modelId="{84AB82F3-4A4E-4ABF-93A8-D83A0D13354B}" srcId="{7BD645C1-F293-41A5-B7B8-9D2B9C32650B}" destId="{772208AC-5FE0-4049-8D1C-DAA6EE67B298}" srcOrd="3" destOrd="0" parTransId="{A84702E9-5879-4605-B99E-830A418F1F49}" sibTransId="{58FEBCD9-9258-4669-BB4D-765A75FA5C42}"/>
+    <dgm:cxn modelId="{F9A2CF91-B3F9-4F00-9EEB-6B7F8354A31B}" type="presOf" srcId="{2B79DAFE-84E9-4F08-BE98-7CDC93C0392E}" destId="{F4943280-3623-4753-8577-50735B0BDEC9}" srcOrd="0" destOrd="0" presId="urn:microsoft.com/office/officeart/2005/8/layout/hierarchy6"/>
+    <dgm:cxn modelId="{A8D15623-4839-4664-A83F-2DED653DEAC7}" type="presOf" srcId="{772208AC-5FE0-4049-8D1C-DAA6EE67B298}" destId="{838B2092-BF2C-4B86-87E9-DB86B3DE6AE8}" srcOrd="0" destOrd="0" presId="urn:microsoft.com/office/officeart/2005/8/layout/hierarchy6"/>
+    <dgm:cxn modelId="{8E0CCE47-3978-4DB6-939F-CF6D8B574BFA}" type="presOf" srcId="{772208AC-5FE0-4049-8D1C-DAA6EE67B298}" destId="{B623856C-CEB9-4112-815D-CBE77282DCA1}" srcOrd="1" destOrd="0" presId="urn:microsoft.com/office/officeart/2005/8/layout/hierarchy6"/>
+    <dgm:cxn modelId="{505C3CB8-17E6-4C92-A32F-26109AFE079D}" type="presOf" srcId="{E4EE97E6-58F0-48DF-9A81-4936FE72C23B}" destId="{C12096DA-677C-409B-A512-5BA41C02C7BB}" srcOrd="1" destOrd="0" presId="urn:microsoft.com/office/officeart/2005/8/layout/hierarchy6"/>
+    <dgm:cxn modelId="{9AE9114C-25BB-496B-BD7A-3CE0A77584E7}" type="presOf" srcId="{1B1A2424-B3BF-456C-B9B6-FC86D68F73DA}" destId="{0F05CE86-B0AE-42B4-AEAD-9BEE65D6D441}" srcOrd="0" destOrd="0" presId="urn:microsoft.com/office/officeart/2005/8/layout/hierarchy6"/>
+    <dgm:cxn modelId="{B821F005-5F29-4A5E-8544-60DE39FCC5AC}" srcId="{2CB2EF86-9CD0-43B7-B1FA-743321F4A655}" destId="{01A0A340-7E5F-4679-B855-6EFABF6A5A40}" srcOrd="0" destOrd="0" parTransId="{E89EE506-2836-4DE2-9971-64022A28EBBA}" sibTransId="{BCB6C28A-F9A2-4E20-8021-F897A4DA17C9}"/>
+    <dgm:cxn modelId="{13DD11E0-187F-4740-B42A-22EBED26E0CA}" type="presOf" srcId="{9C5777CA-45DF-4036-A2A3-CD0299C3D482}" destId="{C3130341-79B4-4649-9846-4D2DA910E754}" srcOrd="0" destOrd="0" presId="urn:microsoft.com/office/officeart/2005/8/layout/hierarchy6"/>
+    <dgm:cxn modelId="{52E523F0-ED8F-43E3-942D-407D546FD71D}" srcId="{1B1A2424-B3BF-456C-B9B6-FC86D68F73DA}" destId="{2CB2EF86-9CD0-43B7-B1FA-743321F4A655}" srcOrd="0" destOrd="0" parTransId="{9C5777CA-45DF-4036-A2A3-CD0299C3D482}" sibTransId="{1B0669BE-7E4E-4276-B179-239C937F3C42}"/>
+    <dgm:cxn modelId="{D8320284-2BB3-4107-9D29-9088786D0AC2}" type="presParOf" srcId="{CF56E6C3-A0B6-4DB1-B5E1-9789B6B8CBD9}" destId="{2E4F93BE-41EE-48F6-8CE7-BD159412C558}" srcOrd="0" destOrd="0" presId="urn:microsoft.com/office/officeart/2005/8/layout/hierarchy6"/>
+    <dgm:cxn modelId="{1624F6E0-4B20-4BE1-B483-AE95B2C9DB4A}" type="presParOf" srcId="{2E4F93BE-41EE-48F6-8CE7-BD159412C558}" destId="{2BBA4917-D919-4A6B-8F6E-3E32B3B5022D}" srcOrd="0" destOrd="0" presId="urn:microsoft.com/office/officeart/2005/8/layout/hierarchy6"/>
+    <dgm:cxn modelId="{378D875C-1DBE-47ED-8412-0C65D4F1C91E}" type="presParOf" srcId="{2E4F93BE-41EE-48F6-8CE7-BD159412C558}" destId="{329F85B4-E675-4BE3-9601-D13374435E6B}" srcOrd="1" destOrd="0" presId="urn:microsoft.com/office/officeart/2005/8/layout/hierarchy6"/>
+    <dgm:cxn modelId="{A89AC718-B31E-478F-B07D-7E2E4AE5A4C6}" type="presParOf" srcId="{329F85B4-E675-4BE3-9601-D13374435E6B}" destId="{F787E7B1-53CA-498E-9A0A-693621A08271}" srcOrd="0" destOrd="0" presId="urn:microsoft.com/office/officeart/2005/8/layout/hierarchy6"/>
+    <dgm:cxn modelId="{5AAC9DF5-D5E0-4767-9821-DA6F937EC944}" type="presParOf" srcId="{F787E7B1-53CA-498E-9A0A-693621A08271}" destId="{0F05CE86-B0AE-42B4-AEAD-9BEE65D6D441}" srcOrd="0" destOrd="0" presId="urn:microsoft.com/office/officeart/2005/8/layout/hierarchy6"/>
+    <dgm:cxn modelId="{592BE82F-4DB4-4D18-85B9-C8837790A038}" type="presParOf" srcId="{F787E7B1-53CA-498E-9A0A-693621A08271}" destId="{1F2BFE53-3233-419B-8C1B-25EBD420506A}" srcOrd="1" destOrd="0" presId="urn:microsoft.com/office/officeart/2005/8/layout/hierarchy6"/>
+    <dgm:cxn modelId="{D799687D-4EBC-4518-B951-84CBE67D722E}" type="presParOf" srcId="{1F2BFE53-3233-419B-8C1B-25EBD420506A}" destId="{C3130341-79B4-4649-9846-4D2DA910E754}" srcOrd="0" destOrd="0" presId="urn:microsoft.com/office/officeart/2005/8/layout/hierarchy6"/>
+    <dgm:cxn modelId="{2B99833F-7EB2-4B10-B57B-9315DFABF4F2}" type="presParOf" srcId="{1F2BFE53-3233-419B-8C1B-25EBD420506A}" destId="{32A69B09-0DEE-40B7-B9B7-077EF37643FC}" srcOrd="1" destOrd="0" presId="urn:microsoft.com/office/officeart/2005/8/layout/hierarchy6"/>
+    <dgm:cxn modelId="{9739D3FB-7A05-4779-8C7A-77896D1E4DB8}" type="presParOf" srcId="{32A69B09-0DEE-40B7-B9B7-077EF37643FC}" destId="{1357C9EC-4CC6-4833-BAC6-862178907401}" srcOrd="0" destOrd="0" presId="urn:microsoft.com/office/officeart/2005/8/layout/hierarchy6"/>
+    <dgm:cxn modelId="{ADC64782-E0A3-465D-8DE2-6C59A4E6BD06}" type="presParOf" srcId="{32A69B09-0DEE-40B7-B9B7-077EF37643FC}" destId="{85D52525-5617-4581-B5EC-26C0D089CF2C}" srcOrd="1" destOrd="0" presId="urn:microsoft.com/office/officeart/2005/8/layout/hierarchy6"/>
+    <dgm:cxn modelId="{DC1CD382-92CB-4A38-91FF-0990E00C2110}" type="presParOf" srcId="{85D52525-5617-4581-B5EC-26C0D089CF2C}" destId="{6BE3564B-F5EC-4596-A3F4-5B5880B3502B}" srcOrd="0" destOrd="0" presId="urn:microsoft.com/office/officeart/2005/8/layout/hierarchy6"/>
+    <dgm:cxn modelId="{93C81271-2D2E-4373-A4EC-0DE8E64844BB}" type="presParOf" srcId="{85D52525-5617-4581-B5EC-26C0D089CF2C}" destId="{E29A5741-46C8-4C1F-BD38-1C11970A45DF}" srcOrd="1" destOrd="0" presId="urn:microsoft.com/office/officeart/2005/8/layout/hierarchy6"/>
+    <dgm:cxn modelId="{614452E8-F2E9-40C7-97B2-19DC8F6CA23E}" type="presParOf" srcId="{E29A5741-46C8-4C1F-BD38-1C11970A45DF}" destId="{156D5EAE-D944-482E-8012-31CC7A5FB804}" srcOrd="0" destOrd="0" presId="urn:microsoft.com/office/officeart/2005/8/layout/hierarchy6"/>
+    <dgm:cxn modelId="{458844A0-53DD-4CFA-98DC-FD48B3D99B37}" type="presParOf" srcId="{E29A5741-46C8-4C1F-BD38-1C11970A45DF}" destId="{F12C00FE-7C0B-4CB3-BFDC-B2A8450EA454}" srcOrd="1" destOrd="0" presId="urn:microsoft.com/office/officeart/2005/8/layout/hierarchy6"/>
+    <dgm:cxn modelId="{D0917379-DFC6-486E-AEA3-B2789AE6BBC2}" type="presParOf" srcId="{F12C00FE-7C0B-4CB3-BFDC-B2A8450EA454}" destId="{D8AE45CE-0096-4BF4-9D97-AA528E61D93F}" srcOrd="0" destOrd="0" presId="urn:microsoft.com/office/officeart/2005/8/layout/hierarchy6"/>
+    <dgm:cxn modelId="{AA487FEB-36D2-4890-96FD-A6F402899C76}" type="presParOf" srcId="{F12C00FE-7C0B-4CB3-BFDC-B2A8450EA454}" destId="{43FC2898-DECC-4F59-98AB-D8C757AF15CE}" srcOrd="1" destOrd="0" presId="urn:microsoft.com/office/officeart/2005/8/layout/hierarchy6"/>
+    <dgm:cxn modelId="{4D4DAA46-5BDA-43BC-98A2-E0EF2E42AC29}" type="presParOf" srcId="{43FC2898-DECC-4F59-98AB-D8C757AF15CE}" destId="{C1D28920-C686-4F73-973B-A70AD6024D4E}" srcOrd="0" destOrd="0" presId="urn:microsoft.com/office/officeart/2005/8/layout/hierarchy6"/>
+    <dgm:cxn modelId="{35359E9D-962E-4D43-A315-6CF3FBA8BE61}" type="presParOf" srcId="{43FC2898-DECC-4F59-98AB-D8C757AF15CE}" destId="{3F4B0C36-5E51-4870-93FE-5DF7C28F7425}" srcOrd="1" destOrd="0" presId="urn:microsoft.com/office/officeart/2005/8/layout/hierarchy6"/>
+    <dgm:cxn modelId="{EAE8296C-D3E3-42FC-B4BF-A290D8333C3B}" type="presParOf" srcId="{F12C00FE-7C0B-4CB3-BFDC-B2A8450EA454}" destId="{A6995961-1151-42F7-B7D1-488B27E52547}" srcOrd="2" destOrd="0" presId="urn:microsoft.com/office/officeart/2005/8/layout/hierarchy6"/>
+    <dgm:cxn modelId="{89A692FE-F93C-4FF5-81BC-0C924FD00352}" type="presParOf" srcId="{F12C00FE-7C0B-4CB3-BFDC-B2A8450EA454}" destId="{ED4E1A7F-4D58-4B1D-A670-77DB61A50E32}" srcOrd="3" destOrd="0" presId="urn:microsoft.com/office/officeart/2005/8/layout/hierarchy6"/>
+    <dgm:cxn modelId="{49057463-7ADA-4021-AB68-8ED2B5071F3A}" type="presParOf" srcId="{ED4E1A7F-4D58-4B1D-A670-77DB61A50E32}" destId="{D38D2977-BBD5-475C-8D92-211CF919493B}" srcOrd="0" destOrd="0" presId="urn:microsoft.com/office/officeart/2005/8/layout/hierarchy6"/>
+    <dgm:cxn modelId="{F8206CE6-8DA8-4B09-9561-2543F65E771E}" type="presParOf" srcId="{ED4E1A7F-4D58-4B1D-A670-77DB61A50E32}" destId="{0AE9C43D-F689-4165-9704-96F3A327E601}" srcOrd="1" destOrd="0" presId="urn:microsoft.com/office/officeart/2005/8/layout/hierarchy6"/>
+    <dgm:cxn modelId="{2026583B-F4A4-4F3B-A5F2-09FDBDE8FF6B}" type="presParOf" srcId="{CF56E6C3-A0B6-4DB1-B5E1-9789B6B8CBD9}" destId="{9863C5B6-7A56-4C01-B63C-1887C73FB981}" srcOrd="1" destOrd="0" presId="urn:microsoft.com/office/officeart/2005/8/layout/hierarchy6"/>
+    <dgm:cxn modelId="{42341708-A873-43AE-901D-B6AE941F5694}" type="presParOf" srcId="{9863C5B6-7A56-4C01-B63C-1887C73FB981}" destId="{94F7733C-077C-4F5D-8E72-9CF403B3AE6E}" srcOrd="0" destOrd="0" presId="urn:microsoft.com/office/officeart/2005/8/layout/hierarchy6"/>
+    <dgm:cxn modelId="{3B2490CD-A00A-4322-AE71-7BE553ADD914}" type="presParOf" srcId="{94F7733C-077C-4F5D-8E72-9CF403B3AE6E}" destId="{0D066EF3-FAB9-4DB7-A0D6-BC9F0EBC3C45}" srcOrd="0" destOrd="0" presId="urn:microsoft.com/office/officeart/2005/8/layout/hierarchy6"/>
+    <dgm:cxn modelId="{D5FDE0C4-4877-4295-9451-62A72A4E9EE9}" type="presParOf" srcId="{94F7733C-077C-4F5D-8E72-9CF403B3AE6E}" destId="{C12096DA-677C-409B-A512-5BA41C02C7BB}" srcOrd="1" destOrd="0" presId="urn:microsoft.com/office/officeart/2005/8/layout/hierarchy6"/>
+    <dgm:cxn modelId="{6F1173C6-A3E0-4873-AEDF-4A4FEDD40619}" type="presParOf" srcId="{9863C5B6-7A56-4C01-B63C-1887C73FB981}" destId="{695C8EEC-94DA-4308-BA67-B30CD9E1D292}" srcOrd="1" destOrd="0" presId="urn:microsoft.com/office/officeart/2005/8/layout/hierarchy6"/>
+    <dgm:cxn modelId="{A5A7CE82-024C-4F78-8849-EF772CDF2423}" type="presParOf" srcId="{695C8EEC-94DA-4308-BA67-B30CD9E1D292}" destId="{E02CB937-E7F9-4F6E-8656-EC132A1F48B0}" srcOrd="0" destOrd="0" presId="urn:microsoft.com/office/officeart/2005/8/layout/hierarchy6"/>
+    <dgm:cxn modelId="{E4700470-DC0A-4721-BF4C-B18223F423E1}" type="presParOf" srcId="{9863C5B6-7A56-4C01-B63C-1887C73FB981}" destId="{510184EC-6286-4EFF-BEE7-49632AAE53C8}" srcOrd="2" destOrd="0" presId="urn:microsoft.com/office/officeart/2005/8/layout/hierarchy6"/>
+    <dgm:cxn modelId="{B284C3C5-E776-45FE-99DC-7EF9EE4B73B1}" type="presParOf" srcId="{510184EC-6286-4EFF-BEE7-49632AAE53C8}" destId="{F4943280-3623-4753-8577-50735B0BDEC9}" srcOrd="0" destOrd="0" presId="urn:microsoft.com/office/officeart/2005/8/layout/hierarchy6"/>
+    <dgm:cxn modelId="{1567FAEB-7FE3-412A-B0AD-827FF338C934}" type="presParOf" srcId="{510184EC-6286-4EFF-BEE7-49632AAE53C8}" destId="{B1595007-F938-47D8-884D-1BA9EC7DB341}" srcOrd="1" destOrd="0" presId="urn:microsoft.com/office/officeart/2005/8/layout/hierarchy6"/>
+    <dgm:cxn modelId="{BE62CD63-09FB-4977-86B1-CEDD8FC6691B}" type="presParOf" srcId="{9863C5B6-7A56-4C01-B63C-1887C73FB981}" destId="{2E2483E9-12AA-4F19-9966-F9F503E9E60F}" srcOrd="3" destOrd="0" presId="urn:microsoft.com/office/officeart/2005/8/layout/hierarchy6"/>
+    <dgm:cxn modelId="{39143DDD-D869-4E51-A338-AB13757312D5}" type="presParOf" srcId="{2E2483E9-12AA-4F19-9966-F9F503E9E60F}" destId="{67C4ECE0-8EC9-4CC2-8104-06F3A51B4B37}" srcOrd="0" destOrd="0" presId="urn:microsoft.com/office/officeart/2005/8/layout/hierarchy6"/>
+    <dgm:cxn modelId="{B0DD2CCF-A4A1-4E01-9BEA-BA326899CAFB}" type="presParOf" srcId="{9863C5B6-7A56-4C01-B63C-1887C73FB981}" destId="{FA61E361-5B12-433E-A53D-3A441ABAC679}" srcOrd="4" destOrd="0" presId="urn:microsoft.com/office/officeart/2005/8/layout/hierarchy6"/>
+    <dgm:cxn modelId="{D44A0168-6541-4664-BF4E-838BA9EDA302}" type="presParOf" srcId="{FA61E361-5B12-433E-A53D-3A441ABAC679}" destId="{838B2092-BF2C-4B86-87E9-DB86B3DE6AE8}" srcOrd="0" destOrd="0" presId="urn:microsoft.com/office/officeart/2005/8/layout/hierarchy6"/>
+    <dgm:cxn modelId="{75BC5080-9656-412B-A1B4-FC417C06BA60}" type="presParOf" srcId="{FA61E361-5B12-433E-A53D-3A441ABAC679}" destId="{B623856C-CEB9-4112-815D-CBE77282DCA1}" srcOrd="1" destOrd="0" presId="urn:microsoft.com/office/officeart/2005/8/layout/hierarchy6"/>
   </dgm:cxnLst>
   <dgm:bg/>
   <dgm:whole/>
@@ -2111,8 +2360,8 @@
 <file path=ppt/diagrams/data2.xml><?xml version="1.0" encoding="utf-8"?>
 <dgm:dataModel xmlns:dgm="http://schemas.openxmlformats.org/drawingml/2006/diagram" xmlns:a="http://schemas.openxmlformats.org/drawingml/2006/main">
   <dgm:ptLst>
-    <dgm:pt modelId="{05F30BE2-6C33-4D0C-8FC7-E413F6E18D57}" type="doc">
-      <dgm:prSet loTypeId="urn:microsoft.com/office/officeart/2005/8/layout/hierarchy1" loCatId="hierarchy" qsTypeId="urn:microsoft.com/office/officeart/2005/8/quickstyle/simple1" qsCatId="simple" csTypeId="urn:microsoft.com/office/officeart/2005/8/colors/accent1_2" csCatId="accent1" phldr="1"/>
+    <dgm:pt modelId="{7BD645C1-F293-41A5-B7B8-9D2B9C32650B}" type="doc">
+      <dgm:prSet loTypeId="urn:microsoft.com/office/officeart/2005/8/layout/hierarchy6" loCatId="hierarchy" qsTypeId="urn:microsoft.com/office/officeart/2005/8/quickstyle/simple1" qsCatId="simple" csTypeId="urn:microsoft.com/office/officeart/2005/8/colors/accent1_2" csCatId="accent1" phldr="1"/>
       <dgm:spPr/>
       <dgm:t>
         <a:bodyPr/>
@@ -2122,7 +2371,7 @@
         </a:p>
       </dgm:t>
     </dgm:pt>
-    <dgm:pt modelId="{C061362B-DCE5-4AB0-BF32-5EB85DBC24B0}">
+    <dgm:pt modelId="{1B1A2424-B3BF-456C-B9B6-FC86D68F73DA}">
       <dgm:prSet phldrT="[Text]"/>
       <dgm:spPr/>
       <dgm:t>
@@ -2141,7 +2390,7 @@
         </a:p>
       </dgm:t>
     </dgm:pt>
-    <dgm:pt modelId="{FFCDEDE9-4987-45DE-9B9F-53DE89FDE765}" type="parTrans" cxnId="{9BC844DE-76B9-409D-8044-E7505DD81972}">
+    <dgm:pt modelId="{DE5AA1B8-2263-4299-961A-02A1D20BB333}" type="parTrans" cxnId="{DACEC292-A686-4F23-AB2B-356142A68E27}">
       <dgm:prSet/>
       <dgm:spPr/>
       <dgm:t>
@@ -2152,7 +2401,7 @@
         </a:p>
       </dgm:t>
     </dgm:pt>
-    <dgm:pt modelId="{65EE5DD6-E5B6-4A0C-A81C-102EDB42AEB8}" type="sibTrans" cxnId="{9BC844DE-76B9-409D-8044-E7505DD81972}">
+    <dgm:pt modelId="{FE326AD6-50F6-47E8-8B9F-C69AADBC3001}" type="sibTrans" cxnId="{DACEC292-A686-4F23-AB2B-356142A68E27}">
       <dgm:prSet/>
       <dgm:spPr/>
       <dgm:t>
@@ -2163,7 +2412,7 @@
         </a:p>
       </dgm:t>
     </dgm:pt>
-    <dgm:pt modelId="{909C8E88-4220-4553-BF16-4A8182D1F920}">
+    <dgm:pt modelId="{2CB2EF86-9CD0-43B7-B1FA-743321F4A655}">
       <dgm:prSet phldrT="[Text]"/>
       <dgm:spPr/>
       <dgm:t>
@@ -2178,7 +2427,7 @@
         </a:p>
       </dgm:t>
     </dgm:pt>
-    <dgm:pt modelId="{A2B51E87-42B0-416C-8D05-F04665169E1E}" type="parTrans" cxnId="{51F6EC2C-AF0B-4305-A24D-4F8162602B42}">
+    <dgm:pt modelId="{9C5777CA-45DF-4036-A2A3-CD0299C3D482}" type="parTrans" cxnId="{52E523F0-ED8F-43E3-942D-407D546FD71D}">
       <dgm:prSet/>
       <dgm:spPr/>
       <dgm:t>
@@ -2189,7 +2438,7 @@
         </a:p>
       </dgm:t>
     </dgm:pt>
-    <dgm:pt modelId="{503A38CC-7B73-4325-8B53-A4F4B4A76CCB}" type="sibTrans" cxnId="{51F6EC2C-AF0B-4305-A24D-4F8162602B42}">
+    <dgm:pt modelId="{1B0669BE-7E4E-4276-B179-239C937F3C42}" type="sibTrans" cxnId="{52E523F0-ED8F-43E3-942D-407D546FD71D}">
       <dgm:prSet/>
       <dgm:spPr/>
       <dgm:t>
@@ -2200,7 +2449,7 @@
         </a:p>
       </dgm:t>
     </dgm:pt>
-    <dgm:pt modelId="{26BD83CD-5CED-4A29-BBF4-6791D5A67EE0}">
+    <dgm:pt modelId="{01A0A340-7E5F-4679-B855-6EFABF6A5A40}">
       <dgm:prSet phldrT="[Text]"/>
       <dgm:spPr/>
       <dgm:t>
@@ -2215,7 +2464,7 @@
         </a:p>
       </dgm:t>
     </dgm:pt>
-    <dgm:pt modelId="{5438DC54-F953-406F-9877-76D47AE83CF9}" type="parTrans" cxnId="{691982FC-99AD-4038-9041-DBE810B0C55A}">
+    <dgm:pt modelId="{E89EE506-2836-4DE2-9971-64022A28EBBA}" type="parTrans" cxnId="{B821F005-5F29-4A5E-8544-60DE39FCC5AC}">
       <dgm:prSet/>
       <dgm:spPr/>
       <dgm:t>
@@ -2226,7 +2475,7 @@
         </a:p>
       </dgm:t>
     </dgm:pt>
-    <dgm:pt modelId="{B56EC745-BFFA-4D58-95F5-3E620C3D6827}" type="sibTrans" cxnId="{691982FC-99AD-4038-9041-DBE810B0C55A}">
+    <dgm:pt modelId="{BCB6C28A-F9A2-4E20-8021-F897A4DA17C9}" type="sibTrans" cxnId="{B821F005-5F29-4A5E-8544-60DE39FCC5AC}">
       <dgm:prSet/>
       <dgm:spPr/>
       <dgm:t>
@@ -2237,7 +2486,7 @@
         </a:p>
       </dgm:t>
     </dgm:pt>
-    <dgm:pt modelId="{8E69D1D5-1B0B-46B9-A2A5-067C1409F13E}">
+    <dgm:pt modelId="{1363BC8F-DB79-4ED3-9FCC-C7A8B3815A9D}">
       <dgm:prSet phldrT="[Text]"/>
       <dgm:spPr/>
       <dgm:t>
@@ -2252,7 +2501,7 @@
         </a:p>
       </dgm:t>
     </dgm:pt>
-    <dgm:pt modelId="{3015F664-61BE-437E-9C5B-FD1BCF3C60E3}" type="parTrans" cxnId="{92939A1C-CC31-4154-AE1A-2DA5E3F0CB00}">
+    <dgm:pt modelId="{D9830118-A0F9-4794-B160-868E5C30E333}" type="parTrans" cxnId="{862BDFD0-2B73-4C35-A973-14927B837420}">
       <dgm:prSet/>
       <dgm:spPr/>
       <dgm:t>
@@ -2263,7 +2512,7 @@
         </a:p>
       </dgm:t>
     </dgm:pt>
-    <dgm:pt modelId="{EC77EB57-26C8-4BB2-B033-11B4ED5AA90E}" type="sibTrans" cxnId="{92939A1C-CC31-4154-AE1A-2DA5E3F0CB00}">
+    <dgm:pt modelId="{E1C47BD4-ACD7-4EB8-B3BD-1316F0203244}" type="sibTrans" cxnId="{862BDFD0-2B73-4C35-A973-14927B837420}">
       <dgm:prSet/>
       <dgm:spPr/>
       <dgm:t>
@@ -2274,14 +2523,204 @@
         </a:p>
       </dgm:t>
     </dgm:pt>
-    <dgm:pt modelId="{931C752C-1DD0-4C44-A82D-E904C2123ABE}" type="pres">
-      <dgm:prSet presAssocID="{05F30BE2-6C33-4D0C-8FC7-E413F6E18D57}" presName="hierChild1" presStyleCnt="0">
+    <dgm:pt modelId="{E994EDA2-DBED-4525-80A4-99E7785E80E2}">
+      <dgm:prSet phldrT="[Text]"/>
+      <dgm:spPr/>
+      <dgm:t>
+        <a:bodyPr/>
+        <a:lstStyle/>
+        <a:p>
+          <a:endParaRPr lang="en-NZ" dirty="0"/>
+        </a:p>
+      </dgm:t>
+    </dgm:pt>
+    <dgm:pt modelId="{05E5EA3C-7D1B-495E-809B-9575547B8127}" type="parTrans" cxnId="{952E1B3F-C2A7-4411-90A6-4FABE119FBFE}">
+      <dgm:prSet/>
+      <dgm:spPr/>
+      <dgm:t>
+        <a:bodyPr/>
+        <a:lstStyle/>
+        <a:p>
+          <a:endParaRPr lang="en-NZ"/>
+        </a:p>
+      </dgm:t>
+    </dgm:pt>
+    <dgm:pt modelId="{7170283E-C4CC-4350-AA5B-DE6C69068EE0}" type="sibTrans" cxnId="{952E1B3F-C2A7-4411-90A6-4FABE119FBFE}">
+      <dgm:prSet/>
+      <dgm:spPr/>
+      <dgm:t>
+        <a:bodyPr/>
+        <a:lstStyle/>
+        <a:p>
+          <a:endParaRPr lang="en-NZ"/>
+        </a:p>
+      </dgm:t>
+    </dgm:pt>
+    <dgm:pt modelId="{2B79DAFE-84E9-4F08-BE98-7CDC93C0392E}">
+      <dgm:prSet phldrT="[Text]" custT="1"/>
+      <dgm:spPr/>
+      <dgm:t>
+        <a:bodyPr/>
+        <a:lstStyle/>
+        <a:p>
+          <a:pPr algn="l"/>
+          <a:r>
+            <a:rPr lang="en-NZ" sz="1300" dirty="0" err="1" smtClean="0"/>
+            <a:t>appendRunStats</a:t>
+          </a:r>
+          <a:r>
+            <a:rPr lang="en-NZ" sz="1300" dirty="0" smtClean="0"/>
+            <a:t/>
+          </a:r>
+          <a:br>
+            <a:rPr lang="en-NZ" sz="1300" dirty="0" smtClean="0"/>
+          </a:br>
+          <a:r>
+            <a:rPr lang="en-NZ" sz="1400" dirty="0" err="1" smtClean="0"/>
+            <a:t>collateRunStats</a:t>
+          </a:r>
+          <a:endParaRPr lang="en-NZ" sz="1700" dirty="0"/>
+        </a:p>
+      </dgm:t>
+    </dgm:pt>
+    <dgm:pt modelId="{F083D46D-754A-4C11-9CD6-E35B0411C22E}" type="sibTrans" cxnId="{86B3ABDF-A753-4179-A689-2A936463EA5B}">
+      <dgm:prSet/>
+      <dgm:spPr/>
+      <dgm:t>
+        <a:bodyPr/>
+        <a:lstStyle/>
+        <a:p>
+          <a:endParaRPr lang="en-NZ"/>
+        </a:p>
+      </dgm:t>
+    </dgm:pt>
+    <dgm:pt modelId="{B70EFE47-A69A-48CC-A7A7-388F96A57DD7}" type="parTrans" cxnId="{86B3ABDF-A753-4179-A689-2A936463EA5B}">
+      <dgm:prSet/>
+      <dgm:spPr/>
+      <dgm:t>
+        <a:bodyPr/>
+        <a:lstStyle/>
+        <a:p>
+          <a:endParaRPr lang="en-NZ"/>
+        </a:p>
+      </dgm:t>
+    </dgm:pt>
+    <dgm:pt modelId="{CFD33561-8148-45B0-AA12-0D116BBAA0FC}">
+      <dgm:prSet phldrT="[Text]" custT="1"/>
+      <dgm:spPr/>
+      <dgm:t>
+        <a:bodyPr/>
+        <a:lstStyle/>
+        <a:p>
+          <a:pPr algn="l"/>
+          <a:r>
+            <a:rPr lang="en-NZ" sz="1400" dirty="0" err="1" smtClean="0"/>
+            <a:t>simulateRun</a:t>
+          </a:r>
+          <a:endParaRPr lang="en-NZ" sz="1700" dirty="0"/>
+        </a:p>
+      </dgm:t>
+    </dgm:pt>
+    <dgm:pt modelId="{9D8842F3-6ED6-49D0-917A-619506D0791D}" type="parTrans" cxnId="{17F64068-0C5A-4184-A2FE-93647B697E06}">
+      <dgm:prSet/>
+      <dgm:spPr/>
+      <dgm:t>
+        <a:bodyPr/>
+        <a:lstStyle/>
+        <a:p>
+          <a:endParaRPr lang="en-NZ"/>
+        </a:p>
+      </dgm:t>
+    </dgm:pt>
+    <dgm:pt modelId="{FC78998D-4C0F-4F10-B7CD-D64819502DD9}" type="sibTrans" cxnId="{17F64068-0C5A-4184-A2FE-93647B697E06}">
+      <dgm:prSet/>
+      <dgm:spPr/>
+      <dgm:t>
+        <a:bodyPr/>
+        <a:lstStyle/>
+        <a:p>
+          <a:endParaRPr lang="en-NZ"/>
+        </a:p>
+      </dgm:t>
+    </dgm:pt>
+    <dgm:pt modelId="{E4EE97E6-58F0-48DF-9A81-4936FE72C23B}">
+      <dgm:prSet phldrT="[Text]" custT="1"/>
+      <dgm:spPr/>
+      <dgm:t>
+        <a:bodyPr/>
+        <a:lstStyle/>
+        <a:p>
+          <a:r>
+            <a:rPr lang="en-NZ" sz="1800" dirty="0" smtClean="0"/>
+            <a:t>Key Functions</a:t>
+          </a:r>
+          <a:endParaRPr lang="en-NZ" sz="1800" dirty="0"/>
+        </a:p>
+      </dgm:t>
+    </dgm:pt>
+    <dgm:pt modelId="{3E1AAE42-C0AB-4124-925E-02E04753FA0E}" type="parTrans" cxnId="{62F97581-7097-4061-9B95-441438738209}">
+      <dgm:prSet/>
+      <dgm:spPr/>
+      <dgm:t>
+        <a:bodyPr/>
+        <a:lstStyle/>
+        <a:p>
+          <a:endParaRPr lang="en-NZ"/>
+        </a:p>
+      </dgm:t>
+    </dgm:pt>
+    <dgm:pt modelId="{01831434-6291-40EF-9304-1E66FA4BAE06}" type="sibTrans" cxnId="{62F97581-7097-4061-9B95-441438738209}">
+      <dgm:prSet/>
+      <dgm:spPr/>
+      <dgm:t>
+        <a:bodyPr/>
+        <a:lstStyle/>
+        <a:p>
+          <a:endParaRPr lang="en-NZ"/>
+        </a:p>
+      </dgm:t>
+    </dgm:pt>
+    <dgm:pt modelId="{04516023-A4CD-40DD-8B9C-EBD48B184AA9}">
+      <dgm:prSet phldrT="[Text]"/>
+      <dgm:spPr/>
+      <dgm:t>
+        <a:bodyPr/>
+        <a:lstStyle/>
+        <a:p>
+          <a:endParaRPr lang="en-NZ" sz="1300" dirty="0"/>
+        </a:p>
+      </dgm:t>
+    </dgm:pt>
+    <dgm:pt modelId="{A6B66F31-3858-4E5F-91FD-7A29B7BF29CC}" type="parTrans" cxnId="{AAF8AD64-5D97-4911-B527-EA2C1E63B4F5}">
+      <dgm:prSet/>
+      <dgm:spPr/>
+      <dgm:t>
+        <a:bodyPr/>
+        <a:lstStyle/>
+        <a:p>
+          <a:endParaRPr lang="en-NZ"/>
+        </a:p>
+      </dgm:t>
+    </dgm:pt>
+    <dgm:pt modelId="{374BFD43-BBAC-4ACD-9E5D-7F4A4D650569}" type="sibTrans" cxnId="{AAF8AD64-5D97-4911-B527-EA2C1E63B4F5}">
+      <dgm:prSet/>
+      <dgm:spPr/>
+      <dgm:t>
+        <a:bodyPr/>
+        <a:lstStyle/>
+        <a:p>
+          <a:endParaRPr lang="en-NZ"/>
+        </a:p>
+      </dgm:t>
+    </dgm:pt>
+    <dgm:pt modelId="{CF56E6C3-A0B6-4DB1-B5E1-9789B6B8CBD9}" type="pres">
+      <dgm:prSet presAssocID="{7BD645C1-F293-41A5-B7B8-9D2B9C32650B}" presName="mainComposite" presStyleCnt="0">
         <dgm:presLayoutVars>
           <dgm:chPref val="1"/>
           <dgm:dir/>
           <dgm:animOne val="branch"/>
           <dgm:animLvl val="lvl"/>
-          <dgm:resizeHandles/>
+          <dgm:resizeHandles val="exact"/>
         </dgm:presLayoutVars>
       </dgm:prSet>
       <dgm:spPr/>
@@ -2293,20 +2732,30 @@
         </a:p>
       </dgm:t>
     </dgm:pt>
-    <dgm:pt modelId="{020DDD35-155E-4B6A-AA06-68E3843BB277}" type="pres">
-      <dgm:prSet presAssocID="{C061362B-DCE5-4AB0-BF32-5EB85DBC24B0}" presName="hierRoot1" presStyleCnt="0"/>
+    <dgm:pt modelId="{2E4F93BE-41EE-48F6-8CE7-BD159412C558}" type="pres">
+      <dgm:prSet presAssocID="{7BD645C1-F293-41A5-B7B8-9D2B9C32650B}" presName="hierFlow" presStyleCnt="0"/>
       <dgm:spPr/>
     </dgm:pt>
-    <dgm:pt modelId="{C39EAF42-7A00-43B7-8E67-0E146441E2BA}" type="pres">
-      <dgm:prSet presAssocID="{C061362B-DCE5-4AB0-BF32-5EB85DBC24B0}" presName="composite" presStyleCnt="0"/>
+    <dgm:pt modelId="{2BBA4917-D919-4A6B-8F6E-3E32B3B5022D}" type="pres">
+      <dgm:prSet presAssocID="{7BD645C1-F293-41A5-B7B8-9D2B9C32650B}" presName="firstBuf" presStyleCnt="0"/>
       <dgm:spPr/>
     </dgm:pt>
-    <dgm:pt modelId="{77039053-776F-4D80-A407-E479EBA0271D}" type="pres">
-      <dgm:prSet presAssocID="{C061362B-DCE5-4AB0-BF32-5EB85DBC24B0}" presName="background" presStyleLbl="node0" presStyleIdx="0" presStyleCnt="1"/>
+    <dgm:pt modelId="{329F85B4-E675-4BE3-9601-D13374435E6B}" type="pres">
+      <dgm:prSet presAssocID="{7BD645C1-F293-41A5-B7B8-9D2B9C32650B}" presName="hierChild1" presStyleCnt="0">
+        <dgm:presLayoutVars>
+          <dgm:chPref val="1"/>
+          <dgm:animOne val="branch"/>
+          <dgm:animLvl val="lvl"/>
+        </dgm:presLayoutVars>
+      </dgm:prSet>
       <dgm:spPr/>
     </dgm:pt>
-    <dgm:pt modelId="{CA572919-8968-48C0-9219-D530F9A80AD1}" type="pres">
-      <dgm:prSet presAssocID="{C061362B-DCE5-4AB0-BF32-5EB85DBC24B0}" presName="text" presStyleLbl="fgAcc0" presStyleIdx="0" presStyleCnt="1">
+    <dgm:pt modelId="{F787E7B1-53CA-498E-9A0A-693621A08271}" type="pres">
+      <dgm:prSet presAssocID="{1B1A2424-B3BF-456C-B9B6-FC86D68F73DA}" presName="Name14" presStyleCnt="0"/>
+      <dgm:spPr/>
+    </dgm:pt>
+    <dgm:pt modelId="{0F05CE86-B0AE-42B4-AEAD-9BEE65D6D441}" type="pres">
+      <dgm:prSet presAssocID="{1B1A2424-B3BF-456C-B9B6-FC86D68F73DA}" presName="level1Shape" presStyleLbl="node0" presStyleIdx="0" presStyleCnt="1">
         <dgm:presLayoutVars>
           <dgm:chPref val="3"/>
         </dgm:presLayoutVars>
@@ -2320,12 +2769,12 @@
         </a:p>
       </dgm:t>
     </dgm:pt>
-    <dgm:pt modelId="{AB35FE94-09E2-419B-B013-3C226188C111}" type="pres">
-      <dgm:prSet presAssocID="{C061362B-DCE5-4AB0-BF32-5EB85DBC24B0}" presName="hierChild2" presStyleCnt="0"/>
+    <dgm:pt modelId="{1F2BFE53-3233-419B-8C1B-25EBD420506A}" type="pres">
+      <dgm:prSet presAssocID="{1B1A2424-B3BF-456C-B9B6-FC86D68F73DA}" presName="hierChild2" presStyleCnt="0"/>
       <dgm:spPr/>
     </dgm:pt>
-    <dgm:pt modelId="{D2586091-7EEA-4AAC-8E99-4C85F9D86CB6}" type="pres">
-      <dgm:prSet presAssocID="{A2B51E87-42B0-416C-8D05-F04665169E1E}" presName="Name10" presStyleLbl="parChTrans1D2" presStyleIdx="0" presStyleCnt="1"/>
+    <dgm:pt modelId="{C3130341-79B4-4649-9846-4D2DA910E754}" type="pres">
+      <dgm:prSet presAssocID="{9C5777CA-45DF-4036-A2A3-CD0299C3D482}" presName="Name19" presStyleLbl="parChTrans1D2" presStyleIdx="0" presStyleCnt="1"/>
       <dgm:spPr/>
       <dgm:t>
         <a:bodyPr/>
@@ -2335,22 +2784,108 @@
         </a:p>
       </dgm:t>
     </dgm:pt>
-    <dgm:pt modelId="{7E3CFCF1-604B-401B-8713-284EA5F26684}" type="pres">
-      <dgm:prSet presAssocID="{909C8E88-4220-4553-BF16-4A8182D1F920}" presName="hierRoot2" presStyleCnt="0"/>
+    <dgm:pt modelId="{32A69B09-0DEE-40B7-B9B7-077EF37643FC}" type="pres">
+      <dgm:prSet presAssocID="{2CB2EF86-9CD0-43B7-B1FA-743321F4A655}" presName="Name21" presStyleCnt="0"/>
       <dgm:spPr/>
     </dgm:pt>
-    <dgm:pt modelId="{F9F9D111-F511-4EE8-AE09-B36A444F09D5}" type="pres">
-      <dgm:prSet presAssocID="{909C8E88-4220-4553-BF16-4A8182D1F920}" presName="composite2" presStyleCnt="0"/>
+    <dgm:pt modelId="{1357C9EC-4CC6-4833-BAC6-862178907401}" type="pres">
+      <dgm:prSet presAssocID="{2CB2EF86-9CD0-43B7-B1FA-743321F4A655}" presName="level2Shape" presStyleLbl="node2" presStyleIdx="0" presStyleCnt="1"/>
+      <dgm:spPr/>
+      <dgm:t>
+        <a:bodyPr/>
+        <a:lstStyle/>
+        <a:p>
+          <a:endParaRPr lang="en-NZ"/>
+        </a:p>
+      </dgm:t>
+    </dgm:pt>
+    <dgm:pt modelId="{85D52525-5617-4581-B5EC-26C0D089CF2C}" type="pres">
+      <dgm:prSet presAssocID="{2CB2EF86-9CD0-43B7-B1FA-743321F4A655}" presName="hierChild3" presStyleCnt="0"/>
       <dgm:spPr/>
     </dgm:pt>
-    <dgm:pt modelId="{7816EE88-6DE7-44B0-B711-B702FF1FD171}" type="pres">
-      <dgm:prSet presAssocID="{909C8E88-4220-4553-BF16-4A8182D1F920}" presName="background2" presStyleLbl="node2" presStyleIdx="0" presStyleCnt="1"/>
+    <dgm:pt modelId="{6BE3564B-F5EC-4596-A3F4-5B5880B3502B}" type="pres">
+      <dgm:prSet presAssocID="{E89EE506-2836-4DE2-9971-64022A28EBBA}" presName="Name19" presStyleLbl="parChTrans1D3" presStyleIdx="0" presStyleCnt="1"/>
+      <dgm:spPr/>
+      <dgm:t>
+        <a:bodyPr/>
+        <a:lstStyle/>
+        <a:p>
+          <a:endParaRPr lang="en-NZ"/>
+        </a:p>
+      </dgm:t>
+    </dgm:pt>
+    <dgm:pt modelId="{E29A5741-46C8-4C1F-BD38-1C11970A45DF}" type="pres">
+      <dgm:prSet presAssocID="{01A0A340-7E5F-4679-B855-6EFABF6A5A40}" presName="Name21" presStyleCnt="0"/>
       <dgm:spPr/>
     </dgm:pt>
-    <dgm:pt modelId="{ADB4FCDC-497A-4F6F-8B7C-8BF5C33A3D48}" type="pres">
-      <dgm:prSet presAssocID="{909C8E88-4220-4553-BF16-4A8182D1F920}" presName="text2" presStyleLbl="fgAcc2" presStyleIdx="0" presStyleCnt="1">
+    <dgm:pt modelId="{156D5EAE-D944-482E-8012-31CC7A5FB804}" type="pres">
+      <dgm:prSet presAssocID="{01A0A340-7E5F-4679-B855-6EFABF6A5A40}" presName="level2Shape" presStyleLbl="node3" presStyleIdx="0" presStyleCnt="1" custScaleX="126360"/>
+      <dgm:spPr/>
+      <dgm:t>
+        <a:bodyPr/>
+        <a:lstStyle/>
+        <a:p>
+          <a:endParaRPr lang="en-NZ"/>
+        </a:p>
+      </dgm:t>
+    </dgm:pt>
+    <dgm:pt modelId="{F12C00FE-7C0B-4CB3-BFDC-B2A8450EA454}" type="pres">
+      <dgm:prSet presAssocID="{01A0A340-7E5F-4679-B855-6EFABF6A5A40}" presName="hierChild3" presStyleCnt="0"/>
+      <dgm:spPr/>
+    </dgm:pt>
+    <dgm:pt modelId="{D8AE45CE-0096-4BF4-9D97-AA528E61D93F}" type="pres">
+      <dgm:prSet presAssocID="{D9830118-A0F9-4794-B160-868E5C30E333}" presName="Name19" presStyleLbl="parChTrans1D4" presStyleIdx="0" presStyleCnt="1"/>
+      <dgm:spPr/>
+      <dgm:t>
+        <a:bodyPr/>
+        <a:lstStyle/>
+        <a:p>
+          <a:endParaRPr lang="en-NZ"/>
+        </a:p>
+      </dgm:t>
+    </dgm:pt>
+    <dgm:pt modelId="{43FC2898-DECC-4F59-98AB-D8C757AF15CE}" type="pres">
+      <dgm:prSet presAssocID="{1363BC8F-DB79-4ED3-9FCC-C7A8B3815A9D}" presName="Name21" presStyleCnt="0"/>
+      <dgm:spPr/>
+    </dgm:pt>
+    <dgm:pt modelId="{C1D28920-C686-4F73-973B-A70AD6024D4E}" type="pres">
+      <dgm:prSet presAssocID="{1363BC8F-DB79-4ED3-9FCC-C7A8B3815A9D}" presName="level2Shape" presStyleLbl="node4" presStyleIdx="0" presStyleCnt="1"/>
+      <dgm:spPr/>
+      <dgm:t>
+        <a:bodyPr/>
+        <a:lstStyle/>
+        <a:p>
+          <a:endParaRPr lang="en-NZ"/>
+        </a:p>
+      </dgm:t>
+    </dgm:pt>
+    <dgm:pt modelId="{3F4B0C36-5E51-4870-93FE-5DF7C28F7425}" type="pres">
+      <dgm:prSet presAssocID="{1363BC8F-DB79-4ED3-9FCC-C7A8B3815A9D}" presName="hierChild3" presStyleCnt="0"/>
+      <dgm:spPr/>
+    </dgm:pt>
+    <dgm:pt modelId="{9863C5B6-7A56-4C01-B63C-1887C73FB981}" type="pres">
+      <dgm:prSet presAssocID="{7BD645C1-F293-41A5-B7B8-9D2B9C32650B}" presName="bgShapesFlow" presStyleCnt="0"/>
+      <dgm:spPr/>
+    </dgm:pt>
+    <dgm:pt modelId="{94F7733C-077C-4F5D-8E72-9CF403B3AE6E}" type="pres">
+      <dgm:prSet presAssocID="{E4EE97E6-58F0-48DF-9A81-4936FE72C23B}" presName="rectComp" presStyleCnt="0"/>
+      <dgm:spPr/>
+    </dgm:pt>
+    <dgm:pt modelId="{0D066EF3-FAB9-4DB7-A0D6-BC9F0EBC3C45}" type="pres">
+      <dgm:prSet presAssocID="{E4EE97E6-58F0-48DF-9A81-4936FE72C23B}" presName="bgRect" presStyleLbl="bgShp" presStyleIdx="0" presStyleCnt="4"/>
+      <dgm:spPr/>
+      <dgm:t>
+        <a:bodyPr/>
+        <a:lstStyle/>
+        <a:p>
+          <a:endParaRPr lang="en-NZ"/>
+        </a:p>
+      </dgm:t>
+    </dgm:pt>
+    <dgm:pt modelId="{C12096DA-677C-409B-A512-5BA41C02C7BB}" type="pres">
+      <dgm:prSet presAssocID="{E4EE97E6-58F0-48DF-9A81-4936FE72C23B}" presName="bgRectTx" presStyleLbl="bgShp" presStyleIdx="0" presStyleCnt="4">
         <dgm:presLayoutVars>
-          <dgm:chPref val="3"/>
+          <dgm:bulletEnabled val="1"/>
         </dgm:presLayoutVars>
       </dgm:prSet>
       <dgm:spPr/>
@@ -2362,12 +2897,20 @@
         </a:p>
       </dgm:t>
     </dgm:pt>
-    <dgm:pt modelId="{2350ACA6-6050-45AF-A25C-1EF540AE7B2D}" type="pres">
-      <dgm:prSet presAssocID="{909C8E88-4220-4553-BF16-4A8182D1F920}" presName="hierChild3" presStyleCnt="0"/>
+    <dgm:pt modelId="{695C8EEC-94DA-4308-BA67-B30CD9E1D292}" type="pres">
+      <dgm:prSet presAssocID="{E4EE97E6-58F0-48DF-9A81-4936FE72C23B}" presName="spComp" presStyleCnt="0"/>
       <dgm:spPr/>
     </dgm:pt>
-    <dgm:pt modelId="{B3868680-91FE-4838-B36D-5E41F186E02B}" type="pres">
-      <dgm:prSet presAssocID="{5438DC54-F953-406F-9877-76D47AE83CF9}" presName="Name17" presStyleLbl="parChTrans1D3" presStyleIdx="0" presStyleCnt="1"/>
+    <dgm:pt modelId="{E02CB937-E7F9-4F6E-8656-EC132A1F48B0}" type="pres">
+      <dgm:prSet presAssocID="{E4EE97E6-58F0-48DF-9A81-4936FE72C23B}" presName="vSp" presStyleCnt="0"/>
+      <dgm:spPr/>
+    </dgm:pt>
+    <dgm:pt modelId="{510184EC-6286-4EFF-BEE7-49632AAE53C8}" type="pres">
+      <dgm:prSet presAssocID="{2B79DAFE-84E9-4F08-BE98-7CDC93C0392E}" presName="rectComp" presStyleCnt="0"/>
+      <dgm:spPr/>
+    </dgm:pt>
+    <dgm:pt modelId="{F4943280-3623-4753-8577-50735B0BDEC9}" type="pres">
+      <dgm:prSet presAssocID="{2B79DAFE-84E9-4F08-BE98-7CDC93C0392E}" presName="bgRect" presStyleLbl="bgShp" presStyleIdx="1" presStyleCnt="4"/>
       <dgm:spPr/>
       <dgm:t>
         <a:bodyPr/>
@@ -2377,22 +2920,10 @@
         </a:p>
       </dgm:t>
     </dgm:pt>
-    <dgm:pt modelId="{7C793831-1053-4AFF-A6EF-C65EC71141A4}" type="pres">
-      <dgm:prSet presAssocID="{26BD83CD-5CED-4A29-BBF4-6791D5A67EE0}" presName="hierRoot3" presStyleCnt="0"/>
-      <dgm:spPr/>
-    </dgm:pt>
-    <dgm:pt modelId="{17EB3369-40D0-4BAF-8D53-0FD19BF7B4C1}" type="pres">
-      <dgm:prSet presAssocID="{26BD83CD-5CED-4A29-BBF4-6791D5A67EE0}" presName="composite3" presStyleCnt="0"/>
-      <dgm:spPr/>
-    </dgm:pt>
-    <dgm:pt modelId="{E41289B1-E67B-41A4-B3F4-E7F6B98A51E5}" type="pres">
-      <dgm:prSet presAssocID="{26BD83CD-5CED-4A29-BBF4-6791D5A67EE0}" presName="background3" presStyleLbl="node3" presStyleIdx="0" presStyleCnt="1"/>
-      <dgm:spPr/>
-    </dgm:pt>
-    <dgm:pt modelId="{7827FCD7-C5F3-441D-964B-41EE352A51A9}" type="pres">
-      <dgm:prSet presAssocID="{26BD83CD-5CED-4A29-BBF4-6791D5A67EE0}" presName="text3" presStyleLbl="fgAcc3" presStyleIdx="0" presStyleCnt="1">
+    <dgm:pt modelId="{B1595007-F938-47D8-884D-1BA9EC7DB341}" type="pres">
+      <dgm:prSet presAssocID="{2B79DAFE-84E9-4F08-BE98-7CDC93C0392E}" presName="bgRectTx" presStyleLbl="bgShp" presStyleIdx="1" presStyleCnt="4">
         <dgm:presLayoutVars>
-          <dgm:chPref val="3"/>
+          <dgm:bulletEnabled val="1"/>
         </dgm:presLayoutVars>
       </dgm:prSet>
       <dgm:spPr/>
@@ -2404,12 +2935,20 @@
         </a:p>
       </dgm:t>
     </dgm:pt>
-    <dgm:pt modelId="{EC04D97C-5BAD-4F0E-8DFD-3128E94ADC0E}" type="pres">
-      <dgm:prSet presAssocID="{26BD83CD-5CED-4A29-BBF4-6791D5A67EE0}" presName="hierChild4" presStyleCnt="0"/>
+    <dgm:pt modelId="{2E2483E9-12AA-4F19-9966-F9F503E9E60F}" type="pres">
+      <dgm:prSet presAssocID="{2B79DAFE-84E9-4F08-BE98-7CDC93C0392E}" presName="spComp" presStyleCnt="0"/>
       <dgm:spPr/>
     </dgm:pt>
-    <dgm:pt modelId="{E05E599C-BAD5-4BD0-B8A8-341B2D50ED07}" type="pres">
-      <dgm:prSet presAssocID="{3015F664-61BE-437E-9C5B-FD1BCF3C60E3}" presName="Name23" presStyleLbl="parChTrans1D4" presStyleIdx="0" presStyleCnt="1"/>
+    <dgm:pt modelId="{67C4ECE0-8EC9-4CC2-8104-06F3A51B4B37}" type="pres">
+      <dgm:prSet presAssocID="{2B79DAFE-84E9-4F08-BE98-7CDC93C0392E}" presName="vSp" presStyleCnt="0"/>
+      <dgm:spPr/>
+    </dgm:pt>
+    <dgm:pt modelId="{DF248D69-6691-415C-98AA-2AAD408763C4}" type="pres">
+      <dgm:prSet presAssocID="{CFD33561-8148-45B0-AA12-0D116BBAA0FC}" presName="rectComp" presStyleCnt="0"/>
+      <dgm:spPr/>
+    </dgm:pt>
+    <dgm:pt modelId="{FE29CD73-3B14-43CF-83D8-60BA2CD2E864}" type="pres">
+      <dgm:prSet presAssocID="{CFD33561-8148-45B0-AA12-0D116BBAA0FC}" presName="bgRect" presStyleLbl="bgShp" presStyleIdx="2" presStyleCnt="4"/>
       <dgm:spPr/>
       <dgm:t>
         <a:bodyPr/>
@@ -2419,22 +2958,10 @@
         </a:p>
       </dgm:t>
     </dgm:pt>
-    <dgm:pt modelId="{FB73B2CE-190B-4541-A652-6E5CC10AB361}" type="pres">
-      <dgm:prSet presAssocID="{8E69D1D5-1B0B-46B9-A2A5-067C1409F13E}" presName="hierRoot4" presStyleCnt="0"/>
-      <dgm:spPr/>
-    </dgm:pt>
-    <dgm:pt modelId="{E2209ECC-F180-4B92-9E28-BBE4FFECC02B}" type="pres">
-      <dgm:prSet presAssocID="{8E69D1D5-1B0B-46B9-A2A5-067C1409F13E}" presName="composite4" presStyleCnt="0"/>
-      <dgm:spPr/>
-    </dgm:pt>
-    <dgm:pt modelId="{C2F408C6-B38F-405C-A19B-21B5AD30E9F6}" type="pres">
-      <dgm:prSet presAssocID="{8E69D1D5-1B0B-46B9-A2A5-067C1409F13E}" presName="background4" presStyleLbl="node4" presStyleIdx="0" presStyleCnt="1"/>
-      <dgm:spPr/>
-    </dgm:pt>
-    <dgm:pt modelId="{BB557E68-4299-46F4-BB9F-A0A4300C109A}" type="pres">
-      <dgm:prSet presAssocID="{8E69D1D5-1B0B-46B9-A2A5-067C1409F13E}" presName="text4" presStyleLbl="fgAcc4" presStyleIdx="0" presStyleCnt="1">
+    <dgm:pt modelId="{43C0DAE9-6DDE-4B28-9D9A-F6244F238E6B}" type="pres">
+      <dgm:prSet presAssocID="{CFD33561-8148-45B0-AA12-0D116BBAA0FC}" presName="bgRectTx" presStyleLbl="bgShp" presStyleIdx="2" presStyleCnt="4">
         <dgm:presLayoutVars>
-          <dgm:chPref val="3"/>
+          <dgm:bulletEnabled val="1"/>
         </dgm:presLayoutVars>
       </dgm:prSet>
       <dgm:spPr/>
@@ -2446,53 +2973,116 @@
         </a:p>
       </dgm:t>
     </dgm:pt>
-    <dgm:pt modelId="{E8B16657-4321-41BD-91E7-B6E84FBC89F4}" type="pres">
-      <dgm:prSet presAssocID="{8E69D1D5-1B0B-46B9-A2A5-067C1409F13E}" presName="hierChild5" presStyleCnt="0"/>
+    <dgm:pt modelId="{08674A08-1D72-444D-8AE6-FD64E2098886}" type="pres">
+      <dgm:prSet presAssocID="{CFD33561-8148-45B0-AA12-0D116BBAA0FC}" presName="spComp" presStyleCnt="0"/>
       <dgm:spPr/>
+    </dgm:pt>
+    <dgm:pt modelId="{E17101E4-B5F7-46FF-AE4E-61C4E56B5174}" type="pres">
+      <dgm:prSet presAssocID="{CFD33561-8148-45B0-AA12-0D116BBAA0FC}" presName="vSp" presStyleCnt="0"/>
+      <dgm:spPr/>
+    </dgm:pt>
+    <dgm:pt modelId="{E60C6327-609F-442B-B6B4-9153ECDE3580}" type="pres">
+      <dgm:prSet presAssocID="{E994EDA2-DBED-4525-80A4-99E7785E80E2}" presName="rectComp" presStyleCnt="0"/>
+      <dgm:spPr/>
+    </dgm:pt>
+    <dgm:pt modelId="{D03DA1F5-9F40-480B-9AB6-3CFD836CF7AC}" type="pres">
+      <dgm:prSet presAssocID="{E994EDA2-DBED-4525-80A4-99E7785E80E2}" presName="bgRect" presStyleLbl="bgShp" presStyleIdx="3" presStyleCnt="4"/>
+      <dgm:spPr/>
+      <dgm:t>
+        <a:bodyPr/>
+        <a:lstStyle/>
+        <a:p>
+          <a:endParaRPr lang="en-NZ"/>
+        </a:p>
+      </dgm:t>
+    </dgm:pt>
+    <dgm:pt modelId="{89993469-EA05-4713-986A-F7D1871A24C8}" type="pres">
+      <dgm:prSet presAssocID="{E994EDA2-DBED-4525-80A4-99E7785E80E2}" presName="bgRectTx" presStyleLbl="bgShp" presStyleIdx="3" presStyleCnt="4">
+        <dgm:presLayoutVars>
+          <dgm:bulletEnabled val="1"/>
+        </dgm:presLayoutVars>
+      </dgm:prSet>
+      <dgm:spPr/>
+      <dgm:t>
+        <a:bodyPr/>
+        <a:lstStyle/>
+        <a:p>
+          <a:endParaRPr lang="en-NZ"/>
+        </a:p>
+      </dgm:t>
     </dgm:pt>
   </dgm:ptLst>
   <dgm:cxnLst>
-    <dgm:cxn modelId="{92939A1C-CC31-4154-AE1A-2DA5E3F0CB00}" srcId="{26BD83CD-5CED-4A29-BBF4-6791D5A67EE0}" destId="{8E69D1D5-1B0B-46B9-A2A5-067C1409F13E}" srcOrd="0" destOrd="0" parTransId="{3015F664-61BE-437E-9C5B-FD1BCF3C60E3}" sibTransId="{EC77EB57-26C8-4BB2-B033-11B4ED5AA90E}"/>
-    <dgm:cxn modelId="{99D9E350-1F17-44CC-BF31-AA7543871A2D}" type="presOf" srcId="{26BD83CD-5CED-4A29-BBF4-6791D5A67EE0}" destId="{7827FCD7-C5F3-441D-964B-41EE352A51A9}" srcOrd="0" destOrd="0" presId="urn:microsoft.com/office/officeart/2005/8/layout/hierarchy1"/>
-    <dgm:cxn modelId="{994E6429-F4F6-45EE-BD2F-F5ABEC44A113}" type="presOf" srcId="{3015F664-61BE-437E-9C5B-FD1BCF3C60E3}" destId="{E05E599C-BAD5-4BD0-B8A8-341B2D50ED07}" srcOrd="0" destOrd="0" presId="urn:microsoft.com/office/officeart/2005/8/layout/hierarchy1"/>
-    <dgm:cxn modelId="{876A59C2-2304-48BC-B37C-F5E4A17E144B}" type="presOf" srcId="{8E69D1D5-1B0B-46B9-A2A5-067C1409F13E}" destId="{BB557E68-4299-46F4-BB9F-A0A4300C109A}" srcOrd="0" destOrd="0" presId="urn:microsoft.com/office/officeart/2005/8/layout/hierarchy1"/>
-    <dgm:cxn modelId="{AE9FCABE-1C07-4B4B-9231-53FD2EF4A8C6}" type="presOf" srcId="{909C8E88-4220-4553-BF16-4A8182D1F920}" destId="{ADB4FCDC-497A-4F6F-8B7C-8BF5C33A3D48}" srcOrd="0" destOrd="0" presId="urn:microsoft.com/office/officeart/2005/8/layout/hierarchy1"/>
-    <dgm:cxn modelId="{691982FC-99AD-4038-9041-DBE810B0C55A}" srcId="{909C8E88-4220-4553-BF16-4A8182D1F920}" destId="{26BD83CD-5CED-4A29-BBF4-6791D5A67EE0}" srcOrd="0" destOrd="0" parTransId="{5438DC54-F953-406F-9877-76D47AE83CF9}" sibTransId="{B56EC745-BFFA-4D58-95F5-3E620C3D6827}"/>
-    <dgm:cxn modelId="{0F417E8A-34DA-45CD-A1D2-3FD4BDE48F72}" type="presOf" srcId="{05F30BE2-6C33-4D0C-8FC7-E413F6E18D57}" destId="{931C752C-1DD0-4C44-A82D-E904C2123ABE}" srcOrd="0" destOrd="0" presId="urn:microsoft.com/office/officeart/2005/8/layout/hierarchy1"/>
-    <dgm:cxn modelId="{2C94802E-085D-4DE1-BDF5-60CB60BD1C7C}" type="presOf" srcId="{A2B51E87-42B0-416C-8D05-F04665169E1E}" destId="{D2586091-7EEA-4AAC-8E99-4C85F9D86CB6}" srcOrd="0" destOrd="0" presId="urn:microsoft.com/office/officeart/2005/8/layout/hierarchy1"/>
-    <dgm:cxn modelId="{9BC844DE-76B9-409D-8044-E7505DD81972}" srcId="{05F30BE2-6C33-4D0C-8FC7-E413F6E18D57}" destId="{C061362B-DCE5-4AB0-BF32-5EB85DBC24B0}" srcOrd="0" destOrd="0" parTransId="{FFCDEDE9-4987-45DE-9B9F-53DE89FDE765}" sibTransId="{65EE5DD6-E5B6-4A0C-A81C-102EDB42AEB8}"/>
-    <dgm:cxn modelId="{51F6EC2C-AF0B-4305-A24D-4F8162602B42}" srcId="{C061362B-DCE5-4AB0-BF32-5EB85DBC24B0}" destId="{909C8E88-4220-4553-BF16-4A8182D1F920}" srcOrd="0" destOrd="0" parTransId="{A2B51E87-42B0-416C-8D05-F04665169E1E}" sibTransId="{503A38CC-7B73-4325-8B53-A4F4B4A76CCB}"/>
-    <dgm:cxn modelId="{17C30D1B-83BE-4A05-9B06-AEB2EA5E67D9}" type="presOf" srcId="{5438DC54-F953-406F-9877-76D47AE83CF9}" destId="{B3868680-91FE-4838-B36D-5E41F186E02B}" srcOrd="0" destOrd="0" presId="urn:microsoft.com/office/officeart/2005/8/layout/hierarchy1"/>
-    <dgm:cxn modelId="{2B326D8E-1FCF-4DB3-80CE-01D97C5DE6FD}" type="presOf" srcId="{C061362B-DCE5-4AB0-BF32-5EB85DBC24B0}" destId="{CA572919-8968-48C0-9219-D530F9A80AD1}" srcOrd="0" destOrd="0" presId="urn:microsoft.com/office/officeart/2005/8/layout/hierarchy1"/>
-    <dgm:cxn modelId="{E2C888A9-7A03-4982-8378-D95740D05676}" type="presParOf" srcId="{931C752C-1DD0-4C44-A82D-E904C2123ABE}" destId="{020DDD35-155E-4B6A-AA06-68E3843BB277}" srcOrd="0" destOrd="0" presId="urn:microsoft.com/office/officeart/2005/8/layout/hierarchy1"/>
-    <dgm:cxn modelId="{5B164207-477D-4958-AD0C-827666AC3D34}" type="presParOf" srcId="{020DDD35-155E-4B6A-AA06-68E3843BB277}" destId="{C39EAF42-7A00-43B7-8E67-0E146441E2BA}" srcOrd="0" destOrd="0" presId="urn:microsoft.com/office/officeart/2005/8/layout/hierarchy1"/>
-    <dgm:cxn modelId="{9460CF70-7288-4DE6-8EA4-3C18753F501B}" type="presParOf" srcId="{C39EAF42-7A00-43B7-8E67-0E146441E2BA}" destId="{77039053-776F-4D80-A407-E479EBA0271D}" srcOrd="0" destOrd="0" presId="urn:microsoft.com/office/officeart/2005/8/layout/hierarchy1"/>
-    <dgm:cxn modelId="{C2B905CD-CB2B-4D73-9C75-6127B873F3BE}" type="presParOf" srcId="{C39EAF42-7A00-43B7-8E67-0E146441E2BA}" destId="{CA572919-8968-48C0-9219-D530F9A80AD1}" srcOrd="1" destOrd="0" presId="urn:microsoft.com/office/officeart/2005/8/layout/hierarchy1"/>
-    <dgm:cxn modelId="{81D519A0-A3E9-4B58-AB01-144706F40262}" type="presParOf" srcId="{020DDD35-155E-4B6A-AA06-68E3843BB277}" destId="{AB35FE94-09E2-419B-B013-3C226188C111}" srcOrd="1" destOrd="0" presId="urn:microsoft.com/office/officeart/2005/8/layout/hierarchy1"/>
-    <dgm:cxn modelId="{F5F5471F-6991-47F1-A867-A53133DE2816}" type="presParOf" srcId="{AB35FE94-09E2-419B-B013-3C226188C111}" destId="{D2586091-7EEA-4AAC-8E99-4C85F9D86CB6}" srcOrd="0" destOrd="0" presId="urn:microsoft.com/office/officeart/2005/8/layout/hierarchy1"/>
-    <dgm:cxn modelId="{7118D05A-7499-4F49-B8EF-4DF5A81EFCB2}" type="presParOf" srcId="{AB35FE94-09E2-419B-B013-3C226188C111}" destId="{7E3CFCF1-604B-401B-8713-284EA5F26684}" srcOrd="1" destOrd="0" presId="urn:microsoft.com/office/officeart/2005/8/layout/hierarchy1"/>
-    <dgm:cxn modelId="{699435BA-3CF3-429F-B422-990938682735}" type="presParOf" srcId="{7E3CFCF1-604B-401B-8713-284EA5F26684}" destId="{F9F9D111-F511-4EE8-AE09-B36A444F09D5}" srcOrd="0" destOrd="0" presId="urn:microsoft.com/office/officeart/2005/8/layout/hierarchy1"/>
-    <dgm:cxn modelId="{1C1100A6-7A5C-43CF-80A5-58ABD5DB1201}" type="presParOf" srcId="{F9F9D111-F511-4EE8-AE09-B36A444F09D5}" destId="{7816EE88-6DE7-44B0-B711-B702FF1FD171}" srcOrd="0" destOrd="0" presId="urn:microsoft.com/office/officeart/2005/8/layout/hierarchy1"/>
-    <dgm:cxn modelId="{17BCD8EA-3DE2-45FE-B286-A8C43FD7E942}" type="presParOf" srcId="{F9F9D111-F511-4EE8-AE09-B36A444F09D5}" destId="{ADB4FCDC-497A-4F6F-8B7C-8BF5C33A3D48}" srcOrd="1" destOrd="0" presId="urn:microsoft.com/office/officeart/2005/8/layout/hierarchy1"/>
-    <dgm:cxn modelId="{FC5FE8C6-A11C-42C0-A581-722F336D16B7}" type="presParOf" srcId="{7E3CFCF1-604B-401B-8713-284EA5F26684}" destId="{2350ACA6-6050-45AF-A25C-1EF540AE7B2D}" srcOrd="1" destOrd="0" presId="urn:microsoft.com/office/officeart/2005/8/layout/hierarchy1"/>
-    <dgm:cxn modelId="{B89E9AEB-4E7D-4FBB-9860-B2A263150725}" type="presParOf" srcId="{2350ACA6-6050-45AF-A25C-1EF540AE7B2D}" destId="{B3868680-91FE-4838-B36D-5E41F186E02B}" srcOrd="0" destOrd="0" presId="urn:microsoft.com/office/officeart/2005/8/layout/hierarchy1"/>
-    <dgm:cxn modelId="{491B29B3-32BF-4FC7-8585-EE67BFE23F16}" type="presParOf" srcId="{2350ACA6-6050-45AF-A25C-1EF540AE7B2D}" destId="{7C793831-1053-4AFF-A6EF-C65EC71141A4}" srcOrd="1" destOrd="0" presId="urn:microsoft.com/office/officeart/2005/8/layout/hierarchy1"/>
-    <dgm:cxn modelId="{539ABD1F-A8FC-4259-975E-A88735561A06}" type="presParOf" srcId="{7C793831-1053-4AFF-A6EF-C65EC71141A4}" destId="{17EB3369-40D0-4BAF-8D53-0FD19BF7B4C1}" srcOrd="0" destOrd="0" presId="urn:microsoft.com/office/officeart/2005/8/layout/hierarchy1"/>
-    <dgm:cxn modelId="{E5C856E0-F2EE-42C1-BEA8-F2AE36CBE1D9}" type="presParOf" srcId="{17EB3369-40D0-4BAF-8D53-0FD19BF7B4C1}" destId="{E41289B1-E67B-41A4-B3F4-E7F6B98A51E5}" srcOrd="0" destOrd="0" presId="urn:microsoft.com/office/officeart/2005/8/layout/hierarchy1"/>
-    <dgm:cxn modelId="{BF969764-64A5-4A3E-A9C2-42AE530F402A}" type="presParOf" srcId="{17EB3369-40D0-4BAF-8D53-0FD19BF7B4C1}" destId="{7827FCD7-C5F3-441D-964B-41EE352A51A9}" srcOrd="1" destOrd="0" presId="urn:microsoft.com/office/officeart/2005/8/layout/hierarchy1"/>
-    <dgm:cxn modelId="{96105054-E511-4BE3-B8C6-8F3262CE1E29}" type="presParOf" srcId="{7C793831-1053-4AFF-A6EF-C65EC71141A4}" destId="{EC04D97C-5BAD-4F0E-8DFD-3128E94ADC0E}" srcOrd="1" destOrd="0" presId="urn:microsoft.com/office/officeart/2005/8/layout/hierarchy1"/>
-    <dgm:cxn modelId="{3254FA6B-5142-4FFD-8AE5-55DE28777E12}" type="presParOf" srcId="{EC04D97C-5BAD-4F0E-8DFD-3128E94ADC0E}" destId="{E05E599C-BAD5-4BD0-B8A8-341B2D50ED07}" srcOrd="0" destOrd="0" presId="urn:microsoft.com/office/officeart/2005/8/layout/hierarchy1"/>
-    <dgm:cxn modelId="{961A9233-0F37-4F01-9483-E4FC552746AA}" type="presParOf" srcId="{EC04D97C-5BAD-4F0E-8DFD-3128E94ADC0E}" destId="{FB73B2CE-190B-4541-A652-6E5CC10AB361}" srcOrd="1" destOrd="0" presId="urn:microsoft.com/office/officeart/2005/8/layout/hierarchy1"/>
-    <dgm:cxn modelId="{3DDAA5A5-601E-4CB0-B8D3-77AF3DCB9870}" type="presParOf" srcId="{FB73B2CE-190B-4541-A652-6E5CC10AB361}" destId="{E2209ECC-F180-4B92-9E28-BBE4FFECC02B}" srcOrd="0" destOrd="0" presId="urn:microsoft.com/office/officeart/2005/8/layout/hierarchy1"/>
-    <dgm:cxn modelId="{C77978C5-CAA1-4949-876F-18A7AEFA7DA5}" type="presParOf" srcId="{E2209ECC-F180-4B92-9E28-BBE4FFECC02B}" destId="{C2F408C6-B38F-405C-A19B-21B5AD30E9F6}" srcOrd="0" destOrd="0" presId="urn:microsoft.com/office/officeart/2005/8/layout/hierarchy1"/>
-    <dgm:cxn modelId="{0FC2DC2D-33D5-472C-BCCC-6886DB788232}" type="presParOf" srcId="{E2209ECC-F180-4B92-9E28-BBE4FFECC02B}" destId="{BB557E68-4299-46F4-BB9F-A0A4300C109A}" srcOrd="1" destOrd="0" presId="urn:microsoft.com/office/officeart/2005/8/layout/hierarchy1"/>
-    <dgm:cxn modelId="{74EEEED1-33B4-427C-B43F-8AA2DD1AC1D4}" type="presParOf" srcId="{FB73B2CE-190B-4541-A652-6E5CC10AB361}" destId="{E8B16657-4321-41BD-91E7-B6E84FBC89F4}" srcOrd="1" destOrd="0" presId="urn:microsoft.com/office/officeart/2005/8/layout/hierarchy1"/>
+    <dgm:cxn modelId="{AAF8AD64-5D97-4911-B527-EA2C1E63B4F5}" srcId="{E4EE97E6-58F0-48DF-9A81-4936FE72C23B}" destId="{04516023-A4CD-40DD-8B9C-EBD48B184AA9}" srcOrd="0" destOrd="0" parTransId="{A6B66F31-3858-4E5F-91FD-7A29B7BF29CC}" sibTransId="{374BFD43-BBAC-4ACD-9E5D-7F4A4D650569}"/>
+    <dgm:cxn modelId="{862BDFD0-2B73-4C35-A973-14927B837420}" srcId="{01A0A340-7E5F-4679-B855-6EFABF6A5A40}" destId="{1363BC8F-DB79-4ED3-9FCC-C7A8B3815A9D}" srcOrd="0" destOrd="0" parTransId="{D9830118-A0F9-4794-B160-868E5C30E333}" sibTransId="{E1C47BD4-ACD7-4EB8-B3BD-1316F0203244}"/>
+    <dgm:cxn modelId="{952E1B3F-C2A7-4411-90A6-4FABE119FBFE}" srcId="{7BD645C1-F293-41A5-B7B8-9D2B9C32650B}" destId="{E994EDA2-DBED-4525-80A4-99E7785E80E2}" srcOrd="4" destOrd="0" parTransId="{05E5EA3C-7D1B-495E-809B-9575547B8127}" sibTransId="{7170283E-C4CC-4350-AA5B-DE6C69068EE0}"/>
+    <dgm:cxn modelId="{86B3ABDF-A753-4179-A689-2A936463EA5B}" srcId="{7BD645C1-F293-41A5-B7B8-9D2B9C32650B}" destId="{2B79DAFE-84E9-4F08-BE98-7CDC93C0392E}" srcOrd="2" destOrd="0" parTransId="{B70EFE47-A69A-48CC-A7A7-388F96A57DD7}" sibTransId="{F083D46D-754A-4C11-9CD6-E35B0411C22E}"/>
+    <dgm:cxn modelId="{DACEC292-A686-4F23-AB2B-356142A68E27}" srcId="{7BD645C1-F293-41A5-B7B8-9D2B9C32650B}" destId="{1B1A2424-B3BF-456C-B9B6-FC86D68F73DA}" srcOrd="0" destOrd="0" parTransId="{DE5AA1B8-2263-4299-961A-02A1D20BB333}" sibTransId="{FE326AD6-50F6-47E8-8B9F-C69AADBC3001}"/>
+    <dgm:cxn modelId="{C7F4528C-2B45-472F-8129-36DF83447198}" type="presOf" srcId="{E4EE97E6-58F0-48DF-9A81-4936FE72C23B}" destId="{C12096DA-677C-409B-A512-5BA41C02C7BB}" srcOrd="1" destOrd="0" presId="urn:microsoft.com/office/officeart/2005/8/layout/hierarchy6"/>
+    <dgm:cxn modelId="{BBC0548E-8089-48EC-9899-4800308CAF01}" type="presOf" srcId="{E994EDA2-DBED-4525-80A4-99E7785E80E2}" destId="{D03DA1F5-9F40-480B-9AB6-3CFD836CF7AC}" srcOrd="0" destOrd="0" presId="urn:microsoft.com/office/officeart/2005/8/layout/hierarchy6"/>
+    <dgm:cxn modelId="{62F97581-7097-4061-9B95-441438738209}" srcId="{7BD645C1-F293-41A5-B7B8-9D2B9C32650B}" destId="{E4EE97E6-58F0-48DF-9A81-4936FE72C23B}" srcOrd="1" destOrd="0" parTransId="{3E1AAE42-C0AB-4124-925E-02E04753FA0E}" sibTransId="{01831434-6291-40EF-9304-1E66FA4BAE06}"/>
+    <dgm:cxn modelId="{C6C6B37B-2D9D-415F-8D93-30637942D101}" type="presOf" srcId="{2CB2EF86-9CD0-43B7-B1FA-743321F4A655}" destId="{1357C9EC-4CC6-4833-BAC6-862178907401}" srcOrd="0" destOrd="0" presId="urn:microsoft.com/office/officeart/2005/8/layout/hierarchy6"/>
+    <dgm:cxn modelId="{0CBD51B7-D073-4679-B2CA-365642778E46}" type="presOf" srcId="{E89EE506-2836-4DE2-9971-64022A28EBBA}" destId="{6BE3564B-F5EC-4596-A3F4-5B5880B3502B}" srcOrd="0" destOrd="0" presId="urn:microsoft.com/office/officeart/2005/8/layout/hierarchy6"/>
+    <dgm:cxn modelId="{52E523F0-ED8F-43E3-942D-407D546FD71D}" srcId="{1B1A2424-B3BF-456C-B9B6-FC86D68F73DA}" destId="{2CB2EF86-9CD0-43B7-B1FA-743321F4A655}" srcOrd="0" destOrd="0" parTransId="{9C5777CA-45DF-4036-A2A3-CD0299C3D482}" sibTransId="{1B0669BE-7E4E-4276-B179-239C937F3C42}"/>
+    <dgm:cxn modelId="{AA149341-2B01-4777-8AF9-538AE2BA5E64}" type="presOf" srcId="{01A0A340-7E5F-4679-B855-6EFABF6A5A40}" destId="{156D5EAE-D944-482E-8012-31CC7A5FB804}" srcOrd="0" destOrd="0" presId="urn:microsoft.com/office/officeart/2005/8/layout/hierarchy6"/>
+    <dgm:cxn modelId="{8C61CB13-542A-4513-B77C-2AD4F1B697F9}" type="presOf" srcId="{D9830118-A0F9-4794-B160-868E5C30E333}" destId="{D8AE45CE-0096-4BF4-9D97-AA528E61D93F}" srcOrd="0" destOrd="0" presId="urn:microsoft.com/office/officeart/2005/8/layout/hierarchy6"/>
+    <dgm:cxn modelId="{7B9BBF56-B09A-47C6-84F4-FCB61545833A}" type="presOf" srcId="{E994EDA2-DBED-4525-80A4-99E7785E80E2}" destId="{89993469-EA05-4713-986A-F7D1871A24C8}" srcOrd="1" destOrd="0" presId="urn:microsoft.com/office/officeart/2005/8/layout/hierarchy6"/>
+    <dgm:cxn modelId="{AFC73D77-2805-4EE5-AB99-9EF90A8A6A15}" type="presOf" srcId="{9C5777CA-45DF-4036-A2A3-CD0299C3D482}" destId="{C3130341-79B4-4649-9846-4D2DA910E754}" srcOrd="0" destOrd="0" presId="urn:microsoft.com/office/officeart/2005/8/layout/hierarchy6"/>
+    <dgm:cxn modelId="{434BD664-8F60-4D9A-834A-9049D10D5E3C}" type="presOf" srcId="{7BD645C1-F293-41A5-B7B8-9D2B9C32650B}" destId="{CF56E6C3-A0B6-4DB1-B5E1-9789B6B8CBD9}" srcOrd="0" destOrd="0" presId="urn:microsoft.com/office/officeart/2005/8/layout/hierarchy6"/>
+    <dgm:cxn modelId="{62BB1B4B-7E34-4B1D-B473-0E43062CC291}" type="presOf" srcId="{2B79DAFE-84E9-4F08-BE98-7CDC93C0392E}" destId="{F4943280-3623-4753-8577-50735B0BDEC9}" srcOrd="0" destOrd="0" presId="urn:microsoft.com/office/officeart/2005/8/layout/hierarchy6"/>
+    <dgm:cxn modelId="{4026FE61-294D-443A-BE1B-4148B76FF8E8}" type="presOf" srcId="{1363BC8F-DB79-4ED3-9FCC-C7A8B3815A9D}" destId="{C1D28920-C686-4F73-973B-A70AD6024D4E}" srcOrd="0" destOrd="0" presId="urn:microsoft.com/office/officeart/2005/8/layout/hierarchy6"/>
+    <dgm:cxn modelId="{10FC583C-A3BF-4B83-8CE0-2C822167D183}" type="presOf" srcId="{E4EE97E6-58F0-48DF-9A81-4936FE72C23B}" destId="{0D066EF3-FAB9-4DB7-A0D6-BC9F0EBC3C45}" srcOrd="0" destOrd="0" presId="urn:microsoft.com/office/officeart/2005/8/layout/hierarchy6"/>
+    <dgm:cxn modelId="{8DEA22AA-3589-4C08-9E15-0CDCA94DA7F2}" type="presOf" srcId="{04516023-A4CD-40DD-8B9C-EBD48B184AA9}" destId="{0D066EF3-FAB9-4DB7-A0D6-BC9F0EBC3C45}" srcOrd="0" destOrd="1" presId="urn:microsoft.com/office/officeart/2005/8/layout/hierarchy6"/>
+    <dgm:cxn modelId="{D3DC3955-19C6-4A6C-BCE6-5793865FE8D3}" type="presOf" srcId="{CFD33561-8148-45B0-AA12-0D116BBAA0FC}" destId="{FE29CD73-3B14-43CF-83D8-60BA2CD2E864}" srcOrd="0" destOrd="0" presId="urn:microsoft.com/office/officeart/2005/8/layout/hierarchy6"/>
+    <dgm:cxn modelId="{05EB0EBE-C6E5-4FE7-9249-7CE118CF9FC5}" type="presOf" srcId="{04516023-A4CD-40DD-8B9C-EBD48B184AA9}" destId="{C12096DA-677C-409B-A512-5BA41C02C7BB}" srcOrd="1" destOrd="1" presId="urn:microsoft.com/office/officeart/2005/8/layout/hierarchy6"/>
+    <dgm:cxn modelId="{17F64068-0C5A-4184-A2FE-93647B697E06}" srcId="{7BD645C1-F293-41A5-B7B8-9D2B9C32650B}" destId="{CFD33561-8148-45B0-AA12-0D116BBAA0FC}" srcOrd="3" destOrd="0" parTransId="{9D8842F3-6ED6-49D0-917A-619506D0791D}" sibTransId="{FC78998D-4C0F-4F10-B7CD-D64819502DD9}"/>
+    <dgm:cxn modelId="{97A9DC6B-50C2-4BAD-91FF-2512855A075F}" type="presOf" srcId="{CFD33561-8148-45B0-AA12-0D116BBAA0FC}" destId="{43C0DAE9-6DDE-4B28-9D9A-F6244F238E6B}" srcOrd="1" destOrd="0" presId="urn:microsoft.com/office/officeart/2005/8/layout/hierarchy6"/>
+    <dgm:cxn modelId="{D9F9650B-9F7C-49CC-BA86-B9F6D2DB45E8}" type="presOf" srcId="{1B1A2424-B3BF-456C-B9B6-FC86D68F73DA}" destId="{0F05CE86-B0AE-42B4-AEAD-9BEE65D6D441}" srcOrd="0" destOrd="0" presId="urn:microsoft.com/office/officeart/2005/8/layout/hierarchy6"/>
+    <dgm:cxn modelId="{5FCE4CAB-F9CE-43AD-92F1-A2D8233C7F72}" type="presOf" srcId="{2B79DAFE-84E9-4F08-BE98-7CDC93C0392E}" destId="{B1595007-F938-47D8-884D-1BA9EC7DB341}" srcOrd="1" destOrd="0" presId="urn:microsoft.com/office/officeart/2005/8/layout/hierarchy6"/>
+    <dgm:cxn modelId="{B821F005-5F29-4A5E-8544-60DE39FCC5AC}" srcId="{2CB2EF86-9CD0-43B7-B1FA-743321F4A655}" destId="{01A0A340-7E5F-4679-B855-6EFABF6A5A40}" srcOrd="0" destOrd="0" parTransId="{E89EE506-2836-4DE2-9971-64022A28EBBA}" sibTransId="{BCB6C28A-F9A2-4E20-8021-F897A4DA17C9}"/>
+    <dgm:cxn modelId="{0A8FE7B0-BB65-486E-83FE-E7C8C035AE57}" type="presParOf" srcId="{CF56E6C3-A0B6-4DB1-B5E1-9789B6B8CBD9}" destId="{2E4F93BE-41EE-48F6-8CE7-BD159412C558}" srcOrd="0" destOrd="0" presId="urn:microsoft.com/office/officeart/2005/8/layout/hierarchy6"/>
+    <dgm:cxn modelId="{2601AF3C-31A2-4142-B33E-33ABA678D985}" type="presParOf" srcId="{2E4F93BE-41EE-48F6-8CE7-BD159412C558}" destId="{2BBA4917-D919-4A6B-8F6E-3E32B3B5022D}" srcOrd="0" destOrd="0" presId="urn:microsoft.com/office/officeart/2005/8/layout/hierarchy6"/>
+    <dgm:cxn modelId="{75F1E6C9-B219-469F-878A-576226ED708D}" type="presParOf" srcId="{2E4F93BE-41EE-48F6-8CE7-BD159412C558}" destId="{329F85B4-E675-4BE3-9601-D13374435E6B}" srcOrd="1" destOrd="0" presId="urn:microsoft.com/office/officeart/2005/8/layout/hierarchy6"/>
+    <dgm:cxn modelId="{B4AD5168-40E2-4F0F-B067-DC8F2C34DED9}" type="presParOf" srcId="{329F85B4-E675-4BE3-9601-D13374435E6B}" destId="{F787E7B1-53CA-498E-9A0A-693621A08271}" srcOrd="0" destOrd="0" presId="urn:microsoft.com/office/officeart/2005/8/layout/hierarchy6"/>
+    <dgm:cxn modelId="{6351E6A4-CC58-470A-AC7D-3E86BD19D2C6}" type="presParOf" srcId="{F787E7B1-53CA-498E-9A0A-693621A08271}" destId="{0F05CE86-B0AE-42B4-AEAD-9BEE65D6D441}" srcOrd="0" destOrd="0" presId="urn:microsoft.com/office/officeart/2005/8/layout/hierarchy6"/>
+    <dgm:cxn modelId="{1F6D6A1B-AB7A-4732-9DB6-99C11DDECC46}" type="presParOf" srcId="{F787E7B1-53CA-498E-9A0A-693621A08271}" destId="{1F2BFE53-3233-419B-8C1B-25EBD420506A}" srcOrd="1" destOrd="0" presId="urn:microsoft.com/office/officeart/2005/8/layout/hierarchy6"/>
+    <dgm:cxn modelId="{31425E84-D5A1-4983-87B2-940A902EE472}" type="presParOf" srcId="{1F2BFE53-3233-419B-8C1B-25EBD420506A}" destId="{C3130341-79B4-4649-9846-4D2DA910E754}" srcOrd="0" destOrd="0" presId="urn:microsoft.com/office/officeart/2005/8/layout/hierarchy6"/>
+    <dgm:cxn modelId="{2B3A1094-36EE-4319-9209-48A481479EB5}" type="presParOf" srcId="{1F2BFE53-3233-419B-8C1B-25EBD420506A}" destId="{32A69B09-0DEE-40B7-B9B7-077EF37643FC}" srcOrd="1" destOrd="0" presId="urn:microsoft.com/office/officeart/2005/8/layout/hierarchy6"/>
+    <dgm:cxn modelId="{26E46C9C-25D2-4182-B590-306EB1031409}" type="presParOf" srcId="{32A69B09-0DEE-40B7-B9B7-077EF37643FC}" destId="{1357C9EC-4CC6-4833-BAC6-862178907401}" srcOrd="0" destOrd="0" presId="urn:microsoft.com/office/officeart/2005/8/layout/hierarchy6"/>
+    <dgm:cxn modelId="{6A5E9467-D43C-4052-8F06-5BB73AF0C442}" type="presParOf" srcId="{32A69B09-0DEE-40B7-B9B7-077EF37643FC}" destId="{85D52525-5617-4581-B5EC-26C0D089CF2C}" srcOrd="1" destOrd="0" presId="urn:microsoft.com/office/officeart/2005/8/layout/hierarchy6"/>
+    <dgm:cxn modelId="{256D72E3-B42F-4B62-8BF6-ED8D74AE6EBD}" type="presParOf" srcId="{85D52525-5617-4581-B5EC-26C0D089CF2C}" destId="{6BE3564B-F5EC-4596-A3F4-5B5880B3502B}" srcOrd="0" destOrd="0" presId="urn:microsoft.com/office/officeart/2005/8/layout/hierarchy6"/>
+    <dgm:cxn modelId="{E955C6CF-A436-48A7-BB0C-D9F093153EBD}" type="presParOf" srcId="{85D52525-5617-4581-B5EC-26C0D089CF2C}" destId="{E29A5741-46C8-4C1F-BD38-1C11970A45DF}" srcOrd="1" destOrd="0" presId="urn:microsoft.com/office/officeart/2005/8/layout/hierarchy6"/>
+    <dgm:cxn modelId="{7F5ED5AD-B7A1-4E74-ABF8-5E550568EEEC}" type="presParOf" srcId="{E29A5741-46C8-4C1F-BD38-1C11970A45DF}" destId="{156D5EAE-D944-482E-8012-31CC7A5FB804}" srcOrd="0" destOrd="0" presId="urn:microsoft.com/office/officeart/2005/8/layout/hierarchy6"/>
+    <dgm:cxn modelId="{B5A51069-07E6-4DB9-BAAD-24CAEEE9C3A2}" type="presParOf" srcId="{E29A5741-46C8-4C1F-BD38-1C11970A45DF}" destId="{F12C00FE-7C0B-4CB3-BFDC-B2A8450EA454}" srcOrd="1" destOrd="0" presId="urn:microsoft.com/office/officeart/2005/8/layout/hierarchy6"/>
+    <dgm:cxn modelId="{801A63E5-AC3F-48CC-B945-33A3C5C7080C}" type="presParOf" srcId="{F12C00FE-7C0B-4CB3-BFDC-B2A8450EA454}" destId="{D8AE45CE-0096-4BF4-9D97-AA528E61D93F}" srcOrd="0" destOrd="0" presId="urn:microsoft.com/office/officeart/2005/8/layout/hierarchy6"/>
+    <dgm:cxn modelId="{4B15C059-A4B4-4BB3-BBB9-7EDCAD6C80B2}" type="presParOf" srcId="{F12C00FE-7C0B-4CB3-BFDC-B2A8450EA454}" destId="{43FC2898-DECC-4F59-98AB-D8C757AF15CE}" srcOrd="1" destOrd="0" presId="urn:microsoft.com/office/officeart/2005/8/layout/hierarchy6"/>
+    <dgm:cxn modelId="{5081A3B4-5764-4E99-BA98-DFF4F7BA6ADD}" type="presParOf" srcId="{43FC2898-DECC-4F59-98AB-D8C757AF15CE}" destId="{C1D28920-C686-4F73-973B-A70AD6024D4E}" srcOrd="0" destOrd="0" presId="urn:microsoft.com/office/officeart/2005/8/layout/hierarchy6"/>
+    <dgm:cxn modelId="{044A3535-9509-4057-922B-AF8E97E54884}" type="presParOf" srcId="{43FC2898-DECC-4F59-98AB-D8C757AF15CE}" destId="{3F4B0C36-5E51-4870-93FE-5DF7C28F7425}" srcOrd="1" destOrd="0" presId="urn:microsoft.com/office/officeart/2005/8/layout/hierarchy6"/>
+    <dgm:cxn modelId="{5B637657-E04F-434F-830C-98F694A97E87}" type="presParOf" srcId="{CF56E6C3-A0B6-4DB1-B5E1-9789B6B8CBD9}" destId="{9863C5B6-7A56-4C01-B63C-1887C73FB981}" srcOrd="1" destOrd="0" presId="urn:microsoft.com/office/officeart/2005/8/layout/hierarchy6"/>
+    <dgm:cxn modelId="{D0CB2F2D-6021-4D40-A64E-3AEAF469BE27}" type="presParOf" srcId="{9863C5B6-7A56-4C01-B63C-1887C73FB981}" destId="{94F7733C-077C-4F5D-8E72-9CF403B3AE6E}" srcOrd="0" destOrd="0" presId="urn:microsoft.com/office/officeart/2005/8/layout/hierarchy6"/>
+    <dgm:cxn modelId="{29AAA566-7A2C-4B6B-8FBD-01B9678A267E}" type="presParOf" srcId="{94F7733C-077C-4F5D-8E72-9CF403B3AE6E}" destId="{0D066EF3-FAB9-4DB7-A0D6-BC9F0EBC3C45}" srcOrd="0" destOrd="0" presId="urn:microsoft.com/office/officeart/2005/8/layout/hierarchy6"/>
+    <dgm:cxn modelId="{66520EF7-EA4E-450C-B80F-8E336E6B4114}" type="presParOf" srcId="{94F7733C-077C-4F5D-8E72-9CF403B3AE6E}" destId="{C12096DA-677C-409B-A512-5BA41C02C7BB}" srcOrd="1" destOrd="0" presId="urn:microsoft.com/office/officeart/2005/8/layout/hierarchy6"/>
+    <dgm:cxn modelId="{5057D90A-0DD1-4216-B898-E69B1EE579EA}" type="presParOf" srcId="{9863C5B6-7A56-4C01-B63C-1887C73FB981}" destId="{695C8EEC-94DA-4308-BA67-B30CD9E1D292}" srcOrd="1" destOrd="0" presId="urn:microsoft.com/office/officeart/2005/8/layout/hierarchy6"/>
+    <dgm:cxn modelId="{25ECB358-6ED1-4BA0-9A94-CEFD2C1849B9}" type="presParOf" srcId="{695C8EEC-94DA-4308-BA67-B30CD9E1D292}" destId="{E02CB937-E7F9-4F6E-8656-EC132A1F48B0}" srcOrd="0" destOrd="0" presId="urn:microsoft.com/office/officeart/2005/8/layout/hierarchy6"/>
+    <dgm:cxn modelId="{A86EF418-7FDE-4D47-A89C-F5F3CBC1DD7C}" type="presParOf" srcId="{9863C5B6-7A56-4C01-B63C-1887C73FB981}" destId="{510184EC-6286-4EFF-BEE7-49632AAE53C8}" srcOrd="2" destOrd="0" presId="urn:microsoft.com/office/officeart/2005/8/layout/hierarchy6"/>
+    <dgm:cxn modelId="{516D40CE-405A-4CFC-BF3E-80D815379F74}" type="presParOf" srcId="{510184EC-6286-4EFF-BEE7-49632AAE53C8}" destId="{F4943280-3623-4753-8577-50735B0BDEC9}" srcOrd="0" destOrd="0" presId="urn:microsoft.com/office/officeart/2005/8/layout/hierarchy6"/>
+    <dgm:cxn modelId="{163FFC6B-A082-43DB-A222-475211FF2D8F}" type="presParOf" srcId="{510184EC-6286-4EFF-BEE7-49632AAE53C8}" destId="{B1595007-F938-47D8-884D-1BA9EC7DB341}" srcOrd="1" destOrd="0" presId="urn:microsoft.com/office/officeart/2005/8/layout/hierarchy6"/>
+    <dgm:cxn modelId="{DA0925AE-5AE8-4C1D-9871-544BDDE2EF86}" type="presParOf" srcId="{9863C5B6-7A56-4C01-B63C-1887C73FB981}" destId="{2E2483E9-12AA-4F19-9966-F9F503E9E60F}" srcOrd="3" destOrd="0" presId="urn:microsoft.com/office/officeart/2005/8/layout/hierarchy6"/>
+    <dgm:cxn modelId="{9FA13506-FE9E-473A-9500-1E9898226961}" type="presParOf" srcId="{2E2483E9-12AA-4F19-9966-F9F503E9E60F}" destId="{67C4ECE0-8EC9-4CC2-8104-06F3A51B4B37}" srcOrd="0" destOrd="0" presId="urn:microsoft.com/office/officeart/2005/8/layout/hierarchy6"/>
+    <dgm:cxn modelId="{38B3AC15-995A-42F0-B80C-6555EDA72297}" type="presParOf" srcId="{9863C5B6-7A56-4C01-B63C-1887C73FB981}" destId="{DF248D69-6691-415C-98AA-2AAD408763C4}" srcOrd="4" destOrd="0" presId="urn:microsoft.com/office/officeart/2005/8/layout/hierarchy6"/>
+    <dgm:cxn modelId="{35906741-6233-4E2A-8400-1DB6D54BC38E}" type="presParOf" srcId="{DF248D69-6691-415C-98AA-2AAD408763C4}" destId="{FE29CD73-3B14-43CF-83D8-60BA2CD2E864}" srcOrd="0" destOrd="0" presId="urn:microsoft.com/office/officeart/2005/8/layout/hierarchy6"/>
+    <dgm:cxn modelId="{C9D16F36-7B12-41E0-A614-E590F8F8FA3C}" type="presParOf" srcId="{DF248D69-6691-415C-98AA-2AAD408763C4}" destId="{43C0DAE9-6DDE-4B28-9D9A-F6244F238E6B}" srcOrd="1" destOrd="0" presId="urn:microsoft.com/office/officeart/2005/8/layout/hierarchy6"/>
+    <dgm:cxn modelId="{CD156681-2FDF-4AB7-8257-63C07429DD79}" type="presParOf" srcId="{9863C5B6-7A56-4C01-B63C-1887C73FB981}" destId="{08674A08-1D72-444D-8AE6-FD64E2098886}" srcOrd="5" destOrd="0" presId="urn:microsoft.com/office/officeart/2005/8/layout/hierarchy6"/>
+    <dgm:cxn modelId="{0C76586E-A973-4287-AC2D-5FA9217A680C}" type="presParOf" srcId="{08674A08-1D72-444D-8AE6-FD64E2098886}" destId="{E17101E4-B5F7-46FF-AE4E-61C4E56B5174}" srcOrd="0" destOrd="0" presId="urn:microsoft.com/office/officeart/2005/8/layout/hierarchy6"/>
+    <dgm:cxn modelId="{1BC8D637-4642-4081-B0C0-797F4F795BE3}" type="presParOf" srcId="{9863C5B6-7A56-4C01-B63C-1887C73FB981}" destId="{E60C6327-609F-442B-B6B4-9153ECDE3580}" srcOrd="6" destOrd="0" presId="urn:microsoft.com/office/officeart/2005/8/layout/hierarchy6"/>
+    <dgm:cxn modelId="{AF1245D1-D5E2-4ABA-B9ED-06AC1468BE00}" type="presParOf" srcId="{E60C6327-609F-442B-B6B4-9153ECDE3580}" destId="{D03DA1F5-9F40-480B-9AB6-3CFD836CF7AC}" srcOrd="0" destOrd="0" presId="urn:microsoft.com/office/officeart/2005/8/layout/hierarchy6"/>
+    <dgm:cxn modelId="{426DA517-E5F7-4D10-9A32-BD02B5466500}" type="presParOf" srcId="{E60C6327-609F-442B-B6B4-9153ECDE3580}" destId="{89993469-EA05-4713-986A-F7D1871A24C8}" srcOrd="1" destOrd="0" presId="urn:microsoft.com/office/officeart/2005/8/layout/hierarchy6"/>
   </dgm:cxnLst>
   <dgm:bg/>
   <dgm:whole/>
   <dgm:extLst>
     <a:ext uri="http://schemas.microsoft.com/office/drawing/2008/diagram">
-      <dsp:dataModelExt xmlns:dsp="http://schemas.microsoft.com/office/drawing/2008/diagram" relId="rId11" minVer="http://schemas.openxmlformats.org/drawingml/2006/diagram"/>
+      <dsp:dataModelExt xmlns:dsp="http://schemas.microsoft.com/office/drawing/2008/diagram" relId="rId6" minVer="http://schemas.openxmlformats.org/drawingml/2006/diagram"/>
     </a:ext>
   </dgm:extLst>
 </dgm:dataModel>
@@ -2506,6 +3096,873 @@
       <dsp:cNvGrpSpPr/>
     </dsp:nvGrpSpPr>
     <dsp:grpSpPr/>
+    <dsp:sp modelId="{838B2092-BF2C-4B86-87E9-DB86B3DE6AE8}">
+      <dsp:nvSpPr>
+        <dsp:cNvPr id="0" name=""/>
+        <dsp:cNvSpPr/>
+      </dsp:nvSpPr>
+      <dsp:spPr>
+        <a:xfrm>
+          <a:off x="0" y="2388354"/>
+          <a:ext cx="8229600" cy="1002982"/>
+        </a:xfrm>
+        <a:prstGeom prst="roundRect">
+          <a:avLst>
+            <a:gd name="adj" fmla="val 10000"/>
+          </a:avLst>
+        </a:prstGeom>
+        <a:solidFill>
+          <a:schemeClr val="accent1">
+            <a:tint val="40000"/>
+            <a:hueOff val="0"/>
+            <a:satOff val="0"/>
+            <a:lumOff val="0"/>
+            <a:alphaOff val="0"/>
+          </a:schemeClr>
+        </a:solidFill>
+        <a:ln>
+          <a:noFill/>
+        </a:ln>
+        <a:effectLst/>
+      </dsp:spPr>
+      <dsp:style>
+        <a:lnRef idx="0">
+          <a:scrgbClr r="0" g="0" b="0"/>
+        </a:lnRef>
+        <a:fillRef idx="1">
+          <a:scrgbClr r="0" g="0" b="0"/>
+        </a:fillRef>
+        <a:effectRef idx="0">
+          <a:scrgbClr r="0" g="0" b="0"/>
+        </a:effectRef>
+        <a:fontRef idx="minor"/>
+      </dsp:style>
+      <dsp:txBody>
+        <a:bodyPr spcFirstLastPara="0" vert="horz" wrap="square" lIns="99568" tIns="99568" rIns="99568" bIns="99568" numCol="1" spcCol="1270" anchor="ctr" anchorCtr="0">
+          <a:noAutofit/>
+        </a:bodyPr>
+        <a:lstStyle/>
+        <a:p>
+          <a:pPr lvl="0" algn="l" defTabSz="622300">
+            <a:lnSpc>
+              <a:spcPct val="90000"/>
+            </a:lnSpc>
+            <a:spcBef>
+              <a:spcPct val="0"/>
+            </a:spcBef>
+            <a:spcAft>
+              <a:spcPct val="35000"/>
+            </a:spcAft>
+          </a:pPr>
+          <a:r>
+            <a:rPr lang="en-NZ" sz="1400" kern="1200" smtClean="0"/>
+            <a:t>generatePreSimulationStats</a:t>
+          </a:r>
+          <a:endParaRPr lang="en-NZ" sz="1400" kern="1200" dirty="0"/>
+        </a:p>
+      </dsp:txBody>
+      <dsp:txXfrm>
+        <a:off x="0" y="2388354"/>
+        <a:ext cx="2468880" cy="1002982"/>
+      </dsp:txXfrm>
+    </dsp:sp>
+    <dsp:sp modelId="{F4943280-3623-4753-8577-50735B0BDEC9}">
+      <dsp:nvSpPr>
+        <dsp:cNvPr id="0" name=""/>
+        <dsp:cNvSpPr/>
+      </dsp:nvSpPr>
+      <dsp:spPr>
+        <a:xfrm>
+          <a:off x="0" y="1218208"/>
+          <a:ext cx="8229600" cy="1002982"/>
+        </a:xfrm>
+        <a:prstGeom prst="roundRect">
+          <a:avLst>
+            <a:gd name="adj" fmla="val 10000"/>
+          </a:avLst>
+        </a:prstGeom>
+        <a:solidFill>
+          <a:schemeClr val="accent1">
+            <a:tint val="40000"/>
+            <a:hueOff val="0"/>
+            <a:satOff val="0"/>
+            <a:lumOff val="0"/>
+            <a:alphaOff val="0"/>
+          </a:schemeClr>
+        </a:solidFill>
+        <a:ln>
+          <a:noFill/>
+        </a:ln>
+        <a:effectLst/>
+      </dsp:spPr>
+      <dsp:style>
+        <a:lnRef idx="0">
+          <a:scrgbClr r="0" g="0" b="0"/>
+        </a:lnRef>
+        <a:fillRef idx="1">
+          <a:scrgbClr r="0" g="0" b="0"/>
+        </a:fillRef>
+        <a:effectRef idx="0">
+          <a:scrgbClr r="0" g="0" b="0"/>
+        </a:effectRef>
+        <a:fontRef idx="minor"/>
+      </dsp:style>
+      <dsp:txBody>
+        <a:bodyPr spcFirstLastPara="0" vert="horz" wrap="square" lIns="99568" tIns="99568" rIns="99568" bIns="99568" numCol="1" spcCol="1270" anchor="ctr" anchorCtr="0">
+          <a:noAutofit/>
+        </a:bodyPr>
+        <a:lstStyle/>
+        <a:p>
+          <a:pPr lvl="0" algn="l" defTabSz="622300">
+            <a:lnSpc>
+              <a:spcPct val="90000"/>
+            </a:lnSpc>
+            <a:spcBef>
+              <a:spcPct val="0"/>
+            </a:spcBef>
+            <a:spcAft>
+              <a:spcPct val="35000"/>
+            </a:spcAft>
+          </a:pPr>
+          <a:r>
+            <a:rPr lang="en-NZ" sz="1400" kern="1200" dirty="0" err="1" smtClean="0"/>
+            <a:t>applyAllCatAdjustments</a:t>
+          </a:r>
+          <a:r>
+            <a:rPr lang="en-NZ" sz="1400" kern="1200" dirty="0" smtClean="0"/>
+            <a:t/>
+          </a:r>
+          <a:br>
+            <a:rPr lang="en-NZ" sz="1400" kern="1200" dirty="0" smtClean="0"/>
+          </a:br>
+          <a:r>
+            <a:rPr lang="en-NZ" sz="1400" kern="1200" dirty="0" smtClean="0"/>
+            <a:t>simulate</a:t>
+          </a:r>
+          <a:endParaRPr lang="en-NZ" sz="1400" kern="1200" dirty="0"/>
+        </a:p>
+      </dsp:txBody>
+      <dsp:txXfrm>
+        <a:off x="0" y="1218208"/>
+        <a:ext cx="2468880" cy="1002982"/>
+      </dsp:txXfrm>
+    </dsp:sp>
+    <dsp:sp modelId="{0D066EF3-FAB9-4DB7-A0D6-BC9F0EBC3C45}">
+      <dsp:nvSpPr>
+        <dsp:cNvPr id="0" name=""/>
+        <dsp:cNvSpPr/>
+      </dsp:nvSpPr>
+      <dsp:spPr>
+        <a:xfrm>
+          <a:off x="0" y="48061"/>
+          <a:ext cx="8229600" cy="1002982"/>
+        </a:xfrm>
+        <a:prstGeom prst="roundRect">
+          <a:avLst>
+            <a:gd name="adj" fmla="val 10000"/>
+          </a:avLst>
+        </a:prstGeom>
+        <a:solidFill>
+          <a:schemeClr val="accent1">
+            <a:tint val="40000"/>
+            <a:hueOff val="0"/>
+            <a:satOff val="0"/>
+            <a:lumOff val="0"/>
+            <a:alphaOff val="0"/>
+          </a:schemeClr>
+        </a:solidFill>
+        <a:ln>
+          <a:noFill/>
+        </a:ln>
+        <a:effectLst/>
+      </dsp:spPr>
+      <dsp:style>
+        <a:lnRef idx="0">
+          <a:scrgbClr r="0" g="0" b="0"/>
+        </a:lnRef>
+        <a:fillRef idx="1">
+          <a:scrgbClr r="0" g="0" b="0"/>
+        </a:fillRef>
+        <a:effectRef idx="0">
+          <a:scrgbClr r="0" g="0" b="0"/>
+        </a:effectRef>
+        <a:fontRef idx="minor"/>
+      </dsp:style>
+      <dsp:txBody>
+        <a:bodyPr spcFirstLastPara="0" vert="horz" wrap="square" lIns="128016" tIns="128016" rIns="128016" bIns="128016" numCol="1" spcCol="1270" anchor="t" anchorCtr="0">
+          <a:noAutofit/>
+        </a:bodyPr>
+        <a:lstStyle/>
+        <a:p>
+          <a:pPr lvl="0" algn="l" defTabSz="800100">
+            <a:lnSpc>
+              <a:spcPct val="90000"/>
+            </a:lnSpc>
+            <a:spcBef>
+              <a:spcPct val="0"/>
+            </a:spcBef>
+            <a:spcAft>
+              <a:spcPct val="35000"/>
+            </a:spcAft>
+          </a:pPr>
+          <a:r>
+            <a:rPr lang="en-NZ" sz="1800" kern="1200" dirty="0" smtClean="0"/>
+            <a:t>Key Functions</a:t>
+          </a:r>
+          <a:endParaRPr lang="en-NZ" sz="1800" kern="1200" dirty="0"/>
+        </a:p>
+        <a:p>
+          <a:pPr marL="171450" lvl="1" indent="-171450" algn="l" defTabSz="755650">
+            <a:lnSpc>
+              <a:spcPct val="90000"/>
+            </a:lnSpc>
+            <a:spcBef>
+              <a:spcPct val="0"/>
+            </a:spcBef>
+            <a:spcAft>
+              <a:spcPct val="15000"/>
+            </a:spcAft>
+            <a:buChar char="••"/>
+          </a:pPr>
+          <a:endParaRPr lang="en-NZ" sz="1700" kern="1200" dirty="0"/>
+        </a:p>
+      </dsp:txBody>
+      <dsp:txXfrm>
+        <a:off x="0" y="48061"/>
+        <a:ext cx="2468880" cy="1002982"/>
+      </dsp:txXfrm>
+    </dsp:sp>
+    <dsp:sp modelId="{0F05CE86-B0AE-42B4-AEAD-9BEE65D6D441}">
+      <dsp:nvSpPr>
+        <dsp:cNvPr id="0" name=""/>
+        <dsp:cNvSpPr/>
+      </dsp:nvSpPr>
+      <dsp:spPr>
+        <a:xfrm>
+          <a:off x="4640079" y="131643"/>
+          <a:ext cx="1253728" cy="835818"/>
+        </a:xfrm>
+        <a:prstGeom prst="roundRect">
+          <a:avLst>
+            <a:gd name="adj" fmla="val 10000"/>
+          </a:avLst>
+        </a:prstGeom>
+        <a:solidFill>
+          <a:schemeClr val="accent1">
+            <a:hueOff val="0"/>
+            <a:satOff val="0"/>
+            <a:lumOff val="0"/>
+            <a:alphaOff val="0"/>
+          </a:schemeClr>
+        </a:solidFill>
+        <a:ln w="25400" cap="flat" cmpd="sng" algn="ctr">
+          <a:solidFill>
+            <a:schemeClr val="lt1">
+              <a:hueOff val="0"/>
+              <a:satOff val="0"/>
+              <a:lumOff val="0"/>
+              <a:alphaOff val="0"/>
+            </a:schemeClr>
+          </a:solidFill>
+          <a:prstDash val="solid"/>
+        </a:ln>
+        <a:effectLst/>
+      </dsp:spPr>
+      <dsp:style>
+        <a:lnRef idx="2">
+          <a:scrgbClr r="0" g="0" b="0"/>
+        </a:lnRef>
+        <a:fillRef idx="1">
+          <a:scrgbClr r="0" g="0" b="0"/>
+        </a:fillRef>
+        <a:effectRef idx="0">
+          <a:scrgbClr r="0" g="0" b="0"/>
+        </a:effectRef>
+        <a:fontRef idx="minor">
+          <a:schemeClr val="lt1"/>
+        </a:fontRef>
+      </dsp:style>
+      <dsp:txBody>
+        <a:bodyPr spcFirstLastPara="0" vert="horz" wrap="square" lIns="57150" tIns="57150" rIns="57150" bIns="57150" numCol="1" spcCol="1270" anchor="ctr" anchorCtr="0">
+          <a:noAutofit/>
+        </a:bodyPr>
+        <a:lstStyle/>
+        <a:p>
+          <a:pPr lvl="0" algn="ctr" defTabSz="666750">
+            <a:lnSpc>
+              <a:spcPct val="90000"/>
+            </a:lnSpc>
+            <a:spcBef>
+              <a:spcPct val="0"/>
+            </a:spcBef>
+            <a:spcAft>
+              <a:spcPct val="35000"/>
+            </a:spcAft>
+          </a:pPr>
+          <a:r>
+            <a:rPr lang="en-NZ" sz="1500" kern="1200" dirty="0" smtClean="0"/>
+            <a:t>.</a:t>
+          </a:r>
+          <a:r>
+            <a:rPr lang="en-NZ" sz="1500" kern="1200" dirty="0" err="1" smtClean="0"/>
+            <a:t>GlobalEnv</a:t>
+          </a:r>
+          <a:endParaRPr lang="en-NZ" sz="1500" kern="1200" dirty="0"/>
+        </a:p>
+      </dsp:txBody>
+      <dsp:txXfrm>
+        <a:off x="4664559" y="156123"/>
+        <a:ext cx="1204768" cy="786858"/>
+      </dsp:txXfrm>
+    </dsp:sp>
+    <dsp:sp modelId="{C3130341-79B4-4649-9846-4D2DA910E754}">
+      <dsp:nvSpPr>
+        <dsp:cNvPr id="0" name=""/>
+        <dsp:cNvSpPr/>
+      </dsp:nvSpPr>
+      <dsp:spPr>
+        <a:xfrm>
+          <a:off x="5221224" y="967462"/>
+          <a:ext cx="91440" cy="334327"/>
+        </a:xfrm>
+        <a:custGeom>
+          <a:avLst/>
+          <a:gdLst/>
+          <a:ahLst/>
+          <a:cxnLst/>
+          <a:rect l="0" t="0" r="0" b="0"/>
+          <a:pathLst>
+            <a:path>
+              <a:moveTo>
+                <a:pt x="45720" y="0"/>
+              </a:moveTo>
+              <a:lnTo>
+                <a:pt x="45720" y="334327"/>
+              </a:lnTo>
+            </a:path>
+          </a:pathLst>
+        </a:custGeom>
+        <a:noFill/>
+        <a:ln w="25400" cap="flat" cmpd="sng" algn="ctr">
+          <a:solidFill>
+            <a:schemeClr val="accent1">
+              <a:shade val="60000"/>
+              <a:hueOff val="0"/>
+              <a:satOff val="0"/>
+              <a:lumOff val="0"/>
+              <a:alphaOff val="0"/>
+            </a:schemeClr>
+          </a:solidFill>
+          <a:prstDash val="solid"/>
+        </a:ln>
+        <a:effectLst/>
+      </dsp:spPr>
+      <dsp:style>
+        <a:lnRef idx="2">
+          <a:scrgbClr r="0" g="0" b="0"/>
+        </a:lnRef>
+        <a:fillRef idx="0">
+          <a:scrgbClr r="0" g="0" b="0"/>
+        </a:fillRef>
+        <a:effectRef idx="0">
+          <a:scrgbClr r="0" g="0" b="0"/>
+        </a:effectRef>
+        <a:fontRef idx="minor"/>
+      </dsp:style>
+    </dsp:sp>
+    <dsp:sp modelId="{1357C9EC-4CC6-4833-BAC6-862178907401}">
+      <dsp:nvSpPr>
+        <dsp:cNvPr id="0" name=""/>
+        <dsp:cNvSpPr/>
+      </dsp:nvSpPr>
+      <dsp:spPr>
+        <a:xfrm>
+          <a:off x="4640079" y="1301789"/>
+          <a:ext cx="1253728" cy="835818"/>
+        </a:xfrm>
+        <a:prstGeom prst="roundRect">
+          <a:avLst>
+            <a:gd name="adj" fmla="val 10000"/>
+          </a:avLst>
+        </a:prstGeom>
+        <a:solidFill>
+          <a:schemeClr val="accent1">
+            <a:hueOff val="0"/>
+            <a:satOff val="0"/>
+            <a:lumOff val="0"/>
+            <a:alphaOff val="0"/>
+          </a:schemeClr>
+        </a:solidFill>
+        <a:ln w="25400" cap="flat" cmpd="sng" algn="ctr">
+          <a:solidFill>
+            <a:schemeClr val="lt1">
+              <a:hueOff val="0"/>
+              <a:satOff val="0"/>
+              <a:lumOff val="0"/>
+              <a:alphaOff val="0"/>
+            </a:schemeClr>
+          </a:solidFill>
+          <a:prstDash val="solid"/>
+        </a:ln>
+        <a:effectLst/>
+      </dsp:spPr>
+      <dsp:style>
+        <a:lnRef idx="2">
+          <a:scrgbClr r="0" g="0" b="0"/>
+        </a:lnRef>
+        <a:fillRef idx="1">
+          <a:scrgbClr r="0" g="0" b="0"/>
+        </a:fillRef>
+        <a:effectRef idx="0">
+          <a:scrgbClr r="0" g="0" b="0"/>
+        </a:effectRef>
+        <a:fontRef idx="minor">
+          <a:schemeClr val="lt1"/>
+        </a:fontRef>
+      </dsp:style>
+      <dsp:txBody>
+        <a:bodyPr spcFirstLastPara="0" vert="horz" wrap="square" lIns="57150" tIns="57150" rIns="57150" bIns="57150" numCol="1" spcCol="1270" anchor="ctr" anchorCtr="0">
+          <a:noAutofit/>
+        </a:bodyPr>
+        <a:lstStyle/>
+        <a:p>
+          <a:pPr lvl="0" algn="ctr" defTabSz="666750">
+            <a:lnSpc>
+              <a:spcPct val="90000"/>
+            </a:lnSpc>
+            <a:spcBef>
+              <a:spcPct val="0"/>
+            </a:spcBef>
+            <a:spcAft>
+              <a:spcPct val="35000"/>
+            </a:spcAft>
+          </a:pPr>
+          <a:r>
+            <a:rPr lang="en-NZ" sz="1500" kern="1200" dirty="0" err="1" smtClean="0"/>
+            <a:t>Simenv</a:t>
+          </a:r>
+          <a:endParaRPr lang="en-NZ" sz="1500" kern="1200" dirty="0"/>
+        </a:p>
+      </dsp:txBody>
+      <dsp:txXfrm>
+        <a:off x="4664559" y="1326269"/>
+        <a:ext cx="1204768" cy="786858"/>
+      </dsp:txXfrm>
+    </dsp:sp>
+    <dsp:sp modelId="{6BE3564B-F5EC-4596-A3F4-5B5880B3502B}">
+      <dsp:nvSpPr>
+        <dsp:cNvPr id="0" name=""/>
+        <dsp:cNvSpPr/>
+      </dsp:nvSpPr>
+      <dsp:spPr>
+        <a:xfrm>
+          <a:off x="5221224" y="2137608"/>
+          <a:ext cx="91440" cy="334327"/>
+        </a:xfrm>
+        <a:custGeom>
+          <a:avLst/>
+          <a:gdLst/>
+          <a:ahLst/>
+          <a:cxnLst/>
+          <a:rect l="0" t="0" r="0" b="0"/>
+          <a:pathLst>
+            <a:path>
+              <a:moveTo>
+                <a:pt x="45720" y="0"/>
+              </a:moveTo>
+              <a:lnTo>
+                <a:pt x="45720" y="334327"/>
+              </a:lnTo>
+            </a:path>
+          </a:pathLst>
+        </a:custGeom>
+        <a:noFill/>
+        <a:ln w="25400" cap="flat" cmpd="sng" algn="ctr">
+          <a:solidFill>
+            <a:schemeClr val="accent1">
+              <a:shade val="80000"/>
+              <a:hueOff val="0"/>
+              <a:satOff val="0"/>
+              <a:lumOff val="0"/>
+              <a:alphaOff val="0"/>
+            </a:schemeClr>
+          </a:solidFill>
+          <a:prstDash val="solid"/>
+        </a:ln>
+        <a:effectLst/>
+      </dsp:spPr>
+      <dsp:style>
+        <a:lnRef idx="2">
+          <a:scrgbClr r="0" g="0" b="0"/>
+        </a:lnRef>
+        <a:fillRef idx="0">
+          <a:scrgbClr r="0" g="0" b="0"/>
+        </a:fillRef>
+        <a:effectRef idx="0">
+          <a:scrgbClr r="0" g="0" b="0"/>
+        </a:effectRef>
+        <a:fontRef idx="minor"/>
+      </dsp:style>
+    </dsp:sp>
+    <dsp:sp modelId="{156D5EAE-D944-482E-8012-31CC7A5FB804}">
+      <dsp:nvSpPr>
+        <dsp:cNvPr id="0" name=""/>
+        <dsp:cNvSpPr/>
+      </dsp:nvSpPr>
+      <dsp:spPr>
+        <a:xfrm>
+          <a:off x="4640079" y="2471936"/>
+          <a:ext cx="1253728" cy="835818"/>
+        </a:xfrm>
+        <a:prstGeom prst="roundRect">
+          <a:avLst>
+            <a:gd name="adj" fmla="val 10000"/>
+          </a:avLst>
+        </a:prstGeom>
+        <a:solidFill>
+          <a:schemeClr val="accent1">
+            <a:hueOff val="0"/>
+            <a:satOff val="0"/>
+            <a:lumOff val="0"/>
+            <a:alphaOff val="0"/>
+          </a:schemeClr>
+        </a:solidFill>
+        <a:ln w="25400" cap="flat" cmpd="sng" algn="ctr">
+          <a:solidFill>
+            <a:schemeClr val="lt1">
+              <a:hueOff val="0"/>
+              <a:satOff val="0"/>
+              <a:lumOff val="0"/>
+              <a:alphaOff val="0"/>
+            </a:schemeClr>
+          </a:solidFill>
+          <a:prstDash val="solid"/>
+        </a:ln>
+        <a:effectLst/>
+      </dsp:spPr>
+      <dsp:style>
+        <a:lnRef idx="2">
+          <a:scrgbClr r="0" g="0" b="0"/>
+        </a:lnRef>
+        <a:fillRef idx="1">
+          <a:scrgbClr r="0" g="0" b="0"/>
+        </a:fillRef>
+        <a:effectRef idx="0">
+          <a:scrgbClr r="0" g="0" b="0"/>
+        </a:effectRef>
+        <a:fontRef idx="minor">
+          <a:schemeClr val="lt1"/>
+        </a:fontRef>
+      </dsp:style>
+      <dsp:txBody>
+        <a:bodyPr spcFirstLastPara="0" vert="horz" wrap="square" lIns="57150" tIns="57150" rIns="57150" bIns="57150" numCol="1" spcCol="1270" anchor="ctr" anchorCtr="0">
+          <a:noAutofit/>
+        </a:bodyPr>
+        <a:lstStyle/>
+        <a:p>
+          <a:pPr lvl="0" algn="ctr" defTabSz="666750">
+            <a:lnSpc>
+              <a:spcPct val="90000"/>
+            </a:lnSpc>
+            <a:spcBef>
+              <a:spcPct val="0"/>
+            </a:spcBef>
+            <a:spcAft>
+              <a:spcPct val="35000"/>
+            </a:spcAft>
+          </a:pPr>
+          <a:r>
+            <a:rPr lang="en-NZ" sz="1500" kern="1200" dirty="0" err="1" smtClean="0"/>
+            <a:t>SimenvDemo</a:t>
+          </a:r>
+          <a:endParaRPr lang="en-NZ" sz="1500" kern="1200" dirty="0"/>
+        </a:p>
+      </dsp:txBody>
+      <dsp:txXfrm>
+        <a:off x="4664559" y="2496416"/>
+        <a:ext cx="1204768" cy="786858"/>
+      </dsp:txXfrm>
+    </dsp:sp>
+    <dsp:sp modelId="{D8AE45CE-0096-4BF4-9D97-AA528E61D93F}">
+      <dsp:nvSpPr>
+        <dsp:cNvPr id="0" name=""/>
+        <dsp:cNvSpPr/>
+      </dsp:nvSpPr>
+      <dsp:spPr>
+        <a:xfrm>
+          <a:off x="4452020" y="3307754"/>
+          <a:ext cx="814923" cy="334327"/>
+        </a:xfrm>
+        <a:custGeom>
+          <a:avLst/>
+          <a:gdLst/>
+          <a:ahLst/>
+          <a:cxnLst/>
+          <a:rect l="0" t="0" r="0" b="0"/>
+          <a:pathLst>
+            <a:path>
+              <a:moveTo>
+                <a:pt x="814923" y="0"/>
+              </a:moveTo>
+              <a:lnTo>
+                <a:pt x="814923" y="167163"/>
+              </a:lnTo>
+              <a:lnTo>
+                <a:pt x="0" y="167163"/>
+              </a:lnTo>
+              <a:lnTo>
+                <a:pt x="0" y="334327"/>
+              </a:lnTo>
+            </a:path>
+          </a:pathLst>
+        </a:custGeom>
+        <a:noFill/>
+        <a:ln w="25400" cap="flat" cmpd="sng" algn="ctr">
+          <a:solidFill>
+            <a:schemeClr val="accent1">
+              <a:shade val="80000"/>
+              <a:hueOff val="0"/>
+              <a:satOff val="0"/>
+              <a:lumOff val="0"/>
+              <a:alphaOff val="0"/>
+            </a:schemeClr>
+          </a:solidFill>
+          <a:prstDash val="solid"/>
+        </a:ln>
+        <a:effectLst/>
+      </dsp:spPr>
+      <dsp:style>
+        <a:lnRef idx="2">
+          <a:scrgbClr r="0" g="0" b="0"/>
+        </a:lnRef>
+        <a:fillRef idx="0">
+          <a:scrgbClr r="0" g="0" b="0"/>
+        </a:fillRef>
+        <a:effectRef idx="0">
+          <a:scrgbClr r="0" g="0" b="0"/>
+        </a:effectRef>
+        <a:fontRef idx="minor"/>
+      </dsp:style>
+    </dsp:sp>
+    <dsp:sp modelId="{C1D28920-C686-4F73-973B-A70AD6024D4E}">
+      <dsp:nvSpPr>
+        <dsp:cNvPr id="0" name=""/>
+        <dsp:cNvSpPr/>
+      </dsp:nvSpPr>
+      <dsp:spPr>
+        <a:xfrm>
+          <a:off x="3825156" y="3642082"/>
+          <a:ext cx="1253728" cy="835818"/>
+        </a:xfrm>
+        <a:prstGeom prst="roundRect">
+          <a:avLst>
+            <a:gd name="adj" fmla="val 10000"/>
+          </a:avLst>
+        </a:prstGeom>
+        <a:solidFill>
+          <a:schemeClr val="accent1">
+            <a:hueOff val="0"/>
+            <a:satOff val="0"/>
+            <a:lumOff val="0"/>
+            <a:alphaOff val="0"/>
+          </a:schemeClr>
+        </a:solidFill>
+        <a:ln w="25400" cap="flat" cmpd="sng" algn="ctr">
+          <a:solidFill>
+            <a:schemeClr val="lt1">
+              <a:hueOff val="0"/>
+              <a:satOff val="0"/>
+              <a:lumOff val="0"/>
+              <a:alphaOff val="0"/>
+            </a:schemeClr>
+          </a:solidFill>
+          <a:prstDash val="solid"/>
+        </a:ln>
+        <a:effectLst/>
+      </dsp:spPr>
+      <dsp:style>
+        <a:lnRef idx="2">
+          <a:scrgbClr r="0" g="0" b="0"/>
+        </a:lnRef>
+        <a:fillRef idx="1">
+          <a:scrgbClr r="0" g="0" b="0"/>
+        </a:fillRef>
+        <a:effectRef idx="0">
+          <a:scrgbClr r="0" g="0" b="0"/>
+        </a:effectRef>
+        <a:fontRef idx="minor">
+          <a:schemeClr val="lt1"/>
+        </a:fontRef>
+      </dsp:style>
+      <dsp:txBody>
+        <a:bodyPr spcFirstLastPara="0" vert="horz" wrap="square" lIns="57150" tIns="57150" rIns="57150" bIns="57150" numCol="1" spcCol="1270" anchor="ctr" anchorCtr="0">
+          <a:noAutofit/>
+        </a:bodyPr>
+        <a:lstStyle/>
+        <a:p>
+          <a:pPr lvl="0" algn="ctr" defTabSz="666750">
+            <a:lnSpc>
+              <a:spcPct val="90000"/>
+            </a:lnSpc>
+            <a:spcBef>
+              <a:spcPct val="0"/>
+            </a:spcBef>
+            <a:spcAft>
+              <a:spcPct val="35000"/>
+            </a:spcAft>
+          </a:pPr>
+          <a:r>
+            <a:rPr lang="en-NZ" sz="1500" kern="1200" dirty="0" err="1" smtClean="0"/>
+            <a:t>env.base</a:t>
+          </a:r>
+          <a:endParaRPr lang="en-NZ" sz="1500" kern="1200" dirty="0"/>
+        </a:p>
+      </dsp:txBody>
+      <dsp:txXfrm>
+        <a:off x="3849636" y="3666562"/>
+        <a:ext cx="1204768" cy="786858"/>
+      </dsp:txXfrm>
+    </dsp:sp>
+    <dsp:sp modelId="{A6995961-1151-42F7-B7D1-488B27E52547}">
+      <dsp:nvSpPr>
+        <dsp:cNvPr id="0" name=""/>
+        <dsp:cNvSpPr/>
+      </dsp:nvSpPr>
+      <dsp:spPr>
+        <a:xfrm>
+          <a:off x="5266944" y="3307754"/>
+          <a:ext cx="814923" cy="334327"/>
+        </a:xfrm>
+        <a:custGeom>
+          <a:avLst/>
+          <a:gdLst/>
+          <a:ahLst/>
+          <a:cxnLst/>
+          <a:rect l="0" t="0" r="0" b="0"/>
+          <a:pathLst>
+            <a:path>
+              <a:moveTo>
+                <a:pt x="0" y="0"/>
+              </a:moveTo>
+              <a:lnTo>
+                <a:pt x="0" y="167163"/>
+              </a:lnTo>
+              <a:lnTo>
+                <a:pt x="814923" y="167163"/>
+              </a:lnTo>
+              <a:lnTo>
+                <a:pt x="814923" y="334327"/>
+              </a:lnTo>
+            </a:path>
+          </a:pathLst>
+        </a:custGeom>
+        <a:noFill/>
+        <a:ln w="25400" cap="flat" cmpd="sng" algn="ctr">
+          <a:solidFill>
+            <a:schemeClr val="accent1">
+              <a:shade val="80000"/>
+              <a:hueOff val="0"/>
+              <a:satOff val="0"/>
+              <a:lumOff val="0"/>
+              <a:alphaOff val="0"/>
+            </a:schemeClr>
+          </a:solidFill>
+          <a:prstDash val="solid"/>
+        </a:ln>
+        <a:effectLst/>
+      </dsp:spPr>
+      <dsp:style>
+        <a:lnRef idx="2">
+          <a:scrgbClr r="0" g="0" b="0"/>
+        </a:lnRef>
+        <a:fillRef idx="0">
+          <a:scrgbClr r="0" g="0" b="0"/>
+        </a:fillRef>
+        <a:effectRef idx="0">
+          <a:scrgbClr r="0" g="0" b="0"/>
+        </a:effectRef>
+        <a:fontRef idx="minor"/>
+      </dsp:style>
+    </dsp:sp>
+    <dsp:sp modelId="{D38D2977-BBD5-475C-8D92-211CF919493B}">
+      <dsp:nvSpPr>
+        <dsp:cNvPr id="0" name=""/>
+        <dsp:cNvSpPr/>
+      </dsp:nvSpPr>
+      <dsp:spPr>
+        <a:xfrm>
+          <a:off x="5455003" y="3642082"/>
+          <a:ext cx="1253728" cy="835818"/>
+        </a:xfrm>
+        <a:prstGeom prst="roundRect">
+          <a:avLst>
+            <a:gd name="adj" fmla="val 10000"/>
+          </a:avLst>
+        </a:prstGeom>
+        <a:solidFill>
+          <a:schemeClr val="accent1">
+            <a:hueOff val="0"/>
+            <a:satOff val="0"/>
+            <a:lumOff val="0"/>
+            <a:alphaOff val="0"/>
+          </a:schemeClr>
+        </a:solidFill>
+        <a:ln w="25400" cap="flat" cmpd="sng" algn="ctr">
+          <a:solidFill>
+            <a:schemeClr val="lt1">
+              <a:hueOff val="0"/>
+              <a:satOff val="0"/>
+              <a:lumOff val="0"/>
+              <a:alphaOff val="0"/>
+            </a:schemeClr>
+          </a:solidFill>
+          <a:prstDash val="solid"/>
+        </a:ln>
+        <a:effectLst/>
+      </dsp:spPr>
+      <dsp:style>
+        <a:lnRef idx="2">
+          <a:scrgbClr r="0" g="0" b="0"/>
+        </a:lnRef>
+        <a:fillRef idx="1">
+          <a:scrgbClr r="0" g="0" b="0"/>
+        </a:fillRef>
+        <a:effectRef idx="0">
+          <a:scrgbClr r="0" g="0" b="0"/>
+        </a:effectRef>
+        <a:fontRef idx="minor">
+          <a:schemeClr val="lt1"/>
+        </a:fontRef>
+      </dsp:style>
+      <dsp:txBody>
+        <a:bodyPr spcFirstLastPara="0" vert="horz" wrap="square" lIns="57150" tIns="57150" rIns="57150" bIns="57150" numCol="1" spcCol="1270" anchor="ctr" anchorCtr="0">
+          <a:noAutofit/>
+        </a:bodyPr>
+        <a:lstStyle/>
+        <a:p>
+          <a:pPr lvl="0" algn="ctr" defTabSz="666750">
+            <a:lnSpc>
+              <a:spcPct val="90000"/>
+            </a:lnSpc>
+            <a:spcBef>
+              <a:spcPct val="0"/>
+            </a:spcBef>
+            <a:spcAft>
+              <a:spcPct val="35000"/>
+            </a:spcAft>
+          </a:pPr>
+          <a:r>
+            <a:rPr lang="en-NZ" sz="1500" kern="1200" dirty="0" err="1" smtClean="0"/>
+            <a:t>env.scenario</a:t>
+          </a:r>
+          <a:endParaRPr lang="en-NZ" sz="1500" kern="1200" dirty="0"/>
+        </a:p>
+      </dsp:txBody>
+      <dsp:txXfrm>
+        <a:off x="5479483" y="3666562"/>
+        <a:ext cx="1204768" cy="786858"/>
+      </dsp:txXfrm>
+    </dsp:sp>
   </dsp:spTree>
 </dsp:drawing>
 </file>
@@ -2518,16 +3975,803 @@
       <dsp:cNvGrpSpPr/>
     </dsp:nvGrpSpPr>
     <dsp:grpSpPr/>
+    <dsp:sp modelId="{D03DA1F5-9F40-480B-9AB6-3CFD836CF7AC}">
+      <dsp:nvSpPr>
+        <dsp:cNvPr id="0" name=""/>
+        <dsp:cNvSpPr/>
+      </dsp:nvSpPr>
+      <dsp:spPr>
+        <a:xfrm>
+          <a:off x="0" y="3516709"/>
+          <a:ext cx="8229600" cy="1002982"/>
+        </a:xfrm>
+        <a:prstGeom prst="roundRect">
+          <a:avLst>
+            <a:gd name="adj" fmla="val 10000"/>
+          </a:avLst>
+        </a:prstGeom>
+        <a:solidFill>
+          <a:schemeClr val="accent1">
+            <a:tint val="40000"/>
+            <a:hueOff val="0"/>
+            <a:satOff val="0"/>
+            <a:lumOff val="0"/>
+            <a:alphaOff val="0"/>
+          </a:schemeClr>
+        </a:solidFill>
+        <a:ln>
+          <a:noFill/>
+        </a:ln>
+        <a:effectLst/>
+      </dsp:spPr>
+      <dsp:style>
+        <a:lnRef idx="0">
+          <a:scrgbClr r="0" g="0" b="0"/>
+        </a:lnRef>
+        <a:fillRef idx="1">
+          <a:scrgbClr r="0" g="0" b="0"/>
+        </a:fillRef>
+        <a:effectRef idx="0">
+          <a:scrgbClr r="0" g="0" b="0"/>
+        </a:effectRef>
+        <a:fontRef idx="minor"/>
+      </dsp:style>
+      <dsp:txBody>
+        <a:bodyPr spcFirstLastPara="0" vert="horz" wrap="square" lIns="248920" tIns="248920" rIns="248920" bIns="248920" numCol="1" spcCol="1270" anchor="ctr" anchorCtr="0">
+          <a:noAutofit/>
+        </a:bodyPr>
+        <a:lstStyle/>
+        <a:p>
+          <a:pPr lvl="0" algn="ctr" defTabSz="1555750">
+            <a:lnSpc>
+              <a:spcPct val="90000"/>
+            </a:lnSpc>
+            <a:spcBef>
+              <a:spcPct val="0"/>
+            </a:spcBef>
+            <a:spcAft>
+              <a:spcPct val="35000"/>
+            </a:spcAft>
+          </a:pPr>
+          <a:endParaRPr lang="en-NZ" sz="3500" kern="1200" dirty="0"/>
+        </a:p>
+      </dsp:txBody>
+      <dsp:txXfrm>
+        <a:off x="0" y="3516709"/>
+        <a:ext cx="2468880" cy="1002982"/>
+      </dsp:txXfrm>
+    </dsp:sp>
+    <dsp:sp modelId="{FE29CD73-3B14-43CF-83D8-60BA2CD2E864}">
+      <dsp:nvSpPr>
+        <dsp:cNvPr id="0" name=""/>
+        <dsp:cNvSpPr/>
+      </dsp:nvSpPr>
+      <dsp:spPr>
+        <a:xfrm>
+          <a:off x="0" y="2346563"/>
+          <a:ext cx="8229600" cy="1002982"/>
+        </a:xfrm>
+        <a:prstGeom prst="roundRect">
+          <a:avLst>
+            <a:gd name="adj" fmla="val 10000"/>
+          </a:avLst>
+        </a:prstGeom>
+        <a:solidFill>
+          <a:schemeClr val="accent1">
+            <a:tint val="40000"/>
+            <a:hueOff val="0"/>
+            <a:satOff val="0"/>
+            <a:lumOff val="0"/>
+            <a:alphaOff val="0"/>
+          </a:schemeClr>
+        </a:solidFill>
+        <a:ln>
+          <a:noFill/>
+        </a:ln>
+        <a:effectLst/>
+      </dsp:spPr>
+      <dsp:style>
+        <a:lnRef idx="0">
+          <a:scrgbClr r="0" g="0" b="0"/>
+        </a:lnRef>
+        <a:fillRef idx="1">
+          <a:scrgbClr r="0" g="0" b="0"/>
+        </a:fillRef>
+        <a:effectRef idx="0">
+          <a:scrgbClr r="0" g="0" b="0"/>
+        </a:effectRef>
+        <a:fontRef idx="minor"/>
+      </dsp:style>
+      <dsp:txBody>
+        <a:bodyPr spcFirstLastPara="0" vert="horz" wrap="square" lIns="99568" tIns="99568" rIns="99568" bIns="99568" numCol="1" spcCol="1270" anchor="ctr" anchorCtr="0">
+          <a:noAutofit/>
+        </a:bodyPr>
+        <a:lstStyle/>
+        <a:p>
+          <a:pPr lvl="0" algn="l" defTabSz="622300">
+            <a:lnSpc>
+              <a:spcPct val="90000"/>
+            </a:lnSpc>
+            <a:spcBef>
+              <a:spcPct val="0"/>
+            </a:spcBef>
+            <a:spcAft>
+              <a:spcPct val="35000"/>
+            </a:spcAft>
+          </a:pPr>
+          <a:r>
+            <a:rPr lang="en-NZ" sz="1400" kern="1200" dirty="0" err="1" smtClean="0"/>
+            <a:t>simulateRun</a:t>
+          </a:r>
+          <a:endParaRPr lang="en-NZ" sz="1700" kern="1200" dirty="0"/>
+        </a:p>
+      </dsp:txBody>
+      <dsp:txXfrm>
+        <a:off x="0" y="2346563"/>
+        <a:ext cx="2468880" cy="1002982"/>
+      </dsp:txXfrm>
+    </dsp:sp>
+    <dsp:sp modelId="{F4943280-3623-4753-8577-50735B0BDEC9}">
+      <dsp:nvSpPr>
+        <dsp:cNvPr id="0" name=""/>
+        <dsp:cNvSpPr/>
+      </dsp:nvSpPr>
+      <dsp:spPr>
+        <a:xfrm>
+          <a:off x="0" y="1176417"/>
+          <a:ext cx="8229600" cy="1002982"/>
+        </a:xfrm>
+        <a:prstGeom prst="roundRect">
+          <a:avLst>
+            <a:gd name="adj" fmla="val 10000"/>
+          </a:avLst>
+        </a:prstGeom>
+        <a:solidFill>
+          <a:schemeClr val="accent1">
+            <a:tint val="40000"/>
+            <a:hueOff val="0"/>
+            <a:satOff val="0"/>
+            <a:lumOff val="0"/>
+            <a:alphaOff val="0"/>
+          </a:schemeClr>
+        </a:solidFill>
+        <a:ln>
+          <a:noFill/>
+        </a:ln>
+        <a:effectLst/>
+      </dsp:spPr>
+      <dsp:style>
+        <a:lnRef idx="0">
+          <a:scrgbClr r="0" g="0" b="0"/>
+        </a:lnRef>
+        <a:fillRef idx="1">
+          <a:scrgbClr r="0" g="0" b="0"/>
+        </a:fillRef>
+        <a:effectRef idx="0">
+          <a:scrgbClr r="0" g="0" b="0"/>
+        </a:effectRef>
+        <a:fontRef idx="minor"/>
+      </dsp:style>
+      <dsp:txBody>
+        <a:bodyPr spcFirstLastPara="0" vert="horz" wrap="square" lIns="92456" tIns="92456" rIns="92456" bIns="92456" numCol="1" spcCol="1270" anchor="ctr" anchorCtr="0">
+          <a:noAutofit/>
+        </a:bodyPr>
+        <a:lstStyle/>
+        <a:p>
+          <a:pPr lvl="0" algn="l" defTabSz="577850">
+            <a:lnSpc>
+              <a:spcPct val="90000"/>
+            </a:lnSpc>
+            <a:spcBef>
+              <a:spcPct val="0"/>
+            </a:spcBef>
+            <a:spcAft>
+              <a:spcPct val="35000"/>
+            </a:spcAft>
+          </a:pPr>
+          <a:r>
+            <a:rPr lang="en-NZ" sz="1300" kern="1200" dirty="0" err="1" smtClean="0"/>
+            <a:t>appendRunStats</a:t>
+          </a:r>
+          <a:r>
+            <a:rPr lang="en-NZ" sz="1300" kern="1200" dirty="0" smtClean="0"/>
+            <a:t/>
+          </a:r>
+          <a:br>
+            <a:rPr lang="en-NZ" sz="1300" kern="1200" dirty="0" smtClean="0"/>
+          </a:br>
+          <a:r>
+            <a:rPr lang="en-NZ" sz="1400" kern="1200" dirty="0" err="1" smtClean="0"/>
+            <a:t>collateRunStats</a:t>
+          </a:r>
+          <a:endParaRPr lang="en-NZ" sz="1700" kern="1200" dirty="0"/>
+        </a:p>
+      </dsp:txBody>
+      <dsp:txXfrm>
+        <a:off x="0" y="1176417"/>
+        <a:ext cx="2468880" cy="1002982"/>
+      </dsp:txXfrm>
+    </dsp:sp>
+    <dsp:sp modelId="{0D066EF3-FAB9-4DB7-A0D6-BC9F0EBC3C45}">
+      <dsp:nvSpPr>
+        <dsp:cNvPr id="0" name=""/>
+        <dsp:cNvSpPr/>
+      </dsp:nvSpPr>
+      <dsp:spPr>
+        <a:xfrm>
+          <a:off x="0" y="6270"/>
+          <a:ext cx="8229600" cy="1002982"/>
+        </a:xfrm>
+        <a:prstGeom prst="roundRect">
+          <a:avLst>
+            <a:gd name="adj" fmla="val 10000"/>
+          </a:avLst>
+        </a:prstGeom>
+        <a:solidFill>
+          <a:schemeClr val="accent1">
+            <a:tint val="40000"/>
+            <a:hueOff val="0"/>
+            <a:satOff val="0"/>
+            <a:lumOff val="0"/>
+            <a:alphaOff val="0"/>
+          </a:schemeClr>
+        </a:solidFill>
+        <a:ln>
+          <a:noFill/>
+        </a:ln>
+        <a:effectLst/>
+      </dsp:spPr>
+      <dsp:style>
+        <a:lnRef idx="0">
+          <a:scrgbClr r="0" g="0" b="0"/>
+        </a:lnRef>
+        <a:fillRef idx="1">
+          <a:scrgbClr r="0" g="0" b="0"/>
+        </a:fillRef>
+        <a:effectRef idx="0">
+          <a:scrgbClr r="0" g="0" b="0"/>
+        </a:effectRef>
+        <a:fontRef idx="minor"/>
+      </dsp:style>
+      <dsp:txBody>
+        <a:bodyPr spcFirstLastPara="0" vert="horz" wrap="square" lIns="128016" tIns="128016" rIns="128016" bIns="128016" numCol="1" spcCol="1270" anchor="t" anchorCtr="0">
+          <a:noAutofit/>
+        </a:bodyPr>
+        <a:lstStyle/>
+        <a:p>
+          <a:pPr lvl="0" algn="l" defTabSz="800100">
+            <a:lnSpc>
+              <a:spcPct val="90000"/>
+            </a:lnSpc>
+            <a:spcBef>
+              <a:spcPct val="0"/>
+            </a:spcBef>
+            <a:spcAft>
+              <a:spcPct val="35000"/>
+            </a:spcAft>
+          </a:pPr>
+          <a:r>
+            <a:rPr lang="en-NZ" sz="1800" kern="1200" dirty="0" smtClean="0"/>
+            <a:t>Key Functions</a:t>
+          </a:r>
+          <a:endParaRPr lang="en-NZ" sz="1800" kern="1200" dirty="0"/>
+        </a:p>
+        <a:p>
+          <a:pPr marL="114300" lvl="1" indent="-114300" algn="l" defTabSz="577850">
+            <a:lnSpc>
+              <a:spcPct val="90000"/>
+            </a:lnSpc>
+            <a:spcBef>
+              <a:spcPct val="0"/>
+            </a:spcBef>
+            <a:spcAft>
+              <a:spcPct val="15000"/>
+            </a:spcAft>
+            <a:buChar char="••"/>
+          </a:pPr>
+          <a:endParaRPr lang="en-NZ" sz="1300" kern="1200" dirty="0"/>
+        </a:p>
+      </dsp:txBody>
+      <dsp:txXfrm>
+        <a:off x="0" y="6270"/>
+        <a:ext cx="2468880" cy="1002982"/>
+      </dsp:txXfrm>
+    </dsp:sp>
+    <dsp:sp modelId="{0F05CE86-B0AE-42B4-AEAD-9BEE65D6D441}">
+      <dsp:nvSpPr>
+        <dsp:cNvPr id="0" name=""/>
+        <dsp:cNvSpPr/>
+      </dsp:nvSpPr>
+      <dsp:spPr>
+        <a:xfrm>
+          <a:off x="4640079" y="89852"/>
+          <a:ext cx="1253728" cy="835818"/>
+        </a:xfrm>
+        <a:prstGeom prst="roundRect">
+          <a:avLst>
+            <a:gd name="adj" fmla="val 10000"/>
+          </a:avLst>
+        </a:prstGeom>
+        <a:solidFill>
+          <a:schemeClr val="accent1">
+            <a:hueOff val="0"/>
+            <a:satOff val="0"/>
+            <a:lumOff val="0"/>
+            <a:alphaOff val="0"/>
+          </a:schemeClr>
+        </a:solidFill>
+        <a:ln w="25400" cap="flat" cmpd="sng" algn="ctr">
+          <a:solidFill>
+            <a:schemeClr val="lt1">
+              <a:hueOff val="0"/>
+              <a:satOff val="0"/>
+              <a:lumOff val="0"/>
+              <a:alphaOff val="0"/>
+            </a:schemeClr>
+          </a:solidFill>
+          <a:prstDash val="solid"/>
+        </a:ln>
+        <a:effectLst/>
+      </dsp:spPr>
+      <dsp:style>
+        <a:lnRef idx="2">
+          <a:scrgbClr r="0" g="0" b="0"/>
+        </a:lnRef>
+        <a:fillRef idx="1">
+          <a:scrgbClr r="0" g="0" b="0"/>
+        </a:fillRef>
+        <a:effectRef idx="0">
+          <a:scrgbClr r="0" g="0" b="0"/>
+        </a:effectRef>
+        <a:fontRef idx="minor">
+          <a:schemeClr val="lt1"/>
+        </a:fontRef>
+      </dsp:style>
+      <dsp:txBody>
+        <a:bodyPr spcFirstLastPara="0" vert="horz" wrap="square" lIns="57150" tIns="57150" rIns="57150" bIns="57150" numCol="1" spcCol="1270" anchor="ctr" anchorCtr="0">
+          <a:noAutofit/>
+        </a:bodyPr>
+        <a:lstStyle/>
+        <a:p>
+          <a:pPr lvl="0" algn="ctr" defTabSz="666750">
+            <a:lnSpc>
+              <a:spcPct val="90000"/>
+            </a:lnSpc>
+            <a:spcBef>
+              <a:spcPct val="0"/>
+            </a:spcBef>
+            <a:spcAft>
+              <a:spcPct val="35000"/>
+            </a:spcAft>
+          </a:pPr>
+          <a:r>
+            <a:rPr lang="en-NZ" sz="1500" kern="1200" dirty="0" smtClean="0"/>
+            <a:t>.</a:t>
+          </a:r>
+          <a:r>
+            <a:rPr lang="en-NZ" sz="1500" kern="1200" dirty="0" err="1" smtClean="0"/>
+            <a:t>GlobalEnv</a:t>
+          </a:r>
+          <a:endParaRPr lang="en-NZ" sz="1500" kern="1200" dirty="0"/>
+        </a:p>
+      </dsp:txBody>
+      <dsp:txXfrm>
+        <a:off x="4664559" y="114332"/>
+        <a:ext cx="1204768" cy="786858"/>
+      </dsp:txXfrm>
+    </dsp:sp>
+    <dsp:sp modelId="{C3130341-79B4-4649-9846-4D2DA910E754}">
+      <dsp:nvSpPr>
+        <dsp:cNvPr id="0" name=""/>
+        <dsp:cNvSpPr/>
+      </dsp:nvSpPr>
+      <dsp:spPr>
+        <a:xfrm>
+          <a:off x="5221224" y="925671"/>
+          <a:ext cx="91440" cy="334327"/>
+        </a:xfrm>
+        <a:custGeom>
+          <a:avLst/>
+          <a:gdLst/>
+          <a:ahLst/>
+          <a:cxnLst/>
+          <a:rect l="0" t="0" r="0" b="0"/>
+          <a:pathLst>
+            <a:path>
+              <a:moveTo>
+                <a:pt x="45720" y="0"/>
+              </a:moveTo>
+              <a:lnTo>
+                <a:pt x="45720" y="334327"/>
+              </a:lnTo>
+            </a:path>
+          </a:pathLst>
+        </a:custGeom>
+        <a:noFill/>
+        <a:ln w="25400" cap="flat" cmpd="sng" algn="ctr">
+          <a:solidFill>
+            <a:schemeClr val="accent1">
+              <a:shade val="60000"/>
+              <a:hueOff val="0"/>
+              <a:satOff val="0"/>
+              <a:lumOff val="0"/>
+              <a:alphaOff val="0"/>
+            </a:schemeClr>
+          </a:solidFill>
+          <a:prstDash val="solid"/>
+        </a:ln>
+        <a:effectLst/>
+      </dsp:spPr>
+      <dsp:style>
+        <a:lnRef idx="2">
+          <a:scrgbClr r="0" g="0" b="0"/>
+        </a:lnRef>
+        <a:fillRef idx="0">
+          <a:scrgbClr r="0" g="0" b="0"/>
+        </a:fillRef>
+        <a:effectRef idx="0">
+          <a:scrgbClr r="0" g="0" b="0"/>
+        </a:effectRef>
+        <a:fontRef idx="minor"/>
+      </dsp:style>
+    </dsp:sp>
+    <dsp:sp modelId="{1357C9EC-4CC6-4833-BAC6-862178907401}">
+      <dsp:nvSpPr>
+        <dsp:cNvPr id="0" name=""/>
+        <dsp:cNvSpPr/>
+      </dsp:nvSpPr>
+      <dsp:spPr>
+        <a:xfrm>
+          <a:off x="4640079" y="1259998"/>
+          <a:ext cx="1253728" cy="835818"/>
+        </a:xfrm>
+        <a:prstGeom prst="roundRect">
+          <a:avLst>
+            <a:gd name="adj" fmla="val 10000"/>
+          </a:avLst>
+        </a:prstGeom>
+        <a:solidFill>
+          <a:schemeClr val="accent1">
+            <a:hueOff val="0"/>
+            <a:satOff val="0"/>
+            <a:lumOff val="0"/>
+            <a:alphaOff val="0"/>
+          </a:schemeClr>
+        </a:solidFill>
+        <a:ln w="25400" cap="flat" cmpd="sng" algn="ctr">
+          <a:solidFill>
+            <a:schemeClr val="lt1">
+              <a:hueOff val="0"/>
+              <a:satOff val="0"/>
+              <a:lumOff val="0"/>
+              <a:alphaOff val="0"/>
+            </a:schemeClr>
+          </a:solidFill>
+          <a:prstDash val="solid"/>
+        </a:ln>
+        <a:effectLst/>
+      </dsp:spPr>
+      <dsp:style>
+        <a:lnRef idx="2">
+          <a:scrgbClr r="0" g="0" b="0"/>
+        </a:lnRef>
+        <a:fillRef idx="1">
+          <a:scrgbClr r="0" g="0" b="0"/>
+        </a:fillRef>
+        <a:effectRef idx="0">
+          <a:scrgbClr r="0" g="0" b="0"/>
+        </a:effectRef>
+        <a:fontRef idx="minor">
+          <a:schemeClr val="lt1"/>
+        </a:fontRef>
+      </dsp:style>
+      <dsp:txBody>
+        <a:bodyPr spcFirstLastPara="0" vert="horz" wrap="square" lIns="57150" tIns="57150" rIns="57150" bIns="57150" numCol="1" spcCol="1270" anchor="ctr" anchorCtr="0">
+          <a:noAutofit/>
+        </a:bodyPr>
+        <a:lstStyle/>
+        <a:p>
+          <a:pPr lvl="0" algn="ctr" defTabSz="666750">
+            <a:lnSpc>
+              <a:spcPct val="90000"/>
+            </a:lnSpc>
+            <a:spcBef>
+              <a:spcPct val="0"/>
+            </a:spcBef>
+            <a:spcAft>
+              <a:spcPct val="35000"/>
+            </a:spcAft>
+          </a:pPr>
+          <a:r>
+            <a:rPr lang="en-NZ" sz="1500" kern="1200" dirty="0" err="1" smtClean="0"/>
+            <a:t>Simmodule</a:t>
+          </a:r>
+          <a:endParaRPr lang="en-NZ" sz="1500" kern="1200" dirty="0"/>
+        </a:p>
+      </dsp:txBody>
+      <dsp:txXfrm>
+        <a:off x="4664559" y="1284478"/>
+        <a:ext cx="1204768" cy="786858"/>
+      </dsp:txXfrm>
+    </dsp:sp>
+    <dsp:sp modelId="{6BE3564B-F5EC-4596-A3F4-5B5880B3502B}">
+      <dsp:nvSpPr>
+        <dsp:cNvPr id="0" name=""/>
+        <dsp:cNvSpPr/>
+      </dsp:nvSpPr>
+      <dsp:spPr>
+        <a:xfrm>
+          <a:off x="5221224" y="2095817"/>
+          <a:ext cx="91440" cy="334327"/>
+        </a:xfrm>
+        <a:custGeom>
+          <a:avLst/>
+          <a:gdLst/>
+          <a:ahLst/>
+          <a:cxnLst/>
+          <a:rect l="0" t="0" r="0" b="0"/>
+          <a:pathLst>
+            <a:path>
+              <a:moveTo>
+                <a:pt x="45720" y="0"/>
+              </a:moveTo>
+              <a:lnTo>
+                <a:pt x="45720" y="334327"/>
+              </a:lnTo>
+            </a:path>
+          </a:pathLst>
+        </a:custGeom>
+        <a:noFill/>
+        <a:ln w="25400" cap="flat" cmpd="sng" algn="ctr">
+          <a:solidFill>
+            <a:schemeClr val="accent1">
+              <a:shade val="80000"/>
+              <a:hueOff val="0"/>
+              <a:satOff val="0"/>
+              <a:lumOff val="0"/>
+              <a:alphaOff val="0"/>
+            </a:schemeClr>
+          </a:solidFill>
+          <a:prstDash val="solid"/>
+        </a:ln>
+        <a:effectLst/>
+      </dsp:spPr>
+      <dsp:style>
+        <a:lnRef idx="2">
+          <a:scrgbClr r="0" g="0" b="0"/>
+        </a:lnRef>
+        <a:fillRef idx="0">
+          <a:scrgbClr r="0" g="0" b="0"/>
+        </a:fillRef>
+        <a:effectRef idx="0">
+          <a:scrgbClr r="0" g="0" b="0"/>
+        </a:effectRef>
+        <a:fontRef idx="minor"/>
+      </dsp:style>
+    </dsp:sp>
+    <dsp:sp modelId="{156D5EAE-D944-482E-8012-31CC7A5FB804}">
+      <dsp:nvSpPr>
+        <dsp:cNvPr id="0" name=""/>
+        <dsp:cNvSpPr/>
+      </dsp:nvSpPr>
+      <dsp:spPr>
+        <a:xfrm>
+          <a:off x="4474838" y="2430145"/>
+          <a:ext cx="1584210" cy="835818"/>
+        </a:xfrm>
+        <a:prstGeom prst="roundRect">
+          <a:avLst>
+            <a:gd name="adj" fmla="val 10000"/>
+          </a:avLst>
+        </a:prstGeom>
+        <a:solidFill>
+          <a:schemeClr val="accent1">
+            <a:hueOff val="0"/>
+            <a:satOff val="0"/>
+            <a:lumOff val="0"/>
+            <a:alphaOff val="0"/>
+          </a:schemeClr>
+        </a:solidFill>
+        <a:ln w="25400" cap="flat" cmpd="sng" algn="ctr">
+          <a:solidFill>
+            <a:schemeClr val="lt1">
+              <a:hueOff val="0"/>
+              <a:satOff val="0"/>
+              <a:lumOff val="0"/>
+              <a:alphaOff val="0"/>
+            </a:schemeClr>
+          </a:solidFill>
+          <a:prstDash val="solid"/>
+        </a:ln>
+        <a:effectLst/>
+      </dsp:spPr>
+      <dsp:style>
+        <a:lnRef idx="2">
+          <a:scrgbClr r="0" g="0" b="0"/>
+        </a:lnRef>
+        <a:fillRef idx="1">
+          <a:scrgbClr r="0" g="0" b="0"/>
+        </a:fillRef>
+        <a:effectRef idx="0">
+          <a:scrgbClr r="0" g="0" b="0"/>
+        </a:effectRef>
+        <a:fontRef idx="minor">
+          <a:schemeClr val="lt1"/>
+        </a:fontRef>
+      </dsp:style>
+      <dsp:txBody>
+        <a:bodyPr spcFirstLastPara="0" vert="horz" wrap="square" lIns="57150" tIns="57150" rIns="57150" bIns="57150" numCol="1" spcCol="1270" anchor="ctr" anchorCtr="0">
+          <a:noAutofit/>
+        </a:bodyPr>
+        <a:lstStyle/>
+        <a:p>
+          <a:pPr lvl="0" algn="ctr" defTabSz="666750">
+            <a:lnSpc>
+              <a:spcPct val="90000"/>
+            </a:lnSpc>
+            <a:spcBef>
+              <a:spcPct val="0"/>
+            </a:spcBef>
+            <a:spcAft>
+              <a:spcPct val="35000"/>
+            </a:spcAft>
+          </a:pPr>
+          <a:r>
+            <a:rPr lang="en-NZ" sz="1500" kern="1200" dirty="0" err="1" smtClean="0"/>
+            <a:t>SimmoduleDemo</a:t>
+          </a:r>
+          <a:endParaRPr lang="en-NZ" sz="1500" kern="1200" dirty="0"/>
+        </a:p>
+      </dsp:txBody>
+      <dsp:txXfrm>
+        <a:off x="4499318" y="2454625"/>
+        <a:ext cx="1535250" cy="786858"/>
+      </dsp:txXfrm>
+    </dsp:sp>
+    <dsp:sp modelId="{D8AE45CE-0096-4BF4-9D97-AA528E61D93F}">
+      <dsp:nvSpPr>
+        <dsp:cNvPr id="0" name=""/>
+        <dsp:cNvSpPr/>
+      </dsp:nvSpPr>
+      <dsp:spPr>
+        <a:xfrm>
+          <a:off x="5221224" y="3265964"/>
+          <a:ext cx="91440" cy="334327"/>
+        </a:xfrm>
+        <a:custGeom>
+          <a:avLst/>
+          <a:gdLst/>
+          <a:ahLst/>
+          <a:cxnLst/>
+          <a:rect l="0" t="0" r="0" b="0"/>
+          <a:pathLst>
+            <a:path>
+              <a:moveTo>
+                <a:pt x="45720" y="0"/>
+              </a:moveTo>
+              <a:lnTo>
+                <a:pt x="45720" y="334327"/>
+              </a:lnTo>
+            </a:path>
+          </a:pathLst>
+        </a:custGeom>
+        <a:noFill/>
+        <a:ln w="25400" cap="flat" cmpd="sng" algn="ctr">
+          <a:solidFill>
+            <a:schemeClr val="accent1">
+              <a:shade val="80000"/>
+              <a:hueOff val="0"/>
+              <a:satOff val="0"/>
+              <a:lumOff val="0"/>
+              <a:alphaOff val="0"/>
+            </a:schemeClr>
+          </a:solidFill>
+          <a:prstDash val="solid"/>
+        </a:ln>
+        <a:effectLst/>
+      </dsp:spPr>
+      <dsp:style>
+        <a:lnRef idx="2">
+          <a:scrgbClr r="0" g="0" b="0"/>
+        </a:lnRef>
+        <a:fillRef idx="0">
+          <a:scrgbClr r="0" g="0" b="0"/>
+        </a:fillRef>
+        <a:effectRef idx="0">
+          <a:scrgbClr r="0" g="0" b="0"/>
+        </a:effectRef>
+        <a:fontRef idx="minor"/>
+      </dsp:style>
+    </dsp:sp>
+    <dsp:sp modelId="{C1D28920-C686-4F73-973B-A70AD6024D4E}">
+      <dsp:nvSpPr>
+        <dsp:cNvPr id="0" name=""/>
+        <dsp:cNvSpPr/>
+      </dsp:nvSpPr>
+      <dsp:spPr>
+        <a:xfrm>
+          <a:off x="4640079" y="3600291"/>
+          <a:ext cx="1253728" cy="835818"/>
+        </a:xfrm>
+        <a:prstGeom prst="roundRect">
+          <a:avLst>
+            <a:gd name="adj" fmla="val 10000"/>
+          </a:avLst>
+        </a:prstGeom>
+        <a:solidFill>
+          <a:schemeClr val="accent1">
+            <a:hueOff val="0"/>
+            <a:satOff val="0"/>
+            <a:lumOff val="0"/>
+            <a:alphaOff val="0"/>
+          </a:schemeClr>
+        </a:solidFill>
+        <a:ln w="25400" cap="flat" cmpd="sng" algn="ctr">
+          <a:solidFill>
+            <a:schemeClr val="lt1">
+              <a:hueOff val="0"/>
+              <a:satOff val="0"/>
+              <a:lumOff val="0"/>
+              <a:alphaOff val="0"/>
+            </a:schemeClr>
+          </a:solidFill>
+          <a:prstDash val="solid"/>
+        </a:ln>
+        <a:effectLst/>
+      </dsp:spPr>
+      <dsp:style>
+        <a:lnRef idx="2">
+          <a:scrgbClr r="0" g="0" b="0"/>
+        </a:lnRef>
+        <a:fillRef idx="1">
+          <a:scrgbClr r="0" g="0" b="0"/>
+        </a:fillRef>
+        <a:effectRef idx="0">
+          <a:scrgbClr r="0" g="0" b="0"/>
+        </a:effectRef>
+        <a:fontRef idx="minor">
+          <a:schemeClr val="lt1"/>
+        </a:fontRef>
+      </dsp:style>
+      <dsp:txBody>
+        <a:bodyPr spcFirstLastPara="0" vert="horz" wrap="square" lIns="57150" tIns="57150" rIns="57150" bIns="57150" numCol="1" spcCol="1270" anchor="ctr" anchorCtr="0">
+          <a:noAutofit/>
+        </a:bodyPr>
+        <a:lstStyle/>
+        <a:p>
+          <a:pPr lvl="0" algn="ctr" defTabSz="666750">
+            <a:lnSpc>
+              <a:spcPct val="90000"/>
+            </a:lnSpc>
+            <a:spcBef>
+              <a:spcPct val="0"/>
+            </a:spcBef>
+            <a:spcAft>
+              <a:spcPct val="35000"/>
+            </a:spcAft>
+          </a:pPr>
+          <a:r>
+            <a:rPr lang="en-NZ" sz="1500" kern="1200" dirty="0" smtClean="0"/>
+            <a:t>demo</a:t>
+          </a:r>
+          <a:endParaRPr lang="en-NZ" sz="1500" kern="1200" dirty="0"/>
+        </a:p>
+      </dsp:txBody>
+      <dsp:txXfrm>
+        <a:off x="4664559" y="3624771"/>
+        <a:ext cx="1204768" cy="786858"/>
+      </dsp:txXfrm>
+    </dsp:sp>
   </dsp:spTree>
 </dsp:drawing>
 </file>
 
 <file path=ppt/diagrams/layout1.xml><?xml version="1.0" encoding="utf-8"?>
-<dgm:layoutDef xmlns:dgm="http://schemas.openxmlformats.org/drawingml/2006/diagram" xmlns:a="http://schemas.openxmlformats.org/drawingml/2006/main" uniqueId="urn:microsoft.com/office/officeart/2005/8/layout/hierarchy1">
+<dgm:layoutDef xmlns:dgm="http://schemas.openxmlformats.org/drawingml/2006/diagram" xmlns:a="http://schemas.openxmlformats.org/drawingml/2006/main" uniqueId="urn:microsoft.com/office/officeart/2005/8/layout/hierarchy6">
   <dgm:title val=""/>
   <dgm:desc val=""/>
   <dgm:catLst>
-    <dgm:cat type="hierarchy" pri="2000"/>
+    <dgm:cat type="hierarchy" pri="3000"/>
   </dgm:catLst>
   <dgm:sampData>
     <dgm:dataModel>
@@ -2551,14 +4795,26 @@
         <dgm:pt modelId="31">
           <dgm:prSet phldr="1"/>
         </dgm:pt>
+        <dgm:pt modelId="4">
+          <dgm:prSet phldr="1"/>
+        </dgm:pt>
+        <dgm:pt modelId="5">
+          <dgm:prSet phldr="1"/>
+        </dgm:pt>
+        <dgm:pt modelId="6">
+          <dgm:prSet phldr="1"/>
+        </dgm:pt>
       </dgm:ptLst>
       <dgm:cxnLst>
-        <dgm:cxn modelId="4" srcId="0" destId="1" srcOrd="0" destOrd="0"/>
-        <dgm:cxn modelId="5" srcId="1" destId="2" srcOrd="0" destOrd="0"/>
-        <dgm:cxn modelId="6" srcId="1" destId="3" srcOrd="1" destOrd="0"/>
+        <dgm:cxn modelId="7" srcId="0" destId="1" srcOrd="0" destOrd="0"/>
+        <dgm:cxn modelId="8" srcId="1" destId="2" srcOrd="0" destOrd="0"/>
+        <dgm:cxn modelId="9" srcId="1" destId="3" srcOrd="1" destOrd="0"/>
         <dgm:cxn modelId="23" srcId="2" destId="21" srcOrd="0" destOrd="0"/>
         <dgm:cxn modelId="24" srcId="2" destId="22" srcOrd="1" destOrd="0"/>
         <dgm:cxn modelId="33" srcId="3" destId="31" srcOrd="0" destOrd="0"/>
+        <dgm:cxn modelId="10" srcId="0" destId="4" srcOrd="1" destOrd="0"/>
+        <dgm:cxn modelId="11" srcId="0" destId="5" srcOrd="2" destOrd="0"/>
+        <dgm:cxn modelId="12" srcId="0" destId="6" srcOrd="3" destOrd="0"/>
       </dgm:cxnLst>
       <dgm:bg/>
       <dgm:whole/>
@@ -2571,11 +4827,15 @@
         <dgm:pt modelId="1"/>
         <dgm:pt modelId="11"/>
         <dgm:pt modelId="12"/>
+        <dgm:pt modelId="2"/>
+        <dgm:pt modelId="3"/>
       </dgm:ptLst>
       <dgm:cxnLst>
-        <dgm:cxn modelId="2" srcId="0" destId="1" srcOrd="0" destOrd="0"/>
+        <dgm:cxn modelId="4" srcId="0" destId="1" srcOrd="0" destOrd="0"/>
         <dgm:cxn modelId="13" srcId="1" destId="11" srcOrd="0" destOrd="0"/>
         <dgm:cxn modelId="14" srcId="1" destId="12" srcOrd="1" destOrd="0"/>
+        <dgm:cxn modelId="5" srcId="0" destId="2" srcOrd="1" destOrd="0"/>
+        <dgm:cxn modelId="6" srcId="0" destId="3" srcOrd="2" destOrd="0"/>
       </dgm:cxnLst>
       <dgm:bg/>
       <dgm:whole/>
@@ -2592,505 +4852,437 @@
         <dgm:pt modelId="3"/>
         <dgm:pt modelId="31"/>
         <dgm:pt modelId="311"/>
+        <dgm:pt modelId="4"/>
+        <dgm:pt modelId="5"/>
+        <dgm:pt modelId="6"/>
+        <dgm:pt modelId="7"/>
       </dgm:ptLst>
       <dgm:cxnLst>
-        <dgm:cxn modelId="4" srcId="0" destId="1" srcOrd="0" destOrd="0"/>
-        <dgm:cxn modelId="5" srcId="1" destId="2" srcOrd="0" destOrd="0"/>
-        <dgm:cxn modelId="6" srcId="1" destId="3" srcOrd="1" destOrd="0"/>
+        <dgm:cxn modelId="8" srcId="0" destId="1" srcOrd="0" destOrd="0"/>
+        <dgm:cxn modelId="9" srcId="1" destId="2" srcOrd="0" destOrd="0"/>
+        <dgm:cxn modelId="10" srcId="1" destId="3" srcOrd="1" destOrd="0"/>
         <dgm:cxn modelId="23" srcId="2" destId="21" srcOrd="0" destOrd="0"/>
         <dgm:cxn modelId="24" srcId="21" destId="211" srcOrd="0" destOrd="0"/>
         <dgm:cxn modelId="33" srcId="3" destId="31" srcOrd="0" destOrd="0"/>
         <dgm:cxn modelId="34" srcId="31" destId="311" srcOrd="0" destOrd="0"/>
+        <dgm:cxn modelId="11" srcId="0" destId="4" srcOrd="1" destOrd="0"/>
+        <dgm:cxn modelId="12" srcId="0" destId="5" srcOrd="2" destOrd="0"/>
+        <dgm:cxn modelId="13" srcId="0" destId="6" srcOrd="3" destOrd="0"/>
+        <dgm:cxn modelId="14" srcId="0" destId="7" srcOrd="4" destOrd="0"/>
       </dgm:cxnLst>
       <dgm:bg/>
       <dgm:whole/>
     </dgm:dataModel>
   </dgm:clrData>
-  <dgm:layoutNode name="hierChild1">
+  <dgm:layoutNode name="mainComposite">
     <dgm:varLst>
       <dgm:chPref val="1"/>
       <dgm:dir/>
       <dgm:animOne val="branch"/>
       <dgm:animLvl val="lvl"/>
-      <dgm:resizeHandles/>
+      <dgm:resizeHandles val="exact"/>
     </dgm:varLst>
-    <dgm:choose name="Name0">
-      <dgm:if name="Name1" func="var" arg="dir" op="equ" val="norm">
-        <dgm:alg type="hierChild">
-          <dgm:param type="linDir" val="fromL"/>
-        </dgm:alg>
-      </dgm:if>
-      <dgm:else name="Name2">
-        <dgm:alg type="hierChild">
-          <dgm:param type="linDir" val="fromR"/>
-        </dgm:alg>
-      </dgm:else>
-    </dgm:choose>
+    <dgm:alg type="composite">
+      <dgm:param type="vertAlign" val="mid"/>
+      <dgm:param type="horzAlign" val="ctr"/>
+    </dgm:alg>
     <dgm:shape xmlns:r="http://schemas.openxmlformats.org/officeDocument/2006/relationships" r:blip="">
       <dgm:adjLst/>
     </dgm:shape>
     <dgm:presOf/>
-    <dgm:constrLst>
-      <dgm:constr type="primFontSz" for="des" ptType="node" op="equ" val="65"/>
-      <dgm:constr type="w" for="des" forName="composite" refType="w"/>
-      <dgm:constr type="h" for="des" forName="composite" refType="w" refFor="des" refForName="composite" fact="0.667"/>
-      <dgm:constr type="w" for="des" forName="composite2" refType="w" refFor="des" refForName="composite"/>
-      <dgm:constr type="h" for="des" forName="composite2" refType="h" refFor="des" refForName="composite"/>
-      <dgm:constr type="w" for="des" forName="composite3" refType="w" refFor="des" refForName="composite"/>
-      <dgm:constr type="h" for="des" forName="composite3" refType="h" refFor="des" refForName="composite"/>
-      <dgm:constr type="w" for="des" forName="composite4" refType="w" refFor="des" refForName="composite"/>
-      <dgm:constr type="h" for="des" forName="composite4" refType="h" refFor="des" refForName="composite"/>
-      <dgm:constr type="w" for="des" forName="composite5" refType="w" refFor="des" refForName="composite"/>
-      <dgm:constr type="h" for="des" forName="composite5" refType="h" refFor="des" refForName="composite"/>
-      <dgm:constr type="sibSp" refType="w" refFor="des" refForName="composite" fact="0.1"/>
-      <dgm:constr type="sibSp" for="des" forName="hierChild2" refType="sibSp"/>
-      <dgm:constr type="sibSp" for="des" forName="hierChild3" refType="sibSp"/>
-      <dgm:constr type="sibSp" for="des" forName="hierChild4" refType="sibSp"/>
-      <dgm:constr type="sibSp" for="des" forName="hierChild5" refType="sibSp"/>
-      <dgm:constr type="sibSp" for="des" forName="hierChild6" refType="sibSp"/>
-      <dgm:constr type="sp" for="des" forName="hierRoot1" refType="h" refFor="des" refForName="composite" fact="0.25"/>
-      <dgm:constr type="sp" for="des" forName="hierRoot2" refType="sp" refFor="des" refForName="hierRoot1"/>
-      <dgm:constr type="sp" for="des" forName="hierRoot3" refType="sp" refFor="des" refForName="hierRoot1"/>
-      <dgm:constr type="sp" for="des" forName="hierRoot4" refType="sp" refFor="des" refForName="hierRoot1"/>
-      <dgm:constr type="sp" for="des" forName="hierRoot5" refType="sp" refFor="des" refForName="hierRoot1"/>
-    </dgm:constrLst>
+    <dgm:choose name="Name0">
+      <dgm:if name="Name1" axis="ch" ptType="node" func="cnt" op="gte" val="2">
+        <dgm:choose name="Name2">
+          <dgm:if name="Name3" func="var" arg="dir" op="equ" val="norm">
+            <dgm:constrLst>
+              <dgm:constr type="l" for="ch" forName="hierFlow" refType="w" fact="0.3"/>
+              <dgm:constr type="t" for="ch" forName="hierFlow"/>
+              <dgm:constr type="r" for="ch" forName="hierFlow" refType="w" fact="0.98"/>
+              <dgm:constr type="b" for="ch" forName="hierFlow" refType="h" fact="0.98"/>
+              <dgm:constr type="l" for="ch" forName="bgShapesFlow"/>
+              <dgm:constr type="t" for="ch" forName="bgShapesFlow"/>
+              <dgm:constr type="r" for="ch" forName="bgShapesFlow" refType="w"/>
+              <dgm:constr type="b" for="ch" forName="bgShapesFlow" refType="h"/>
+              <dgm:constr type="w" for="des" forName="level1Shape" refType="w"/>
+              <dgm:constr type="h" for="des" forName="level1Shape" refType="w" refFor="des" refForName="level1Shape" fact="0.66667"/>
+              <dgm:constr type="w" for="des" forName="level2Shape" refType="w" refFor="des" refForName="level1Shape" op="equ"/>
+              <dgm:constr type="h" for="des" forName="level2Shape" refType="h" refFor="des" refForName="level1Shape" op="equ"/>
+              <dgm:constr type="sp" for="des" refType="h" refFor="des" refForName="level1Shape" op="equ" fact="0.4"/>
+              <dgm:constr type="sibSp" for="des" forName="hierChild1" refType="w" refFor="des" refForName="level1Shape" op="equ" fact="0.3"/>
+              <dgm:constr type="sibSp" for="des" forName="hierChild2" refType="sibSp" refFor="des" refForName="hierChild1" op="equ"/>
+              <dgm:constr type="sibSp" for="des" forName="hierChild3" refType="sibSp" refFor="des" refForName="hierChild1" op="equ"/>
+              <dgm:constr type="userA" for="des" refType="h" refFor="des" refForName="level1Shape" op="equ"/>
+              <dgm:constr type="userB" for="des" refType="sp" refFor="des" op="equ"/>
+              <dgm:constr type="h" for="des" forName="firstBuf" refType="h" refFor="des" refForName="level1Shape" fact="0.1"/>
+            </dgm:constrLst>
+          </dgm:if>
+          <dgm:else name="Name4">
+            <dgm:constrLst>
+              <dgm:constr type="l" for="ch" forName="hierFlow" refType="w" fact="0.02"/>
+              <dgm:constr type="t" for="ch" forName="hierFlow"/>
+              <dgm:constr type="r" for="ch" forName="hierFlow" refType="w" fact="0.7"/>
+              <dgm:constr type="b" for="ch" forName="hierFlow" refType="h" fact="0.98"/>
+              <dgm:constr type="l" for="ch" forName="bgShapesFlow"/>
+              <dgm:constr type="t" for="ch" forName="bgShapesFlow"/>
+              <dgm:constr type="r" for="ch" forName="bgShapesFlow" refType="w"/>
+              <dgm:constr type="b" for="ch" forName="bgShapesFlow" refType="h"/>
+              <dgm:constr type="w" for="des" forName="level1Shape" refType="w"/>
+              <dgm:constr type="h" for="des" forName="level1Shape" refType="w" refFor="des" refForName="level1Shape" fact="0.66667"/>
+              <dgm:constr type="w" for="des" forName="level2Shape" refType="w" refFor="des" refForName="level1Shape" op="equ"/>
+              <dgm:constr type="h" for="des" forName="level2Shape" refType="h" refFor="des" refForName="level1Shape" op="equ"/>
+              <dgm:constr type="sp" for="des" refType="h" refFor="des" refForName="level1Shape" op="equ" fact="0.4"/>
+              <dgm:constr type="sibSp" for="des" forName="hierChild1" refType="w" refFor="des" refForName="level1Shape" op="equ" fact="0.3"/>
+              <dgm:constr type="sibSp" for="des" forName="hierChild2" refType="sibSp" refFor="des" refForName="hierChild1" op="equ"/>
+              <dgm:constr type="sibSp" for="des" forName="hierChild3" refType="sibSp" refFor="des" refForName="hierChild1" op="equ"/>
+              <dgm:constr type="userA" for="des" refType="h" refFor="des" refForName="level1Shape" op="equ"/>
+              <dgm:constr type="userB" for="des" refType="sp" refFor="des" op="equ"/>
+              <dgm:constr type="h" for="des" forName="firstBuf" refType="h" refFor="des" refForName="level1Shape" fact="0.1"/>
+            </dgm:constrLst>
+          </dgm:else>
+        </dgm:choose>
+      </dgm:if>
+      <dgm:else name="Name5">
+        <dgm:constrLst>
+          <dgm:constr type="l" for="ch" forName="hierFlow"/>
+          <dgm:constr type="t" for="ch" forName="hierFlow"/>
+          <dgm:constr type="r" for="ch" forName="hierFlow" refType="w"/>
+          <dgm:constr type="b" for="ch" forName="hierFlow" refType="h"/>
+          <dgm:constr type="l" for="ch" forName="bgShapesFlow"/>
+          <dgm:constr type="t" for="ch" forName="bgShapesFlow"/>
+          <dgm:constr type="r" for="ch" forName="bgShapesFlow" refType="w"/>
+          <dgm:constr type="b" for="ch" forName="bgShapesFlow" refType="h"/>
+          <dgm:constr type="w" for="des" forName="level1Shape" refType="w"/>
+          <dgm:constr type="h" for="des" forName="level1Shape" refType="w" refFor="des" refForName="level1Shape" fact="0.66667"/>
+          <dgm:constr type="w" for="des" forName="level2Shape" refType="w" refFor="des" refForName="level1Shape" op="equ"/>
+          <dgm:constr type="h" for="des" forName="level2Shape" refType="h" refFor="des" refForName="level1Shape" op="equ"/>
+          <dgm:constr type="sp" for="des" refType="h" refFor="des" refForName="level1Shape" op="equ" fact="0.4"/>
+          <dgm:constr type="sibSp" for="des" forName="hierChild1" refType="w" refFor="des" refForName="level1Shape" op="equ" fact="0.3"/>
+          <dgm:constr type="sibSp" for="des" forName="hierChild2" refType="sibSp" refFor="des" refForName="hierChild1" op="equ"/>
+          <dgm:constr type="sibSp" for="des" forName="hierChild3" refType="sibSp" refFor="des" refForName="hierChild1" op="equ"/>
+          <dgm:constr type="userA" for="des" refType="h" refFor="des" refForName="level1Shape" op="equ"/>
+          <dgm:constr type="userB" for="des" refType="sp" refFor="des" op="equ"/>
+          <dgm:constr type="h" for="des" forName="firstBuf" refType="h" refFor="des" refForName="level1Shape" fact="0.1"/>
+        </dgm:constrLst>
+      </dgm:else>
+    </dgm:choose>
     <dgm:ruleLst/>
-    <dgm:forEach name="Name3" axis="ch">
-      <dgm:forEach name="Name4" axis="self" ptType="node">
-        <dgm:layoutNode name="hierRoot1">
-          <dgm:alg type="hierRoot"/>
-          <dgm:shape xmlns:r="http://schemas.openxmlformats.org/officeDocument/2006/relationships" r:blip="">
-            <dgm:adjLst/>
-          </dgm:shape>
-          <dgm:presOf/>
-          <dgm:constrLst>
-            <dgm:constr type="bendDist" for="des" ptType="parTrans" refType="sp" fact="0.5"/>
-          </dgm:constrLst>
-          <dgm:ruleLst/>
-          <dgm:layoutNode name="composite">
-            <dgm:alg type="composite"/>
-            <dgm:shape xmlns:r="http://schemas.openxmlformats.org/officeDocument/2006/relationships" r:blip="">
-              <dgm:adjLst/>
-            </dgm:shape>
-            <dgm:presOf/>
-            <dgm:constrLst>
-              <dgm:constr type="w" for="ch" forName="background" refType="w" fact="0.9"/>
-              <dgm:constr type="h" for="ch" forName="background" refType="w" refFor="ch" refForName="background" fact="0.635"/>
-              <dgm:constr type="t" for="ch" forName="background"/>
-              <dgm:constr type="l" for="ch" forName="background"/>
-              <dgm:constr type="w" for="ch" forName="text" refType="w" fact="0.9"/>
-              <dgm:constr type="h" for="ch" forName="text" refType="w" refFor="ch" refForName="text" fact="0.635"/>
-              <dgm:constr type="t" for="ch" forName="text" refType="w" fact="0.095"/>
-              <dgm:constr type="l" for="ch" forName="text" refType="w" fact="0.1"/>
-            </dgm:constrLst>
-            <dgm:ruleLst/>
-            <dgm:layoutNode name="background" styleLbl="node0" moveWith="text">
-              <dgm:alg type="sp"/>
-              <dgm:shape xmlns:r="http://schemas.openxmlformats.org/officeDocument/2006/relationships" type="roundRect" r:blip="">
-                <dgm:adjLst>
-                  <dgm:adj idx="1" val="0.1"/>
-                </dgm:adjLst>
-              </dgm:shape>
-              <dgm:presOf/>
-              <dgm:constrLst/>
-              <dgm:ruleLst/>
-            </dgm:layoutNode>
-            <dgm:layoutNode name="text" styleLbl="fgAcc0">
-              <dgm:varLst>
-                <dgm:chPref val="3"/>
-              </dgm:varLst>
-              <dgm:alg type="tx"/>
-              <dgm:shape xmlns:r="http://schemas.openxmlformats.org/officeDocument/2006/relationships" type="roundRect" r:blip="">
-                <dgm:adjLst>
-                  <dgm:adj idx="1" val="0.1"/>
-                </dgm:adjLst>
-              </dgm:shape>
-              <dgm:presOf axis="self"/>
-              <dgm:constrLst>
-                <dgm:constr type="tMarg" refType="primFontSz" fact="0.3"/>
-                <dgm:constr type="bMarg" refType="primFontSz" fact="0.3"/>
-                <dgm:constr type="lMarg" refType="primFontSz" fact="0.3"/>
-                <dgm:constr type="rMarg" refType="primFontSz" fact="0.3"/>
-              </dgm:constrLst>
-              <dgm:ruleLst>
-                <dgm:rule type="primFontSz" val="5" fact="NaN" max="NaN"/>
-              </dgm:ruleLst>
-            </dgm:layoutNode>
-          </dgm:layoutNode>
-          <dgm:layoutNode name="hierChild2">
-            <dgm:choose name="Name5">
-              <dgm:if name="Name6" func="var" arg="dir" op="equ" val="norm">
-                <dgm:alg type="hierChild">
-                  <dgm:param type="linDir" val="fromL"/>
-                </dgm:alg>
-              </dgm:if>
-              <dgm:else name="Name7">
-                <dgm:alg type="hierChild">
-                  <dgm:param type="linDir" val="fromR"/>
-                </dgm:alg>
-              </dgm:else>
-            </dgm:choose>
+    <dgm:layoutNode name="hierFlow">
+      <dgm:alg type="lin">
+        <dgm:param type="linDir" val="fromT"/>
+        <dgm:param type="nodeVertAlign" val="t"/>
+        <dgm:param type="vertAlign" val="t"/>
+        <dgm:param type="nodeHorzAlign" val="ctr"/>
+        <dgm:param type="fallback" val="2D"/>
+      </dgm:alg>
+      <dgm:shape xmlns:r="http://schemas.openxmlformats.org/officeDocument/2006/relationships" r:blip="">
+        <dgm:adjLst/>
+      </dgm:shape>
+      <dgm:presOf/>
+      <dgm:constrLst/>
+      <dgm:ruleLst/>
+      <dgm:choose name="Name6">
+        <dgm:if name="Name7" axis="ch" ptType="node" func="cnt" op="gte" val="2">
+          <dgm:layoutNode name="firstBuf">
+            <dgm:alg type="sp"/>
             <dgm:shape xmlns:r="http://schemas.openxmlformats.org/officeDocument/2006/relationships" r:blip="">
               <dgm:adjLst/>
             </dgm:shape>
             <dgm:presOf/>
             <dgm:constrLst/>
             <dgm:ruleLst/>
-            <dgm:forEach name="Name8" axis="ch">
-              <dgm:forEach name="Name9" axis="self" ptType="parTrans" cnt="1">
-                <dgm:layoutNode name="Name10">
-                  <dgm:alg type="conn">
-                    <dgm:param type="dim" val="1D"/>
-                    <dgm:param type="endSty" val="noArr"/>
-                    <dgm:param type="connRout" val="bend"/>
-                    <dgm:param type="bendPt" val="end"/>
-                    <dgm:param type="begPts" val="bCtr"/>
-                    <dgm:param type="endPts" val="tCtr"/>
-                    <dgm:param type="srcNode" val="background"/>
-                    <dgm:param type="dstNode" val="background2"/>
-                  </dgm:alg>
-                  <dgm:shape xmlns:r="http://schemas.openxmlformats.org/officeDocument/2006/relationships" type="conn" r:blip="" zOrderOff="-999">
-                    <dgm:adjLst/>
-                  </dgm:shape>
-                  <dgm:presOf axis="self"/>
-                  <dgm:constrLst>
-                    <dgm:constr type="begPad"/>
-                    <dgm:constr type="endPad"/>
-                  </dgm:constrLst>
-                  <dgm:ruleLst/>
-                </dgm:layoutNode>
-              </dgm:forEach>
-              <dgm:forEach name="Name11" axis="self" ptType="node">
-                <dgm:layoutNode name="hierRoot2">
-                  <dgm:alg type="hierRoot"/>
-                  <dgm:shape xmlns:r="http://schemas.openxmlformats.org/officeDocument/2006/relationships" r:blip="">
-                    <dgm:adjLst/>
-                  </dgm:shape>
-                  <dgm:presOf/>
-                  <dgm:constrLst>
-                    <dgm:constr type="bendDist" for="des" ptType="parTrans" refType="sp" fact="0.5"/>
-                  </dgm:constrLst>
-                  <dgm:ruleLst/>
-                  <dgm:layoutNode name="composite2">
-                    <dgm:alg type="composite"/>
-                    <dgm:shape xmlns:r="http://schemas.openxmlformats.org/officeDocument/2006/relationships" r:blip="">
-                      <dgm:adjLst/>
-                    </dgm:shape>
-                    <dgm:presOf/>
-                    <dgm:constrLst>
-                      <dgm:constr type="w" for="ch" forName="background2" refType="w" fact="0.9"/>
-                      <dgm:constr type="h" for="ch" forName="background2" refType="w" refFor="ch" refForName="background2" fact="0.635"/>
-                      <dgm:constr type="t" for="ch" forName="background2"/>
-                      <dgm:constr type="l" for="ch" forName="background2"/>
-                      <dgm:constr type="w" for="ch" forName="text2" refType="w" fact="0.9"/>
-                      <dgm:constr type="h" for="ch" forName="text2" refType="w" refFor="ch" refForName="text2" fact="0.635"/>
-                      <dgm:constr type="t" for="ch" forName="text2" refType="w" fact="0.095"/>
-                      <dgm:constr type="l" for="ch" forName="text2" refType="w" fact="0.1"/>
-                    </dgm:constrLst>
-                    <dgm:ruleLst/>
-                    <dgm:layoutNode name="background2" moveWith="text2">
-                      <dgm:alg type="sp"/>
-                      <dgm:shape xmlns:r="http://schemas.openxmlformats.org/officeDocument/2006/relationships" type="roundRect" r:blip="">
-                        <dgm:adjLst>
-                          <dgm:adj idx="1" val="0.1"/>
-                        </dgm:adjLst>
+          </dgm:layoutNode>
+        </dgm:if>
+        <dgm:else name="Name8"/>
+      </dgm:choose>
+      <dgm:layoutNode name="hierChild1">
+        <dgm:varLst>
+          <dgm:chPref val="1"/>
+          <dgm:animOne val="branch"/>
+          <dgm:animLvl val="lvl"/>
+        </dgm:varLst>
+        <dgm:choose name="Name9">
+          <dgm:if name="Name10" func="var" arg="dir" op="equ" val="norm">
+            <dgm:alg type="hierChild">
+              <dgm:param type="linDir" val="fromL"/>
+              <dgm:param type="vertAlign" val="t"/>
+            </dgm:alg>
+          </dgm:if>
+          <dgm:else name="Name11">
+            <dgm:alg type="hierChild">
+              <dgm:param type="linDir" val="fromR"/>
+              <dgm:param type="vertAlign" val="t"/>
+            </dgm:alg>
+          </dgm:else>
+        </dgm:choose>
+        <dgm:shape xmlns:r="http://schemas.openxmlformats.org/officeDocument/2006/relationships" r:blip="">
+          <dgm:adjLst/>
+        </dgm:shape>
+        <dgm:presOf/>
+        <dgm:constrLst>
+          <dgm:constr type="primFontSz" for="des" ptType="node" op="equ"/>
+        </dgm:constrLst>
+        <dgm:ruleLst/>
+        <dgm:forEach name="Name12" axis="ch" cnt="3">
+          <dgm:forEach name="Name13" axis="self" ptType="node">
+            <dgm:layoutNode name="Name14">
+              <dgm:alg type="hierRoot"/>
+              <dgm:shape xmlns:r="http://schemas.openxmlformats.org/officeDocument/2006/relationships" r:blip="">
+                <dgm:adjLst/>
+              </dgm:shape>
+              <dgm:presOf/>
+              <dgm:constrLst/>
+              <dgm:ruleLst/>
+              <dgm:layoutNode name="level1Shape" styleLbl="node0">
+                <dgm:varLst>
+                  <dgm:chPref val="3"/>
+                </dgm:varLst>
+                <dgm:alg type="tx"/>
+                <dgm:shape xmlns:r="http://schemas.openxmlformats.org/officeDocument/2006/relationships" type="roundRect" r:blip="">
+                  <dgm:adjLst>
+                    <dgm:adj idx="1" val="0.1"/>
+                  </dgm:adjLst>
+                </dgm:shape>
+                <dgm:presOf axis="self"/>
+                <dgm:constrLst>
+                  <dgm:constr type="primFontSz" val="65"/>
+                  <dgm:constr type="tMarg" refType="primFontSz" fact="0.3"/>
+                  <dgm:constr type="bMarg" refType="primFontSz" fact="0.3"/>
+                  <dgm:constr type="lMarg" refType="primFontSz" fact="0.3"/>
+                  <dgm:constr type="rMarg" refType="primFontSz" fact="0.3"/>
+                </dgm:constrLst>
+                <dgm:ruleLst>
+                  <dgm:rule type="primFontSz" val="5" fact="NaN" max="NaN"/>
+                </dgm:ruleLst>
+              </dgm:layoutNode>
+              <dgm:layoutNode name="hierChild2">
+                <dgm:choose name="Name15">
+                  <dgm:if name="Name16" func="var" arg="dir" op="equ" val="norm">
+                    <dgm:alg type="hierChild">
+                      <dgm:param type="linDir" val="fromL"/>
+                    </dgm:alg>
+                  </dgm:if>
+                  <dgm:else name="Name17">
+                    <dgm:alg type="hierChild">
+                      <dgm:param type="linDir" val="fromR"/>
+                    </dgm:alg>
+                  </dgm:else>
+                </dgm:choose>
+                <dgm:shape xmlns:r="http://schemas.openxmlformats.org/officeDocument/2006/relationships" r:blip="">
+                  <dgm:adjLst/>
+                </dgm:shape>
+                <dgm:presOf/>
+                <dgm:constrLst/>
+                <dgm:ruleLst/>
+                <dgm:forEach name="repeat" axis="ch">
+                  <dgm:forEach name="Name18" axis="self" ptType="parTrans" cnt="1">
+                    <dgm:layoutNode name="Name19">
+                      <dgm:alg type="conn">
+                        <dgm:param type="dim" val="1D"/>
+                        <dgm:param type="endSty" val="noArr"/>
+                        <dgm:param type="connRout" val="bend"/>
+                        <dgm:param type="begPts" val="bCtr"/>
+                        <dgm:param type="endPts" val="tCtr"/>
+                      </dgm:alg>
+                      <dgm:shape xmlns:r="http://schemas.openxmlformats.org/officeDocument/2006/relationships" type="conn" r:blip="">
+                        <dgm:adjLst/>
+                      </dgm:shape>
+                      <dgm:presOf axis="self"/>
+                      <dgm:constrLst>
+                        <dgm:constr type="w" val="1"/>
+                        <dgm:constr type="h" val="1"/>
+                        <dgm:constr type="begPad"/>
+                        <dgm:constr type="endPad"/>
+                      </dgm:constrLst>
+                      <dgm:ruleLst/>
+                    </dgm:layoutNode>
+                  </dgm:forEach>
+                  <dgm:forEach name="Name20" axis="self" ptType="node">
+                    <dgm:layoutNode name="Name21">
+                      <dgm:alg type="hierRoot"/>
+                      <dgm:shape xmlns:r="http://schemas.openxmlformats.org/officeDocument/2006/relationships" r:blip="">
+                        <dgm:adjLst/>
                       </dgm:shape>
                       <dgm:presOf/>
                       <dgm:constrLst/>
                       <dgm:ruleLst/>
+                      <dgm:layoutNode name="level2Shape">
+                        <dgm:alg type="tx"/>
+                        <dgm:shape xmlns:r="http://schemas.openxmlformats.org/officeDocument/2006/relationships" type="roundRect" r:blip="">
+                          <dgm:adjLst>
+                            <dgm:adj idx="1" val="0.1"/>
+                          </dgm:adjLst>
+                        </dgm:shape>
+                        <dgm:presOf axis="self"/>
+                        <dgm:constrLst>
+                          <dgm:constr type="primFontSz" val="65"/>
+                          <dgm:constr type="tMarg" refType="primFontSz" fact="0.3"/>
+                          <dgm:constr type="bMarg" refType="primFontSz" fact="0.3"/>
+                          <dgm:constr type="lMarg" refType="primFontSz" fact="0.3"/>
+                          <dgm:constr type="rMarg" refType="primFontSz" fact="0.3"/>
+                        </dgm:constrLst>
+                        <dgm:ruleLst>
+                          <dgm:rule type="primFontSz" val="5" fact="NaN" max="NaN"/>
+                        </dgm:ruleLst>
+                      </dgm:layoutNode>
+                      <dgm:layoutNode name="hierChild3">
+                        <dgm:choose name="Name22">
+                          <dgm:if name="Name23" func="var" arg="dir" op="equ" val="norm">
+                            <dgm:alg type="hierChild">
+                              <dgm:param type="linDir" val="fromL"/>
+                            </dgm:alg>
+                          </dgm:if>
+                          <dgm:else name="Name24">
+                            <dgm:alg type="hierChild">
+                              <dgm:param type="linDir" val="fromR"/>
+                            </dgm:alg>
+                          </dgm:else>
+                        </dgm:choose>
+                        <dgm:shape xmlns:r="http://schemas.openxmlformats.org/officeDocument/2006/relationships" r:blip="">
+                          <dgm:adjLst/>
+                        </dgm:shape>
+                        <dgm:presOf/>
+                        <dgm:constrLst/>
+                        <dgm:ruleLst/>
+                        <dgm:forEach name="Name25" ref="repeat"/>
+                      </dgm:layoutNode>
                     </dgm:layoutNode>
-                    <dgm:layoutNode name="text2" styleLbl="fgAcc2">
-                      <dgm:varLst>
-                        <dgm:chPref val="3"/>
-                      </dgm:varLst>
-                      <dgm:alg type="tx"/>
-                      <dgm:shape xmlns:r="http://schemas.openxmlformats.org/officeDocument/2006/relationships" type="roundRect" r:blip="">
-                        <dgm:adjLst>
-                          <dgm:adj idx="1" val="0.1"/>
-                        </dgm:adjLst>
-                      </dgm:shape>
-                      <dgm:presOf axis="self"/>
-                      <dgm:constrLst>
-                        <dgm:constr type="tMarg" refType="primFontSz" fact="0.3"/>
-                        <dgm:constr type="bMarg" refType="primFontSz" fact="0.3"/>
-                        <dgm:constr type="lMarg" refType="primFontSz" fact="0.3"/>
-                        <dgm:constr type="rMarg" refType="primFontSz" fact="0.3"/>
-                      </dgm:constrLst>
-                      <dgm:ruleLst>
-                        <dgm:rule type="primFontSz" val="5" fact="NaN" max="NaN"/>
-                      </dgm:ruleLst>
-                    </dgm:layoutNode>
-                  </dgm:layoutNode>
-                  <dgm:layoutNode name="hierChild3">
-                    <dgm:choose name="Name12">
-                      <dgm:if name="Name13" func="var" arg="dir" op="equ" val="norm">
-                        <dgm:alg type="hierChild">
-                          <dgm:param type="linDir" val="fromL"/>
-                        </dgm:alg>
-                      </dgm:if>
-                      <dgm:else name="Name14">
-                        <dgm:alg type="hierChild">
-                          <dgm:param type="linDir" val="fromR"/>
-                        </dgm:alg>
-                      </dgm:else>
-                    </dgm:choose>
-                    <dgm:shape xmlns:r="http://schemas.openxmlformats.org/officeDocument/2006/relationships" r:blip="">
-                      <dgm:adjLst/>
-                    </dgm:shape>
-                    <dgm:presOf/>
-                    <dgm:constrLst/>
-                    <dgm:ruleLst/>
-                    <dgm:forEach name="Name15" axis="ch">
-                      <dgm:forEach name="Name16" axis="self" ptType="parTrans" cnt="1">
-                        <dgm:layoutNode name="Name17">
-                          <dgm:alg type="conn">
-                            <dgm:param type="dim" val="1D"/>
-                            <dgm:param type="endSty" val="noArr"/>
-                            <dgm:param type="connRout" val="bend"/>
-                            <dgm:param type="bendPt" val="end"/>
-                            <dgm:param type="begPts" val="bCtr"/>
-                            <dgm:param type="endPts" val="tCtr"/>
-                            <dgm:param type="srcNode" val="background2"/>
-                            <dgm:param type="dstNode" val="background3"/>
-                          </dgm:alg>
-                          <dgm:shape xmlns:r="http://schemas.openxmlformats.org/officeDocument/2006/relationships" type="conn" r:blip="" zOrderOff="-999">
-                            <dgm:adjLst/>
-                          </dgm:shape>
-                          <dgm:presOf axis="self"/>
-                          <dgm:constrLst>
-                            <dgm:constr type="begPad"/>
-                            <dgm:constr type="endPad"/>
-                          </dgm:constrLst>
-                          <dgm:ruleLst/>
-                        </dgm:layoutNode>
-                      </dgm:forEach>
-                      <dgm:forEach name="Name18" axis="self" ptType="node">
-                        <dgm:layoutNode name="hierRoot3">
-                          <dgm:alg type="hierRoot"/>
-                          <dgm:shape xmlns:r="http://schemas.openxmlformats.org/officeDocument/2006/relationships" r:blip="">
-                            <dgm:adjLst/>
-                          </dgm:shape>
-                          <dgm:presOf/>
-                          <dgm:constrLst>
-                            <dgm:constr type="bendDist" for="des" ptType="parTrans" refType="sp" fact="0.5"/>
-                          </dgm:constrLst>
-                          <dgm:ruleLst/>
-                          <dgm:layoutNode name="composite3">
-                            <dgm:alg type="composite"/>
-                            <dgm:shape xmlns:r="http://schemas.openxmlformats.org/officeDocument/2006/relationships" r:blip="">
-                              <dgm:adjLst/>
-                            </dgm:shape>
-                            <dgm:presOf/>
-                            <dgm:constrLst>
-                              <dgm:constr type="w" for="ch" forName="background3" refType="w" fact="0.9"/>
-                              <dgm:constr type="h" for="ch" forName="background3" refType="w" refFor="ch" refForName="background3" fact="0.635"/>
-                              <dgm:constr type="t" for="ch" forName="background3"/>
-                              <dgm:constr type="l" for="ch" forName="background3"/>
-                              <dgm:constr type="w" for="ch" forName="text3" refType="w" fact="0.9"/>
-                              <dgm:constr type="h" for="ch" forName="text3" refType="w" refFor="ch" refForName="text3" fact="0.635"/>
-                              <dgm:constr type="t" for="ch" forName="text3" refType="w" fact="0.095"/>
-                              <dgm:constr type="l" for="ch" forName="text3" refType="w" fact="0.1"/>
-                            </dgm:constrLst>
-                            <dgm:ruleLst/>
-                            <dgm:layoutNode name="background3" moveWith="text3">
-                              <dgm:alg type="sp"/>
-                              <dgm:shape xmlns:r="http://schemas.openxmlformats.org/officeDocument/2006/relationships" type="roundRect" r:blip="">
-                                <dgm:adjLst>
-                                  <dgm:adj idx="1" val="0.1"/>
-                                </dgm:adjLst>
-                              </dgm:shape>
-                              <dgm:presOf/>
-                              <dgm:constrLst/>
-                              <dgm:ruleLst/>
-                            </dgm:layoutNode>
-                            <dgm:layoutNode name="text3" styleLbl="fgAcc3">
-                              <dgm:varLst>
-                                <dgm:chPref val="3"/>
-                              </dgm:varLst>
-                              <dgm:alg type="tx"/>
-                              <dgm:shape xmlns:r="http://schemas.openxmlformats.org/officeDocument/2006/relationships" type="roundRect" r:blip="">
-                                <dgm:adjLst>
-                                  <dgm:adj idx="1" val="0.1"/>
-                                </dgm:adjLst>
-                              </dgm:shape>
-                              <dgm:presOf axis="self"/>
-                              <dgm:constrLst>
-                                <dgm:constr type="tMarg" refType="primFontSz" fact="0.3"/>
-                                <dgm:constr type="bMarg" refType="primFontSz" fact="0.3"/>
-                                <dgm:constr type="lMarg" refType="primFontSz" fact="0.3"/>
-                                <dgm:constr type="rMarg" refType="primFontSz" fact="0.3"/>
-                              </dgm:constrLst>
-                              <dgm:ruleLst>
-                                <dgm:rule type="primFontSz" val="5" fact="NaN" max="NaN"/>
-                              </dgm:ruleLst>
-                            </dgm:layoutNode>
-                          </dgm:layoutNode>
-                          <dgm:layoutNode name="hierChild4">
-                            <dgm:choose name="Name19">
-                              <dgm:if name="Name20" func="var" arg="dir" op="equ" val="norm">
-                                <dgm:alg type="hierChild">
-                                  <dgm:param type="linDir" val="fromL"/>
-                                </dgm:alg>
-                              </dgm:if>
-                              <dgm:else name="Name21">
-                                <dgm:alg type="hierChild">
-                                  <dgm:param type="linDir" val="fromR"/>
-                                </dgm:alg>
-                              </dgm:else>
-                            </dgm:choose>
-                            <dgm:shape xmlns:r="http://schemas.openxmlformats.org/officeDocument/2006/relationships" r:blip="">
-                              <dgm:adjLst/>
-                            </dgm:shape>
-                            <dgm:presOf/>
-                            <dgm:constrLst/>
-                            <dgm:ruleLst/>
-                            <dgm:forEach name="repeat" axis="ch">
-                              <dgm:forEach name="Name22" axis="self" ptType="parTrans" cnt="1">
-                                <dgm:layoutNode name="Name23">
-                                  <dgm:choose name="Name24">
-                                    <dgm:if name="Name25" axis="self" func="depth" op="lte" val="4">
-                                      <dgm:alg type="conn">
-                                        <dgm:param type="dim" val="1D"/>
-                                        <dgm:param type="endSty" val="noArr"/>
-                                        <dgm:param type="connRout" val="bend"/>
-                                        <dgm:param type="bendPt" val="end"/>
-                                        <dgm:param type="begPts" val="bCtr"/>
-                                        <dgm:param type="endPts" val="tCtr"/>
-                                        <dgm:param type="srcNode" val="background3"/>
-                                        <dgm:param type="dstNode" val="background4"/>
-                                      </dgm:alg>
-                                    </dgm:if>
-                                    <dgm:else name="Name26">
-                                      <dgm:alg type="conn">
-                                        <dgm:param type="dim" val="1D"/>
-                                        <dgm:param type="endSty" val="noArr"/>
-                                        <dgm:param type="connRout" val="bend"/>
-                                        <dgm:param type="bendPt" val="end"/>
-                                        <dgm:param type="begPts" val="bCtr"/>
-                                        <dgm:param type="endPts" val="tCtr"/>
-                                        <dgm:param type="srcNode" val="background4"/>
-                                        <dgm:param type="dstNode" val="background4"/>
-                                      </dgm:alg>
-                                    </dgm:else>
-                                  </dgm:choose>
-                                  <dgm:shape xmlns:r="http://schemas.openxmlformats.org/officeDocument/2006/relationships" type="conn" r:blip="" zOrderOff="-999">
-                                    <dgm:adjLst/>
-                                  </dgm:shape>
-                                  <dgm:presOf axis="self"/>
-                                  <dgm:constrLst>
-                                    <dgm:constr type="begPad"/>
-                                    <dgm:constr type="endPad"/>
-                                  </dgm:constrLst>
-                                  <dgm:ruleLst/>
-                                </dgm:layoutNode>
-                              </dgm:forEach>
-                              <dgm:forEach name="Name27" axis="self" ptType="node">
-                                <dgm:layoutNode name="hierRoot4">
-                                  <dgm:alg type="hierRoot"/>
-                                  <dgm:shape xmlns:r="http://schemas.openxmlformats.org/officeDocument/2006/relationships" r:blip="">
-                                    <dgm:adjLst/>
-                                  </dgm:shape>
-                                  <dgm:presOf/>
-                                  <dgm:constrLst>
-                                    <dgm:constr type="bendDist" for="des" ptType="parTrans" refType="sp" fact="0.5"/>
-                                  </dgm:constrLst>
-                                  <dgm:ruleLst/>
-                                  <dgm:layoutNode name="composite4">
-                                    <dgm:alg type="composite"/>
-                                    <dgm:shape xmlns:r="http://schemas.openxmlformats.org/officeDocument/2006/relationships" r:blip="">
-                                      <dgm:adjLst/>
-                                    </dgm:shape>
-                                    <dgm:presOf/>
-                                    <dgm:constrLst>
-                                      <dgm:constr type="w" for="ch" forName="background4" refType="w" fact="0.9"/>
-                                      <dgm:constr type="h" for="ch" forName="background4" refType="w" refFor="ch" refForName="background4" fact="0.635"/>
-                                      <dgm:constr type="t" for="ch" forName="background4"/>
-                                      <dgm:constr type="l" for="ch" forName="background4"/>
-                                      <dgm:constr type="w" for="ch" forName="text4" refType="w" fact="0.9"/>
-                                      <dgm:constr type="h" for="ch" forName="text4" refType="w" refFor="ch" refForName="text4" fact="0.635"/>
-                                      <dgm:constr type="t" for="ch" forName="text4" refType="w" fact="0.095"/>
-                                      <dgm:constr type="l" for="ch" forName="text4" refType="w" fact="0.1"/>
-                                    </dgm:constrLst>
-                                    <dgm:ruleLst/>
-                                    <dgm:layoutNode name="background4" moveWith="text4">
-                                      <dgm:alg type="sp"/>
-                                      <dgm:shape xmlns:r="http://schemas.openxmlformats.org/officeDocument/2006/relationships" type="roundRect" r:blip="">
-                                        <dgm:adjLst>
-                                          <dgm:adj idx="1" val="0.1"/>
-                                        </dgm:adjLst>
-                                      </dgm:shape>
-                                      <dgm:presOf/>
-                                      <dgm:constrLst/>
-                                      <dgm:ruleLst/>
-                                    </dgm:layoutNode>
-                                    <dgm:layoutNode name="text4" styleLbl="fgAcc4">
-                                      <dgm:varLst>
-                                        <dgm:chPref val="3"/>
-                                      </dgm:varLst>
-                                      <dgm:alg type="tx"/>
-                                      <dgm:shape xmlns:r="http://schemas.openxmlformats.org/officeDocument/2006/relationships" type="roundRect" r:blip="">
-                                        <dgm:adjLst>
-                                          <dgm:adj idx="1" val="0.1"/>
-                                        </dgm:adjLst>
-                                      </dgm:shape>
-                                      <dgm:presOf axis="self"/>
-                                      <dgm:constrLst>
-                                        <dgm:constr type="tMarg" refType="primFontSz" fact="0.3"/>
-                                        <dgm:constr type="bMarg" refType="primFontSz" fact="0.3"/>
-                                        <dgm:constr type="lMarg" refType="primFontSz" fact="0.3"/>
-                                        <dgm:constr type="rMarg" refType="primFontSz" fact="0.3"/>
-                                      </dgm:constrLst>
-                                      <dgm:ruleLst>
-                                        <dgm:rule type="primFontSz" val="5" fact="NaN" max="NaN"/>
-                                      </dgm:ruleLst>
-                                    </dgm:layoutNode>
-                                  </dgm:layoutNode>
-                                  <dgm:layoutNode name="hierChild5">
-                                    <dgm:choose name="Name28">
-                                      <dgm:if name="Name29" func="var" arg="dir" op="equ" val="norm">
-                                        <dgm:alg type="hierChild">
-                                          <dgm:param type="linDir" val="fromL"/>
-                                        </dgm:alg>
-                                      </dgm:if>
-                                      <dgm:else name="Name30">
-                                        <dgm:alg type="hierChild">
-                                          <dgm:param type="linDir" val="fromR"/>
-                                        </dgm:alg>
-                                      </dgm:else>
-                                    </dgm:choose>
-                                    <dgm:shape xmlns:r="http://schemas.openxmlformats.org/officeDocument/2006/relationships" r:blip="">
-                                      <dgm:adjLst/>
-                                    </dgm:shape>
-                                    <dgm:presOf/>
-                                    <dgm:constrLst/>
-                                    <dgm:ruleLst/>
-                                    <dgm:forEach name="Name31" ref="repeat"/>
-                                  </dgm:layoutNode>
-                                </dgm:layoutNode>
-                              </dgm:forEach>
-                            </dgm:forEach>
-                          </dgm:layoutNode>
-                        </dgm:layoutNode>
-                      </dgm:forEach>
-                    </dgm:forEach>
-                  </dgm:layoutNode>
-                </dgm:layoutNode>
-              </dgm:forEach>
-            </dgm:forEach>
+                  </dgm:forEach>
+                </dgm:forEach>
+              </dgm:layoutNode>
+            </dgm:layoutNode>
+          </dgm:forEach>
+        </dgm:forEach>
+      </dgm:layoutNode>
+    </dgm:layoutNode>
+    <dgm:layoutNode name="bgShapesFlow">
+      <dgm:alg type="lin">
+        <dgm:param type="linDir" val="fromT"/>
+        <dgm:param type="nodeVertAlign" val="t"/>
+        <dgm:param type="vertAlign" val="t"/>
+        <dgm:param type="nodeHorzAlign" val="ctr"/>
+      </dgm:alg>
+      <dgm:shape xmlns:r="http://schemas.openxmlformats.org/officeDocument/2006/relationships" r:blip="">
+        <dgm:adjLst/>
+      </dgm:shape>
+      <dgm:presOf/>
+      <dgm:constrLst>
+        <dgm:constr type="userB"/>
+        <dgm:constr type="w" for="ch" forName="rectComp" refType="w"/>
+        <dgm:constr type="h" for="ch" forName="rectComp" refType="h"/>
+        <dgm:constr type="w" for="des" forName="bgRect" refType="w"/>
+        <dgm:constr type="primFontSz" for="des" forName="bgRectTx" op="equ"/>
+      </dgm:constrLst>
+      <dgm:ruleLst/>
+      <dgm:forEach name="Name26" axis="ch" ptType="node" st="2">
+        <dgm:layoutNode name="rectComp">
+          <dgm:alg type="composite">
+            <dgm:param type="vertAlign" val="t"/>
+            <dgm:param type="horzAlign" val="ctr"/>
+          </dgm:alg>
+          <dgm:shape xmlns:r="http://schemas.openxmlformats.org/officeDocument/2006/relationships" r:blip="">
+            <dgm:adjLst/>
+          </dgm:shape>
+          <dgm:presOf/>
+          <dgm:choose name="Name27">
+            <dgm:if name="Name28" func="var" arg="dir" op="equ" val="norm">
+              <dgm:constrLst>
+                <dgm:constr type="userA"/>
+                <dgm:constr type="l" for="ch" forName="bgRect"/>
+                <dgm:constr type="t" for="ch" forName="bgRect"/>
+                <dgm:constr type="h" for="ch" forName="bgRect" refType="userA" fact="1.2"/>
+                <dgm:constr type="l" for="ch" forName="bgRectTx"/>
+                <dgm:constr type="t" for="ch" forName="bgRectTx"/>
+                <dgm:constr type="w" for="ch" forName="bgRectTx" refType="w" refFor="ch" refForName="bgRect" fact="0.3"/>
+                <dgm:constr type="h" for="ch" forName="bgRectTx" refType="h" refFor="ch" refForName="bgRect" op="equ"/>
+              </dgm:constrLst>
+            </dgm:if>
+            <dgm:else name="Name29">
+              <dgm:constrLst>
+                <dgm:constr type="userA"/>
+                <dgm:constr type="l" for="ch" forName="bgRect"/>
+                <dgm:constr type="t" for="ch" forName="bgRect"/>
+                <dgm:constr type="h" for="ch" forName="bgRect" refType="userA" fact="1.2"/>
+                <dgm:constr type="r" for="ch" forName="bgRectTx" refType="w"/>
+                <dgm:constr type="t" for="ch" forName="bgRectTx"/>
+                <dgm:constr type="w" for="ch" forName="bgRectTx" refType="w" refFor="ch" refForName="bgRect" fact="0.3"/>
+                <dgm:constr type="h" for="ch" forName="bgRectTx" refType="h" refFor="ch" refForName="bgRect" op="equ"/>
+              </dgm:constrLst>
+            </dgm:else>
+          </dgm:choose>
+          <dgm:ruleLst/>
+          <dgm:layoutNode name="bgRect" styleLbl="bgShp">
+            <dgm:alg type="sp"/>
+            <dgm:shape xmlns:r="http://schemas.openxmlformats.org/officeDocument/2006/relationships" type="roundRect" r:blip="" zOrderOff="-999">
+              <dgm:adjLst>
+                <dgm:adj idx="1" val="0.1"/>
+              </dgm:adjLst>
+            </dgm:shape>
+            <dgm:presOf axis="desOrSelf" ptType="node"/>
+            <dgm:constrLst/>
+            <dgm:ruleLst/>
+          </dgm:layoutNode>
+          <dgm:layoutNode name="bgRectTx" styleLbl="bgShp">
+            <dgm:varLst>
+              <dgm:bulletEnabled val="1"/>
+            </dgm:varLst>
+            <dgm:alg type="tx"/>
+            <dgm:presOf axis="desOrSelf" ptType="node"/>
+            <dgm:shape xmlns:r="http://schemas.openxmlformats.org/officeDocument/2006/relationships" type="rect" r:blip="" zOrderOff="-999" hideGeom="1">
+              <dgm:adjLst/>
+            </dgm:shape>
+            <dgm:constrLst>
+              <dgm:constr type="primFontSz" val="65"/>
+            </dgm:constrLst>
+            <dgm:ruleLst>
+              <dgm:rule type="primFontSz" val="5" fact="NaN" max="NaN"/>
+            </dgm:ruleLst>
           </dgm:layoutNode>
         </dgm:layoutNode>
+        <dgm:choose name="Name30">
+          <dgm:if name="Name31" axis="self" ptType="node" func="revPos" op="gte" val="2">
+            <dgm:layoutNode name="spComp">
+              <dgm:alg type="composite">
+                <dgm:param type="vertAlign" val="t"/>
+                <dgm:param type="horzAlign" val="ctr"/>
+              </dgm:alg>
+              <dgm:shape xmlns:r="http://schemas.openxmlformats.org/officeDocument/2006/relationships" r:blip="">
+                <dgm:adjLst/>
+              </dgm:shape>
+              <dgm:presOf/>
+              <dgm:constrLst>
+                <dgm:constr type="userA"/>
+                <dgm:constr type="userB"/>
+                <dgm:constr type="l" for="ch" forName="vSp"/>
+                <dgm:constr type="t" for="ch" forName="vSp"/>
+                <dgm:constr type="h" for="ch" forName="vSp" refType="userB"/>
+                <dgm:constr type="hOff" for="ch" forName="vSp" refType="userA" fact="-0.2"/>
+              </dgm:constrLst>
+              <dgm:ruleLst/>
+              <dgm:layoutNode name="vSp">
+                <dgm:alg type="sp"/>
+                <dgm:shape xmlns:r="http://schemas.openxmlformats.org/officeDocument/2006/relationships" r:blip="">
+                  <dgm:adjLst/>
+                </dgm:shape>
+                <dgm:presOf/>
+                <dgm:constrLst/>
+                <dgm:ruleLst/>
+              </dgm:layoutNode>
+            </dgm:layoutNode>
+          </dgm:if>
+          <dgm:else name="Name32"/>
+        </dgm:choose>
       </dgm:forEach>
-    </dgm:forEach>
+    </dgm:layoutNode>
   </dgm:layoutNode>
 </dgm:layoutDef>
 </file>
 
 <file path=ppt/diagrams/layout2.xml><?xml version="1.0" encoding="utf-8"?>
-<dgm:layoutDef xmlns:dgm="http://schemas.openxmlformats.org/drawingml/2006/diagram" xmlns:a="http://schemas.openxmlformats.org/drawingml/2006/main" uniqueId="urn:microsoft.com/office/officeart/2005/8/layout/hierarchy1">
+<dgm:layoutDef xmlns:dgm="http://schemas.openxmlformats.org/drawingml/2006/diagram" xmlns:a="http://schemas.openxmlformats.org/drawingml/2006/main" uniqueId="urn:microsoft.com/office/officeart/2005/8/layout/hierarchy6">
   <dgm:title val=""/>
   <dgm:desc val=""/>
   <dgm:catLst>
-    <dgm:cat type="hierarchy" pri="2000"/>
+    <dgm:cat type="hierarchy" pri="3000"/>
   </dgm:catLst>
   <dgm:sampData>
     <dgm:dataModel>
@@ -3114,14 +5306,26 @@
         <dgm:pt modelId="31">
           <dgm:prSet phldr="1"/>
         </dgm:pt>
+        <dgm:pt modelId="4">
+          <dgm:prSet phldr="1"/>
+        </dgm:pt>
+        <dgm:pt modelId="5">
+          <dgm:prSet phldr="1"/>
+        </dgm:pt>
+        <dgm:pt modelId="6">
+          <dgm:prSet phldr="1"/>
+        </dgm:pt>
       </dgm:ptLst>
       <dgm:cxnLst>
-        <dgm:cxn modelId="4" srcId="0" destId="1" srcOrd="0" destOrd="0"/>
-        <dgm:cxn modelId="5" srcId="1" destId="2" srcOrd="0" destOrd="0"/>
-        <dgm:cxn modelId="6" srcId="1" destId="3" srcOrd="1" destOrd="0"/>
+        <dgm:cxn modelId="7" srcId="0" destId="1" srcOrd="0" destOrd="0"/>
+        <dgm:cxn modelId="8" srcId="1" destId="2" srcOrd="0" destOrd="0"/>
+        <dgm:cxn modelId="9" srcId="1" destId="3" srcOrd="1" destOrd="0"/>
         <dgm:cxn modelId="23" srcId="2" destId="21" srcOrd="0" destOrd="0"/>
         <dgm:cxn modelId="24" srcId="2" destId="22" srcOrd="1" destOrd="0"/>
         <dgm:cxn modelId="33" srcId="3" destId="31" srcOrd="0" destOrd="0"/>
+        <dgm:cxn modelId="10" srcId="0" destId="4" srcOrd="1" destOrd="0"/>
+        <dgm:cxn modelId="11" srcId="0" destId="5" srcOrd="2" destOrd="0"/>
+        <dgm:cxn modelId="12" srcId="0" destId="6" srcOrd="3" destOrd="0"/>
       </dgm:cxnLst>
       <dgm:bg/>
       <dgm:whole/>
@@ -3134,11 +5338,15 @@
         <dgm:pt modelId="1"/>
         <dgm:pt modelId="11"/>
         <dgm:pt modelId="12"/>
+        <dgm:pt modelId="2"/>
+        <dgm:pt modelId="3"/>
       </dgm:ptLst>
       <dgm:cxnLst>
-        <dgm:cxn modelId="2" srcId="0" destId="1" srcOrd="0" destOrd="0"/>
+        <dgm:cxn modelId="4" srcId="0" destId="1" srcOrd="0" destOrd="0"/>
         <dgm:cxn modelId="13" srcId="1" destId="11" srcOrd="0" destOrd="0"/>
         <dgm:cxn modelId="14" srcId="1" destId="12" srcOrd="1" destOrd="0"/>
+        <dgm:cxn modelId="5" srcId="0" destId="2" srcOrd="1" destOrd="0"/>
+        <dgm:cxn modelId="6" srcId="0" destId="3" srcOrd="2" destOrd="0"/>
       </dgm:cxnLst>
       <dgm:bg/>
       <dgm:whole/>
@@ -3155,495 +5363,427 @@
         <dgm:pt modelId="3"/>
         <dgm:pt modelId="31"/>
         <dgm:pt modelId="311"/>
+        <dgm:pt modelId="4"/>
+        <dgm:pt modelId="5"/>
+        <dgm:pt modelId="6"/>
+        <dgm:pt modelId="7"/>
       </dgm:ptLst>
       <dgm:cxnLst>
-        <dgm:cxn modelId="4" srcId="0" destId="1" srcOrd="0" destOrd="0"/>
-        <dgm:cxn modelId="5" srcId="1" destId="2" srcOrd="0" destOrd="0"/>
-        <dgm:cxn modelId="6" srcId="1" destId="3" srcOrd="1" destOrd="0"/>
+        <dgm:cxn modelId="8" srcId="0" destId="1" srcOrd="0" destOrd="0"/>
+        <dgm:cxn modelId="9" srcId="1" destId="2" srcOrd="0" destOrd="0"/>
+        <dgm:cxn modelId="10" srcId="1" destId="3" srcOrd="1" destOrd="0"/>
         <dgm:cxn modelId="23" srcId="2" destId="21" srcOrd="0" destOrd="0"/>
         <dgm:cxn modelId="24" srcId="21" destId="211" srcOrd="0" destOrd="0"/>
         <dgm:cxn modelId="33" srcId="3" destId="31" srcOrd="0" destOrd="0"/>
         <dgm:cxn modelId="34" srcId="31" destId="311" srcOrd="0" destOrd="0"/>
+        <dgm:cxn modelId="11" srcId="0" destId="4" srcOrd="1" destOrd="0"/>
+        <dgm:cxn modelId="12" srcId="0" destId="5" srcOrd="2" destOrd="0"/>
+        <dgm:cxn modelId="13" srcId="0" destId="6" srcOrd="3" destOrd="0"/>
+        <dgm:cxn modelId="14" srcId="0" destId="7" srcOrd="4" destOrd="0"/>
       </dgm:cxnLst>
       <dgm:bg/>
       <dgm:whole/>
     </dgm:dataModel>
   </dgm:clrData>
-  <dgm:layoutNode name="hierChild1">
+  <dgm:layoutNode name="mainComposite">
     <dgm:varLst>
       <dgm:chPref val="1"/>
       <dgm:dir/>
       <dgm:animOne val="branch"/>
       <dgm:animLvl val="lvl"/>
-      <dgm:resizeHandles/>
+      <dgm:resizeHandles val="exact"/>
     </dgm:varLst>
-    <dgm:choose name="Name0">
-      <dgm:if name="Name1" func="var" arg="dir" op="equ" val="norm">
-        <dgm:alg type="hierChild">
-          <dgm:param type="linDir" val="fromL"/>
-        </dgm:alg>
-      </dgm:if>
-      <dgm:else name="Name2">
-        <dgm:alg type="hierChild">
-          <dgm:param type="linDir" val="fromR"/>
-        </dgm:alg>
-      </dgm:else>
-    </dgm:choose>
+    <dgm:alg type="composite">
+      <dgm:param type="vertAlign" val="mid"/>
+      <dgm:param type="horzAlign" val="ctr"/>
+    </dgm:alg>
     <dgm:shape xmlns:r="http://schemas.openxmlformats.org/officeDocument/2006/relationships" r:blip="">
       <dgm:adjLst/>
     </dgm:shape>
     <dgm:presOf/>
-    <dgm:constrLst>
-      <dgm:constr type="primFontSz" for="des" ptType="node" op="equ" val="65"/>
-      <dgm:constr type="w" for="des" forName="composite" refType="w"/>
-      <dgm:constr type="h" for="des" forName="composite" refType="w" refFor="des" refForName="composite" fact="0.667"/>
-      <dgm:constr type="w" for="des" forName="composite2" refType="w" refFor="des" refForName="composite"/>
-      <dgm:constr type="h" for="des" forName="composite2" refType="h" refFor="des" refForName="composite"/>
-      <dgm:constr type="w" for="des" forName="composite3" refType="w" refFor="des" refForName="composite"/>
-      <dgm:constr type="h" for="des" forName="composite3" refType="h" refFor="des" refForName="composite"/>
-      <dgm:constr type="w" for="des" forName="composite4" refType="w" refFor="des" refForName="composite"/>
-      <dgm:constr type="h" for="des" forName="composite4" refType="h" refFor="des" refForName="composite"/>
-      <dgm:constr type="w" for="des" forName="composite5" refType="w" refFor="des" refForName="composite"/>
-      <dgm:constr type="h" for="des" forName="composite5" refType="h" refFor="des" refForName="composite"/>
-      <dgm:constr type="sibSp" refType="w" refFor="des" refForName="composite" fact="0.1"/>
-      <dgm:constr type="sibSp" for="des" forName="hierChild2" refType="sibSp"/>
-      <dgm:constr type="sibSp" for="des" forName="hierChild3" refType="sibSp"/>
-      <dgm:constr type="sibSp" for="des" forName="hierChild4" refType="sibSp"/>
-      <dgm:constr type="sibSp" for="des" forName="hierChild5" refType="sibSp"/>
-      <dgm:constr type="sibSp" for="des" forName="hierChild6" refType="sibSp"/>
-      <dgm:constr type="sp" for="des" forName="hierRoot1" refType="h" refFor="des" refForName="composite" fact="0.25"/>
-      <dgm:constr type="sp" for="des" forName="hierRoot2" refType="sp" refFor="des" refForName="hierRoot1"/>
-      <dgm:constr type="sp" for="des" forName="hierRoot3" refType="sp" refFor="des" refForName="hierRoot1"/>
-      <dgm:constr type="sp" for="des" forName="hierRoot4" refType="sp" refFor="des" refForName="hierRoot1"/>
-      <dgm:constr type="sp" for="des" forName="hierRoot5" refType="sp" refFor="des" refForName="hierRoot1"/>
-    </dgm:constrLst>
+    <dgm:choose name="Name0">
+      <dgm:if name="Name1" axis="ch" ptType="node" func="cnt" op="gte" val="2">
+        <dgm:choose name="Name2">
+          <dgm:if name="Name3" func="var" arg="dir" op="equ" val="norm">
+            <dgm:constrLst>
+              <dgm:constr type="l" for="ch" forName="hierFlow" refType="w" fact="0.3"/>
+              <dgm:constr type="t" for="ch" forName="hierFlow"/>
+              <dgm:constr type="r" for="ch" forName="hierFlow" refType="w" fact="0.98"/>
+              <dgm:constr type="b" for="ch" forName="hierFlow" refType="h" fact="0.98"/>
+              <dgm:constr type="l" for="ch" forName="bgShapesFlow"/>
+              <dgm:constr type="t" for="ch" forName="bgShapesFlow"/>
+              <dgm:constr type="r" for="ch" forName="bgShapesFlow" refType="w"/>
+              <dgm:constr type="b" for="ch" forName="bgShapesFlow" refType="h"/>
+              <dgm:constr type="w" for="des" forName="level1Shape" refType="w"/>
+              <dgm:constr type="h" for="des" forName="level1Shape" refType="w" refFor="des" refForName="level1Shape" fact="0.66667"/>
+              <dgm:constr type="w" for="des" forName="level2Shape" refType="w" refFor="des" refForName="level1Shape" op="equ"/>
+              <dgm:constr type="h" for="des" forName="level2Shape" refType="h" refFor="des" refForName="level1Shape" op="equ"/>
+              <dgm:constr type="sp" for="des" refType="h" refFor="des" refForName="level1Shape" op="equ" fact="0.4"/>
+              <dgm:constr type="sibSp" for="des" forName="hierChild1" refType="w" refFor="des" refForName="level1Shape" op="equ" fact="0.3"/>
+              <dgm:constr type="sibSp" for="des" forName="hierChild2" refType="sibSp" refFor="des" refForName="hierChild1" op="equ"/>
+              <dgm:constr type="sibSp" for="des" forName="hierChild3" refType="sibSp" refFor="des" refForName="hierChild1" op="equ"/>
+              <dgm:constr type="userA" for="des" refType="h" refFor="des" refForName="level1Shape" op="equ"/>
+              <dgm:constr type="userB" for="des" refType="sp" refFor="des" op="equ"/>
+              <dgm:constr type="h" for="des" forName="firstBuf" refType="h" refFor="des" refForName="level1Shape" fact="0.1"/>
+            </dgm:constrLst>
+          </dgm:if>
+          <dgm:else name="Name4">
+            <dgm:constrLst>
+              <dgm:constr type="l" for="ch" forName="hierFlow" refType="w" fact="0.02"/>
+              <dgm:constr type="t" for="ch" forName="hierFlow"/>
+              <dgm:constr type="r" for="ch" forName="hierFlow" refType="w" fact="0.7"/>
+              <dgm:constr type="b" for="ch" forName="hierFlow" refType="h" fact="0.98"/>
+              <dgm:constr type="l" for="ch" forName="bgShapesFlow"/>
+              <dgm:constr type="t" for="ch" forName="bgShapesFlow"/>
+              <dgm:constr type="r" for="ch" forName="bgShapesFlow" refType="w"/>
+              <dgm:constr type="b" for="ch" forName="bgShapesFlow" refType="h"/>
+              <dgm:constr type="w" for="des" forName="level1Shape" refType="w"/>
+              <dgm:constr type="h" for="des" forName="level1Shape" refType="w" refFor="des" refForName="level1Shape" fact="0.66667"/>
+              <dgm:constr type="w" for="des" forName="level2Shape" refType="w" refFor="des" refForName="level1Shape" op="equ"/>
+              <dgm:constr type="h" for="des" forName="level2Shape" refType="h" refFor="des" refForName="level1Shape" op="equ"/>
+              <dgm:constr type="sp" for="des" refType="h" refFor="des" refForName="level1Shape" op="equ" fact="0.4"/>
+              <dgm:constr type="sibSp" for="des" forName="hierChild1" refType="w" refFor="des" refForName="level1Shape" op="equ" fact="0.3"/>
+              <dgm:constr type="sibSp" for="des" forName="hierChild2" refType="sibSp" refFor="des" refForName="hierChild1" op="equ"/>
+              <dgm:constr type="sibSp" for="des" forName="hierChild3" refType="sibSp" refFor="des" refForName="hierChild1" op="equ"/>
+              <dgm:constr type="userA" for="des" refType="h" refFor="des" refForName="level1Shape" op="equ"/>
+              <dgm:constr type="userB" for="des" refType="sp" refFor="des" op="equ"/>
+              <dgm:constr type="h" for="des" forName="firstBuf" refType="h" refFor="des" refForName="level1Shape" fact="0.1"/>
+            </dgm:constrLst>
+          </dgm:else>
+        </dgm:choose>
+      </dgm:if>
+      <dgm:else name="Name5">
+        <dgm:constrLst>
+          <dgm:constr type="l" for="ch" forName="hierFlow"/>
+          <dgm:constr type="t" for="ch" forName="hierFlow"/>
+          <dgm:constr type="r" for="ch" forName="hierFlow" refType="w"/>
+          <dgm:constr type="b" for="ch" forName="hierFlow" refType="h"/>
+          <dgm:constr type="l" for="ch" forName="bgShapesFlow"/>
+          <dgm:constr type="t" for="ch" forName="bgShapesFlow"/>
+          <dgm:constr type="r" for="ch" forName="bgShapesFlow" refType="w"/>
+          <dgm:constr type="b" for="ch" forName="bgShapesFlow" refType="h"/>
+          <dgm:constr type="w" for="des" forName="level1Shape" refType="w"/>
+          <dgm:constr type="h" for="des" forName="level1Shape" refType="w" refFor="des" refForName="level1Shape" fact="0.66667"/>
+          <dgm:constr type="w" for="des" forName="level2Shape" refType="w" refFor="des" refForName="level1Shape" op="equ"/>
+          <dgm:constr type="h" for="des" forName="level2Shape" refType="h" refFor="des" refForName="level1Shape" op="equ"/>
+          <dgm:constr type="sp" for="des" refType="h" refFor="des" refForName="level1Shape" op="equ" fact="0.4"/>
+          <dgm:constr type="sibSp" for="des" forName="hierChild1" refType="w" refFor="des" refForName="level1Shape" op="equ" fact="0.3"/>
+          <dgm:constr type="sibSp" for="des" forName="hierChild2" refType="sibSp" refFor="des" refForName="hierChild1" op="equ"/>
+          <dgm:constr type="sibSp" for="des" forName="hierChild3" refType="sibSp" refFor="des" refForName="hierChild1" op="equ"/>
+          <dgm:constr type="userA" for="des" refType="h" refFor="des" refForName="level1Shape" op="equ"/>
+          <dgm:constr type="userB" for="des" refType="sp" refFor="des" op="equ"/>
+          <dgm:constr type="h" for="des" forName="firstBuf" refType="h" refFor="des" refForName="level1Shape" fact="0.1"/>
+        </dgm:constrLst>
+      </dgm:else>
+    </dgm:choose>
     <dgm:ruleLst/>
-    <dgm:forEach name="Name3" axis="ch">
-      <dgm:forEach name="Name4" axis="self" ptType="node">
-        <dgm:layoutNode name="hierRoot1">
-          <dgm:alg type="hierRoot"/>
-          <dgm:shape xmlns:r="http://schemas.openxmlformats.org/officeDocument/2006/relationships" r:blip="">
-            <dgm:adjLst/>
-          </dgm:shape>
-          <dgm:presOf/>
-          <dgm:constrLst>
-            <dgm:constr type="bendDist" for="des" ptType="parTrans" refType="sp" fact="0.5"/>
-          </dgm:constrLst>
-          <dgm:ruleLst/>
-          <dgm:layoutNode name="composite">
-            <dgm:alg type="composite"/>
-            <dgm:shape xmlns:r="http://schemas.openxmlformats.org/officeDocument/2006/relationships" r:blip="">
-              <dgm:adjLst/>
-            </dgm:shape>
-            <dgm:presOf/>
-            <dgm:constrLst>
-              <dgm:constr type="w" for="ch" forName="background" refType="w" fact="0.9"/>
-              <dgm:constr type="h" for="ch" forName="background" refType="w" refFor="ch" refForName="background" fact="0.635"/>
-              <dgm:constr type="t" for="ch" forName="background"/>
-              <dgm:constr type="l" for="ch" forName="background"/>
-              <dgm:constr type="w" for="ch" forName="text" refType="w" fact="0.9"/>
-              <dgm:constr type="h" for="ch" forName="text" refType="w" refFor="ch" refForName="text" fact="0.635"/>
-              <dgm:constr type="t" for="ch" forName="text" refType="w" fact="0.095"/>
-              <dgm:constr type="l" for="ch" forName="text" refType="w" fact="0.1"/>
-            </dgm:constrLst>
-            <dgm:ruleLst/>
-            <dgm:layoutNode name="background" styleLbl="node0" moveWith="text">
-              <dgm:alg type="sp"/>
-              <dgm:shape xmlns:r="http://schemas.openxmlformats.org/officeDocument/2006/relationships" type="roundRect" r:blip="">
-                <dgm:adjLst>
-                  <dgm:adj idx="1" val="0.1"/>
-                </dgm:adjLst>
-              </dgm:shape>
-              <dgm:presOf/>
-              <dgm:constrLst/>
-              <dgm:ruleLst/>
-            </dgm:layoutNode>
-            <dgm:layoutNode name="text" styleLbl="fgAcc0">
-              <dgm:varLst>
-                <dgm:chPref val="3"/>
-              </dgm:varLst>
-              <dgm:alg type="tx"/>
-              <dgm:shape xmlns:r="http://schemas.openxmlformats.org/officeDocument/2006/relationships" type="roundRect" r:blip="">
-                <dgm:adjLst>
-                  <dgm:adj idx="1" val="0.1"/>
-                </dgm:adjLst>
-              </dgm:shape>
-              <dgm:presOf axis="self"/>
-              <dgm:constrLst>
-                <dgm:constr type="tMarg" refType="primFontSz" fact="0.3"/>
-                <dgm:constr type="bMarg" refType="primFontSz" fact="0.3"/>
-                <dgm:constr type="lMarg" refType="primFontSz" fact="0.3"/>
-                <dgm:constr type="rMarg" refType="primFontSz" fact="0.3"/>
-              </dgm:constrLst>
-              <dgm:ruleLst>
-                <dgm:rule type="primFontSz" val="5" fact="NaN" max="NaN"/>
-              </dgm:ruleLst>
-            </dgm:layoutNode>
-          </dgm:layoutNode>
-          <dgm:layoutNode name="hierChild2">
-            <dgm:choose name="Name5">
-              <dgm:if name="Name6" func="var" arg="dir" op="equ" val="norm">
-                <dgm:alg type="hierChild">
-                  <dgm:param type="linDir" val="fromL"/>
-                </dgm:alg>
-              </dgm:if>
-              <dgm:else name="Name7">
-                <dgm:alg type="hierChild">
-                  <dgm:param type="linDir" val="fromR"/>
-                </dgm:alg>
-              </dgm:else>
-            </dgm:choose>
+    <dgm:layoutNode name="hierFlow">
+      <dgm:alg type="lin">
+        <dgm:param type="linDir" val="fromT"/>
+        <dgm:param type="nodeVertAlign" val="t"/>
+        <dgm:param type="vertAlign" val="t"/>
+        <dgm:param type="nodeHorzAlign" val="ctr"/>
+        <dgm:param type="fallback" val="2D"/>
+      </dgm:alg>
+      <dgm:shape xmlns:r="http://schemas.openxmlformats.org/officeDocument/2006/relationships" r:blip="">
+        <dgm:adjLst/>
+      </dgm:shape>
+      <dgm:presOf/>
+      <dgm:constrLst/>
+      <dgm:ruleLst/>
+      <dgm:choose name="Name6">
+        <dgm:if name="Name7" axis="ch" ptType="node" func="cnt" op="gte" val="2">
+          <dgm:layoutNode name="firstBuf">
+            <dgm:alg type="sp"/>
             <dgm:shape xmlns:r="http://schemas.openxmlformats.org/officeDocument/2006/relationships" r:blip="">
               <dgm:adjLst/>
             </dgm:shape>
             <dgm:presOf/>
             <dgm:constrLst/>
             <dgm:ruleLst/>
-            <dgm:forEach name="Name8" axis="ch">
-              <dgm:forEach name="Name9" axis="self" ptType="parTrans" cnt="1">
-                <dgm:layoutNode name="Name10">
-                  <dgm:alg type="conn">
-                    <dgm:param type="dim" val="1D"/>
-                    <dgm:param type="endSty" val="noArr"/>
-                    <dgm:param type="connRout" val="bend"/>
-                    <dgm:param type="bendPt" val="end"/>
-                    <dgm:param type="begPts" val="bCtr"/>
-                    <dgm:param type="endPts" val="tCtr"/>
-                    <dgm:param type="srcNode" val="background"/>
-                    <dgm:param type="dstNode" val="background2"/>
-                  </dgm:alg>
-                  <dgm:shape xmlns:r="http://schemas.openxmlformats.org/officeDocument/2006/relationships" type="conn" r:blip="" zOrderOff="-999">
-                    <dgm:adjLst/>
-                  </dgm:shape>
-                  <dgm:presOf axis="self"/>
-                  <dgm:constrLst>
-                    <dgm:constr type="begPad"/>
-                    <dgm:constr type="endPad"/>
-                  </dgm:constrLst>
-                  <dgm:ruleLst/>
-                </dgm:layoutNode>
-              </dgm:forEach>
-              <dgm:forEach name="Name11" axis="self" ptType="node">
-                <dgm:layoutNode name="hierRoot2">
-                  <dgm:alg type="hierRoot"/>
-                  <dgm:shape xmlns:r="http://schemas.openxmlformats.org/officeDocument/2006/relationships" r:blip="">
-                    <dgm:adjLst/>
-                  </dgm:shape>
-                  <dgm:presOf/>
-                  <dgm:constrLst>
-                    <dgm:constr type="bendDist" for="des" ptType="parTrans" refType="sp" fact="0.5"/>
-                  </dgm:constrLst>
-                  <dgm:ruleLst/>
-                  <dgm:layoutNode name="composite2">
-                    <dgm:alg type="composite"/>
-                    <dgm:shape xmlns:r="http://schemas.openxmlformats.org/officeDocument/2006/relationships" r:blip="">
-                      <dgm:adjLst/>
-                    </dgm:shape>
-                    <dgm:presOf/>
-                    <dgm:constrLst>
-                      <dgm:constr type="w" for="ch" forName="background2" refType="w" fact="0.9"/>
-                      <dgm:constr type="h" for="ch" forName="background2" refType="w" refFor="ch" refForName="background2" fact="0.635"/>
-                      <dgm:constr type="t" for="ch" forName="background2"/>
-                      <dgm:constr type="l" for="ch" forName="background2"/>
-                      <dgm:constr type="w" for="ch" forName="text2" refType="w" fact="0.9"/>
-                      <dgm:constr type="h" for="ch" forName="text2" refType="w" refFor="ch" refForName="text2" fact="0.635"/>
-                      <dgm:constr type="t" for="ch" forName="text2" refType="w" fact="0.095"/>
-                      <dgm:constr type="l" for="ch" forName="text2" refType="w" fact="0.1"/>
-                    </dgm:constrLst>
-                    <dgm:ruleLst/>
-                    <dgm:layoutNode name="background2" moveWith="text2">
-                      <dgm:alg type="sp"/>
-                      <dgm:shape xmlns:r="http://schemas.openxmlformats.org/officeDocument/2006/relationships" type="roundRect" r:blip="">
-                        <dgm:adjLst>
-                          <dgm:adj idx="1" val="0.1"/>
-                        </dgm:adjLst>
+          </dgm:layoutNode>
+        </dgm:if>
+        <dgm:else name="Name8"/>
+      </dgm:choose>
+      <dgm:layoutNode name="hierChild1">
+        <dgm:varLst>
+          <dgm:chPref val="1"/>
+          <dgm:animOne val="branch"/>
+          <dgm:animLvl val="lvl"/>
+        </dgm:varLst>
+        <dgm:choose name="Name9">
+          <dgm:if name="Name10" func="var" arg="dir" op="equ" val="norm">
+            <dgm:alg type="hierChild">
+              <dgm:param type="linDir" val="fromL"/>
+              <dgm:param type="vertAlign" val="t"/>
+            </dgm:alg>
+          </dgm:if>
+          <dgm:else name="Name11">
+            <dgm:alg type="hierChild">
+              <dgm:param type="linDir" val="fromR"/>
+              <dgm:param type="vertAlign" val="t"/>
+            </dgm:alg>
+          </dgm:else>
+        </dgm:choose>
+        <dgm:shape xmlns:r="http://schemas.openxmlformats.org/officeDocument/2006/relationships" r:blip="">
+          <dgm:adjLst/>
+        </dgm:shape>
+        <dgm:presOf/>
+        <dgm:constrLst>
+          <dgm:constr type="primFontSz" for="des" ptType="node" op="equ"/>
+        </dgm:constrLst>
+        <dgm:ruleLst/>
+        <dgm:forEach name="Name12" axis="ch" cnt="3">
+          <dgm:forEach name="Name13" axis="self" ptType="node">
+            <dgm:layoutNode name="Name14">
+              <dgm:alg type="hierRoot"/>
+              <dgm:shape xmlns:r="http://schemas.openxmlformats.org/officeDocument/2006/relationships" r:blip="">
+                <dgm:adjLst/>
+              </dgm:shape>
+              <dgm:presOf/>
+              <dgm:constrLst/>
+              <dgm:ruleLst/>
+              <dgm:layoutNode name="level1Shape" styleLbl="node0">
+                <dgm:varLst>
+                  <dgm:chPref val="3"/>
+                </dgm:varLst>
+                <dgm:alg type="tx"/>
+                <dgm:shape xmlns:r="http://schemas.openxmlformats.org/officeDocument/2006/relationships" type="roundRect" r:blip="">
+                  <dgm:adjLst>
+                    <dgm:adj idx="1" val="0.1"/>
+                  </dgm:adjLst>
+                </dgm:shape>
+                <dgm:presOf axis="self"/>
+                <dgm:constrLst>
+                  <dgm:constr type="primFontSz" val="65"/>
+                  <dgm:constr type="tMarg" refType="primFontSz" fact="0.3"/>
+                  <dgm:constr type="bMarg" refType="primFontSz" fact="0.3"/>
+                  <dgm:constr type="lMarg" refType="primFontSz" fact="0.3"/>
+                  <dgm:constr type="rMarg" refType="primFontSz" fact="0.3"/>
+                </dgm:constrLst>
+                <dgm:ruleLst>
+                  <dgm:rule type="primFontSz" val="5" fact="NaN" max="NaN"/>
+                </dgm:ruleLst>
+              </dgm:layoutNode>
+              <dgm:layoutNode name="hierChild2">
+                <dgm:choose name="Name15">
+                  <dgm:if name="Name16" func="var" arg="dir" op="equ" val="norm">
+                    <dgm:alg type="hierChild">
+                      <dgm:param type="linDir" val="fromL"/>
+                    </dgm:alg>
+                  </dgm:if>
+                  <dgm:else name="Name17">
+                    <dgm:alg type="hierChild">
+                      <dgm:param type="linDir" val="fromR"/>
+                    </dgm:alg>
+                  </dgm:else>
+                </dgm:choose>
+                <dgm:shape xmlns:r="http://schemas.openxmlformats.org/officeDocument/2006/relationships" r:blip="">
+                  <dgm:adjLst/>
+                </dgm:shape>
+                <dgm:presOf/>
+                <dgm:constrLst/>
+                <dgm:ruleLst/>
+                <dgm:forEach name="repeat" axis="ch">
+                  <dgm:forEach name="Name18" axis="self" ptType="parTrans" cnt="1">
+                    <dgm:layoutNode name="Name19">
+                      <dgm:alg type="conn">
+                        <dgm:param type="dim" val="1D"/>
+                        <dgm:param type="endSty" val="noArr"/>
+                        <dgm:param type="connRout" val="bend"/>
+                        <dgm:param type="begPts" val="bCtr"/>
+                        <dgm:param type="endPts" val="tCtr"/>
+                      </dgm:alg>
+                      <dgm:shape xmlns:r="http://schemas.openxmlformats.org/officeDocument/2006/relationships" type="conn" r:blip="">
+                        <dgm:adjLst/>
+                      </dgm:shape>
+                      <dgm:presOf axis="self"/>
+                      <dgm:constrLst>
+                        <dgm:constr type="w" val="1"/>
+                        <dgm:constr type="h" val="1"/>
+                        <dgm:constr type="begPad"/>
+                        <dgm:constr type="endPad"/>
+                      </dgm:constrLst>
+                      <dgm:ruleLst/>
+                    </dgm:layoutNode>
+                  </dgm:forEach>
+                  <dgm:forEach name="Name20" axis="self" ptType="node">
+                    <dgm:layoutNode name="Name21">
+                      <dgm:alg type="hierRoot"/>
+                      <dgm:shape xmlns:r="http://schemas.openxmlformats.org/officeDocument/2006/relationships" r:blip="">
+                        <dgm:adjLst/>
                       </dgm:shape>
                       <dgm:presOf/>
                       <dgm:constrLst/>
                       <dgm:ruleLst/>
+                      <dgm:layoutNode name="level2Shape">
+                        <dgm:alg type="tx"/>
+                        <dgm:shape xmlns:r="http://schemas.openxmlformats.org/officeDocument/2006/relationships" type="roundRect" r:blip="">
+                          <dgm:adjLst>
+                            <dgm:adj idx="1" val="0.1"/>
+                          </dgm:adjLst>
+                        </dgm:shape>
+                        <dgm:presOf axis="self"/>
+                        <dgm:constrLst>
+                          <dgm:constr type="primFontSz" val="65"/>
+                          <dgm:constr type="tMarg" refType="primFontSz" fact="0.3"/>
+                          <dgm:constr type="bMarg" refType="primFontSz" fact="0.3"/>
+                          <dgm:constr type="lMarg" refType="primFontSz" fact="0.3"/>
+                          <dgm:constr type="rMarg" refType="primFontSz" fact="0.3"/>
+                        </dgm:constrLst>
+                        <dgm:ruleLst>
+                          <dgm:rule type="primFontSz" val="5" fact="NaN" max="NaN"/>
+                        </dgm:ruleLst>
+                      </dgm:layoutNode>
+                      <dgm:layoutNode name="hierChild3">
+                        <dgm:choose name="Name22">
+                          <dgm:if name="Name23" func="var" arg="dir" op="equ" val="norm">
+                            <dgm:alg type="hierChild">
+                              <dgm:param type="linDir" val="fromL"/>
+                            </dgm:alg>
+                          </dgm:if>
+                          <dgm:else name="Name24">
+                            <dgm:alg type="hierChild">
+                              <dgm:param type="linDir" val="fromR"/>
+                            </dgm:alg>
+                          </dgm:else>
+                        </dgm:choose>
+                        <dgm:shape xmlns:r="http://schemas.openxmlformats.org/officeDocument/2006/relationships" r:blip="">
+                          <dgm:adjLst/>
+                        </dgm:shape>
+                        <dgm:presOf/>
+                        <dgm:constrLst/>
+                        <dgm:ruleLst/>
+                        <dgm:forEach name="Name25" ref="repeat"/>
+                      </dgm:layoutNode>
                     </dgm:layoutNode>
-                    <dgm:layoutNode name="text2" styleLbl="fgAcc2">
-                      <dgm:varLst>
-                        <dgm:chPref val="3"/>
-                      </dgm:varLst>
-                      <dgm:alg type="tx"/>
-                      <dgm:shape xmlns:r="http://schemas.openxmlformats.org/officeDocument/2006/relationships" type="roundRect" r:blip="">
-                        <dgm:adjLst>
-                          <dgm:adj idx="1" val="0.1"/>
-                        </dgm:adjLst>
-                      </dgm:shape>
-                      <dgm:presOf axis="self"/>
-                      <dgm:constrLst>
-                        <dgm:constr type="tMarg" refType="primFontSz" fact="0.3"/>
-                        <dgm:constr type="bMarg" refType="primFontSz" fact="0.3"/>
-                        <dgm:constr type="lMarg" refType="primFontSz" fact="0.3"/>
-                        <dgm:constr type="rMarg" refType="primFontSz" fact="0.3"/>
-                      </dgm:constrLst>
-                      <dgm:ruleLst>
-                        <dgm:rule type="primFontSz" val="5" fact="NaN" max="NaN"/>
-                      </dgm:ruleLst>
-                    </dgm:layoutNode>
-                  </dgm:layoutNode>
-                  <dgm:layoutNode name="hierChild3">
-                    <dgm:choose name="Name12">
-                      <dgm:if name="Name13" func="var" arg="dir" op="equ" val="norm">
-                        <dgm:alg type="hierChild">
-                          <dgm:param type="linDir" val="fromL"/>
-                        </dgm:alg>
-                      </dgm:if>
-                      <dgm:else name="Name14">
-                        <dgm:alg type="hierChild">
-                          <dgm:param type="linDir" val="fromR"/>
-                        </dgm:alg>
-                      </dgm:else>
-                    </dgm:choose>
-                    <dgm:shape xmlns:r="http://schemas.openxmlformats.org/officeDocument/2006/relationships" r:blip="">
-                      <dgm:adjLst/>
-                    </dgm:shape>
-                    <dgm:presOf/>
-                    <dgm:constrLst/>
-                    <dgm:ruleLst/>
-                    <dgm:forEach name="Name15" axis="ch">
-                      <dgm:forEach name="Name16" axis="self" ptType="parTrans" cnt="1">
-                        <dgm:layoutNode name="Name17">
-                          <dgm:alg type="conn">
-                            <dgm:param type="dim" val="1D"/>
-                            <dgm:param type="endSty" val="noArr"/>
-                            <dgm:param type="connRout" val="bend"/>
-                            <dgm:param type="bendPt" val="end"/>
-                            <dgm:param type="begPts" val="bCtr"/>
-                            <dgm:param type="endPts" val="tCtr"/>
-                            <dgm:param type="srcNode" val="background2"/>
-                            <dgm:param type="dstNode" val="background3"/>
-                          </dgm:alg>
-                          <dgm:shape xmlns:r="http://schemas.openxmlformats.org/officeDocument/2006/relationships" type="conn" r:blip="" zOrderOff="-999">
-                            <dgm:adjLst/>
-                          </dgm:shape>
-                          <dgm:presOf axis="self"/>
-                          <dgm:constrLst>
-                            <dgm:constr type="begPad"/>
-                            <dgm:constr type="endPad"/>
-                          </dgm:constrLst>
-                          <dgm:ruleLst/>
-                        </dgm:layoutNode>
-                      </dgm:forEach>
-                      <dgm:forEach name="Name18" axis="self" ptType="node">
-                        <dgm:layoutNode name="hierRoot3">
-                          <dgm:alg type="hierRoot"/>
-                          <dgm:shape xmlns:r="http://schemas.openxmlformats.org/officeDocument/2006/relationships" r:blip="">
-                            <dgm:adjLst/>
-                          </dgm:shape>
-                          <dgm:presOf/>
-                          <dgm:constrLst>
-                            <dgm:constr type="bendDist" for="des" ptType="parTrans" refType="sp" fact="0.5"/>
-                          </dgm:constrLst>
-                          <dgm:ruleLst/>
-                          <dgm:layoutNode name="composite3">
-                            <dgm:alg type="composite"/>
-                            <dgm:shape xmlns:r="http://schemas.openxmlformats.org/officeDocument/2006/relationships" r:blip="">
-                              <dgm:adjLst/>
-                            </dgm:shape>
-                            <dgm:presOf/>
-                            <dgm:constrLst>
-                              <dgm:constr type="w" for="ch" forName="background3" refType="w" fact="0.9"/>
-                              <dgm:constr type="h" for="ch" forName="background3" refType="w" refFor="ch" refForName="background3" fact="0.635"/>
-                              <dgm:constr type="t" for="ch" forName="background3"/>
-                              <dgm:constr type="l" for="ch" forName="background3"/>
-                              <dgm:constr type="w" for="ch" forName="text3" refType="w" fact="0.9"/>
-                              <dgm:constr type="h" for="ch" forName="text3" refType="w" refFor="ch" refForName="text3" fact="0.635"/>
-                              <dgm:constr type="t" for="ch" forName="text3" refType="w" fact="0.095"/>
-                              <dgm:constr type="l" for="ch" forName="text3" refType="w" fact="0.1"/>
-                            </dgm:constrLst>
-                            <dgm:ruleLst/>
-                            <dgm:layoutNode name="background3" moveWith="text3">
-                              <dgm:alg type="sp"/>
-                              <dgm:shape xmlns:r="http://schemas.openxmlformats.org/officeDocument/2006/relationships" type="roundRect" r:blip="">
-                                <dgm:adjLst>
-                                  <dgm:adj idx="1" val="0.1"/>
-                                </dgm:adjLst>
-                              </dgm:shape>
-                              <dgm:presOf/>
-                              <dgm:constrLst/>
-                              <dgm:ruleLst/>
-                            </dgm:layoutNode>
-                            <dgm:layoutNode name="text3" styleLbl="fgAcc3">
-                              <dgm:varLst>
-                                <dgm:chPref val="3"/>
-                              </dgm:varLst>
-                              <dgm:alg type="tx"/>
-                              <dgm:shape xmlns:r="http://schemas.openxmlformats.org/officeDocument/2006/relationships" type="roundRect" r:blip="">
-                                <dgm:adjLst>
-                                  <dgm:adj idx="1" val="0.1"/>
-                                </dgm:adjLst>
-                              </dgm:shape>
-                              <dgm:presOf axis="self"/>
-                              <dgm:constrLst>
-                                <dgm:constr type="tMarg" refType="primFontSz" fact="0.3"/>
-                                <dgm:constr type="bMarg" refType="primFontSz" fact="0.3"/>
-                                <dgm:constr type="lMarg" refType="primFontSz" fact="0.3"/>
-                                <dgm:constr type="rMarg" refType="primFontSz" fact="0.3"/>
-                              </dgm:constrLst>
-                              <dgm:ruleLst>
-                                <dgm:rule type="primFontSz" val="5" fact="NaN" max="NaN"/>
-                              </dgm:ruleLst>
-                            </dgm:layoutNode>
-                          </dgm:layoutNode>
-                          <dgm:layoutNode name="hierChild4">
-                            <dgm:choose name="Name19">
-                              <dgm:if name="Name20" func="var" arg="dir" op="equ" val="norm">
-                                <dgm:alg type="hierChild">
-                                  <dgm:param type="linDir" val="fromL"/>
-                                </dgm:alg>
-                              </dgm:if>
-                              <dgm:else name="Name21">
-                                <dgm:alg type="hierChild">
-                                  <dgm:param type="linDir" val="fromR"/>
-                                </dgm:alg>
-                              </dgm:else>
-                            </dgm:choose>
-                            <dgm:shape xmlns:r="http://schemas.openxmlformats.org/officeDocument/2006/relationships" r:blip="">
-                              <dgm:adjLst/>
-                            </dgm:shape>
-                            <dgm:presOf/>
-                            <dgm:constrLst/>
-                            <dgm:ruleLst/>
-                            <dgm:forEach name="repeat" axis="ch">
-                              <dgm:forEach name="Name22" axis="self" ptType="parTrans" cnt="1">
-                                <dgm:layoutNode name="Name23">
-                                  <dgm:choose name="Name24">
-                                    <dgm:if name="Name25" axis="self" func="depth" op="lte" val="4">
-                                      <dgm:alg type="conn">
-                                        <dgm:param type="dim" val="1D"/>
-                                        <dgm:param type="endSty" val="noArr"/>
-                                        <dgm:param type="connRout" val="bend"/>
-                                        <dgm:param type="bendPt" val="end"/>
-                                        <dgm:param type="begPts" val="bCtr"/>
-                                        <dgm:param type="endPts" val="tCtr"/>
-                                        <dgm:param type="srcNode" val="background3"/>
-                                        <dgm:param type="dstNode" val="background4"/>
-                                      </dgm:alg>
-                                    </dgm:if>
-                                    <dgm:else name="Name26">
-                                      <dgm:alg type="conn">
-                                        <dgm:param type="dim" val="1D"/>
-                                        <dgm:param type="endSty" val="noArr"/>
-                                        <dgm:param type="connRout" val="bend"/>
-                                        <dgm:param type="bendPt" val="end"/>
-                                        <dgm:param type="begPts" val="bCtr"/>
-                                        <dgm:param type="endPts" val="tCtr"/>
-                                        <dgm:param type="srcNode" val="background4"/>
-                                        <dgm:param type="dstNode" val="background4"/>
-                                      </dgm:alg>
-                                    </dgm:else>
-                                  </dgm:choose>
-                                  <dgm:shape xmlns:r="http://schemas.openxmlformats.org/officeDocument/2006/relationships" type="conn" r:blip="" zOrderOff="-999">
-                                    <dgm:adjLst/>
-                                  </dgm:shape>
-                                  <dgm:presOf axis="self"/>
-                                  <dgm:constrLst>
-                                    <dgm:constr type="begPad"/>
-                                    <dgm:constr type="endPad"/>
-                                  </dgm:constrLst>
-                                  <dgm:ruleLst/>
-                                </dgm:layoutNode>
-                              </dgm:forEach>
-                              <dgm:forEach name="Name27" axis="self" ptType="node">
-                                <dgm:layoutNode name="hierRoot4">
-                                  <dgm:alg type="hierRoot"/>
-                                  <dgm:shape xmlns:r="http://schemas.openxmlformats.org/officeDocument/2006/relationships" r:blip="">
-                                    <dgm:adjLst/>
-                                  </dgm:shape>
-                                  <dgm:presOf/>
-                                  <dgm:constrLst>
-                                    <dgm:constr type="bendDist" for="des" ptType="parTrans" refType="sp" fact="0.5"/>
-                                  </dgm:constrLst>
-                                  <dgm:ruleLst/>
-                                  <dgm:layoutNode name="composite4">
-                                    <dgm:alg type="composite"/>
-                                    <dgm:shape xmlns:r="http://schemas.openxmlformats.org/officeDocument/2006/relationships" r:blip="">
-                                      <dgm:adjLst/>
-                                    </dgm:shape>
-                                    <dgm:presOf/>
-                                    <dgm:constrLst>
-                                      <dgm:constr type="w" for="ch" forName="background4" refType="w" fact="0.9"/>
-                                      <dgm:constr type="h" for="ch" forName="background4" refType="w" refFor="ch" refForName="background4" fact="0.635"/>
-                                      <dgm:constr type="t" for="ch" forName="background4"/>
-                                      <dgm:constr type="l" for="ch" forName="background4"/>
-                                      <dgm:constr type="w" for="ch" forName="text4" refType="w" fact="0.9"/>
-                                      <dgm:constr type="h" for="ch" forName="text4" refType="w" refFor="ch" refForName="text4" fact="0.635"/>
-                                      <dgm:constr type="t" for="ch" forName="text4" refType="w" fact="0.095"/>
-                                      <dgm:constr type="l" for="ch" forName="text4" refType="w" fact="0.1"/>
-                                    </dgm:constrLst>
-                                    <dgm:ruleLst/>
-                                    <dgm:layoutNode name="background4" moveWith="text4">
-                                      <dgm:alg type="sp"/>
-                                      <dgm:shape xmlns:r="http://schemas.openxmlformats.org/officeDocument/2006/relationships" type="roundRect" r:blip="">
-                                        <dgm:adjLst>
-                                          <dgm:adj idx="1" val="0.1"/>
-                                        </dgm:adjLst>
-                                      </dgm:shape>
-                                      <dgm:presOf/>
-                                      <dgm:constrLst/>
-                                      <dgm:ruleLst/>
-                                    </dgm:layoutNode>
-                                    <dgm:layoutNode name="text4" styleLbl="fgAcc4">
-                                      <dgm:varLst>
-                                        <dgm:chPref val="3"/>
-                                      </dgm:varLst>
-                                      <dgm:alg type="tx"/>
-                                      <dgm:shape xmlns:r="http://schemas.openxmlformats.org/officeDocument/2006/relationships" type="roundRect" r:blip="">
-                                        <dgm:adjLst>
-                                          <dgm:adj idx="1" val="0.1"/>
-                                        </dgm:adjLst>
-                                      </dgm:shape>
-                                      <dgm:presOf axis="self"/>
-                                      <dgm:constrLst>
-                                        <dgm:constr type="tMarg" refType="primFontSz" fact="0.3"/>
-                                        <dgm:constr type="bMarg" refType="primFontSz" fact="0.3"/>
-                                        <dgm:constr type="lMarg" refType="primFontSz" fact="0.3"/>
-                                        <dgm:constr type="rMarg" refType="primFontSz" fact="0.3"/>
-                                      </dgm:constrLst>
-                                      <dgm:ruleLst>
-                                        <dgm:rule type="primFontSz" val="5" fact="NaN" max="NaN"/>
-                                      </dgm:ruleLst>
-                                    </dgm:layoutNode>
-                                  </dgm:layoutNode>
-                                  <dgm:layoutNode name="hierChild5">
-                                    <dgm:choose name="Name28">
-                                      <dgm:if name="Name29" func="var" arg="dir" op="equ" val="norm">
-                                        <dgm:alg type="hierChild">
-                                          <dgm:param type="linDir" val="fromL"/>
-                                        </dgm:alg>
-                                      </dgm:if>
-                                      <dgm:else name="Name30">
-                                        <dgm:alg type="hierChild">
-                                          <dgm:param type="linDir" val="fromR"/>
-                                        </dgm:alg>
-                                      </dgm:else>
-                                    </dgm:choose>
-                                    <dgm:shape xmlns:r="http://schemas.openxmlformats.org/officeDocument/2006/relationships" r:blip="">
-                                      <dgm:adjLst/>
-                                    </dgm:shape>
-                                    <dgm:presOf/>
-                                    <dgm:constrLst/>
-                                    <dgm:ruleLst/>
-                                    <dgm:forEach name="Name31" ref="repeat"/>
-                                  </dgm:layoutNode>
-                                </dgm:layoutNode>
-                              </dgm:forEach>
-                            </dgm:forEach>
-                          </dgm:layoutNode>
-                        </dgm:layoutNode>
-                      </dgm:forEach>
-                    </dgm:forEach>
-                  </dgm:layoutNode>
-                </dgm:layoutNode>
-              </dgm:forEach>
-            </dgm:forEach>
+                  </dgm:forEach>
+                </dgm:forEach>
+              </dgm:layoutNode>
+            </dgm:layoutNode>
+          </dgm:forEach>
+        </dgm:forEach>
+      </dgm:layoutNode>
+    </dgm:layoutNode>
+    <dgm:layoutNode name="bgShapesFlow">
+      <dgm:alg type="lin">
+        <dgm:param type="linDir" val="fromT"/>
+        <dgm:param type="nodeVertAlign" val="t"/>
+        <dgm:param type="vertAlign" val="t"/>
+        <dgm:param type="nodeHorzAlign" val="ctr"/>
+      </dgm:alg>
+      <dgm:shape xmlns:r="http://schemas.openxmlformats.org/officeDocument/2006/relationships" r:blip="">
+        <dgm:adjLst/>
+      </dgm:shape>
+      <dgm:presOf/>
+      <dgm:constrLst>
+        <dgm:constr type="userB"/>
+        <dgm:constr type="w" for="ch" forName="rectComp" refType="w"/>
+        <dgm:constr type="h" for="ch" forName="rectComp" refType="h"/>
+        <dgm:constr type="w" for="des" forName="bgRect" refType="w"/>
+        <dgm:constr type="primFontSz" for="des" forName="bgRectTx" op="equ"/>
+      </dgm:constrLst>
+      <dgm:ruleLst/>
+      <dgm:forEach name="Name26" axis="ch" ptType="node" st="2">
+        <dgm:layoutNode name="rectComp">
+          <dgm:alg type="composite">
+            <dgm:param type="vertAlign" val="t"/>
+            <dgm:param type="horzAlign" val="ctr"/>
+          </dgm:alg>
+          <dgm:shape xmlns:r="http://schemas.openxmlformats.org/officeDocument/2006/relationships" r:blip="">
+            <dgm:adjLst/>
+          </dgm:shape>
+          <dgm:presOf/>
+          <dgm:choose name="Name27">
+            <dgm:if name="Name28" func="var" arg="dir" op="equ" val="norm">
+              <dgm:constrLst>
+                <dgm:constr type="userA"/>
+                <dgm:constr type="l" for="ch" forName="bgRect"/>
+                <dgm:constr type="t" for="ch" forName="bgRect"/>
+                <dgm:constr type="h" for="ch" forName="bgRect" refType="userA" fact="1.2"/>
+                <dgm:constr type="l" for="ch" forName="bgRectTx"/>
+                <dgm:constr type="t" for="ch" forName="bgRectTx"/>
+                <dgm:constr type="w" for="ch" forName="bgRectTx" refType="w" refFor="ch" refForName="bgRect" fact="0.3"/>
+                <dgm:constr type="h" for="ch" forName="bgRectTx" refType="h" refFor="ch" refForName="bgRect" op="equ"/>
+              </dgm:constrLst>
+            </dgm:if>
+            <dgm:else name="Name29">
+              <dgm:constrLst>
+                <dgm:constr type="userA"/>
+                <dgm:constr type="l" for="ch" forName="bgRect"/>
+                <dgm:constr type="t" for="ch" forName="bgRect"/>
+                <dgm:constr type="h" for="ch" forName="bgRect" refType="userA" fact="1.2"/>
+                <dgm:constr type="r" for="ch" forName="bgRectTx" refType="w"/>
+                <dgm:constr type="t" for="ch" forName="bgRectTx"/>
+                <dgm:constr type="w" for="ch" forName="bgRectTx" refType="w" refFor="ch" refForName="bgRect" fact="0.3"/>
+                <dgm:constr type="h" for="ch" forName="bgRectTx" refType="h" refFor="ch" refForName="bgRect" op="equ"/>
+              </dgm:constrLst>
+            </dgm:else>
+          </dgm:choose>
+          <dgm:ruleLst/>
+          <dgm:layoutNode name="bgRect" styleLbl="bgShp">
+            <dgm:alg type="sp"/>
+            <dgm:shape xmlns:r="http://schemas.openxmlformats.org/officeDocument/2006/relationships" type="roundRect" r:blip="" zOrderOff="-999">
+              <dgm:adjLst>
+                <dgm:adj idx="1" val="0.1"/>
+              </dgm:adjLst>
+            </dgm:shape>
+            <dgm:presOf axis="desOrSelf" ptType="node"/>
+            <dgm:constrLst/>
+            <dgm:ruleLst/>
+          </dgm:layoutNode>
+          <dgm:layoutNode name="bgRectTx" styleLbl="bgShp">
+            <dgm:varLst>
+              <dgm:bulletEnabled val="1"/>
+            </dgm:varLst>
+            <dgm:alg type="tx"/>
+            <dgm:presOf axis="desOrSelf" ptType="node"/>
+            <dgm:shape xmlns:r="http://schemas.openxmlformats.org/officeDocument/2006/relationships" type="rect" r:blip="" zOrderOff="-999" hideGeom="1">
+              <dgm:adjLst/>
+            </dgm:shape>
+            <dgm:constrLst>
+              <dgm:constr type="primFontSz" val="65"/>
+            </dgm:constrLst>
+            <dgm:ruleLst>
+              <dgm:rule type="primFontSz" val="5" fact="NaN" max="NaN"/>
+            </dgm:ruleLst>
           </dgm:layoutNode>
         </dgm:layoutNode>
+        <dgm:choose name="Name30">
+          <dgm:if name="Name31" axis="self" ptType="node" func="revPos" op="gte" val="2">
+            <dgm:layoutNode name="spComp">
+              <dgm:alg type="composite">
+                <dgm:param type="vertAlign" val="t"/>
+                <dgm:param type="horzAlign" val="ctr"/>
+              </dgm:alg>
+              <dgm:shape xmlns:r="http://schemas.openxmlformats.org/officeDocument/2006/relationships" r:blip="">
+                <dgm:adjLst/>
+              </dgm:shape>
+              <dgm:presOf/>
+              <dgm:constrLst>
+                <dgm:constr type="userA"/>
+                <dgm:constr type="userB"/>
+                <dgm:constr type="l" for="ch" forName="vSp"/>
+                <dgm:constr type="t" for="ch" forName="vSp"/>
+                <dgm:constr type="h" for="ch" forName="vSp" refType="userB"/>
+                <dgm:constr type="hOff" for="ch" forName="vSp" refType="userA" fact="-0.2"/>
+              </dgm:constrLst>
+              <dgm:ruleLst/>
+              <dgm:layoutNode name="vSp">
+                <dgm:alg type="sp"/>
+                <dgm:shape xmlns:r="http://schemas.openxmlformats.org/officeDocument/2006/relationships" r:blip="">
+                  <dgm:adjLst/>
+                </dgm:shape>
+                <dgm:presOf/>
+                <dgm:constrLst/>
+                <dgm:ruleLst/>
+              </dgm:layoutNode>
+            </dgm:layoutNode>
+          </dgm:if>
+          <dgm:else name="Name32"/>
+        </dgm:choose>
       </dgm:forEach>
-    </dgm:forEach>
+    </dgm:layoutNode>
   </dgm:layoutNode>
 </dgm:layoutDef>
 </file>
@@ -5750,8 +7890,8 @@
         </p:nvSpPr>
         <p:spPr>
           <a:xfrm>
-            <a:off x="0" y="0"/>
-            <a:ext cx="2945659" cy="496332"/>
+            <a:off x="1" y="0"/>
+            <a:ext cx="2945659" cy="496411"/>
           </a:xfrm>
           <a:prstGeom prst="rect">
             <a:avLst/>
@@ -5781,8 +7921,8 @@
         </p:nvSpPr>
         <p:spPr>
           <a:xfrm>
-            <a:off x="3850443" y="0"/>
-            <a:ext cx="2945659" cy="496332"/>
+            <a:off x="3850444" y="0"/>
+            <a:ext cx="2945659" cy="496411"/>
           </a:xfrm>
           <a:prstGeom prst="rect">
             <a:avLst/>
@@ -5798,7 +7938,7 @@
           <a:p>
             <a:fld id="{FCC0B684-8014-45B5-B9C4-47CA9572B093}" type="datetimeFigureOut">
               <a:rPr lang="en-NZ" smtClean="0"/>
-              <a:t>9/03/2012</a:t>
+              <a:t>13/03/2012</a:t>
             </a:fld>
             <a:endParaRPr lang="en-NZ"/>
           </a:p>
@@ -5816,8 +7956,8 @@
         </p:nvSpPr>
         <p:spPr>
           <a:xfrm>
-            <a:off x="0" y="9428583"/>
-            <a:ext cx="2945659" cy="496332"/>
+            <a:off x="1" y="9430091"/>
+            <a:ext cx="2945659" cy="496411"/>
           </a:xfrm>
           <a:prstGeom prst="rect">
             <a:avLst/>
@@ -5847,8 +7987,8 @@
         </p:nvSpPr>
         <p:spPr>
           <a:xfrm>
-            <a:off x="3850443" y="9428583"/>
-            <a:ext cx="2945659" cy="496332"/>
+            <a:off x="3850444" y="9430091"/>
+            <a:ext cx="2945659" cy="496411"/>
           </a:xfrm>
           <a:prstGeom prst="rect">
             <a:avLst/>
@@ -6062,7 +8202,7 @@
           <a:p>
             <a:fld id="{3ACCE87F-A4BF-4D9A-9320-ACD565033031}" type="datetimeFigureOut">
               <a:rPr lang="en-NZ" smtClean="0"/>
-              <a:t>9/03/2012</a:t>
+              <a:t>13/03/2012</a:t>
             </a:fld>
             <a:endParaRPr lang="en-NZ"/>
           </a:p>
@@ -6227,7 +8367,7 @@
           <a:p>
             <a:fld id="{3ACCE87F-A4BF-4D9A-9320-ACD565033031}" type="datetimeFigureOut">
               <a:rPr lang="en-NZ" smtClean="0"/>
-              <a:t>9/03/2012</a:t>
+              <a:t>13/03/2012</a:t>
             </a:fld>
             <a:endParaRPr lang="en-NZ"/>
           </a:p>
@@ -6402,7 +8542,7 @@
           <a:p>
             <a:fld id="{3ACCE87F-A4BF-4D9A-9320-ACD565033031}" type="datetimeFigureOut">
               <a:rPr lang="en-NZ" smtClean="0"/>
-              <a:t>9/03/2012</a:t>
+              <a:t>13/03/2012</a:t>
             </a:fld>
             <a:endParaRPr lang="en-NZ"/>
           </a:p>
@@ -6567,7 +8707,7 @@
           <a:p>
             <a:fld id="{3ACCE87F-A4BF-4D9A-9320-ACD565033031}" type="datetimeFigureOut">
               <a:rPr lang="en-NZ" smtClean="0"/>
-              <a:t>9/03/2012</a:t>
+              <a:t>13/03/2012</a:t>
             </a:fld>
             <a:endParaRPr lang="en-NZ"/>
           </a:p>
@@ -6808,7 +8948,7 @@
           <a:p>
             <a:fld id="{3ACCE87F-A4BF-4D9A-9320-ACD565033031}" type="datetimeFigureOut">
               <a:rPr lang="en-NZ" smtClean="0"/>
-              <a:t>9/03/2012</a:t>
+              <a:t>13/03/2012</a:t>
             </a:fld>
             <a:endParaRPr lang="en-NZ"/>
           </a:p>
@@ -7091,7 +9231,7 @@
           <a:p>
             <a:fld id="{3ACCE87F-A4BF-4D9A-9320-ACD565033031}" type="datetimeFigureOut">
               <a:rPr lang="en-NZ" smtClean="0"/>
-              <a:t>9/03/2012</a:t>
+              <a:t>13/03/2012</a:t>
             </a:fld>
             <a:endParaRPr lang="en-NZ"/>
           </a:p>
@@ -7508,7 +9648,7 @@
           <a:p>
             <a:fld id="{3ACCE87F-A4BF-4D9A-9320-ACD565033031}" type="datetimeFigureOut">
               <a:rPr lang="en-NZ" smtClean="0"/>
-              <a:t>9/03/2012</a:t>
+              <a:t>13/03/2012</a:t>
             </a:fld>
             <a:endParaRPr lang="en-NZ"/>
           </a:p>
@@ -7621,7 +9761,7 @@
           <a:p>
             <a:fld id="{3ACCE87F-A4BF-4D9A-9320-ACD565033031}" type="datetimeFigureOut">
               <a:rPr lang="en-NZ" smtClean="0"/>
-              <a:t>9/03/2012</a:t>
+              <a:t>13/03/2012</a:t>
             </a:fld>
             <a:endParaRPr lang="en-NZ"/>
           </a:p>
@@ -7711,7 +9851,7 @@
           <a:p>
             <a:fld id="{3ACCE87F-A4BF-4D9A-9320-ACD565033031}" type="datetimeFigureOut">
               <a:rPr lang="en-NZ" smtClean="0"/>
-              <a:t>9/03/2012</a:t>
+              <a:t>13/03/2012</a:t>
             </a:fld>
             <a:endParaRPr lang="en-NZ"/>
           </a:p>
@@ -7983,7 +10123,7 @@
           <a:p>
             <a:fld id="{3ACCE87F-A4BF-4D9A-9320-ACD565033031}" type="datetimeFigureOut">
               <a:rPr lang="en-NZ" smtClean="0"/>
-              <a:t>9/03/2012</a:t>
+              <a:t>13/03/2012</a:t>
             </a:fld>
             <a:endParaRPr lang="en-NZ"/>
           </a:p>
@@ -8231,7 +10371,7 @@
           <a:p>
             <a:fld id="{3ACCE87F-A4BF-4D9A-9320-ACD565033031}" type="datetimeFigureOut">
               <a:rPr lang="en-NZ" smtClean="0"/>
-              <a:t>9/03/2012</a:t>
+              <a:t>13/03/2012</a:t>
             </a:fld>
             <a:endParaRPr lang="en-NZ"/>
           </a:p>
@@ -8439,7 +10579,7 @@
           <a:p>
             <a:fld id="{3ACCE87F-A4BF-4D9A-9320-ACD565033031}" type="datetimeFigureOut">
               <a:rPr lang="en-NZ" smtClean="0"/>
-              <a:t>9/03/2012</a:t>
+              <a:t>13/03/2012</a:t>
             </a:fld>
             <a:endParaRPr lang="en-NZ"/>
           </a:p>
@@ -15381,8 +17521,12 @@
           <a:lstStyle/>
           <a:p>
             <a:r>
+              <a:rPr lang="en-NZ" dirty="0" err="1" smtClean="0"/>
+              <a:t>Simenv</a:t>
+            </a:r>
+            <a:r>
               <a:rPr lang="en-NZ" dirty="0" smtClean="0"/>
-              <a:t>Demo Class hierarchy</a:t>
+              <a:t> class hierarchy</a:t>
             </a:r>
             <a:endParaRPr lang="en-NZ" dirty="0"/>
           </a:p>
@@ -15390,7 +17534,7 @@
       </p:sp>
       <p:graphicFrame>
         <p:nvGraphicFramePr>
-          <p:cNvPr id="4" name="Content Placeholder 3"/>
+          <p:cNvPr id="6" name="Content Placeholder 5"/>
           <p:cNvGraphicFramePr>
             <a:graphicFrameLocks noGrp="1"/>
           </p:cNvGraphicFramePr>
@@ -15398,14 +17542,14 @@
             <p:ph idx="1"/>
             <p:extLst>
               <p:ext uri="{D42A27DB-BD31-4B8C-83A1-F6EECF244321}">
-                <p14:modId xmlns:p14="http://schemas.microsoft.com/office/powerpoint/2010/main" val="563200528"/>
+                <p14:modId xmlns:p14="http://schemas.microsoft.com/office/powerpoint/2010/main" val="2149954986"/>
               </p:ext>
             </p:extLst>
           </p:nvPr>
         </p:nvGraphicFramePr>
         <p:xfrm>
-          <a:off x="-828600" y="1556792"/>
-          <a:ext cx="6546640" cy="3600400"/>
+          <a:off x="457200" y="1600200"/>
+          <a:ext cx="8229600" cy="4525963"/>
         </p:xfrm>
         <a:graphic>
           <a:graphicData uri="http://schemas.openxmlformats.org/drawingml/2006/diagram">
@@ -15413,34 +17557,10 @@
           </a:graphicData>
         </a:graphic>
       </p:graphicFrame>
-      <p:graphicFrame>
-        <p:nvGraphicFramePr>
-          <p:cNvPr id="7" name="Content Placeholder 3"/>
-          <p:cNvGraphicFramePr>
-            <a:graphicFrameLocks/>
-          </p:cNvGraphicFramePr>
-          <p:nvPr>
-            <p:extLst>
-              <p:ext uri="{D42A27DB-BD31-4B8C-83A1-F6EECF244321}">
-                <p14:modId xmlns:p14="http://schemas.microsoft.com/office/powerpoint/2010/main" val="2044261758"/>
-              </p:ext>
-            </p:extLst>
-          </p:nvPr>
-        </p:nvGraphicFramePr>
-        <p:xfrm>
-          <a:off x="3131840" y="1628800"/>
-          <a:ext cx="6546640" cy="3600400"/>
-        </p:xfrm>
-        <a:graphic>
-          <a:graphicData uri="http://schemas.openxmlformats.org/drawingml/2006/diagram">
-            <dgm:relIds xmlns:dgm="http://schemas.openxmlformats.org/drawingml/2006/diagram" xmlns:r="http://schemas.openxmlformats.org/officeDocument/2006/relationships" r:dm="rId7" r:lo="rId8" r:qs="rId9" r:cs="rId10"/>
-          </a:graphicData>
-        </a:graphic>
-      </p:graphicFrame>
     </p:spTree>
     <p:extLst>
       <p:ext uri="{BB962C8B-B14F-4D97-AF65-F5344CB8AC3E}">
-        <p14:creationId xmlns:p14="http://schemas.microsoft.com/office/powerpoint/2010/main" val="2960555023"/>
+        <p14:creationId xmlns:p14="http://schemas.microsoft.com/office/powerpoint/2010/main" val="2013378510"/>
       </p:ext>
     </p:extLst>
   </p:cSld>
@@ -15451,6 +17571,88 @@
 </file>
 
 <file path=ppt/slides/slide27.xml><?xml version="1.0" encoding="utf-8"?>
+<p:sld xmlns:a="http://schemas.openxmlformats.org/drawingml/2006/main" xmlns:r="http://schemas.openxmlformats.org/officeDocument/2006/relationships" xmlns:p="http://schemas.openxmlformats.org/presentationml/2006/main">
+  <p:cSld>
+    <p:spTree>
+      <p:nvGrpSpPr>
+        <p:cNvPr id="1" name=""/>
+        <p:cNvGrpSpPr/>
+        <p:nvPr/>
+      </p:nvGrpSpPr>
+      <p:grpSpPr>
+        <a:xfrm>
+          <a:off x="0" y="0"/>
+          <a:ext cx="0" cy="0"/>
+          <a:chOff x="0" y="0"/>
+          <a:chExt cx="0" cy="0"/>
+        </a:xfrm>
+      </p:grpSpPr>
+      <p:sp>
+        <p:nvSpPr>
+          <p:cNvPr id="2" name="Title 1"/>
+          <p:cNvSpPr>
+            <a:spLocks noGrp="1"/>
+          </p:cNvSpPr>
+          <p:nvPr>
+            <p:ph type="title"/>
+          </p:nvPr>
+        </p:nvSpPr>
+        <p:spPr/>
+        <p:txBody>
+          <a:bodyPr/>
+          <a:lstStyle/>
+          <a:p>
+            <a:r>
+              <a:rPr lang="en-NZ" dirty="0" err="1" smtClean="0"/>
+              <a:t>Simmodule</a:t>
+            </a:r>
+            <a:r>
+              <a:rPr lang="en-NZ" dirty="0" smtClean="0"/>
+              <a:t> class hierarchy</a:t>
+            </a:r>
+            <a:endParaRPr lang="en-NZ" dirty="0"/>
+          </a:p>
+        </p:txBody>
+      </p:sp>
+      <p:graphicFrame>
+        <p:nvGraphicFramePr>
+          <p:cNvPr id="6" name="Content Placeholder 5"/>
+          <p:cNvGraphicFramePr>
+            <a:graphicFrameLocks noGrp="1"/>
+          </p:cNvGraphicFramePr>
+          <p:nvPr>
+            <p:ph idx="1"/>
+            <p:extLst>
+              <p:ext uri="{D42A27DB-BD31-4B8C-83A1-F6EECF244321}">
+                <p14:modId xmlns:p14="http://schemas.microsoft.com/office/powerpoint/2010/main" val="1989761260"/>
+              </p:ext>
+            </p:extLst>
+          </p:nvPr>
+        </p:nvGraphicFramePr>
+        <p:xfrm>
+          <a:off x="457200" y="1600200"/>
+          <a:ext cx="8229600" cy="4525963"/>
+        </p:xfrm>
+        <a:graphic>
+          <a:graphicData uri="http://schemas.openxmlformats.org/drawingml/2006/diagram">
+            <dgm:relIds xmlns:dgm="http://schemas.openxmlformats.org/drawingml/2006/diagram" xmlns:r="http://schemas.openxmlformats.org/officeDocument/2006/relationships" r:dm="rId2" r:lo="rId3" r:qs="rId4" r:cs="rId5"/>
+          </a:graphicData>
+        </a:graphic>
+      </p:graphicFrame>
+    </p:spTree>
+    <p:extLst>
+      <p:ext uri="{BB962C8B-B14F-4D97-AF65-F5344CB8AC3E}">
+        <p14:creationId xmlns:p14="http://schemas.microsoft.com/office/powerpoint/2010/main" val="4198323359"/>
+      </p:ext>
+    </p:extLst>
+  </p:cSld>
+  <p:clrMapOvr>
+    <a:masterClrMapping/>
+  </p:clrMapOvr>
+</p:sld>
+</file>
+
+<file path=ppt/slides/slide28.xml><?xml version="1.0" encoding="utf-8"?>
 <p:sld xmlns:a="http://schemas.openxmlformats.org/drawingml/2006/main" xmlns:r="http://schemas.openxmlformats.org/officeDocument/2006/relationships" xmlns:p="http://schemas.openxmlformats.org/presentationml/2006/main">
   <p:cSld>
     <p:spTree>
